--- a/cooperativeNegotiation/crowdFlower/graphs.pptx
+++ b/cooperativeNegotiation/crowdFlower/graphs.pptx
@@ -6,9 +6,10 @@
   </p:sldMasterIdLst>
   <p:sldIdLst>
     <p:sldId id="256" r:id="rId2"/>
-    <p:sldId id="257" r:id="rId3"/>
-    <p:sldId id="258" r:id="rId4"/>
-    <p:sldId id="259" r:id="rId5"/>
+    <p:sldId id="260" r:id="rId3"/>
+    <p:sldId id="257" r:id="rId4"/>
+    <p:sldId id="258" r:id="rId5"/>
+    <p:sldId id="259" r:id="rId6"/>
   </p:sldIdLst>
   <p:sldSz cx="12192000" cy="6858000"/>
   <p:notesSz cx="6858000" cy="9144000"/>
@@ -107,7 +108,16 @@
       </a:defRPr>
     </a:lvl9pPr>
   </p:defaultTextStyle>
+  <p:extLst>
+    <p:ext uri="{EFAFB233-063F-42B5-8137-9DF3F51BA10A}">
+      <p15:sldGuideLst xmlns:p15="http://schemas.microsoft.com/office/powerpoint/2012/main"/>
+    </p:ext>
+  </p:extLst>
 </p:presentation>
+</file>
+
+<file path=ppt/revisionInfo.xml><?xml version="1.0" encoding="utf-8"?>
+<p1510:revInfo xmlns:a="http://schemas.openxmlformats.org/drawingml/2006/main" xmlns:r="http://schemas.openxmlformats.org/officeDocument/2006/relationships" xmlns:p1510="http://schemas.microsoft.com/office/powerpoint/2015/10/main"/>
 </file>
 
 <file path=ppt/charts/chart1.xml><?xml version="1.0" encoding="utf-8"?>
@@ -606,6 +616,467 @@
           <c:layoutTarget val="inner"/>
           <c:xMode val="edge"/>
           <c:yMode val="edge"/>
+          <c:x val="4.6119609524162837E-2"/>
+          <c:y val="0.18132151592030421"/>
+          <c:w val="0.85065173322058218"/>
+          <c:h val="0.75853664099715346"/>
+        </c:manualLayout>
+      </c:layout>
+      <c:barChart>
+        <c:barDir val="col"/>
+        <c:grouping val="clustered"/>
+        <c:varyColors val="0"/>
+        <c:ser>
+          <c:idx val="0"/>
+          <c:order val="0"/>
+          <c:tx>
+            <c:v>Agent 1</c:v>
+          </c:tx>
+          <c:spPr>
+            <a:solidFill>
+              <a:schemeClr val="accent1"/>
+            </a:solidFill>
+            <a:ln>
+              <a:noFill/>
+            </a:ln>
+            <a:effectLst/>
+          </c:spPr>
+          <c:invertIfNegative val="0"/>
+          <c:errBars>
+            <c:errBarType val="both"/>
+            <c:errValType val="cust"/>
+            <c:noEndCap val="0"/>
+            <c:plus>
+              <c:numRef>
+                <c:f>Feuil1!$B$10:$B$13</c:f>
+                <c:numCache>
+                  <c:formatCode>General</c:formatCode>
+                  <c:ptCount val="4"/>
+                  <c:pt idx="0">
+                    <c:v>1.119551</c:v>
+                  </c:pt>
+                  <c:pt idx="1">
+                    <c:v>0.99527540000000003</c:v>
+                  </c:pt>
+                  <c:pt idx="2">
+                    <c:v>1.154701</c:v>
+                  </c:pt>
+                  <c:pt idx="3">
+                    <c:v>1.0535950000000001</c:v>
+                  </c:pt>
+                </c:numCache>
+              </c:numRef>
+            </c:plus>
+            <c:minus>
+              <c:numRef>
+                <c:f>Feuil1!$B$10:$B$13</c:f>
+                <c:numCache>
+                  <c:formatCode>General</c:formatCode>
+                  <c:ptCount val="4"/>
+                  <c:pt idx="0">
+                    <c:v>1.119551</c:v>
+                  </c:pt>
+                  <c:pt idx="1">
+                    <c:v>0.99527540000000003</c:v>
+                  </c:pt>
+                  <c:pt idx="2">
+                    <c:v>1.154701</c:v>
+                  </c:pt>
+                  <c:pt idx="3">
+                    <c:v>1.0535950000000001</c:v>
+                  </c:pt>
+                </c:numCache>
+              </c:numRef>
+            </c:minus>
+            <c:spPr>
+              <a:noFill/>
+              <a:ln w="9525" cap="flat" cmpd="sng" algn="ctr">
+                <a:solidFill>
+                  <a:schemeClr val="tx1">
+                    <a:lumMod val="65000"/>
+                    <a:lumOff val="35000"/>
+                  </a:schemeClr>
+                </a:solidFill>
+                <a:round/>
+              </a:ln>
+              <a:effectLst/>
+            </c:spPr>
+          </c:errBars>
+          <c:cat>
+            <c:strRef>
+              <c:f>Feuil1!$A$3:$A$6</c:f>
+              <c:strCache>
+                <c:ptCount val="4"/>
+                <c:pt idx="0">
+                  <c:v>Dialogue1</c:v>
+                </c:pt>
+                <c:pt idx="1">
+                  <c:v>Dialogue2</c:v>
+                </c:pt>
+                <c:pt idx="2">
+                  <c:v>Dialogue3</c:v>
+                </c:pt>
+                <c:pt idx="3">
+                  <c:v>Dialogue4</c:v>
+                </c:pt>
+              </c:strCache>
+            </c:strRef>
+          </c:cat>
+          <c:val>
+            <c:numRef>
+              <c:f>Feuil1!$B$3:$B$6</c:f>
+              <c:numCache>
+                <c:formatCode>General</c:formatCode>
+                <c:ptCount val="4"/>
+                <c:pt idx="0">
+                  <c:v>3.961538</c:v>
+                </c:pt>
+                <c:pt idx="1">
+                  <c:v>3.5961539999999999</c:v>
+                </c:pt>
+                <c:pt idx="2">
+                  <c:v>2.8333330000000001</c:v>
+                </c:pt>
+                <c:pt idx="3">
+                  <c:v>3.3888889999999998</c:v>
+                </c:pt>
+              </c:numCache>
+            </c:numRef>
+          </c:val>
+          <c:extLst>
+            <c:ext xmlns:c16="http://schemas.microsoft.com/office/drawing/2014/chart" uri="{C3380CC4-5D6E-409C-BE32-E72D297353CC}">
+              <c16:uniqueId val="{00000000-3FEE-49A9-9F39-F942A891E339}"/>
+            </c:ext>
+          </c:extLst>
+        </c:ser>
+        <c:ser>
+          <c:idx val="1"/>
+          <c:order val="1"/>
+          <c:tx>
+            <c:v>Agent 2</c:v>
+          </c:tx>
+          <c:spPr>
+            <a:pattFill prst="dkHorz">
+              <a:fgClr>
+                <a:schemeClr val="accent2">
+                  <a:lumMod val="75000"/>
+                </a:schemeClr>
+              </a:fgClr>
+              <a:bgClr>
+                <a:schemeClr val="bg1"/>
+              </a:bgClr>
+            </a:pattFill>
+            <a:ln>
+              <a:noFill/>
+            </a:ln>
+            <a:effectLst/>
+          </c:spPr>
+          <c:invertIfNegative val="0"/>
+          <c:errBars>
+            <c:errBarType val="both"/>
+            <c:errValType val="cust"/>
+            <c:noEndCap val="0"/>
+            <c:plus>
+              <c:numRef>
+                <c:f>Feuil1!$C$10:$C$13</c:f>
+                <c:numCache>
+                  <c:formatCode>General</c:formatCode>
+                  <c:ptCount val="4"/>
+                  <c:pt idx="0">
+                    <c:v>0.91472779999999998</c:v>
+                  </c:pt>
+                  <c:pt idx="1">
+                    <c:v>0.79306949999999998</c:v>
+                  </c:pt>
+                  <c:pt idx="2">
+                    <c:v>0.77155779999999996</c:v>
+                  </c:pt>
+                  <c:pt idx="3">
+                    <c:v>0.91037959999999996</c:v>
+                  </c:pt>
+                </c:numCache>
+              </c:numRef>
+            </c:plus>
+            <c:minus>
+              <c:numRef>
+                <c:f>Feuil1!$C$10:$C$13</c:f>
+                <c:numCache>
+                  <c:formatCode>General</c:formatCode>
+                  <c:ptCount val="4"/>
+                  <c:pt idx="0">
+                    <c:v>0.91472779999999998</c:v>
+                  </c:pt>
+                  <c:pt idx="1">
+                    <c:v>0.79306949999999998</c:v>
+                  </c:pt>
+                  <c:pt idx="2">
+                    <c:v>0.77155779999999996</c:v>
+                  </c:pt>
+                  <c:pt idx="3">
+                    <c:v>0.91037959999999996</c:v>
+                  </c:pt>
+                </c:numCache>
+              </c:numRef>
+            </c:minus>
+            <c:spPr>
+              <a:noFill/>
+              <a:ln w="9525" cap="flat" cmpd="sng" algn="ctr">
+                <a:solidFill>
+                  <a:schemeClr val="tx1">
+                    <a:lumMod val="65000"/>
+                    <a:lumOff val="35000"/>
+                  </a:schemeClr>
+                </a:solidFill>
+                <a:round/>
+              </a:ln>
+              <a:effectLst/>
+            </c:spPr>
+          </c:errBars>
+          <c:cat>
+            <c:strRef>
+              <c:f>Feuil1!$A$3:$A$6</c:f>
+              <c:strCache>
+                <c:ptCount val="4"/>
+                <c:pt idx="0">
+                  <c:v>Dialogue1</c:v>
+                </c:pt>
+                <c:pt idx="1">
+                  <c:v>Dialogue2</c:v>
+                </c:pt>
+                <c:pt idx="2">
+                  <c:v>Dialogue3</c:v>
+                </c:pt>
+                <c:pt idx="3">
+                  <c:v>Dialogue4</c:v>
+                </c:pt>
+              </c:strCache>
+            </c:strRef>
+          </c:cat>
+          <c:val>
+            <c:numRef>
+              <c:f>Feuil1!$C$3:$C$6</c:f>
+              <c:numCache>
+                <c:formatCode>General</c:formatCode>
+                <c:ptCount val="4"/>
+                <c:pt idx="0">
+                  <c:v>2.211538</c:v>
+                </c:pt>
+                <c:pt idx="1">
+                  <c:v>2.1923080000000001</c:v>
+                </c:pt>
+                <c:pt idx="2">
+                  <c:v>2.1458330000000001</c:v>
+                </c:pt>
+                <c:pt idx="3">
+                  <c:v>1.962963</c:v>
+                </c:pt>
+              </c:numCache>
+            </c:numRef>
+          </c:val>
+          <c:extLst>
+            <c:ext xmlns:c16="http://schemas.microsoft.com/office/drawing/2014/chart" uri="{C3380CC4-5D6E-409C-BE32-E72D297353CC}">
+              <c16:uniqueId val="{00000001-3FEE-49A9-9F39-F942A891E339}"/>
+            </c:ext>
+          </c:extLst>
+        </c:ser>
+        <c:dLbls>
+          <c:showLegendKey val="0"/>
+          <c:showVal val="0"/>
+          <c:showCatName val="0"/>
+          <c:showSerName val="0"/>
+          <c:showPercent val="0"/>
+          <c:showBubbleSize val="0"/>
+        </c:dLbls>
+        <c:gapWidth val="219"/>
+        <c:overlap val="-27"/>
+        <c:axId val="252166576"/>
+        <c:axId val="252159032"/>
+      </c:barChart>
+      <c:catAx>
+        <c:axId val="252166576"/>
+        <c:scaling>
+          <c:orientation val="minMax"/>
+        </c:scaling>
+        <c:delete val="0"/>
+        <c:axPos val="b"/>
+        <c:numFmt formatCode="General" sourceLinked="1"/>
+        <c:majorTickMark val="none"/>
+        <c:minorTickMark val="none"/>
+        <c:tickLblPos val="nextTo"/>
+        <c:spPr>
+          <a:noFill/>
+          <a:ln w="9525" cap="flat" cmpd="sng" algn="ctr">
+            <a:solidFill>
+              <a:schemeClr val="tx1">
+                <a:lumMod val="15000"/>
+                <a:lumOff val="85000"/>
+              </a:schemeClr>
+            </a:solidFill>
+            <a:round/>
+          </a:ln>
+          <a:effectLst/>
+        </c:spPr>
+        <c:txPr>
+          <a:bodyPr rot="-60000000" spcFirstLastPara="1" vertOverflow="ellipsis" vert="horz" wrap="square" anchor="ctr" anchorCtr="1"/>
+          <a:lstStyle/>
+          <a:p>
+            <a:pPr>
+              <a:defRPr sz="1600" b="1" i="0" u="none" strike="noStrike" kern="1200" baseline="0">
+                <a:solidFill>
+                  <a:schemeClr val="tx1">
+                    <a:lumMod val="65000"/>
+                    <a:lumOff val="35000"/>
+                  </a:schemeClr>
+                </a:solidFill>
+                <a:latin typeface="+mn-lt"/>
+                <a:ea typeface="+mn-ea"/>
+                <a:cs typeface="+mn-cs"/>
+              </a:defRPr>
+            </a:pPr>
+            <a:endParaRPr lang="fr-FR"/>
+          </a:p>
+        </c:txPr>
+        <c:crossAx val="252159032"/>
+        <c:crosses val="autoZero"/>
+        <c:auto val="1"/>
+        <c:lblAlgn val="ctr"/>
+        <c:lblOffset val="100"/>
+        <c:noMultiLvlLbl val="0"/>
+      </c:catAx>
+      <c:valAx>
+        <c:axId val="252159032"/>
+        <c:scaling>
+          <c:orientation val="minMax"/>
+          <c:max val="5"/>
+        </c:scaling>
+        <c:delete val="0"/>
+        <c:axPos val="l"/>
+        <c:numFmt formatCode="General" sourceLinked="1"/>
+        <c:majorTickMark val="none"/>
+        <c:minorTickMark val="none"/>
+        <c:tickLblPos val="nextTo"/>
+        <c:spPr>
+          <a:noFill/>
+          <a:ln>
+            <a:noFill/>
+          </a:ln>
+          <a:effectLst/>
+        </c:spPr>
+        <c:txPr>
+          <a:bodyPr rot="-60000000" spcFirstLastPara="1" vertOverflow="ellipsis" vert="horz" wrap="square" anchor="ctr" anchorCtr="1"/>
+          <a:lstStyle/>
+          <a:p>
+            <a:pPr>
+              <a:defRPr sz="1800" b="0" i="0" u="none" strike="noStrike" kern="1200" baseline="0">
+                <a:solidFill>
+                  <a:schemeClr val="tx1">
+                    <a:lumMod val="65000"/>
+                    <a:lumOff val="35000"/>
+                  </a:schemeClr>
+                </a:solidFill>
+                <a:latin typeface="+mn-lt"/>
+                <a:ea typeface="+mn-ea"/>
+                <a:cs typeface="+mn-cs"/>
+              </a:defRPr>
+            </a:pPr>
+            <a:endParaRPr lang="fr-FR"/>
+          </a:p>
+        </c:txPr>
+        <c:crossAx val="252166576"/>
+        <c:crosses val="autoZero"/>
+        <c:crossBetween val="between"/>
+        <c:majorUnit val="1"/>
+      </c:valAx>
+      <c:spPr>
+        <a:noFill/>
+        <a:ln w="25400">
+          <a:noFill/>
+        </a:ln>
+        <a:effectLst/>
+      </c:spPr>
+    </c:plotArea>
+    <c:legend>
+      <c:legendPos val="r"/>
+      <c:overlay val="0"/>
+      <c:spPr>
+        <a:noFill/>
+        <a:ln>
+          <a:noFill/>
+        </a:ln>
+        <a:effectLst/>
+      </c:spPr>
+      <c:txPr>
+        <a:bodyPr rot="0" spcFirstLastPara="1" vertOverflow="ellipsis" vert="horz" wrap="square" anchor="ctr" anchorCtr="1"/>
+        <a:lstStyle/>
+        <a:p>
+          <a:pPr>
+            <a:defRPr sz="1800" b="1" i="0" u="none" strike="noStrike" kern="1200" baseline="0">
+              <a:solidFill>
+                <a:schemeClr val="tx1">
+                  <a:lumMod val="65000"/>
+                  <a:lumOff val="35000"/>
+                </a:schemeClr>
+              </a:solidFill>
+              <a:latin typeface="+mn-lt"/>
+              <a:ea typeface="+mn-ea"/>
+              <a:cs typeface="+mn-cs"/>
+            </a:defRPr>
+          </a:pPr>
+          <a:endParaRPr lang="fr-FR"/>
+        </a:p>
+      </c:txPr>
+    </c:legend>
+    <c:plotVisOnly val="1"/>
+    <c:dispBlanksAs val="gap"/>
+    <c:showDLblsOverMax val="0"/>
+  </c:chart>
+  <c:spPr>
+    <a:noFill/>
+    <a:ln>
+      <a:solidFill>
+        <a:schemeClr val="tx1"/>
+      </a:solidFill>
+    </a:ln>
+    <a:effectLst/>
+  </c:spPr>
+  <c:txPr>
+    <a:bodyPr/>
+    <a:lstStyle/>
+    <a:p>
+      <a:pPr>
+        <a:defRPr/>
+      </a:pPr>
+      <a:endParaRPr lang="fr-FR"/>
+    </a:p>
+  </c:txPr>
+  <c:externalData r:id="rId3">
+    <c:autoUpdate val="0"/>
+  </c:externalData>
+  <c:userShapes r:id="rId4"/>
+</c:chartSpace>
+</file>
+
+<file path=ppt/charts/chart3.xml><?xml version="1.0" encoding="utf-8"?>
+<c:chartSpace xmlns:c="http://schemas.openxmlformats.org/drawingml/2006/chart" xmlns:a="http://schemas.openxmlformats.org/drawingml/2006/main" xmlns:r="http://schemas.openxmlformats.org/officeDocument/2006/relationships" xmlns:c16r2="http://schemas.microsoft.com/office/drawing/2015/06/chart">
+  <c:date1904 val="0"/>
+  <c:lang val="fr-FR"/>
+  <c:roundedCorners val="0"/>
+  <mc:AlternateContent xmlns:mc="http://schemas.openxmlformats.org/markup-compatibility/2006">
+    <mc:Choice xmlns:c14="http://schemas.microsoft.com/office/drawing/2007/8/2/chart" Requires="c14">
+      <c14:style val="102"/>
+    </mc:Choice>
+    <mc:Fallback>
+      <c:style val="2"/>
+    </mc:Fallback>
+  </mc:AlternateContent>
+  <c:chart>
+    <c:autoTitleDeleted val="0"/>
+    <c:plotArea>
+      <c:layout>
+        <c:manualLayout>
+          <c:layoutTarget val="inner"/>
+          <c:xMode val="edge"/>
+          <c:yMode val="edge"/>
           <c:x val="8.933756964589952E-2"/>
           <c:y val="0.21573325695483131"/>
           <c:w val="0.77538673667854185"/>
@@ -1050,7 +1521,7 @@
 </c:chartSpace>
 </file>
 
-<file path=ppt/charts/chart3.xml><?xml version="1.0" encoding="utf-8"?>
+<file path=ppt/charts/chart4.xml><?xml version="1.0" encoding="utf-8"?>
 <c:chartSpace xmlns:c="http://schemas.openxmlformats.org/drawingml/2006/chart" xmlns:a="http://schemas.openxmlformats.org/drawingml/2006/main" xmlns:r="http://schemas.openxmlformats.org/officeDocument/2006/relationships" xmlns:c16r2="http://schemas.microsoft.com/office/drawing/2015/06/chart">
   <c:date1904 val="0"/>
   <c:lang val="fr-FR"/>
@@ -1506,7 +1977,7 @@
 </c:chartSpace>
 </file>
 
-<file path=ppt/charts/chart4.xml><?xml version="1.0" encoding="utf-8"?>
+<file path=ppt/charts/chart5.xml><?xml version="1.0" encoding="utf-8"?>
 <c:chartSpace xmlns:c="http://schemas.openxmlformats.org/drawingml/2006/chart" xmlns:a="http://schemas.openxmlformats.org/drawingml/2006/main" xmlns:r="http://schemas.openxmlformats.org/officeDocument/2006/relationships" xmlns:c16r2="http://schemas.microsoft.com/office/drawing/2015/06/chart">
   <c:date1904 val="0"/>
   <c:lang val="fr-FR"/>
@@ -2120,6 +2591,46 @@
 </cs:colorStyle>
 </file>
 
+<file path=ppt/charts/colors5.xml><?xml version="1.0" encoding="utf-8"?>
+<cs:colorStyle xmlns:cs="http://schemas.microsoft.com/office/drawing/2012/chartStyle" xmlns:a="http://schemas.openxmlformats.org/drawingml/2006/main" meth="cycle" id="10">
+  <a:schemeClr val="accent1"/>
+  <a:schemeClr val="accent2"/>
+  <a:schemeClr val="accent3"/>
+  <a:schemeClr val="accent4"/>
+  <a:schemeClr val="accent5"/>
+  <a:schemeClr val="accent6"/>
+  <cs:variation/>
+  <cs:variation>
+    <a:lumMod val="60000"/>
+  </cs:variation>
+  <cs:variation>
+    <a:lumMod val="80000"/>
+    <a:lumOff val="20000"/>
+  </cs:variation>
+  <cs:variation>
+    <a:lumMod val="80000"/>
+  </cs:variation>
+  <cs:variation>
+    <a:lumMod val="60000"/>
+    <a:lumOff val="40000"/>
+  </cs:variation>
+  <cs:variation>
+    <a:lumMod val="50000"/>
+  </cs:variation>
+  <cs:variation>
+    <a:lumMod val="70000"/>
+    <a:lumOff val="30000"/>
+  </cs:variation>
+  <cs:variation>
+    <a:lumMod val="70000"/>
+  </cs:variation>
+  <cs:variation>
+    <a:lumMod val="50000"/>
+    <a:lumOff val="50000"/>
+  </cs:variation>
+</cs:colorStyle>
+</file>
+
 <file path=ppt/charts/style1.xml><?xml version="1.0" encoding="utf-8"?>
 <cs:chartStyle xmlns:cs="http://schemas.microsoft.com/office/drawing/2012/chartStyle" xmlns:a="http://schemas.openxmlformats.org/drawingml/2006/main" id="201">
   <cs:axisTitle>
@@ -4132,6 +4643,509 @@
 </cs:chartStyle>
 </file>
 
+<file path=ppt/charts/style5.xml><?xml version="1.0" encoding="utf-8"?>
+<cs:chartStyle xmlns:cs="http://schemas.microsoft.com/office/drawing/2012/chartStyle" xmlns:a="http://schemas.openxmlformats.org/drawingml/2006/main" id="201">
+  <cs:axisTitle>
+    <cs:lnRef idx="0"/>
+    <cs:fillRef idx="0"/>
+    <cs:effectRef idx="0"/>
+    <cs:fontRef idx="minor">
+      <a:schemeClr val="tx1">
+        <a:lumMod val="65000"/>
+        <a:lumOff val="35000"/>
+      </a:schemeClr>
+    </cs:fontRef>
+    <cs:defRPr sz="1000" kern="1200"/>
+  </cs:axisTitle>
+  <cs:categoryAxis>
+    <cs:lnRef idx="0"/>
+    <cs:fillRef idx="0"/>
+    <cs:effectRef idx="0"/>
+    <cs:fontRef idx="minor">
+      <a:schemeClr val="tx1">
+        <a:lumMod val="65000"/>
+        <a:lumOff val="35000"/>
+      </a:schemeClr>
+    </cs:fontRef>
+    <cs:spPr>
+      <a:ln w="9525" cap="flat" cmpd="sng" algn="ctr">
+        <a:solidFill>
+          <a:schemeClr val="tx1">
+            <a:lumMod val="15000"/>
+            <a:lumOff val="85000"/>
+          </a:schemeClr>
+        </a:solidFill>
+        <a:round/>
+      </a:ln>
+    </cs:spPr>
+    <cs:defRPr sz="900" kern="1200"/>
+  </cs:categoryAxis>
+  <cs:chartArea mods="allowNoFillOverride allowNoLineOverride">
+    <cs:lnRef idx="0"/>
+    <cs:fillRef idx="0"/>
+    <cs:effectRef idx="0"/>
+    <cs:fontRef idx="minor">
+      <a:schemeClr val="tx1"/>
+    </cs:fontRef>
+    <cs:spPr>
+      <a:solidFill>
+        <a:schemeClr val="bg1"/>
+      </a:solidFill>
+      <a:ln w="9525" cap="flat" cmpd="sng" algn="ctr">
+        <a:solidFill>
+          <a:schemeClr val="tx1">
+            <a:lumMod val="15000"/>
+            <a:lumOff val="85000"/>
+          </a:schemeClr>
+        </a:solidFill>
+        <a:round/>
+      </a:ln>
+    </cs:spPr>
+    <cs:defRPr sz="1000" kern="1200"/>
+  </cs:chartArea>
+  <cs:dataLabel>
+    <cs:lnRef idx="0"/>
+    <cs:fillRef idx="0"/>
+    <cs:effectRef idx="0"/>
+    <cs:fontRef idx="minor">
+      <a:schemeClr val="tx1">
+        <a:lumMod val="75000"/>
+        <a:lumOff val="25000"/>
+      </a:schemeClr>
+    </cs:fontRef>
+    <cs:defRPr sz="900" kern="1200"/>
+  </cs:dataLabel>
+  <cs:dataLabelCallout>
+    <cs:lnRef idx="0"/>
+    <cs:fillRef idx="0"/>
+    <cs:effectRef idx="0"/>
+    <cs:fontRef idx="minor">
+      <a:schemeClr val="dk1">
+        <a:lumMod val="65000"/>
+        <a:lumOff val="35000"/>
+      </a:schemeClr>
+    </cs:fontRef>
+    <cs:spPr>
+      <a:solidFill>
+        <a:schemeClr val="lt1"/>
+      </a:solidFill>
+      <a:ln>
+        <a:solidFill>
+          <a:schemeClr val="dk1">
+            <a:lumMod val="25000"/>
+            <a:lumOff val="75000"/>
+          </a:schemeClr>
+        </a:solidFill>
+      </a:ln>
+    </cs:spPr>
+    <cs:defRPr sz="900" kern="1200"/>
+    <cs:bodyPr rot="0" spcFirstLastPara="1" vertOverflow="clip" horzOverflow="clip" vert="horz" wrap="square" lIns="36576" tIns="18288" rIns="36576" bIns="18288" anchor="ctr" anchorCtr="1">
+      <a:spAutoFit/>
+    </cs:bodyPr>
+  </cs:dataLabelCallout>
+  <cs:dataPoint>
+    <cs:lnRef idx="0"/>
+    <cs:fillRef idx="1">
+      <cs:styleClr val="auto"/>
+    </cs:fillRef>
+    <cs:effectRef idx="0"/>
+    <cs:fontRef idx="minor">
+      <a:schemeClr val="tx1"/>
+    </cs:fontRef>
+  </cs:dataPoint>
+  <cs:dataPoint3D>
+    <cs:lnRef idx="0"/>
+    <cs:fillRef idx="1">
+      <cs:styleClr val="auto"/>
+    </cs:fillRef>
+    <cs:effectRef idx="0"/>
+    <cs:fontRef idx="minor">
+      <a:schemeClr val="tx1"/>
+    </cs:fontRef>
+  </cs:dataPoint3D>
+  <cs:dataPointLine>
+    <cs:lnRef idx="0">
+      <cs:styleClr val="auto"/>
+    </cs:lnRef>
+    <cs:fillRef idx="1"/>
+    <cs:effectRef idx="0"/>
+    <cs:fontRef idx="minor">
+      <a:schemeClr val="tx1"/>
+    </cs:fontRef>
+    <cs:spPr>
+      <a:ln w="28575" cap="rnd">
+        <a:solidFill>
+          <a:schemeClr val="phClr"/>
+        </a:solidFill>
+        <a:round/>
+      </a:ln>
+    </cs:spPr>
+  </cs:dataPointLine>
+  <cs:dataPointMarker>
+    <cs:lnRef idx="0">
+      <cs:styleClr val="auto"/>
+    </cs:lnRef>
+    <cs:fillRef idx="1">
+      <cs:styleClr val="auto"/>
+    </cs:fillRef>
+    <cs:effectRef idx="0"/>
+    <cs:fontRef idx="minor">
+      <a:schemeClr val="tx1"/>
+    </cs:fontRef>
+    <cs:spPr>
+      <a:ln w="9525">
+        <a:solidFill>
+          <a:schemeClr val="phClr"/>
+        </a:solidFill>
+      </a:ln>
+    </cs:spPr>
+  </cs:dataPointMarker>
+  <cs:dataPointMarkerLayout symbol="circle" size="5"/>
+  <cs:dataPointWireframe>
+    <cs:lnRef idx="0">
+      <cs:styleClr val="auto"/>
+    </cs:lnRef>
+    <cs:fillRef idx="1"/>
+    <cs:effectRef idx="0"/>
+    <cs:fontRef idx="minor">
+      <a:schemeClr val="tx1"/>
+    </cs:fontRef>
+    <cs:spPr>
+      <a:ln w="9525" cap="rnd">
+        <a:solidFill>
+          <a:schemeClr val="phClr"/>
+        </a:solidFill>
+        <a:round/>
+      </a:ln>
+    </cs:spPr>
+  </cs:dataPointWireframe>
+  <cs:dataTable>
+    <cs:lnRef idx="0"/>
+    <cs:fillRef idx="0"/>
+    <cs:effectRef idx="0"/>
+    <cs:fontRef idx="minor">
+      <a:schemeClr val="tx1">
+        <a:lumMod val="65000"/>
+        <a:lumOff val="35000"/>
+      </a:schemeClr>
+    </cs:fontRef>
+    <cs:spPr>
+      <a:noFill/>
+      <a:ln w="9525" cap="flat" cmpd="sng" algn="ctr">
+        <a:solidFill>
+          <a:schemeClr val="tx1">
+            <a:lumMod val="15000"/>
+            <a:lumOff val="85000"/>
+          </a:schemeClr>
+        </a:solidFill>
+        <a:round/>
+      </a:ln>
+    </cs:spPr>
+    <cs:defRPr sz="900" kern="1200"/>
+  </cs:dataTable>
+  <cs:downBar>
+    <cs:lnRef idx="0"/>
+    <cs:fillRef idx="0"/>
+    <cs:effectRef idx="0"/>
+    <cs:fontRef idx="minor">
+      <a:schemeClr val="dk1"/>
+    </cs:fontRef>
+    <cs:spPr>
+      <a:solidFill>
+        <a:schemeClr val="dk1">
+          <a:lumMod val="65000"/>
+          <a:lumOff val="35000"/>
+        </a:schemeClr>
+      </a:solidFill>
+      <a:ln w="9525">
+        <a:solidFill>
+          <a:schemeClr val="tx1">
+            <a:lumMod val="65000"/>
+            <a:lumOff val="35000"/>
+          </a:schemeClr>
+        </a:solidFill>
+      </a:ln>
+    </cs:spPr>
+  </cs:downBar>
+  <cs:dropLine>
+    <cs:lnRef idx="0"/>
+    <cs:fillRef idx="0"/>
+    <cs:effectRef idx="0"/>
+    <cs:fontRef idx="minor">
+      <a:schemeClr val="tx1"/>
+    </cs:fontRef>
+    <cs:spPr>
+      <a:ln w="9525" cap="flat" cmpd="sng" algn="ctr">
+        <a:solidFill>
+          <a:schemeClr val="tx1">
+            <a:lumMod val="35000"/>
+            <a:lumOff val="65000"/>
+          </a:schemeClr>
+        </a:solidFill>
+        <a:round/>
+      </a:ln>
+    </cs:spPr>
+  </cs:dropLine>
+  <cs:errorBar>
+    <cs:lnRef idx="0"/>
+    <cs:fillRef idx="0"/>
+    <cs:effectRef idx="0"/>
+    <cs:fontRef idx="minor">
+      <a:schemeClr val="tx1"/>
+    </cs:fontRef>
+    <cs:spPr>
+      <a:ln w="9525" cap="flat" cmpd="sng" algn="ctr">
+        <a:solidFill>
+          <a:schemeClr val="tx1">
+            <a:lumMod val="65000"/>
+            <a:lumOff val="35000"/>
+          </a:schemeClr>
+        </a:solidFill>
+        <a:round/>
+      </a:ln>
+    </cs:spPr>
+  </cs:errorBar>
+  <cs:floor>
+    <cs:lnRef idx="0"/>
+    <cs:fillRef idx="0"/>
+    <cs:effectRef idx="0"/>
+    <cs:fontRef idx="minor">
+      <a:schemeClr val="tx1"/>
+    </cs:fontRef>
+    <cs:spPr>
+      <a:noFill/>
+      <a:ln>
+        <a:noFill/>
+      </a:ln>
+    </cs:spPr>
+  </cs:floor>
+  <cs:gridlineMajor>
+    <cs:lnRef idx="0"/>
+    <cs:fillRef idx="0"/>
+    <cs:effectRef idx="0"/>
+    <cs:fontRef idx="minor">
+      <a:schemeClr val="tx1"/>
+    </cs:fontRef>
+    <cs:spPr>
+      <a:ln w="9525" cap="flat" cmpd="sng" algn="ctr">
+        <a:solidFill>
+          <a:schemeClr val="tx1">
+            <a:lumMod val="15000"/>
+            <a:lumOff val="85000"/>
+          </a:schemeClr>
+        </a:solidFill>
+        <a:round/>
+      </a:ln>
+    </cs:spPr>
+  </cs:gridlineMajor>
+  <cs:gridlineMinor>
+    <cs:lnRef idx="0"/>
+    <cs:fillRef idx="0"/>
+    <cs:effectRef idx="0"/>
+    <cs:fontRef idx="minor">
+      <a:schemeClr val="tx1"/>
+    </cs:fontRef>
+    <cs:spPr>
+      <a:ln w="9525" cap="flat" cmpd="sng" algn="ctr">
+        <a:solidFill>
+          <a:schemeClr val="tx1">
+            <a:lumMod val="5000"/>
+            <a:lumOff val="95000"/>
+          </a:schemeClr>
+        </a:solidFill>
+        <a:round/>
+      </a:ln>
+    </cs:spPr>
+  </cs:gridlineMinor>
+  <cs:hiLoLine>
+    <cs:lnRef idx="0"/>
+    <cs:fillRef idx="0"/>
+    <cs:effectRef idx="0"/>
+    <cs:fontRef idx="minor">
+      <a:schemeClr val="tx1"/>
+    </cs:fontRef>
+    <cs:spPr>
+      <a:ln w="9525" cap="flat" cmpd="sng" algn="ctr">
+        <a:solidFill>
+          <a:schemeClr val="tx1">
+            <a:lumMod val="75000"/>
+            <a:lumOff val="25000"/>
+          </a:schemeClr>
+        </a:solidFill>
+        <a:round/>
+      </a:ln>
+    </cs:spPr>
+  </cs:hiLoLine>
+  <cs:leaderLine>
+    <cs:lnRef idx="0"/>
+    <cs:fillRef idx="0"/>
+    <cs:effectRef idx="0"/>
+    <cs:fontRef idx="minor">
+      <a:schemeClr val="tx1"/>
+    </cs:fontRef>
+    <cs:spPr>
+      <a:ln w="9525" cap="flat" cmpd="sng" algn="ctr">
+        <a:solidFill>
+          <a:schemeClr val="tx1">
+            <a:lumMod val="35000"/>
+            <a:lumOff val="65000"/>
+          </a:schemeClr>
+        </a:solidFill>
+        <a:round/>
+      </a:ln>
+    </cs:spPr>
+  </cs:leaderLine>
+  <cs:legend>
+    <cs:lnRef idx="0"/>
+    <cs:fillRef idx="0"/>
+    <cs:effectRef idx="0"/>
+    <cs:fontRef idx="minor">
+      <a:schemeClr val="tx1">
+        <a:lumMod val="65000"/>
+        <a:lumOff val="35000"/>
+      </a:schemeClr>
+    </cs:fontRef>
+    <cs:defRPr sz="900" kern="1200"/>
+  </cs:legend>
+  <cs:plotArea mods="allowNoFillOverride allowNoLineOverride">
+    <cs:lnRef idx="0"/>
+    <cs:fillRef idx="0"/>
+    <cs:effectRef idx="0"/>
+    <cs:fontRef idx="minor">
+      <a:schemeClr val="tx1"/>
+    </cs:fontRef>
+  </cs:plotArea>
+  <cs:plotArea3D mods="allowNoFillOverride allowNoLineOverride">
+    <cs:lnRef idx="0"/>
+    <cs:fillRef idx="0"/>
+    <cs:effectRef idx="0"/>
+    <cs:fontRef idx="minor">
+      <a:schemeClr val="tx1"/>
+    </cs:fontRef>
+  </cs:plotArea3D>
+  <cs:seriesAxis>
+    <cs:lnRef idx="0"/>
+    <cs:fillRef idx="0"/>
+    <cs:effectRef idx="0"/>
+    <cs:fontRef idx="minor">
+      <a:schemeClr val="tx1">
+        <a:lumMod val="65000"/>
+        <a:lumOff val="35000"/>
+      </a:schemeClr>
+    </cs:fontRef>
+    <cs:defRPr sz="900" kern="1200"/>
+  </cs:seriesAxis>
+  <cs:seriesLine>
+    <cs:lnRef idx="0"/>
+    <cs:fillRef idx="0"/>
+    <cs:effectRef idx="0"/>
+    <cs:fontRef idx="minor">
+      <a:schemeClr val="tx1"/>
+    </cs:fontRef>
+    <cs:spPr>
+      <a:ln w="9525" cap="flat" cmpd="sng" algn="ctr">
+        <a:solidFill>
+          <a:schemeClr val="tx1">
+            <a:lumMod val="35000"/>
+            <a:lumOff val="65000"/>
+          </a:schemeClr>
+        </a:solidFill>
+        <a:round/>
+      </a:ln>
+    </cs:spPr>
+  </cs:seriesLine>
+  <cs:title>
+    <cs:lnRef idx="0"/>
+    <cs:fillRef idx="0"/>
+    <cs:effectRef idx="0"/>
+    <cs:fontRef idx="minor">
+      <a:schemeClr val="tx1">
+        <a:lumMod val="65000"/>
+        <a:lumOff val="35000"/>
+      </a:schemeClr>
+    </cs:fontRef>
+    <cs:defRPr sz="1400" b="0" kern="1200" spc="0" baseline="0"/>
+  </cs:title>
+  <cs:trendline>
+    <cs:lnRef idx="0">
+      <cs:styleClr val="auto"/>
+    </cs:lnRef>
+    <cs:fillRef idx="0"/>
+    <cs:effectRef idx="0"/>
+    <cs:fontRef idx="minor">
+      <a:schemeClr val="tx1"/>
+    </cs:fontRef>
+    <cs:spPr>
+      <a:ln w="19050" cap="rnd">
+        <a:solidFill>
+          <a:schemeClr val="phClr"/>
+        </a:solidFill>
+        <a:prstDash val="sysDot"/>
+      </a:ln>
+    </cs:spPr>
+  </cs:trendline>
+  <cs:trendlineLabel>
+    <cs:lnRef idx="0"/>
+    <cs:fillRef idx="0"/>
+    <cs:effectRef idx="0"/>
+    <cs:fontRef idx="minor">
+      <a:schemeClr val="tx1">
+        <a:lumMod val="65000"/>
+        <a:lumOff val="35000"/>
+      </a:schemeClr>
+    </cs:fontRef>
+    <cs:defRPr sz="900" kern="1200"/>
+  </cs:trendlineLabel>
+  <cs:upBar>
+    <cs:lnRef idx="0"/>
+    <cs:fillRef idx="0"/>
+    <cs:effectRef idx="0"/>
+    <cs:fontRef idx="minor">
+      <a:schemeClr val="dk1"/>
+    </cs:fontRef>
+    <cs:spPr>
+      <a:solidFill>
+        <a:schemeClr val="lt1"/>
+      </a:solidFill>
+      <a:ln w="9525">
+        <a:solidFill>
+          <a:schemeClr val="tx1">
+            <a:lumMod val="15000"/>
+            <a:lumOff val="85000"/>
+          </a:schemeClr>
+        </a:solidFill>
+      </a:ln>
+    </cs:spPr>
+  </cs:upBar>
+  <cs:valueAxis>
+    <cs:lnRef idx="0"/>
+    <cs:fillRef idx="0"/>
+    <cs:effectRef idx="0"/>
+    <cs:fontRef idx="minor">
+      <a:schemeClr val="tx1">
+        <a:lumMod val="65000"/>
+        <a:lumOff val="35000"/>
+      </a:schemeClr>
+    </cs:fontRef>
+    <cs:defRPr sz="900" kern="1200"/>
+  </cs:valueAxis>
+  <cs:wall>
+    <cs:lnRef idx="0"/>
+    <cs:fillRef idx="0"/>
+    <cs:effectRef idx="0"/>
+    <cs:fontRef idx="minor">
+      <a:schemeClr val="tx1"/>
+    </cs:fontRef>
+    <cs:spPr>
+      <a:noFill/>
+      <a:ln>
+        <a:noFill/>
+      </a:ln>
+    </cs:spPr>
+  </cs:wall>
+</cs:chartStyle>
+</file>
+
 <file path=ppt/drawings/drawing1.xml><?xml version="1.0" encoding="utf-8"?>
 <c:userShapes xmlns:c="http://schemas.openxmlformats.org/drawingml/2006/chart">
   <cdr:relSizeAnchor xmlns:cdr="http://schemas.openxmlformats.org/drawingml/2006/chartDrawing">
@@ -4145,20 +5159,32 @@
     </cdr:to>
     <cdr:grpSp>
       <cdr:nvGrpSpPr>
-        <cdr:cNvPr id="53" name="Groupe 52"/>
+        <cdr:cNvPr id="53" name="Groupe 52">
+          <a:extLst xmlns:a="http://schemas.openxmlformats.org/drawingml/2006/main">
+            <a:ext uri="{FF2B5EF4-FFF2-40B4-BE49-F238E27FC236}">
+              <a16:creationId xmlns:a16="http://schemas.microsoft.com/office/drawing/2014/main" id="{47A0C9B0-16E9-45F2-AECD-C2E36D68A565}"/>
+            </a:ext>
+          </a:extLst>
+        </cdr:cNvPr>
         <cdr:cNvGrpSpPr/>
       </cdr:nvGrpSpPr>
       <cdr:grpSpPr>
         <a:xfrm xmlns:a="http://schemas.openxmlformats.org/drawingml/2006/main">
-          <a:off x="948431" y="1047999"/>
-          <a:ext cx="524083" cy="1456144"/>
+          <a:off x="948456" y="1047996"/>
+          <a:ext cx="524094" cy="1456122"/>
           <a:chOff x="858679" y="820892"/>
           <a:chExt cx="507512" cy="1707161"/>
         </a:xfrm>
       </cdr:grpSpPr>
       <cdr:cxnSp macro="">
         <cdr:nvCxnSpPr>
-          <cdr:cNvPr id="3" name="Connecteur droit 2"/>
+          <cdr:cNvPr id="3" name="Connecteur droit 2">
+            <a:extLst xmlns:a="http://schemas.openxmlformats.org/drawingml/2006/main">
+              <a:ext uri="{FF2B5EF4-FFF2-40B4-BE49-F238E27FC236}">
+                <a16:creationId xmlns:a16="http://schemas.microsoft.com/office/drawing/2014/main" id="{5DC1B0A5-2DAB-46CB-A08A-15FE995A5F34}"/>
+              </a:ext>
+            </a:extLst>
+          </cdr:cNvPr>
           <cdr:cNvCxnSpPr/>
         </cdr:nvCxnSpPr>
         <cdr:spPr>
@@ -4192,7 +5218,13 @@
       </cdr:cxnSp>
       <cdr:cxnSp macro="">
         <cdr:nvCxnSpPr>
-          <cdr:cNvPr id="4" name="Connecteur droit 3"/>
+          <cdr:cNvPr id="4" name="Connecteur droit 3">
+            <a:extLst xmlns:a="http://schemas.openxmlformats.org/drawingml/2006/main">
+              <a:ext uri="{FF2B5EF4-FFF2-40B4-BE49-F238E27FC236}">
+                <a16:creationId xmlns:a16="http://schemas.microsoft.com/office/drawing/2014/main" id="{55E29AD0-43FF-4CBC-B11D-720BB12DF1CC}"/>
+              </a:ext>
+            </a:extLst>
+          </cdr:cNvPr>
           <cdr:cNvCxnSpPr/>
         </cdr:nvCxnSpPr>
         <cdr:spPr>
@@ -4226,7 +5258,13 @@
       </cdr:cxnSp>
       <cdr:cxnSp macro="">
         <cdr:nvCxnSpPr>
-          <cdr:cNvPr id="5" name="Connecteur droit 4"/>
+          <cdr:cNvPr id="5" name="Connecteur droit 4">
+            <a:extLst xmlns:a="http://schemas.openxmlformats.org/drawingml/2006/main">
+              <a:ext uri="{FF2B5EF4-FFF2-40B4-BE49-F238E27FC236}">
+                <a16:creationId xmlns:a16="http://schemas.microsoft.com/office/drawing/2014/main" id="{03A8E22D-5B26-4F56-80B4-BB541B610D00}"/>
+              </a:ext>
+            </a:extLst>
+          </cdr:cNvPr>
           <cdr:cNvCxnSpPr/>
         </cdr:nvCxnSpPr>
         <cdr:spPr>
@@ -4271,20 +5309,32 @@
     </cdr:to>
     <cdr:grpSp>
       <cdr:nvGrpSpPr>
-        <cdr:cNvPr id="10" name="Groupe 9"/>
+        <cdr:cNvPr id="10" name="Groupe 9">
+          <a:extLst xmlns:a="http://schemas.openxmlformats.org/drawingml/2006/main">
+            <a:ext uri="{FF2B5EF4-FFF2-40B4-BE49-F238E27FC236}">
+              <a16:creationId xmlns:a16="http://schemas.microsoft.com/office/drawing/2014/main" id="{70397D50-1E9F-4EE2-8DC8-DFA2A5CDCA4F}"/>
+            </a:ext>
+          </a:extLst>
+        </cdr:cNvPr>
         <cdr:cNvGrpSpPr/>
       </cdr:nvGrpSpPr>
       <cdr:grpSpPr>
         <a:xfrm xmlns:a="http://schemas.openxmlformats.org/drawingml/2006/main">
-          <a:off x="2672305" y="1033045"/>
-          <a:ext cx="530198" cy="1437228"/>
+          <a:off x="2672324" y="1033063"/>
+          <a:ext cx="530190" cy="1437226"/>
           <a:chOff x="-5821979" y="-489078"/>
           <a:chExt cx="489582" cy="1209976"/>
         </a:xfrm>
       </cdr:grpSpPr>
       <cdr:cxnSp macro="">
         <cdr:nvCxnSpPr>
-          <cdr:cNvPr id="11" name="Connecteur droit 10"/>
+          <cdr:cNvPr id="11" name="Connecteur droit 10">
+            <a:extLst xmlns:a="http://schemas.openxmlformats.org/drawingml/2006/main">
+              <a:ext uri="{FF2B5EF4-FFF2-40B4-BE49-F238E27FC236}">
+                <a16:creationId xmlns:a16="http://schemas.microsoft.com/office/drawing/2014/main" id="{F25C32C7-5D1E-4C8B-9AC0-2B6E5CC61998}"/>
+              </a:ext>
+            </a:extLst>
+          </cdr:cNvPr>
           <cdr:cNvCxnSpPr/>
         </cdr:nvCxnSpPr>
         <cdr:spPr>
@@ -4318,7 +5368,13 @@
       </cdr:cxnSp>
       <cdr:cxnSp macro="">
         <cdr:nvCxnSpPr>
-          <cdr:cNvPr id="12" name="Connecteur droit 11"/>
+          <cdr:cNvPr id="12" name="Connecteur droit 11">
+            <a:extLst xmlns:a="http://schemas.openxmlformats.org/drawingml/2006/main">
+              <a:ext uri="{FF2B5EF4-FFF2-40B4-BE49-F238E27FC236}">
+                <a16:creationId xmlns:a16="http://schemas.microsoft.com/office/drawing/2014/main" id="{506C2686-3516-41F9-A267-78829342D831}"/>
+              </a:ext>
+            </a:extLst>
+          </cdr:cNvPr>
           <cdr:cNvCxnSpPr/>
         </cdr:nvCxnSpPr>
         <cdr:spPr>
@@ -4352,7 +5408,13 @@
       </cdr:cxnSp>
       <cdr:cxnSp macro="">
         <cdr:nvCxnSpPr>
-          <cdr:cNvPr id="13" name="Connecteur droit 12"/>
+          <cdr:cNvPr id="13" name="Connecteur droit 12">
+            <a:extLst xmlns:a="http://schemas.openxmlformats.org/drawingml/2006/main">
+              <a:ext uri="{FF2B5EF4-FFF2-40B4-BE49-F238E27FC236}">
+                <a16:creationId xmlns:a16="http://schemas.microsoft.com/office/drawing/2014/main" id="{ABD5C8E2-983B-47F2-A684-B9FEE7F25B4A}"/>
+              </a:ext>
+            </a:extLst>
+          </cdr:cNvPr>
           <cdr:cNvCxnSpPr/>
         </cdr:nvCxnSpPr>
         <cdr:spPr>
@@ -4397,20 +5459,32 @@
     </cdr:to>
     <cdr:grpSp>
       <cdr:nvGrpSpPr>
-        <cdr:cNvPr id="30" name="Groupe 29"/>
+        <cdr:cNvPr id="30" name="Groupe 29">
+          <a:extLst xmlns:a="http://schemas.openxmlformats.org/drawingml/2006/main">
+            <a:ext uri="{FF2B5EF4-FFF2-40B4-BE49-F238E27FC236}">
+              <a16:creationId xmlns:a16="http://schemas.microsoft.com/office/drawing/2014/main" id="{A34B4B78-758A-4D58-B3F1-F8389D196691}"/>
+            </a:ext>
+          </a:extLst>
+        </cdr:cNvPr>
         <cdr:cNvGrpSpPr/>
       </cdr:nvGrpSpPr>
       <cdr:grpSpPr>
         <a:xfrm xmlns:a="http://schemas.openxmlformats.org/drawingml/2006/main">
-          <a:off x="4418869" y="1027303"/>
-          <a:ext cx="557261" cy="1626251"/>
+          <a:off x="4418869" y="1027320"/>
+          <a:ext cx="557256" cy="1626241"/>
           <a:chOff x="-13074716" y="-491976"/>
           <a:chExt cx="489582" cy="2621423"/>
         </a:xfrm>
       </cdr:grpSpPr>
       <cdr:cxnSp macro="">
         <cdr:nvCxnSpPr>
-          <cdr:cNvPr id="31" name="Connecteur droit 30"/>
+          <cdr:cNvPr id="31" name="Connecteur droit 30">
+            <a:extLst xmlns:a="http://schemas.openxmlformats.org/drawingml/2006/main">
+              <a:ext uri="{FF2B5EF4-FFF2-40B4-BE49-F238E27FC236}">
+                <a16:creationId xmlns:a16="http://schemas.microsoft.com/office/drawing/2014/main" id="{9AB05E10-7DB1-42A1-B5E5-EF14B45F67B6}"/>
+              </a:ext>
+            </a:extLst>
+          </cdr:cNvPr>
           <cdr:cNvCxnSpPr/>
         </cdr:nvCxnSpPr>
         <cdr:spPr>
@@ -4444,7 +5518,13 @@
       </cdr:cxnSp>
       <cdr:cxnSp macro="">
         <cdr:nvCxnSpPr>
-          <cdr:cNvPr id="32" name="Connecteur droit 31"/>
+          <cdr:cNvPr id="32" name="Connecteur droit 31">
+            <a:extLst xmlns:a="http://schemas.openxmlformats.org/drawingml/2006/main">
+              <a:ext uri="{FF2B5EF4-FFF2-40B4-BE49-F238E27FC236}">
+                <a16:creationId xmlns:a16="http://schemas.microsoft.com/office/drawing/2014/main" id="{377762D6-1F19-4740-9F4C-8BA1F5EF7ADB}"/>
+              </a:ext>
+            </a:extLst>
+          </cdr:cNvPr>
           <cdr:cNvCxnSpPr/>
         </cdr:nvCxnSpPr>
         <cdr:spPr>
@@ -4478,7 +5558,13 @@
       </cdr:cxnSp>
       <cdr:cxnSp macro="">
         <cdr:nvCxnSpPr>
-          <cdr:cNvPr id="33" name="Connecteur droit 32"/>
+          <cdr:cNvPr id="33" name="Connecteur droit 32">
+            <a:extLst xmlns:a="http://schemas.openxmlformats.org/drawingml/2006/main">
+              <a:ext uri="{FF2B5EF4-FFF2-40B4-BE49-F238E27FC236}">
+                <a16:creationId xmlns:a16="http://schemas.microsoft.com/office/drawing/2014/main" id="{D1CAB90D-6450-4EEE-B5F7-64CD437FE9F2}"/>
+              </a:ext>
+            </a:extLst>
+          </cdr:cNvPr>
           <cdr:cNvCxnSpPr/>
         </cdr:nvCxnSpPr>
         <cdr:spPr>
@@ -4523,20 +5609,32 @@
     </cdr:to>
     <cdr:grpSp>
       <cdr:nvGrpSpPr>
-        <cdr:cNvPr id="49" name="Groupe 48"/>
+        <cdr:cNvPr id="49" name="Groupe 48">
+          <a:extLst xmlns:a="http://schemas.openxmlformats.org/drawingml/2006/main">
+            <a:ext uri="{FF2B5EF4-FFF2-40B4-BE49-F238E27FC236}">
+              <a16:creationId xmlns:a16="http://schemas.microsoft.com/office/drawing/2014/main" id="{39F98432-B310-40C7-A9A6-9DD97A7C3A36}"/>
+            </a:ext>
+          </a:extLst>
+        </cdr:cNvPr>
         <cdr:cNvGrpSpPr/>
       </cdr:nvGrpSpPr>
       <cdr:grpSpPr>
         <a:xfrm xmlns:a="http://schemas.openxmlformats.org/drawingml/2006/main">
-          <a:off x="6114063" y="1047992"/>
-          <a:ext cx="537749" cy="1713139"/>
+          <a:off x="6114045" y="1047996"/>
+          <a:ext cx="537748" cy="1713138"/>
           <a:chOff x="-2879863" y="-256809"/>
           <a:chExt cx="489582" cy="1567519"/>
         </a:xfrm>
       </cdr:grpSpPr>
       <cdr:cxnSp macro="">
         <cdr:nvCxnSpPr>
-          <cdr:cNvPr id="50" name="Connecteur droit 49"/>
+          <cdr:cNvPr id="50" name="Connecteur droit 49">
+            <a:extLst xmlns:a="http://schemas.openxmlformats.org/drawingml/2006/main">
+              <a:ext uri="{FF2B5EF4-FFF2-40B4-BE49-F238E27FC236}">
+                <a16:creationId xmlns:a16="http://schemas.microsoft.com/office/drawing/2014/main" id="{02976753-04A8-477E-AB55-0CD57E762389}"/>
+              </a:ext>
+            </a:extLst>
+          </cdr:cNvPr>
           <cdr:cNvCxnSpPr/>
         </cdr:nvCxnSpPr>
         <cdr:spPr>
@@ -4570,7 +5668,13 @@
       </cdr:cxnSp>
       <cdr:cxnSp macro="">
         <cdr:nvCxnSpPr>
-          <cdr:cNvPr id="51" name="Connecteur droit 50"/>
+          <cdr:cNvPr id="51" name="Connecteur droit 50">
+            <a:extLst xmlns:a="http://schemas.openxmlformats.org/drawingml/2006/main">
+              <a:ext uri="{FF2B5EF4-FFF2-40B4-BE49-F238E27FC236}">
+                <a16:creationId xmlns:a16="http://schemas.microsoft.com/office/drawing/2014/main" id="{C9691315-B795-4593-98EB-ECABC18E5D15}"/>
+              </a:ext>
+            </a:extLst>
+          </cdr:cNvPr>
           <cdr:cNvCxnSpPr/>
         </cdr:nvCxnSpPr>
         <cdr:spPr>
@@ -4604,7 +5708,13 @@
       </cdr:cxnSp>
       <cdr:cxnSp macro="">
         <cdr:nvCxnSpPr>
-          <cdr:cNvPr id="52" name="Connecteur droit 51"/>
+          <cdr:cNvPr id="52" name="Connecteur droit 51">
+            <a:extLst xmlns:a="http://schemas.openxmlformats.org/drawingml/2006/main">
+              <a:ext uri="{FF2B5EF4-FFF2-40B4-BE49-F238E27FC236}">
+                <a16:creationId xmlns:a16="http://schemas.microsoft.com/office/drawing/2014/main" id="{AD1ED628-B4A8-43E8-B907-D5B570DC4D8F}"/>
+              </a:ext>
+            </a:extLst>
+          </cdr:cNvPr>
           <cdr:cNvCxnSpPr/>
         </cdr:nvCxnSpPr>
         <cdr:spPr>
@@ -5099,6 +6209,1061 @@
 <c:userShapes xmlns:c="http://schemas.openxmlformats.org/drawingml/2006/chart">
   <cdr:relSizeAnchor xmlns:cdr="http://schemas.openxmlformats.org/drawingml/2006/chartDrawing">
     <cdr:from>
+      <cdr:x>0.11669</cdr:x>
+      <cdr:y>0.18247</cdr:y>
+    </cdr:from>
+    <cdr:to>
+      <cdr:x>0.18117</cdr:x>
+      <cdr:y>0.436</cdr:y>
+    </cdr:to>
+    <cdr:grpSp>
+      <cdr:nvGrpSpPr>
+        <cdr:cNvPr id="53" name="Groupe 52">
+          <a:extLst xmlns:a="http://schemas.openxmlformats.org/drawingml/2006/main">
+            <a:ext uri="{FF2B5EF4-FFF2-40B4-BE49-F238E27FC236}">
+              <a16:creationId xmlns:a16="http://schemas.microsoft.com/office/drawing/2014/main" id="{47A0C9B0-16E9-45F2-AECD-C2E36D68A565}"/>
+            </a:ext>
+          </a:extLst>
+        </cdr:cNvPr>
+        <cdr:cNvGrpSpPr/>
+      </cdr:nvGrpSpPr>
+      <cdr:grpSpPr>
+        <a:xfrm xmlns:a="http://schemas.openxmlformats.org/drawingml/2006/main">
+          <a:off x="948456" y="1018783"/>
+          <a:ext cx="524094" cy="1415531"/>
+          <a:chOff x="858679" y="820892"/>
+          <a:chExt cx="507512" cy="1707161"/>
+        </a:xfrm>
+      </cdr:grpSpPr>
+      <cdr:cxnSp macro="">
+        <cdr:nvCxnSpPr>
+          <cdr:cNvPr id="3" name="Connecteur droit 2">
+            <a:extLst xmlns:a="http://schemas.openxmlformats.org/drawingml/2006/main">
+              <a:ext uri="{FF2B5EF4-FFF2-40B4-BE49-F238E27FC236}">
+                <a16:creationId xmlns:a16="http://schemas.microsoft.com/office/drawing/2014/main" id="{5DC1B0A5-2DAB-46CB-A08A-15FE995A5F34}"/>
+              </a:ext>
+            </a:extLst>
+          </cdr:cNvPr>
+          <cdr:cNvCxnSpPr/>
+        </cdr:nvCxnSpPr>
+        <cdr:spPr>
+          <a:xfrm xmlns:a="http://schemas.openxmlformats.org/drawingml/2006/main" flipV="1">
+            <a:off x="858679" y="820893"/>
+            <a:ext cx="0" cy="174230"/>
+          </a:xfrm>
+          <a:prstGeom xmlns:a="http://schemas.openxmlformats.org/drawingml/2006/main" prst="line">
+            <a:avLst/>
+          </a:prstGeom>
+          <a:ln xmlns:a="http://schemas.openxmlformats.org/drawingml/2006/main" w="19050">
+            <a:solidFill>
+              <a:schemeClr val="tx1"/>
+            </a:solidFill>
+          </a:ln>
+        </cdr:spPr>
+        <cdr:style>
+          <a:lnRef xmlns:a="http://schemas.openxmlformats.org/drawingml/2006/main" idx="1">
+            <a:schemeClr val="accent1"/>
+          </a:lnRef>
+          <a:fillRef xmlns:a="http://schemas.openxmlformats.org/drawingml/2006/main" idx="0">
+            <a:schemeClr val="accent1"/>
+          </a:fillRef>
+          <a:effectRef xmlns:a="http://schemas.openxmlformats.org/drawingml/2006/main" idx="0">
+            <a:schemeClr val="accent1"/>
+          </a:effectRef>
+          <a:fontRef xmlns:a="http://schemas.openxmlformats.org/drawingml/2006/main" idx="minor">
+            <a:schemeClr val="tx1"/>
+          </a:fontRef>
+        </cdr:style>
+      </cdr:cxnSp>
+      <cdr:cxnSp macro="">
+        <cdr:nvCxnSpPr>
+          <cdr:cNvPr id="4" name="Connecteur droit 3">
+            <a:extLst xmlns:a="http://schemas.openxmlformats.org/drawingml/2006/main">
+              <a:ext uri="{FF2B5EF4-FFF2-40B4-BE49-F238E27FC236}">
+                <a16:creationId xmlns:a16="http://schemas.microsoft.com/office/drawing/2014/main" id="{55E29AD0-43FF-4CBC-B11D-720BB12DF1CC}"/>
+              </a:ext>
+            </a:extLst>
+          </cdr:cNvPr>
+          <cdr:cNvCxnSpPr/>
+        </cdr:nvCxnSpPr>
+        <cdr:spPr>
+          <a:xfrm xmlns:a="http://schemas.openxmlformats.org/drawingml/2006/main" flipH="1" flipV="1">
+            <a:off x="1366040" y="820893"/>
+            <a:ext cx="151" cy="1707160"/>
+          </a:xfrm>
+          <a:prstGeom xmlns:a="http://schemas.openxmlformats.org/drawingml/2006/main" prst="line">
+            <a:avLst/>
+          </a:prstGeom>
+          <a:ln xmlns:a="http://schemas.openxmlformats.org/drawingml/2006/main" w="19050">
+            <a:solidFill>
+              <a:schemeClr val="tx1"/>
+            </a:solidFill>
+          </a:ln>
+        </cdr:spPr>
+        <cdr:style>
+          <a:lnRef xmlns:a="http://schemas.openxmlformats.org/drawingml/2006/main" idx="1">
+            <a:schemeClr val="accent1"/>
+          </a:lnRef>
+          <a:fillRef xmlns:a="http://schemas.openxmlformats.org/drawingml/2006/main" idx="0">
+            <a:schemeClr val="accent1"/>
+          </a:fillRef>
+          <a:effectRef xmlns:a="http://schemas.openxmlformats.org/drawingml/2006/main" idx="0">
+            <a:schemeClr val="accent1"/>
+          </a:effectRef>
+          <a:fontRef xmlns:a="http://schemas.openxmlformats.org/drawingml/2006/main" idx="minor">
+            <a:schemeClr val="tx1"/>
+          </a:fontRef>
+        </cdr:style>
+      </cdr:cxnSp>
+      <cdr:cxnSp macro="">
+        <cdr:nvCxnSpPr>
+          <cdr:cNvPr id="5" name="Connecteur droit 4">
+            <a:extLst xmlns:a="http://schemas.openxmlformats.org/drawingml/2006/main">
+              <a:ext uri="{FF2B5EF4-FFF2-40B4-BE49-F238E27FC236}">
+                <a16:creationId xmlns:a16="http://schemas.microsoft.com/office/drawing/2014/main" id="{03A8E22D-5B26-4F56-80B4-BB541B610D00}"/>
+              </a:ext>
+            </a:extLst>
+          </cdr:cNvPr>
+          <cdr:cNvCxnSpPr/>
+        </cdr:nvCxnSpPr>
+        <cdr:spPr>
+          <a:xfrm xmlns:a="http://schemas.openxmlformats.org/drawingml/2006/main">
+            <a:off x="858679" y="820892"/>
+            <a:ext cx="489431" cy="0"/>
+          </a:xfrm>
+          <a:prstGeom xmlns:a="http://schemas.openxmlformats.org/drawingml/2006/main" prst="line">
+            <a:avLst/>
+          </a:prstGeom>
+          <a:ln xmlns:a="http://schemas.openxmlformats.org/drawingml/2006/main" w="19050">
+            <a:solidFill>
+              <a:schemeClr val="tx1"/>
+            </a:solidFill>
+          </a:ln>
+        </cdr:spPr>
+        <cdr:style>
+          <a:lnRef xmlns:a="http://schemas.openxmlformats.org/drawingml/2006/main" idx="1">
+            <a:schemeClr val="accent1"/>
+          </a:lnRef>
+          <a:fillRef xmlns:a="http://schemas.openxmlformats.org/drawingml/2006/main" idx="0">
+            <a:schemeClr val="accent1"/>
+          </a:fillRef>
+          <a:effectRef xmlns:a="http://schemas.openxmlformats.org/drawingml/2006/main" idx="0">
+            <a:schemeClr val="accent1"/>
+          </a:effectRef>
+          <a:fontRef xmlns:a="http://schemas.openxmlformats.org/drawingml/2006/main" idx="minor">
+            <a:schemeClr val="tx1"/>
+          </a:fontRef>
+        </cdr:style>
+      </cdr:cxnSp>
+    </cdr:grpSp>
+  </cdr:relSizeAnchor>
+  <cdr:relSizeAnchor xmlns:cdr="http://schemas.openxmlformats.org/drawingml/2006/chartDrawing">
+    <cdr:from>
+      <cdr:x>0.32878</cdr:x>
+      <cdr:y>0.17987</cdr:y>
+    </cdr:from>
+    <cdr:to>
+      <cdr:x>0.39401</cdr:x>
+      <cdr:y>0.43011</cdr:y>
+    </cdr:to>
+    <cdr:grpSp>
+      <cdr:nvGrpSpPr>
+        <cdr:cNvPr id="10" name="Groupe 9">
+          <a:extLst xmlns:a="http://schemas.openxmlformats.org/drawingml/2006/main">
+            <a:ext uri="{FF2B5EF4-FFF2-40B4-BE49-F238E27FC236}">
+              <a16:creationId xmlns:a16="http://schemas.microsoft.com/office/drawing/2014/main" id="{70397D50-1E9F-4EE2-8DC8-DFA2A5CDCA4F}"/>
+            </a:ext>
+          </a:extLst>
+        </cdr:cNvPr>
+        <cdr:cNvGrpSpPr/>
+      </cdr:nvGrpSpPr>
+      <cdr:grpSpPr>
+        <a:xfrm xmlns:a="http://schemas.openxmlformats.org/drawingml/2006/main">
+          <a:off x="2672324" y="1004266"/>
+          <a:ext cx="530190" cy="1397162"/>
+          <a:chOff x="-5821979" y="-489078"/>
+          <a:chExt cx="489582" cy="1209976"/>
+        </a:xfrm>
+      </cdr:grpSpPr>
+      <cdr:cxnSp macro="">
+        <cdr:nvCxnSpPr>
+          <cdr:cNvPr id="11" name="Connecteur droit 10">
+            <a:extLst xmlns:a="http://schemas.openxmlformats.org/drawingml/2006/main">
+              <a:ext uri="{FF2B5EF4-FFF2-40B4-BE49-F238E27FC236}">
+                <a16:creationId xmlns:a16="http://schemas.microsoft.com/office/drawing/2014/main" id="{F25C32C7-5D1E-4C8B-9AC0-2B6E5CC61998}"/>
+              </a:ext>
+            </a:extLst>
+          </cdr:cNvPr>
+          <cdr:cNvCxnSpPr/>
+        </cdr:nvCxnSpPr>
+        <cdr:spPr>
+          <a:xfrm xmlns:a="http://schemas.openxmlformats.org/drawingml/2006/main" flipV="1">
+            <a:off x="-5821979" y="-489077"/>
+            <a:ext cx="0" cy="123488"/>
+          </a:xfrm>
+          <a:prstGeom xmlns:a="http://schemas.openxmlformats.org/drawingml/2006/main" prst="line">
+            <a:avLst/>
+          </a:prstGeom>
+          <a:ln xmlns:a="http://schemas.openxmlformats.org/drawingml/2006/main" w="19050">
+            <a:solidFill>
+              <a:schemeClr val="tx1"/>
+            </a:solidFill>
+          </a:ln>
+        </cdr:spPr>
+        <cdr:style>
+          <a:lnRef xmlns:a="http://schemas.openxmlformats.org/drawingml/2006/main" idx="1">
+            <a:schemeClr val="accent1"/>
+          </a:lnRef>
+          <a:fillRef xmlns:a="http://schemas.openxmlformats.org/drawingml/2006/main" idx="0">
+            <a:schemeClr val="accent1"/>
+          </a:fillRef>
+          <a:effectRef xmlns:a="http://schemas.openxmlformats.org/drawingml/2006/main" idx="0">
+            <a:schemeClr val="accent1"/>
+          </a:effectRef>
+          <a:fontRef xmlns:a="http://schemas.openxmlformats.org/drawingml/2006/main" idx="minor">
+            <a:schemeClr val="tx1"/>
+          </a:fontRef>
+        </cdr:style>
+      </cdr:cxnSp>
+      <cdr:cxnSp macro="">
+        <cdr:nvCxnSpPr>
+          <cdr:cNvPr id="12" name="Connecteur droit 11">
+            <a:extLst xmlns:a="http://schemas.openxmlformats.org/drawingml/2006/main">
+              <a:ext uri="{FF2B5EF4-FFF2-40B4-BE49-F238E27FC236}">
+                <a16:creationId xmlns:a16="http://schemas.microsoft.com/office/drawing/2014/main" id="{506C2686-3516-41F9-A267-78829342D831}"/>
+              </a:ext>
+            </a:extLst>
+          </cdr:cNvPr>
+          <cdr:cNvCxnSpPr/>
+        </cdr:nvCxnSpPr>
+        <cdr:spPr>
+          <a:xfrm xmlns:a="http://schemas.openxmlformats.org/drawingml/2006/main" flipH="1" flipV="1">
+            <a:off x="-5332548" y="-489077"/>
+            <a:ext cx="151" cy="1209975"/>
+          </a:xfrm>
+          <a:prstGeom xmlns:a="http://schemas.openxmlformats.org/drawingml/2006/main" prst="line">
+            <a:avLst/>
+          </a:prstGeom>
+          <a:ln xmlns:a="http://schemas.openxmlformats.org/drawingml/2006/main" w="19050">
+            <a:solidFill>
+              <a:schemeClr val="tx1"/>
+            </a:solidFill>
+          </a:ln>
+        </cdr:spPr>
+        <cdr:style>
+          <a:lnRef xmlns:a="http://schemas.openxmlformats.org/drawingml/2006/main" idx="1">
+            <a:schemeClr val="accent1"/>
+          </a:lnRef>
+          <a:fillRef xmlns:a="http://schemas.openxmlformats.org/drawingml/2006/main" idx="0">
+            <a:schemeClr val="accent1"/>
+          </a:fillRef>
+          <a:effectRef xmlns:a="http://schemas.openxmlformats.org/drawingml/2006/main" idx="0">
+            <a:schemeClr val="accent1"/>
+          </a:effectRef>
+          <a:fontRef xmlns:a="http://schemas.openxmlformats.org/drawingml/2006/main" idx="minor">
+            <a:schemeClr val="tx1"/>
+          </a:fontRef>
+        </cdr:style>
+      </cdr:cxnSp>
+      <cdr:cxnSp macro="">
+        <cdr:nvCxnSpPr>
+          <cdr:cNvPr id="13" name="Connecteur droit 12">
+            <a:extLst xmlns:a="http://schemas.openxmlformats.org/drawingml/2006/main">
+              <a:ext uri="{FF2B5EF4-FFF2-40B4-BE49-F238E27FC236}">
+                <a16:creationId xmlns:a16="http://schemas.microsoft.com/office/drawing/2014/main" id="{ABD5C8E2-983B-47F2-A684-B9FEE7F25B4A}"/>
+              </a:ext>
+            </a:extLst>
+          </cdr:cNvPr>
+          <cdr:cNvCxnSpPr/>
+        </cdr:nvCxnSpPr>
+        <cdr:spPr>
+          <a:xfrm xmlns:a="http://schemas.openxmlformats.org/drawingml/2006/main">
+            <a:off x="-5821979" y="-489078"/>
+            <a:ext cx="489431" cy="0"/>
+          </a:xfrm>
+          <a:prstGeom xmlns:a="http://schemas.openxmlformats.org/drawingml/2006/main" prst="line">
+            <a:avLst/>
+          </a:prstGeom>
+          <a:ln xmlns:a="http://schemas.openxmlformats.org/drawingml/2006/main" w="19050">
+            <a:solidFill>
+              <a:schemeClr val="tx1"/>
+            </a:solidFill>
+          </a:ln>
+        </cdr:spPr>
+        <cdr:style>
+          <a:lnRef xmlns:a="http://schemas.openxmlformats.org/drawingml/2006/main" idx="1">
+            <a:schemeClr val="accent1"/>
+          </a:lnRef>
+          <a:fillRef xmlns:a="http://schemas.openxmlformats.org/drawingml/2006/main" idx="0">
+            <a:schemeClr val="accent1"/>
+          </a:fillRef>
+          <a:effectRef xmlns:a="http://schemas.openxmlformats.org/drawingml/2006/main" idx="0">
+            <a:schemeClr val="accent1"/>
+          </a:effectRef>
+          <a:fontRef xmlns:a="http://schemas.openxmlformats.org/drawingml/2006/main" idx="minor">
+            <a:schemeClr val="tx1"/>
+          </a:fontRef>
+        </cdr:style>
+      </cdr:cxnSp>
+    </cdr:grpSp>
+  </cdr:relSizeAnchor>
+  <cdr:relSizeAnchor xmlns:cdr="http://schemas.openxmlformats.org/drawingml/2006/chartDrawing">
+    <cdr:from>
+      <cdr:x>0.54366</cdr:x>
+      <cdr:y>0.17887</cdr:y>
+    </cdr:from>
+    <cdr:to>
+      <cdr:x>0.61222</cdr:x>
+      <cdr:y>0.46202</cdr:y>
+    </cdr:to>
+    <cdr:grpSp>
+      <cdr:nvGrpSpPr>
+        <cdr:cNvPr id="30" name="Groupe 29">
+          <a:extLst xmlns:a="http://schemas.openxmlformats.org/drawingml/2006/main">
+            <a:ext uri="{FF2B5EF4-FFF2-40B4-BE49-F238E27FC236}">
+              <a16:creationId xmlns:a16="http://schemas.microsoft.com/office/drawing/2014/main" id="{A34B4B78-758A-4D58-B3F1-F8389D196691}"/>
+            </a:ext>
+          </a:extLst>
+        </cdr:cNvPr>
+        <cdr:cNvGrpSpPr/>
+      </cdr:nvGrpSpPr>
+      <cdr:grpSpPr>
+        <a:xfrm xmlns:a="http://schemas.openxmlformats.org/drawingml/2006/main">
+          <a:off x="4418869" y="998683"/>
+          <a:ext cx="557256" cy="1580908"/>
+          <a:chOff x="-13074716" y="-491976"/>
+          <a:chExt cx="489582" cy="2621423"/>
+        </a:xfrm>
+      </cdr:grpSpPr>
+      <cdr:cxnSp macro="">
+        <cdr:nvCxnSpPr>
+          <cdr:cNvPr id="31" name="Connecteur droit 30">
+            <a:extLst xmlns:a="http://schemas.openxmlformats.org/drawingml/2006/main">
+              <a:ext uri="{FF2B5EF4-FFF2-40B4-BE49-F238E27FC236}">
+                <a16:creationId xmlns:a16="http://schemas.microsoft.com/office/drawing/2014/main" id="{9AB05E10-7DB1-42A1-B5E5-EF14B45F67B6}"/>
+              </a:ext>
+            </a:extLst>
+          </cdr:cNvPr>
+          <cdr:cNvCxnSpPr/>
+        </cdr:nvCxnSpPr>
+        <cdr:spPr>
+          <a:xfrm xmlns:a="http://schemas.openxmlformats.org/drawingml/2006/main" flipV="1">
+            <a:off x="-13074716" y="-491976"/>
+            <a:ext cx="0" cy="267539"/>
+          </a:xfrm>
+          <a:prstGeom xmlns:a="http://schemas.openxmlformats.org/drawingml/2006/main" prst="line">
+            <a:avLst/>
+          </a:prstGeom>
+          <a:ln xmlns:a="http://schemas.openxmlformats.org/drawingml/2006/main" w="19050">
+            <a:solidFill>
+              <a:schemeClr val="tx1"/>
+            </a:solidFill>
+          </a:ln>
+        </cdr:spPr>
+        <cdr:style>
+          <a:lnRef xmlns:a="http://schemas.openxmlformats.org/drawingml/2006/main" idx="1">
+            <a:schemeClr val="accent1"/>
+          </a:lnRef>
+          <a:fillRef xmlns:a="http://schemas.openxmlformats.org/drawingml/2006/main" idx="0">
+            <a:schemeClr val="accent1"/>
+          </a:fillRef>
+          <a:effectRef xmlns:a="http://schemas.openxmlformats.org/drawingml/2006/main" idx="0">
+            <a:schemeClr val="accent1"/>
+          </a:effectRef>
+          <a:fontRef xmlns:a="http://schemas.openxmlformats.org/drawingml/2006/main" idx="minor">
+            <a:schemeClr val="tx1"/>
+          </a:fontRef>
+        </cdr:style>
+      </cdr:cxnSp>
+      <cdr:cxnSp macro="">
+        <cdr:nvCxnSpPr>
+          <cdr:cNvPr id="32" name="Connecteur droit 31">
+            <a:extLst xmlns:a="http://schemas.openxmlformats.org/drawingml/2006/main">
+              <a:ext uri="{FF2B5EF4-FFF2-40B4-BE49-F238E27FC236}">
+                <a16:creationId xmlns:a16="http://schemas.microsoft.com/office/drawing/2014/main" id="{377762D6-1F19-4740-9F4C-8BA1F5EF7ADB}"/>
+              </a:ext>
+            </a:extLst>
+          </cdr:cNvPr>
+          <cdr:cNvCxnSpPr/>
+        </cdr:nvCxnSpPr>
+        <cdr:spPr>
+          <a:xfrm xmlns:a="http://schemas.openxmlformats.org/drawingml/2006/main" flipH="1" flipV="1">
+            <a:off x="-12585285" y="-491976"/>
+            <a:ext cx="151" cy="2621423"/>
+          </a:xfrm>
+          <a:prstGeom xmlns:a="http://schemas.openxmlformats.org/drawingml/2006/main" prst="line">
+            <a:avLst/>
+          </a:prstGeom>
+          <a:ln xmlns:a="http://schemas.openxmlformats.org/drawingml/2006/main" w="19050">
+            <a:solidFill>
+              <a:schemeClr val="tx1"/>
+            </a:solidFill>
+          </a:ln>
+        </cdr:spPr>
+        <cdr:style>
+          <a:lnRef xmlns:a="http://schemas.openxmlformats.org/drawingml/2006/main" idx="1">
+            <a:schemeClr val="accent1"/>
+          </a:lnRef>
+          <a:fillRef xmlns:a="http://schemas.openxmlformats.org/drawingml/2006/main" idx="0">
+            <a:schemeClr val="accent1"/>
+          </a:fillRef>
+          <a:effectRef xmlns:a="http://schemas.openxmlformats.org/drawingml/2006/main" idx="0">
+            <a:schemeClr val="accent1"/>
+          </a:effectRef>
+          <a:fontRef xmlns:a="http://schemas.openxmlformats.org/drawingml/2006/main" idx="minor">
+            <a:schemeClr val="tx1"/>
+          </a:fontRef>
+        </cdr:style>
+      </cdr:cxnSp>
+      <cdr:cxnSp macro="">
+        <cdr:nvCxnSpPr>
+          <cdr:cNvPr id="33" name="Connecteur droit 32">
+            <a:extLst xmlns:a="http://schemas.openxmlformats.org/drawingml/2006/main">
+              <a:ext uri="{FF2B5EF4-FFF2-40B4-BE49-F238E27FC236}">
+                <a16:creationId xmlns:a16="http://schemas.microsoft.com/office/drawing/2014/main" id="{D1CAB90D-6450-4EEE-B5F7-64CD437FE9F2}"/>
+              </a:ext>
+            </a:extLst>
+          </cdr:cNvPr>
+          <cdr:cNvCxnSpPr/>
+        </cdr:nvCxnSpPr>
+        <cdr:spPr>
+          <a:xfrm xmlns:a="http://schemas.openxmlformats.org/drawingml/2006/main">
+            <a:off x="-13074716" y="-480013"/>
+            <a:ext cx="489431" cy="0"/>
+          </a:xfrm>
+          <a:prstGeom xmlns:a="http://schemas.openxmlformats.org/drawingml/2006/main" prst="line">
+            <a:avLst/>
+          </a:prstGeom>
+          <a:ln xmlns:a="http://schemas.openxmlformats.org/drawingml/2006/main" w="19050">
+            <a:solidFill>
+              <a:schemeClr val="tx1"/>
+            </a:solidFill>
+          </a:ln>
+        </cdr:spPr>
+        <cdr:style>
+          <a:lnRef xmlns:a="http://schemas.openxmlformats.org/drawingml/2006/main" idx="1">
+            <a:schemeClr val="accent1"/>
+          </a:lnRef>
+          <a:fillRef xmlns:a="http://schemas.openxmlformats.org/drawingml/2006/main" idx="0">
+            <a:schemeClr val="accent1"/>
+          </a:fillRef>
+          <a:effectRef xmlns:a="http://schemas.openxmlformats.org/drawingml/2006/main" idx="0">
+            <a:schemeClr val="accent1"/>
+          </a:effectRef>
+          <a:fontRef xmlns:a="http://schemas.openxmlformats.org/drawingml/2006/main" idx="minor">
+            <a:schemeClr val="tx1"/>
+          </a:fontRef>
+        </cdr:style>
+      </cdr:cxnSp>
+    </cdr:grpSp>
+  </cdr:relSizeAnchor>
+  <cdr:relSizeAnchor xmlns:cdr="http://schemas.openxmlformats.org/drawingml/2006/chartDrawing">
+    <cdr:from>
+      <cdr:x>0.75222</cdr:x>
+      <cdr:y>0.18247</cdr:y>
+    </cdr:from>
+    <cdr:to>
+      <cdr:x>0.81838</cdr:x>
+      <cdr:y>0.48075</cdr:y>
+    </cdr:to>
+    <cdr:grpSp>
+      <cdr:nvGrpSpPr>
+        <cdr:cNvPr id="49" name="Groupe 48">
+          <a:extLst xmlns:a="http://schemas.openxmlformats.org/drawingml/2006/main">
+            <a:ext uri="{FF2B5EF4-FFF2-40B4-BE49-F238E27FC236}">
+              <a16:creationId xmlns:a16="http://schemas.microsoft.com/office/drawing/2014/main" id="{39F98432-B310-40C7-A9A6-9DD97A7C3A36}"/>
+            </a:ext>
+          </a:extLst>
+        </cdr:cNvPr>
+        <cdr:cNvGrpSpPr/>
+      </cdr:nvGrpSpPr>
+      <cdr:grpSpPr>
+        <a:xfrm xmlns:a="http://schemas.openxmlformats.org/drawingml/2006/main">
+          <a:off x="6114045" y="1018783"/>
+          <a:ext cx="537748" cy="1665383"/>
+          <a:chOff x="-2879863" y="-256809"/>
+          <a:chExt cx="489582" cy="1567519"/>
+        </a:xfrm>
+      </cdr:grpSpPr>
+      <cdr:cxnSp macro="">
+        <cdr:nvCxnSpPr>
+          <cdr:cNvPr id="50" name="Connecteur droit 49">
+            <a:extLst xmlns:a="http://schemas.openxmlformats.org/drawingml/2006/main">
+              <a:ext uri="{FF2B5EF4-FFF2-40B4-BE49-F238E27FC236}">
+                <a16:creationId xmlns:a16="http://schemas.microsoft.com/office/drawing/2014/main" id="{02976753-04A8-477E-AB55-0CD57E762389}"/>
+              </a:ext>
+            </a:extLst>
+          </cdr:cNvPr>
+          <cdr:cNvCxnSpPr/>
+        </cdr:nvCxnSpPr>
+        <cdr:spPr>
+          <a:xfrm xmlns:a="http://schemas.openxmlformats.org/drawingml/2006/main" flipV="1">
+            <a:off x="-2879863" y="-256808"/>
+            <a:ext cx="0" cy="159979"/>
+          </a:xfrm>
+          <a:prstGeom xmlns:a="http://schemas.openxmlformats.org/drawingml/2006/main" prst="line">
+            <a:avLst/>
+          </a:prstGeom>
+          <a:ln xmlns:a="http://schemas.openxmlformats.org/drawingml/2006/main" w="19050">
+            <a:solidFill>
+              <a:schemeClr val="tx1"/>
+            </a:solidFill>
+          </a:ln>
+        </cdr:spPr>
+        <cdr:style>
+          <a:lnRef xmlns:a="http://schemas.openxmlformats.org/drawingml/2006/main" idx="1">
+            <a:schemeClr val="accent1"/>
+          </a:lnRef>
+          <a:fillRef xmlns:a="http://schemas.openxmlformats.org/drawingml/2006/main" idx="0">
+            <a:schemeClr val="accent1"/>
+          </a:fillRef>
+          <a:effectRef xmlns:a="http://schemas.openxmlformats.org/drawingml/2006/main" idx="0">
+            <a:schemeClr val="accent1"/>
+          </a:effectRef>
+          <a:fontRef xmlns:a="http://schemas.openxmlformats.org/drawingml/2006/main" idx="minor">
+            <a:schemeClr val="tx1"/>
+          </a:fontRef>
+        </cdr:style>
+      </cdr:cxnSp>
+      <cdr:cxnSp macro="">
+        <cdr:nvCxnSpPr>
+          <cdr:cNvPr id="51" name="Connecteur droit 50">
+            <a:extLst xmlns:a="http://schemas.openxmlformats.org/drawingml/2006/main">
+              <a:ext uri="{FF2B5EF4-FFF2-40B4-BE49-F238E27FC236}">
+                <a16:creationId xmlns:a16="http://schemas.microsoft.com/office/drawing/2014/main" id="{C9691315-B795-4593-98EB-ECABC18E5D15}"/>
+              </a:ext>
+            </a:extLst>
+          </cdr:cNvPr>
+          <cdr:cNvCxnSpPr/>
+        </cdr:nvCxnSpPr>
+        <cdr:spPr>
+          <a:xfrm xmlns:a="http://schemas.openxmlformats.org/drawingml/2006/main" flipH="1" flipV="1">
+            <a:off x="-2390432" y="-256808"/>
+            <a:ext cx="151" cy="1567518"/>
+          </a:xfrm>
+          <a:prstGeom xmlns:a="http://schemas.openxmlformats.org/drawingml/2006/main" prst="line">
+            <a:avLst/>
+          </a:prstGeom>
+          <a:ln xmlns:a="http://schemas.openxmlformats.org/drawingml/2006/main" w="19050">
+            <a:solidFill>
+              <a:schemeClr val="tx1"/>
+            </a:solidFill>
+          </a:ln>
+        </cdr:spPr>
+        <cdr:style>
+          <a:lnRef xmlns:a="http://schemas.openxmlformats.org/drawingml/2006/main" idx="1">
+            <a:schemeClr val="accent1"/>
+          </a:lnRef>
+          <a:fillRef xmlns:a="http://schemas.openxmlformats.org/drawingml/2006/main" idx="0">
+            <a:schemeClr val="accent1"/>
+          </a:fillRef>
+          <a:effectRef xmlns:a="http://schemas.openxmlformats.org/drawingml/2006/main" idx="0">
+            <a:schemeClr val="accent1"/>
+          </a:effectRef>
+          <a:fontRef xmlns:a="http://schemas.openxmlformats.org/drawingml/2006/main" idx="minor">
+            <a:schemeClr val="tx1"/>
+          </a:fontRef>
+        </cdr:style>
+      </cdr:cxnSp>
+      <cdr:cxnSp macro="">
+        <cdr:nvCxnSpPr>
+          <cdr:cNvPr id="52" name="Connecteur droit 51">
+            <a:extLst xmlns:a="http://schemas.openxmlformats.org/drawingml/2006/main">
+              <a:ext uri="{FF2B5EF4-FFF2-40B4-BE49-F238E27FC236}">
+                <a16:creationId xmlns:a16="http://schemas.microsoft.com/office/drawing/2014/main" id="{AD1ED628-B4A8-43E8-B907-D5B570DC4D8F}"/>
+              </a:ext>
+            </a:extLst>
+          </cdr:cNvPr>
+          <cdr:cNvCxnSpPr/>
+        </cdr:nvCxnSpPr>
+        <cdr:spPr>
+          <a:xfrm xmlns:a="http://schemas.openxmlformats.org/drawingml/2006/main">
+            <a:off x="-2879863" y="-256809"/>
+            <a:ext cx="489431" cy="0"/>
+          </a:xfrm>
+          <a:prstGeom xmlns:a="http://schemas.openxmlformats.org/drawingml/2006/main" prst="line">
+            <a:avLst/>
+          </a:prstGeom>
+          <a:ln xmlns:a="http://schemas.openxmlformats.org/drawingml/2006/main" w="19050">
+            <a:solidFill>
+              <a:schemeClr val="tx1"/>
+            </a:solidFill>
+          </a:ln>
+        </cdr:spPr>
+        <cdr:style>
+          <a:lnRef xmlns:a="http://schemas.openxmlformats.org/drawingml/2006/main" idx="1">
+            <a:schemeClr val="accent1"/>
+          </a:lnRef>
+          <a:fillRef xmlns:a="http://schemas.openxmlformats.org/drawingml/2006/main" idx="0">
+            <a:schemeClr val="accent1"/>
+          </a:fillRef>
+          <a:effectRef xmlns:a="http://schemas.openxmlformats.org/drawingml/2006/main" idx="0">
+            <a:schemeClr val="accent1"/>
+          </a:effectRef>
+          <a:fontRef xmlns:a="http://schemas.openxmlformats.org/drawingml/2006/main" idx="minor">
+            <a:schemeClr val="tx1"/>
+          </a:fontRef>
+        </cdr:style>
+      </cdr:cxnSp>
+    </cdr:grpSp>
+  </cdr:relSizeAnchor>
+  <cdr:relSizeAnchor xmlns:cdr="http://schemas.openxmlformats.org/drawingml/2006/chartDrawing">
+    <cdr:from>
+      <cdr:x>0.7374</cdr:x>
+      <cdr:y>0.10213</cdr:y>
+    </cdr:from>
+    <cdr:to>
+      <cdr:x>0.86169</cdr:x>
+      <cdr:y>0.16108</cdr:y>
+    </cdr:to>
+    <cdr:sp macro="" textlink="">
+      <cdr:nvSpPr>
+        <cdr:cNvPr id="54" name="ZoneTexte 35"/>
+        <cdr:cNvSpPr txBox="1"/>
+      </cdr:nvSpPr>
+      <cdr:spPr>
+        <a:xfrm xmlns:a="http://schemas.openxmlformats.org/drawingml/2006/main">
+          <a:off x="5993588" y="586572"/>
+          <a:ext cx="1010213" cy="338554"/>
+        </a:xfrm>
+        <a:prstGeom xmlns:a="http://schemas.openxmlformats.org/drawingml/2006/main" prst="rect">
+          <a:avLst/>
+        </a:prstGeom>
+        <a:noFill xmlns:a="http://schemas.openxmlformats.org/drawingml/2006/main"/>
+        <a:ln xmlns:a="http://schemas.openxmlformats.org/drawingml/2006/main">
+          <a:noFill/>
+        </a:ln>
+      </cdr:spPr>
+      <cdr:txBody>
+        <a:bodyPr xmlns:a="http://schemas.openxmlformats.org/drawingml/2006/main" wrap="none" rtlCol="0">
+          <a:spAutoFit/>
+        </a:bodyPr>
+        <a:lstStyle xmlns:a="http://schemas.openxmlformats.org/drawingml/2006/main">
+          <a:defPPr>
+            <a:defRPr lang="fr-FR"/>
+          </a:defPPr>
+          <a:lvl1pPr marL="0" algn="l" defTabSz="914400" rtl="0" eaLnBrk="1" latinLnBrk="0" hangingPunct="1">
+            <a:defRPr sz="1800" kern="1200">
+              <a:solidFill>
+                <a:schemeClr val="tx1"/>
+              </a:solidFill>
+              <a:latin typeface="+mn-lt"/>
+              <a:ea typeface="+mn-ea"/>
+              <a:cs typeface="+mn-cs"/>
+            </a:defRPr>
+          </a:lvl1pPr>
+          <a:lvl2pPr marL="457200" algn="l" defTabSz="914400" rtl="0" eaLnBrk="1" latinLnBrk="0" hangingPunct="1">
+            <a:defRPr sz="1800" kern="1200">
+              <a:solidFill>
+                <a:schemeClr val="tx1"/>
+              </a:solidFill>
+              <a:latin typeface="+mn-lt"/>
+              <a:ea typeface="+mn-ea"/>
+              <a:cs typeface="+mn-cs"/>
+            </a:defRPr>
+          </a:lvl2pPr>
+          <a:lvl3pPr marL="914400" algn="l" defTabSz="914400" rtl="0" eaLnBrk="1" latinLnBrk="0" hangingPunct="1">
+            <a:defRPr sz="1800" kern="1200">
+              <a:solidFill>
+                <a:schemeClr val="tx1"/>
+              </a:solidFill>
+              <a:latin typeface="+mn-lt"/>
+              <a:ea typeface="+mn-ea"/>
+              <a:cs typeface="+mn-cs"/>
+            </a:defRPr>
+          </a:lvl3pPr>
+          <a:lvl4pPr marL="1371600" algn="l" defTabSz="914400" rtl="0" eaLnBrk="1" latinLnBrk="0" hangingPunct="1">
+            <a:defRPr sz="1800" kern="1200">
+              <a:solidFill>
+                <a:schemeClr val="tx1"/>
+              </a:solidFill>
+              <a:latin typeface="+mn-lt"/>
+              <a:ea typeface="+mn-ea"/>
+              <a:cs typeface="+mn-cs"/>
+            </a:defRPr>
+          </a:lvl4pPr>
+          <a:lvl5pPr marL="1828800" algn="l" defTabSz="914400" rtl="0" eaLnBrk="1" latinLnBrk="0" hangingPunct="1">
+            <a:defRPr sz="1800" kern="1200">
+              <a:solidFill>
+                <a:schemeClr val="tx1"/>
+              </a:solidFill>
+              <a:latin typeface="+mn-lt"/>
+              <a:ea typeface="+mn-ea"/>
+              <a:cs typeface="+mn-cs"/>
+            </a:defRPr>
+          </a:lvl5pPr>
+          <a:lvl6pPr marL="2286000" algn="l" defTabSz="914400" rtl="0" eaLnBrk="1" latinLnBrk="0" hangingPunct="1">
+            <a:defRPr sz="1800" kern="1200">
+              <a:solidFill>
+                <a:schemeClr val="tx1"/>
+              </a:solidFill>
+              <a:latin typeface="+mn-lt"/>
+              <a:ea typeface="+mn-ea"/>
+              <a:cs typeface="+mn-cs"/>
+            </a:defRPr>
+          </a:lvl6pPr>
+          <a:lvl7pPr marL="2743200" algn="l" defTabSz="914400" rtl="0" eaLnBrk="1" latinLnBrk="0" hangingPunct="1">
+            <a:defRPr sz="1800" kern="1200">
+              <a:solidFill>
+                <a:schemeClr val="tx1"/>
+              </a:solidFill>
+              <a:latin typeface="+mn-lt"/>
+              <a:ea typeface="+mn-ea"/>
+              <a:cs typeface="+mn-cs"/>
+            </a:defRPr>
+          </a:lvl7pPr>
+          <a:lvl8pPr marL="3200400" algn="l" defTabSz="914400" rtl="0" eaLnBrk="1" latinLnBrk="0" hangingPunct="1">
+            <a:defRPr sz="1800" kern="1200">
+              <a:solidFill>
+                <a:schemeClr val="tx1"/>
+              </a:solidFill>
+              <a:latin typeface="+mn-lt"/>
+              <a:ea typeface="+mn-ea"/>
+              <a:cs typeface="+mn-cs"/>
+            </a:defRPr>
+          </a:lvl8pPr>
+          <a:lvl9pPr marL="3657600" algn="l" defTabSz="914400" rtl="0" eaLnBrk="1" latinLnBrk="0" hangingPunct="1">
+            <a:defRPr sz="1800" kern="1200">
+              <a:solidFill>
+                <a:schemeClr val="tx1"/>
+              </a:solidFill>
+              <a:latin typeface="+mn-lt"/>
+              <a:ea typeface="+mn-ea"/>
+              <a:cs typeface="+mn-cs"/>
+            </a:defRPr>
+          </a:lvl9pPr>
+        </a:lstStyle>
+        <a:p xmlns:a="http://schemas.openxmlformats.org/drawingml/2006/main">
+          <a:r>
+            <a:rPr lang="fr-FR" sz="1600" b="1" dirty="0"/>
+            <a:t>P&lt;&lt; 0,001</a:t>
+          </a:r>
+        </a:p>
+      </cdr:txBody>
+    </cdr:sp>
+  </cdr:relSizeAnchor>
+  <cdr:relSizeAnchor xmlns:cdr="http://schemas.openxmlformats.org/drawingml/2006/chartDrawing">
+    <cdr:from>
+      <cdr:x>0.52518</cdr:x>
+      <cdr:y>0.10786</cdr:y>
+    </cdr:from>
+    <cdr:to>
+      <cdr:x>0.64257</cdr:x>
+      <cdr:y>0.16681</cdr:y>
+    </cdr:to>
+    <cdr:sp macro="" textlink="">
+      <cdr:nvSpPr>
+        <cdr:cNvPr id="55" name="ZoneTexte 35"/>
+        <cdr:cNvSpPr txBox="1"/>
+      </cdr:nvSpPr>
+      <cdr:spPr>
+        <a:xfrm xmlns:a="http://schemas.openxmlformats.org/drawingml/2006/main">
+          <a:off x="4268664" y="619482"/>
+          <a:ext cx="954107" cy="338554"/>
+        </a:xfrm>
+        <a:prstGeom xmlns:a="http://schemas.openxmlformats.org/drawingml/2006/main" prst="rect">
+          <a:avLst/>
+        </a:prstGeom>
+        <a:noFill xmlns:a="http://schemas.openxmlformats.org/drawingml/2006/main"/>
+        <a:ln xmlns:a="http://schemas.openxmlformats.org/drawingml/2006/main">
+          <a:noFill/>
+        </a:ln>
+      </cdr:spPr>
+      <cdr:txBody>
+        <a:bodyPr xmlns:a="http://schemas.openxmlformats.org/drawingml/2006/main" wrap="none" rtlCol="0">
+          <a:spAutoFit/>
+        </a:bodyPr>
+        <a:lstStyle xmlns:a="http://schemas.openxmlformats.org/drawingml/2006/main">
+          <a:lvl1pPr marL="0" indent="0">
+            <a:defRPr sz="1100">
+              <a:latin typeface="+mn-lt"/>
+              <a:ea typeface="+mn-ea"/>
+              <a:cs typeface="+mn-cs"/>
+            </a:defRPr>
+          </a:lvl1pPr>
+          <a:lvl2pPr marL="457200" indent="0">
+            <a:defRPr sz="1100">
+              <a:latin typeface="+mn-lt"/>
+              <a:ea typeface="+mn-ea"/>
+              <a:cs typeface="+mn-cs"/>
+            </a:defRPr>
+          </a:lvl2pPr>
+          <a:lvl3pPr marL="914400" indent="0">
+            <a:defRPr sz="1100">
+              <a:latin typeface="+mn-lt"/>
+              <a:ea typeface="+mn-ea"/>
+              <a:cs typeface="+mn-cs"/>
+            </a:defRPr>
+          </a:lvl3pPr>
+          <a:lvl4pPr marL="1371600" indent="0">
+            <a:defRPr sz="1100">
+              <a:latin typeface="+mn-lt"/>
+              <a:ea typeface="+mn-ea"/>
+              <a:cs typeface="+mn-cs"/>
+            </a:defRPr>
+          </a:lvl4pPr>
+          <a:lvl5pPr marL="1828800" indent="0">
+            <a:defRPr sz="1100">
+              <a:latin typeface="+mn-lt"/>
+              <a:ea typeface="+mn-ea"/>
+              <a:cs typeface="+mn-cs"/>
+            </a:defRPr>
+          </a:lvl5pPr>
+          <a:lvl6pPr marL="2286000" indent="0">
+            <a:defRPr sz="1100">
+              <a:latin typeface="+mn-lt"/>
+              <a:ea typeface="+mn-ea"/>
+              <a:cs typeface="+mn-cs"/>
+            </a:defRPr>
+          </a:lvl6pPr>
+          <a:lvl7pPr marL="2743200" indent="0">
+            <a:defRPr sz="1100">
+              <a:latin typeface="+mn-lt"/>
+              <a:ea typeface="+mn-ea"/>
+              <a:cs typeface="+mn-cs"/>
+            </a:defRPr>
+          </a:lvl7pPr>
+          <a:lvl8pPr marL="3200400" indent="0">
+            <a:defRPr sz="1100">
+              <a:latin typeface="+mn-lt"/>
+              <a:ea typeface="+mn-ea"/>
+              <a:cs typeface="+mn-cs"/>
+            </a:defRPr>
+          </a:lvl8pPr>
+          <a:lvl9pPr marL="3657600" indent="0">
+            <a:defRPr sz="1100">
+              <a:latin typeface="+mn-lt"/>
+              <a:ea typeface="+mn-ea"/>
+              <a:cs typeface="+mn-cs"/>
+            </a:defRPr>
+          </a:lvl9pPr>
+        </a:lstStyle>
+        <a:p xmlns:a="http://schemas.openxmlformats.org/drawingml/2006/main">
+          <a:r>
+            <a:rPr lang="fr-FR" sz="1600" b="1" dirty="0"/>
+            <a:t>P = 0,002</a:t>
+          </a:r>
+        </a:p>
+      </cdr:txBody>
+    </cdr:sp>
+  </cdr:relSizeAnchor>
+  <cdr:relSizeAnchor xmlns:cdr="http://schemas.openxmlformats.org/drawingml/2006/chartDrawing">
+    <cdr:from>
+      <cdr:x>0.30992</cdr:x>
+      <cdr:y>0.11254</cdr:y>
+    </cdr:from>
+    <cdr:to>
+      <cdr:x>0.43421</cdr:x>
+      <cdr:y>0.17149</cdr:y>
+    </cdr:to>
+    <cdr:sp macro="" textlink="">
+      <cdr:nvSpPr>
+        <cdr:cNvPr id="56" name="ZoneTexte 35"/>
+        <cdr:cNvSpPr txBox="1"/>
+      </cdr:nvSpPr>
+      <cdr:spPr>
+        <a:xfrm xmlns:a="http://schemas.openxmlformats.org/drawingml/2006/main">
+          <a:off x="2519030" y="646361"/>
+          <a:ext cx="1010213" cy="338554"/>
+        </a:xfrm>
+        <a:prstGeom xmlns:a="http://schemas.openxmlformats.org/drawingml/2006/main" prst="rect">
+          <a:avLst/>
+        </a:prstGeom>
+        <a:noFill xmlns:a="http://schemas.openxmlformats.org/drawingml/2006/main"/>
+        <a:ln xmlns:a="http://schemas.openxmlformats.org/drawingml/2006/main">
+          <a:noFill/>
+        </a:ln>
+      </cdr:spPr>
+      <cdr:txBody>
+        <a:bodyPr xmlns:a="http://schemas.openxmlformats.org/drawingml/2006/main" wrap="none" rtlCol="0">
+          <a:spAutoFit/>
+        </a:bodyPr>
+        <a:lstStyle xmlns:a="http://schemas.openxmlformats.org/drawingml/2006/main">
+          <a:lvl1pPr marL="0" indent="0">
+            <a:defRPr sz="1100">
+              <a:latin typeface="+mn-lt"/>
+              <a:ea typeface="+mn-ea"/>
+              <a:cs typeface="+mn-cs"/>
+            </a:defRPr>
+          </a:lvl1pPr>
+          <a:lvl2pPr marL="457200" indent="0">
+            <a:defRPr sz="1100">
+              <a:latin typeface="+mn-lt"/>
+              <a:ea typeface="+mn-ea"/>
+              <a:cs typeface="+mn-cs"/>
+            </a:defRPr>
+          </a:lvl2pPr>
+          <a:lvl3pPr marL="914400" indent="0">
+            <a:defRPr sz="1100">
+              <a:latin typeface="+mn-lt"/>
+              <a:ea typeface="+mn-ea"/>
+              <a:cs typeface="+mn-cs"/>
+            </a:defRPr>
+          </a:lvl3pPr>
+          <a:lvl4pPr marL="1371600" indent="0">
+            <a:defRPr sz="1100">
+              <a:latin typeface="+mn-lt"/>
+              <a:ea typeface="+mn-ea"/>
+              <a:cs typeface="+mn-cs"/>
+            </a:defRPr>
+          </a:lvl4pPr>
+          <a:lvl5pPr marL="1828800" indent="0">
+            <a:defRPr sz="1100">
+              <a:latin typeface="+mn-lt"/>
+              <a:ea typeface="+mn-ea"/>
+              <a:cs typeface="+mn-cs"/>
+            </a:defRPr>
+          </a:lvl5pPr>
+          <a:lvl6pPr marL="2286000" indent="0">
+            <a:defRPr sz="1100">
+              <a:latin typeface="+mn-lt"/>
+              <a:ea typeface="+mn-ea"/>
+              <a:cs typeface="+mn-cs"/>
+            </a:defRPr>
+          </a:lvl6pPr>
+          <a:lvl7pPr marL="2743200" indent="0">
+            <a:defRPr sz="1100">
+              <a:latin typeface="+mn-lt"/>
+              <a:ea typeface="+mn-ea"/>
+              <a:cs typeface="+mn-cs"/>
+            </a:defRPr>
+          </a:lvl7pPr>
+          <a:lvl8pPr marL="3200400" indent="0">
+            <a:defRPr sz="1100">
+              <a:latin typeface="+mn-lt"/>
+              <a:ea typeface="+mn-ea"/>
+              <a:cs typeface="+mn-cs"/>
+            </a:defRPr>
+          </a:lvl8pPr>
+          <a:lvl9pPr marL="3657600" indent="0">
+            <a:defRPr sz="1100">
+              <a:latin typeface="+mn-lt"/>
+              <a:ea typeface="+mn-ea"/>
+              <a:cs typeface="+mn-cs"/>
+            </a:defRPr>
+          </a:lvl9pPr>
+        </a:lstStyle>
+        <a:p xmlns:a="http://schemas.openxmlformats.org/drawingml/2006/main">
+          <a:r>
+            <a:rPr lang="fr-FR" sz="1600" b="1" dirty="0"/>
+            <a:t>P&lt;&lt; 0,001</a:t>
+          </a:r>
+        </a:p>
+      </cdr:txBody>
+    </cdr:sp>
+  </cdr:relSizeAnchor>
+  <cdr:relSizeAnchor xmlns:cdr="http://schemas.openxmlformats.org/drawingml/2006/chartDrawing">
+    <cdr:from>
+      <cdr:x>0.0939</cdr:x>
+      <cdr:y>0.11514</cdr:y>
+    </cdr:from>
+    <cdr:to>
+      <cdr:x>0.21819</cdr:x>
+      <cdr:y>0.17409</cdr:y>
+    </cdr:to>
+    <cdr:sp macro="" textlink="">
+      <cdr:nvSpPr>
+        <cdr:cNvPr id="57" name="ZoneTexte 35"/>
+        <cdr:cNvSpPr txBox="1"/>
+      </cdr:nvSpPr>
+      <cdr:spPr>
+        <a:xfrm xmlns:a="http://schemas.openxmlformats.org/drawingml/2006/main">
+          <a:off x="763219" y="661294"/>
+          <a:ext cx="1010213" cy="338554"/>
+        </a:xfrm>
+        <a:prstGeom xmlns:a="http://schemas.openxmlformats.org/drawingml/2006/main" prst="rect">
+          <a:avLst/>
+        </a:prstGeom>
+        <a:noFill xmlns:a="http://schemas.openxmlformats.org/drawingml/2006/main"/>
+        <a:ln xmlns:a="http://schemas.openxmlformats.org/drawingml/2006/main">
+          <a:noFill/>
+        </a:ln>
+      </cdr:spPr>
+      <cdr:txBody>
+        <a:bodyPr xmlns:a="http://schemas.openxmlformats.org/drawingml/2006/main" wrap="none" rtlCol="0">
+          <a:spAutoFit/>
+        </a:bodyPr>
+        <a:lstStyle xmlns:a="http://schemas.openxmlformats.org/drawingml/2006/main">
+          <a:lvl1pPr marL="0" indent="0">
+            <a:defRPr sz="1100">
+              <a:latin typeface="+mn-lt"/>
+              <a:ea typeface="+mn-ea"/>
+              <a:cs typeface="+mn-cs"/>
+            </a:defRPr>
+          </a:lvl1pPr>
+          <a:lvl2pPr marL="457200" indent="0">
+            <a:defRPr sz="1100">
+              <a:latin typeface="+mn-lt"/>
+              <a:ea typeface="+mn-ea"/>
+              <a:cs typeface="+mn-cs"/>
+            </a:defRPr>
+          </a:lvl2pPr>
+          <a:lvl3pPr marL="914400" indent="0">
+            <a:defRPr sz="1100">
+              <a:latin typeface="+mn-lt"/>
+              <a:ea typeface="+mn-ea"/>
+              <a:cs typeface="+mn-cs"/>
+            </a:defRPr>
+          </a:lvl3pPr>
+          <a:lvl4pPr marL="1371600" indent="0">
+            <a:defRPr sz="1100">
+              <a:latin typeface="+mn-lt"/>
+              <a:ea typeface="+mn-ea"/>
+              <a:cs typeface="+mn-cs"/>
+            </a:defRPr>
+          </a:lvl4pPr>
+          <a:lvl5pPr marL="1828800" indent="0">
+            <a:defRPr sz="1100">
+              <a:latin typeface="+mn-lt"/>
+              <a:ea typeface="+mn-ea"/>
+              <a:cs typeface="+mn-cs"/>
+            </a:defRPr>
+          </a:lvl5pPr>
+          <a:lvl6pPr marL="2286000" indent="0">
+            <a:defRPr sz="1100">
+              <a:latin typeface="+mn-lt"/>
+              <a:ea typeface="+mn-ea"/>
+              <a:cs typeface="+mn-cs"/>
+            </a:defRPr>
+          </a:lvl6pPr>
+          <a:lvl7pPr marL="2743200" indent="0">
+            <a:defRPr sz="1100">
+              <a:latin typeface="+mn-lt"/>
+              <a:ea typeface="+mn-ea"/>
+              <a:cs typeface="+mn-cs"/>
+            </a:defRPr>
+          </a:lvl7pPr>
+          <a:lvl8pPr marL="3200400" indent="0">
+            <a:defRPr sz="1100">
+              <a:latin typeface="+mn-lt"/>
+              <a:ea typeface="+mn-ea"/>
+              <a:cs typeface="+mn-cs"/>
+            </a:defRPr>
+          </a:lvl8pPr>
+          <a:lvl9pPr marL="3657600" indent="0">
+            <a:defRPr sz="1100">
+              <a:latin typeface="+mn-lt"/>
+              <a:ea typeface="+mn-ea"/>
+              <a:cs typeface="+mn-cs"/>
+            </a:defRPr>
+          </a:lvl9pPr>
+        </a:lstStyle>
+        <a:p xmlns:a="http://schemas.openxmlformats.org/drawingml/2006/main">
+          <a:r>
+            <a:rPr lang="fr-FR" sz="1600" b="1" dirty="0"/>
+            <a:t>P&lt;&lt; 0,001</a:t>
+          </a:r>
+        </a:p>
+      </cdr:txBody>
+    </cdr:sp>
+  </cdr:relSizeAnchor>
+</c:userShapes>
+</file>
+
+<file path=ppt/drawings/drawing3.xml><?xml version="1.0" encoding="utf-8"?>
+<c:userShapes xmlns:c="http://schemas.openxmlformats.org/drawingml/2006/chart">
+  <cdr:relSizeAnchor xmlns:cdr="http://schemas.openxmlformats.org/drawingml/2006/chartDrawing">
+    <cdr:from>
       <cdr:x>0.15285</cdr:x>
       <cdr:y>0.20493</cdr:y>
     </cdr:from>
@@ -5108,20 +7273,32 @@
     </cdr:to>
     <cdr:grpSp>
       <cdr:nvGrpSpPr>
-        <cdr:cNvPr id="2" name="Groupe 1"/>
+        <cdr:cNvPr id="2" name="Groupe 1">
+          <a:extLst xmlns:a="http://schemas.openxmlformats.org/drawingml/2006/main">
+            <a:ext uri="{FF2B5EF4-FFF2-40B4-BE49-F238E27FC236}">
+              <a16:creationId xmlns:a16="http://schemas.microsoft.com/office/drawing/2014/main" id="{CCAD0C22-B332-4B1D-9DE8-23FFF8924C18}"/>
+            </a:ext>
+          </a:extLst>
+        </cdr:cNvPr>
         <cdr:cNvGrpSpPr/>
       </cdr:nvGrpSpPr>
       <cdr:grpSpPr>
         <a:xfrm xmlns:a="http://schemas.openxmlformats.org/drawingml/2006/main">
-          <a:off x="1166876" y="1185556"/>
-          <a:ext cx="528700" cy="1265625"/>
+          <a:off x="1166901" y="1185566"/>
+          <a:ext cx="528674" cy="1265633"/>
           <a:chOff x="2646109" y="951728"/>
           <a:chExt cx="489582" cy="2092195"/>
         </a:xfrm>
       </cdr:grpSpPr>
       <cdr:cxnSp macro="">
         <cdr:nvCxnSpPr>
-          <cdr:cNvPr id="3" name="Connecteur droit 2"/>
+          <cdr:cNvPr id="3" name="Connecteur droit 2">
+            <a:extLst xmlns:a="http://schemas.openxmlformats.org/drawingml/2006/main">
+              <a:ext uri="{FF2B5EF4-FFF2-40B4-BE49-F238E27FC236}">
+                <a16:creationId xmlns:a16="http://schemas.microsoft.com/office/drawing/2014/main" id="{DC563482-C1B4-4EBE-B3B9-052681DFCCF4}"/>
+              </a:ext>
+            </a:extLst>
+          </cdr:cNvPr>
           <cdr:cNvCxnSpPr/>
         </cdr:nvCxnSpPr>
         <cdr:spPr>
@@ -5155,7 +7332,13 @@
       </cdr:cxnSp>
       <cdr:cxnSp macro="">
         <cdr:nvCxnSpPr>
-          <cdr:cNvPr id="4" name="Connecteur droit 3"/>
+          <cdr:cNvPr id="4" name="Connecteur droit 3">
+            <a:extLst xmlns:a="http://schemas.openxmlformats.org/drawingml/2006/main">
+              <a:ext uri="{FF2B5EF4-FFF2-40B4-BE49-F238E27FC236}">
+                <a16:creationId xmlns:a16="http://schemas.microsoft.com/office/drawing/2014/main" id="{9F89D68C-DC34-4D65-86F5-E54B24513FD4}"/>
+              </a:ext>
+            </a:extLst>
+          </cdr:cNvPr>
           <cdr:cNvCxnSpPr/>
         </cdr:nvCxnSpPr>
         <cdr:spPr>
@@ -5189,7 +7372,13 @@
       </cdr:cxnSp>
       <cdr:cxnSp macro="">
         <cdr:nvCxnSpPr>
-          <cdr:cNvPr id="5" name="Connecteur droit 4"/>
+          <cdr:cNvPr id="5" name="Connecteur droit 4">
+            <a:extLst xmlns:a="http://schemas.openxmlformats.org/drawingml/2006/main">
+              <a:ext uri="{FF2B5EF4-FFF2-40B4-BE49-F238E27FC236}">
+                <a16:creationId xmlns:a16="http://schemas.microsoft.com/office/drawing/2014/main" id="{BDD5A424-3AB2-42CA-9265-7A547219C7F5}"/>
+              </a:ext>
+            </a:extLst>
+          </cdr:cNvPr>
           <cdr:cNvCxnSpPr/>
         </cdr:nvCxnSpPr>
         <cdr:spPr>
@@ -5234,20 +7423,32 @@
     </cdr:to>
     <cdr:grpSp>
       <cdr:nvGrpSpPr>
-        <cdr:cNvPr id="6" name="Groupe 5"/>
+        <cdr:cNvPr id="6" name="Groupe 5">
+          <a:extLst xmlns:a="http://schemas.openxmlformats.org/drawingml/2006/main">
+            <a:ext uri="{FF2B5EF4-FFF2-40B4-BE49-F238E27FC236}">
+              <a16:creationId xmlns:a16="http://schemas.microsoft.com/office/drawing/2014/main" id="{FAAABB26-099A-48DA-8C66-998AACD1FB3D}"/>
+            </a:ext>
+          </a:extLst>
+        </cdr:cNvPr>
         <cdr:cNvGrpSpPr/>
       </cdr:nvGrpSpPr>
       <cdr:grpSpPr>
         <a:xfrm xmlns:a="http://schemas.openxmlformats.org/drawingml/2006/main">
-          <a:off x="2696909" y="1240058"/>
-          <a:ext cx="489582" cy="908345"/>
+          <a:off x="2696888" y="1240063"/>
+          <a:ext cx="489587" cy="908337"/>
           <a:chOff x="4336768" y="565189"/>
           <a:chExt cx="489582" cy="3458598"/>
         </a:xfrm>
       </cdr:grpSpPr>
       <cdr:cxnSp macro="">
         <cdr:nvCxnSpPr>
-          <cdr:cNvPr id="7" name="Connecteur droit 6"/>
+          <cdr:cNvPr id="7" name="Connecteur droit 6">
+            <a:extLst xmlns:a="http://schemas.openxmlformats.org/drawingml/2006/main">
+              <a:ext uri="{FF2B5EF4-FFF2-40B4-BE49-F238E27FC236}">
+                <a16:creationId xmlns:a16="http://schemas.microsoft.com/office/drawing/2014/main" id="{A0A83A60-326E-4B42-8E98-A0C4A2302152}"/>
+              </a:ext>
+            </a:extLst>
+          </cdr:cNvPr>
           <cdr:cNvCxnSpPr/>
         </cdr:nvCxnSpPr>
         <cdr:spPr>
@@ -5281,7 +7482,13 @@
       </cdr:cxnSp>
       <cdr:cxnSp macro="">
         <cdr:nvCxnSpPr>
-          <cdr:cNvPr id="8" name="Connecteur droit 7"/>
+          <cdr:cNvPr id="8" name="Connecteur droit 7">
+            <a:extLst xmlns:a="http://schemas.openxmlformats.org/drawingml/2006/main">
+              <a:ext uri="{FF2B5EF4-FFF2-40B4-BE49-F238E27FC236}">
+                <a16:creationId xmlns:a16="http://schemas.microsoft.com/office/drawing/2014/main" id="{BB8F38E4-AB36-49FC-ABE5-D0088C441F16}"/>
+              </a:ext>
+            </a:extLst>
+          </cdr:cNvPr>
           <cdr:cNvCxnSpPr/>
         </cdr:nvCxnSpPr>
         <cdr:spPr>
@@ -5315,7 +7522,13 @@
       </cdr:cxnSp>
       <cdr:cxnSp macro="">
         <cdr:nvCxnSpPr>
-          <cdr:cNvPr id="9" name="Connecteur droit 8"/>
+          <cdr:cNvPr id="9" name="Connecteur droit 8">
+            <a:extLst xmlns:a="http://schemas.openxmlformats.org/drawingml/2006/main">
+              <a:ext uri="{FF2B5EF4-FFF2-40B4-BE49-F238E27FC236}">
+                <a16:creationId xmlns:a16="http://schemas.microsoft.com/office/drawing/2014/main" id="{83B334C2-3C25-4E69-B30C-8494FB4F189A}"/>
+              </a:ext>
+            </a:extLst>
+          </cdr:cNvPr>
           <cdr:cNvCxnSpPr/>
         </cdr:nvCxnSpPr>
         <cdr:spPr>
@@ -5360,20 +7573,32 @@
     </cdr:to>
     <cdr:grpSp>
       <cdr:nvGrpSpPr>
-        <cdr:cNvPr id="10" name="Groupe 9"/>
+        <cdr:cNvPr id="10" name="Groupe 9">
+          <a:extLst xmlns:a="http://schemas.openxmlformats.org/drawingml/2006/main">
+            <a:ext uri="{FF2B5EF4-FFF2-40B4-BE49-F238E27FC236}">
+              <a16:creationId xmlns:a16="http://schemas.microsoft.com/office/drawing/2014/main" id="{6B209E9A-C41D-47ED-9206-AA86813F9877}"/>
+            </a:ext>
+          </a:extLst>
+        </cdr:cNvPr>
         <cdr:cNvGrpSpPr/>
       </cdr:nvGrpSpPr>
       <cdr:grpSpPr>
         <a:xfrm xmlns:a="http://schemas.openxmlformats.org/drawingml/2006/main">
-          <a:off x="4133232" y="1240059"/>
-          <a:ext cx="489582" cy="726676"/>
+          <a:off x="4133203" y="1240063"/>
+          <a:ext cx="489587" cy="726681"/>
           <a:chOff x="5976627" y="-2004420"/>
           <a:chExt cx="489582" cy="13168823"/>
         </a:xfrm>
       </cdr:grpSpPr>
       <cdr:cxnSp macro="">
         <cdr:nvCxnSpPr>
-          <cdr:cNvPr id="11" name="Connecteur droit 10"/>
+          <cdr:cNvPr id="11" name="Connecteur droit 10">
+            <a:extLst xmlns:a="http://schemas.openxmlformats.org/drawingml/2006/main">
+              <a:ext uri="{FF2B5EF4-FFF2-40B4-BE49-F238E27FC236}">
+                <a16:creationId xmlns:a16="http://schemas.microsoft.com/office/drawing/2014/main" id="{9A501593-78DF-45C2-A110-F2885CEB8D2C}"/>
+              </a:ext>
+            </a:extLst>
+          </cdr:cNvPr>
           <cdr:cNvCxnSpPr/>
         </cdr:nvCxnSpPr>
         <cdr:spPr>
@@ -5407,7 +7632,13 @@
       </cdr:cxnSp>
       <cdr:cxnSp macro="">
         <cdr:nvCxnSpPr>
-          <cdr:cNvPr id="12" name="Connecteur droit 11"/>
+          <cdr:cNvPr id="12" name="Connecteur droit 11">
+            <a:extLst xmlns:a="http://schemas.openxmlformats.org/drawingml/2006/main">
+              <a:ext uri="{FF2B5EF4-FFF2-40B4-BE49-F238E27FC236}">
+                <a16:creationId xmlns:a16="http://schemas.microsoft.com/office/drawing/2014/main" id="{20BE3542-D31A-429D-A1C4-05BFB5B35B02}"/>
+              </a:ext>
+            </a:extLst>
+          </cdr:cNvPr>
           <cdr:cNvCxnSpPr/>
         </cdr:nvCxnSpPr>
         <cdr:spPr>
@@ -5441,7 +7672,13 @@
       </cdr:cxnSp>
       <cdr:cxnSp macro="">
         <cdr:nvCxnSpPr>
-          <cdr:cNvPr id="13" name="Connecteur droit 12"/>
+          <cdr:cNvPr id="13" name="Connecteur droit 12">
+            <a:extLst xmlns:a="http://schemas.openxmlformats.org/drawingml/2006/main">
+              <a:ext uri="{FF2B5EF4-FFF2-40B4-BE49-F238E27FC236}">
+                <a16:creationId xmlns:a16="http://schemas.microsoft.com/office/drawing/2014/main" id="{2C4E8E3C-FE8A-4D6D-9CD0-53C1779503B1}"/>
+              </a:ext>
+            </a:extLst>
+          </cdr:cNvPr>
           <cdr:cNvCxnSpPr/>
         </cdr:nvCxnSpPr>
         <cdr:spPr>
@@ -5486,20 +7723,32 @@
     </cdr:to>
     <cdr:grpSp>
       <cdr:nvGrpSpPr>
-        <cdr:cNvPr id="14" name="Groupe 13"/>
+        <cdr:cNvPr id="14" name="Groupe 13">
+          <a:extLst xmlns:a="http://schemas.openxmlformats.org/drawingml/2006/main">
+            <a:ext uri="{FF2B5EF4-FFF2-40B4-BE49-F238E27FC236}">
+              <a16:creationId xmlns:a16="http://schemas.microsoft.com/office/drawing/2014/main" id="{61B7C023-F6BE-42FA-8A7A-95D98C380769}"/>
+            </a:ext>
+          </a:extLst>
+        </cdr:cNvPr>
         <cdr:cNvGrpSpPr/>
       </cdr:nvGrpSpPr>
       <cdr:grpSpPr>
         <a:xfrm xmlns:a="http://schemas.openxmlformats.org/drawingml/2006/main">
-          <a:off x="5621700" y="1252170"/>
-          <a:ext cx="489582" cy="1241404"/>
+          <a:off x="5621736" y="1252154"/>
+          <a:ext cx="489511" cy="1241393"/>
           <a:chOff x="7820022" y="-60800547"/>
           <a:chExt cx="489582" cy="238644106"/>
         </a:xfrm>
       </cdr:grpSpPr>
       <cdr:cxnSp macro="">
         <cdr:nvCxnSpPr>
-          <cdr:cNvPr id="15" name="Connecteur droit 14"/>
+          <cdr:cNvPr id="15" name="Connecteur droit 14">
+            <a:extLst xmlns:a="http://schemas.openxmlformats.org/drawingml/2006/main">
+              <a:ext uri="{FF2B5EF4-FFF2-40B4-BE49-F238E27FC236}">
+                <a16:creationId xmlns:a16="http://schemas.microsoft.com/office/drawing/2014/main" id="{1241DF99-4BB8-4FE1-A04B-E7CD4457D147}"/>
+              </a:ext>
+            </a:extLst>
+          </cdr:cNvPr>
           <cdr:cNvCxnSpPr/>
         </cdr:nvCxnSpPr>
         <cdr:spPr>
@@ -5533,7 +7782,13 @@
       </cdr:cxnSp>
       <cdr:cxnSp macro="">
         <cdr:nvCxnSpPr>
-          <cdr:cNvPr id="16" name="Connecteur droit 15"/>
+          <cdr:cNvPr id="16" name="Connecteur droit 15">
+            <a:extLst xmlns:a="http://schemas.openxmlformats.org/drawingml/2006/main">
+              <a:ext uri="{FF2B5EF4-FFF2-40B4-BE49-F238E27FC236}">
+                <a16:creationId xmlns:a16="http://schemas.microsoft.com/office/drawing/2014/main" id="{AAAC04FC-4E97-4AA4-B078-9690012BFAC3}"/>
+              </a:ext>
+            </a:extLst>
+          </cdr:cNvPr>
           <cdr:cNvCxnSpPr/>
         </cdr:nvCxnSpPr>
         <cdr:spPr>
@@ -5567,7 +7822,13 @@
       </cdr:cxnSp>
       <cdr:cxnSp macro="">
         <cdr:nvCxnSpPr>
-          <cdr:cNvPr id="17" name="Connecteur droit 16"/>
+          <cdr:cNvPr id="17" name="Connecteur droit 16">
+            <a:extLst xmlns:a="http://schemas.openxmlformats.org/drawingml/2006/main">
+              <a:ext uri="{FF2B5EF4-FFF2-40B4-BE49-F238E27FC236}">
+                <a16:creationId xmlns:a16="http://schemas.microsoft.com/office/drawing/2014/main" id="{C8A7399E-98A0-4AA9-948A-7325199EB46C}"/>
+              </a:ext>
+            </a:extLst>
+          </cdr:cNvPr>
           <cdr:cNvCxnSpPr/>
         </cdr:nvCxnSpPr>
         <cdr:spPr>
@@ -6028,7 +8289,7 @@
 </c:userShapes>
 </file>
 
-<file path=ppt/drawings/drawing3.xml><?xml version="1.0" encoding="utf-8"?>
+<file path=ppt/drawings/drawing4.xml><?xml version="1.0" encoding="utf-8"?>
 <c:userShapes xmlns:c="http://schemas.openxmlformats.org/drawingml/2006/chart">
   <cdr:relSizeAnchor xmlns:cdr="http://schemas.openxmlformats.org/drawingml/2006/chartDrawing">
     <cdr:from>
@@ -6502,7 +8763,6 @@
               <a:rPr lang="fr-FR"/>
               <a:t>Modifiez le style du titre</a:t>
             </a:r>
-            <a:endParaRPr lang="fr-FR"/>
           </a:p>
         </p:txBody>
       </p:sp>
@@ -6567,7 +8827,6 @@
               <a:rPr lang="fr-FR"/>
               <a:t>Modifier le style des sous-titres du masque</a:t>
             </a:r>
-            <a:endParaRPr lang="fr-FR"/>
           </a:p>
         </p:txBody>
       </p:sp>
@@ -6588,7 +8847,7 @@
           <a:p>
             <a:fld id="{48FBB81F-AC1C-42D8-B504-E1BDDC3AB447}" type="datetimeFigureOut">
               <a:rPr lang="fr-FR" smtClean="0"/>
-              <a:t>14/03/2017</a:t>
+              <a:t>28/06/2017</a:t>
             </a:fld>
             <a:endParaRPr lang="fr-FR"/>
           </a:p>
@@ -6685,7 +8944,6 @@
               <a:rPr lang="fr-FR"/>
               <a:t>Modifiez le style du titre</a:t>
             </a:r>
-            <a:endParaRPr lang="fr-FR"/>
           </a:p>
         </p:txBody>
       </p:sp>
@@ -6737,7 +8995,6 @@
               <a:rPr lang="fr-FR"/>
               <a:t>Cinquième niveau</a:t>
             </a:r>
-            <a:endParaRPr lang="fr-FR"/>
           </a:p>
         </p:txBody>
       </p:sp>
@@ -6758,7 +9015,7 @@
           <a:p>
             <a:fld id="{48FBB81F-AC1C-42D8-B504-E1BDDC3AB447}" type="datetimeFigureOut">
               <a:rPr lang="fr-FR" smtClean="0"/>
-              <a:t>14/03/2017</a:t>
+              <a:t>28/06/2017</a:t>
             </a:fld>
             <a:endParaRPr lang="fr-FR"/>
           </a:p>
@@ -6860,7 +9117,6 @@
               <a:rPr lang="fr-FR"/>
               <a:t>Modifiez le style du titre</a:t>
             </a:r>
-            <a:endParaRPr lang="fr-FR"/>
           </a:p>
         </p:txBody>
       </p:sp>
@@ -6917,7 +9173,6 @@
               <a:rPr lang="fr-FR"/>
               <a:t>Cinquième niveau</a:t>
             </a:r>
-            <a:endParaRPr lang="fr-FR"/>
           </a:p>
         </p:txBody>
       </p:sp>
@@ -6938,7 +9193,7 @@
           <a:p>
             <a:fld id="{48FBB81F-AC1C-42D8-B504-E1BDDC3AB447}" type="datetimeFigureOut">
               <a:rPr lang="fr-FR" smtClean="0"/>
-              <a:t>14/03/2017</a:t>
+              <a:t>28/06/2017</a:t>
             </a:fld>
             <a:endParaRPr lang="fr-FR"/>
           </a:p>
@@ -7035,7 +9290,6 @@
               <a:rPr lang="fr-FR"/>
               <a:t>Modifiez le style du titre</a:t>
             </a:r>
-            <a:endParaRPr lang="fr-FR"/>
           </a:p>
         </p:txBody>
       </p:sp>
@@ -7087,7 +9341,6 @@
               <a:rPr lang="fr-FR"/>
               <a:t>Cinquième niveau</a:t>
             </a:r>
-            <a:endParaRPr lang="fr-FR"/>
           </a:p>
         </p:txBody>
       </p:sp>
@@ -7108,7 +9361,7 @@
           <a:p>
             <a:fld id="{48FBB81F-AC1C-42D8-B504-E1BDDC3AB447}" type="datetimeFigureOut">
               <a:rPr lang="fr-FR" smtClean="0"/>
-              <a:t>14/03/2017</a:t>
+              <a:t>28/06/2017</a:t>
             </a:fld>
             <a:endParaRPr lang="fr-FR"/>
           </a:p>
@@ -7214,7 +9467,6 @@
               <a:rPr lang="fr-FR"/>
               <a:t>Modifiez le style du titre</a:t>
             </a:r>
-            <a:endParaRPr lang="fr-FR"/>
           </a:p>
         </p:txBody>
       </p:sp>
@@ -7354,7 +9606,7 @@
           <a:p>
             <a:fld id="{48FBB81F-AC1C-42D8-B504-E1BDDC3AB447}" type="datetimeFigureOut">
               <a:rPr lang="fr-FR" smtClean="0"/>
-              <a:t>14/03/2017</a:t>
+              <a:t>28/06/2017</a:t>
             </a:fld>
             <a:endParaRPr lang="fr-FR"/>
           </a:p>
@@ -7451,7 +9703,6 @@
               <a:rPr lang="fr-FR"/>
               <a:t>Modifiez le style du titre</a:t>
             </a:r>
-            <a:endParaRPr lang="fr-FR"/>
           </a:p>
         </p:txBody>
       </p:sp>
@@ -7508,7 +9759,6 @@
               <a:rPr lang="fr-FR"/>
               <a:t>Cinquième niveau</a:t>
             </a:r>
-            <a:endParaRPr lang="fr-FR"/>
           </a:p>
         </p:txBody>
       </p:sp>
@@ -7565,7 +9815,6 @@
               <a:rPr lang="fr-FR"/>
               <a:t>Cinquième niveau</a:t>
             </a:r>
-            <a:endParaRPr lang="fr-FR"/>
           </a:p>
         </p:txBody>
       </p:sp>
@@ -7586,7 +9835,7 @@
           <a:p>
             <a:fld id="{48FBB81F-AC1C-42D8-B504-E1BDDC3AB447}" type="datetimeFigureOut">
               <a:rPr lang="fr-FR" smtClean="0"/>
-              <a:t>14/03/2017</a:t>
+              <a:t>28/06/2017</a:t>
             </a:fld>
             <a:endParaRPr lang="fr-FR"/>
           </a:p>
@@ -7688,7 +9937,6 @@
               <a:rPr lang="fr-FR"/>
               <a:t>Modifiez le style du titre</a:t>
             </a:r>
-            <a:endParaRPr lang="fr-FR"/>
           </a:p>
         </p:txBody>
       </p:sp>
@@ -7810,7 +10058,6 @@
               <a:rPr lang="fr-FR"/>
               <a:t>Cinquième niveau</a:t>
             </a:r>
-            <a:endParaRPr lang="fr-FR"/>
           </a:p>
         </p:txBody>
       </p:sp>
@@ -7932,7 +10179,6 @@
               <a:rPr lang="fr-FR"/>
               <a:t>Cinquième niveau</a:t>
             </a:r>
-            <a:endParaRPr lang="fr-FR"/>
           </a:p>
         </p:txBody>
       </p:sp>
@@ -7953,7 +10199,7 @@
           <a:p>
             <a:fld id="{48FBB81F-AC1C-42D8-B504-E1BDDC3AB447}" type="datetimeFigureOut">
               <a:rPr lang="fr-FR" smtClean="0"/>
-              <a:t>14/03/2017</a:t>
+              <a:t>28/06/2017</a:t>
             </a:fld>
             <a:endParaRPr lang="fr-FR"/>
           </a:p>
@@ -8050,7 +10296,6 @@
               <a:rPr lang="fr-FR"/>
               <a:t>Modifiez le style du titre</a:t>
             </a:r>
-            <a:endParaRPr lang="fr-FR"/>
           </a:p>
         </p:txBody>
       </p:sp>
@@ -8071,7 +10316,7 @@
           <a:p>
             <a:fld id="{48FBB81F-AC1C-42D8-B504-E1BDDC3AB447}" type="datetimeFigureOut">
               <a:rPr lang="fr-FR" smtClean="0"/>
-              <a:t>14/03/2017</a:t>
+              <a:t>28/06/2017</a:t>
             </a:fld>
             <a:endParaRPr lang="fr-FR"/>
           </a:p>
@@ -8166,7 +10411,7 @@
           <a:p>
             <a:fld id="{48FBB81F-AC1C-42D8-B504-E1BDDC3AB447}" type="datetimeFigureOut">
               <a:rPr lang="fr-FR" smtClean="0"/>
-              <a:t>14/03/2017</a:t>
+              <a:t>28/06/2017</a:t>
             </a:fld>
             <a:endParaRPr lang="fr-FR"/>
           </a:p>
@@ -8272,7 +10517,6 @@
               <a:rPr lang="fr-FR"/>
               <a:t>Modifiez le style du titre</a:t>
             </a:r>
-            <a:endParaRPr lang="fr-FR"/>
           </a:p>
         </p:txBody>
       </p:sp>
@@ -8357,7 +10601,6 @@
               <a:rPr lang="fr-FR"/>
               <a:t>Cinquième niveau</a:t>
             </a:r>
-            <a:endParaRPr lang="fr-FR"/>
           </a:p>
         </p:txBody>
       </p:sp>
@@ -8443,7 +10686,7 @@
           <a:p>
             <a:fld id="{48FBB81F-AC1C-42D8-B504-E1BDDC3AB447}" type="datetimeFigureOut">
               <a:rPr lang="fr-FR" smtClean="0"/>
-              <a:t>14/03/2017</a:t>
+              <a:t>28/06/2017</a:t>
             </a:fld>
             <a:endParaRPr lang="fr-FR"/>
           </a:p>
@@ -8549,7 +10792,6 @@
               <a:rPr lang="fr-FR"/>
               <a:t>Modifiez le style du titre</a:t>
             </a:r>
-            <a:endParaRPr lang="fr-FR"/>
           </a:p>
         </p:txBody>
       </p:sp>
@@ -8696,7 +10938,7 @@
           <a:p>
             <a:fld id="{48FBB81F-AC1C-42D8-B504-E1BDDC3AB447}" type="datetimeFigureOut">
               <a:rPr lang="fr-FR" smtClean="0"/>
-              <a:t>14/03/2017</a:t>
+              <a:t>28/06/2017</a:t>
             </a:fld>
             <a:endParaRPr lang="fr-FR"/>
           </a:p>
@@ -8808,7 +11050,6 @@
               <a:rPr lang="fr-FR"/>
               <a:t>Modifiez le style du titre</a:t>
             </a:r>
-            <a:endParaRPr lang="fr-FR"/>
           </a:p>
         </p:txBody>
       </p:sp>
@@ -8870,7 +11111,6 @@
               <a:rPr lang="fr-FR"/>
               <a:t>Cinquième niveau</a:t>
             </a:r>
-            <a:endParaRPr lang="fr-FR"/>
           </a:p>
         </p:txBody>
       </p:sp>
@@ -8909,7 +11149,7 @@
           <a:p>
             <a:fld id="{48FBB81F-AC1C-42D8-B504-E1BDDC3AB447}" type="datetimeFigureOut">
               <a:rPr lang="fr-FR" smtClean="0"/>
-              <a:t>14/03/2017</a:t>
+              <a:t>28/06/2017</a:t>
             </a:fld>
             <a:endParaRPr lang="fr-FR"/>
           </a:p>
@@ -9376,6 +11616,66 @@
       </p:grpSpPr>
       <p:graphicFrame>
         <p:nvGraphicFramePr>
+          <p:cNvPr id="4" name="Graphique 3">
+            <a:extLst>
+              <a:ext uri="{FF2B5EF4-FFF2-40B4-BE49-F238E27FC236}">
+                <a16:creationId xmlns:a16="http://schemas.microsoft.com/office/drawing/2014/main" id="{8EE0CC00-0C23-4CEF-80B0-312B9179D26A}"/>
+              </a:ext>
+            </a:extLst>
+          </p:cNvPr>
+          <p:cNvGraphicFramePr>
+            <a:graphicFrameLocks/>
+          </p:cNvGraphicFramePr>
+          <p:nvPr>
+            <p:extLst>
+              <p:ext uri="{D42A27DB-BD31-4B8C-83A1-F6EECF244321}">
+                <p14:modId xmlns:p14="http://schemas.microsoft.com/office/powerpoint/2010/main" val="373734019"/>
+              </p:ext>
+            </p:extLst>
+          </p:nvPr>
+        </p:nvGraphicFramePr>
+        <p:xfrm>
+          <a:off x="1237129" y="993123"/>
+          <a:ext cx="8128001" cy="5583289"/>
+        </p:xfrm>
+        <a:graphic>
+          <a:graphicData uri="http://schemas.openxmlformats.org/drawingml/2006/chart">
+            <c:chart xmlns:c="http://schemas.openxmlformats.org/drawingml/2006/chart" xmlns:r="http://schemas.openxmlformats.org/officeDocument/2006/relationships" r:id="rId2"/>
+          </a:graphicData>
+        </a:graphic>
+      </p:graphicFrame>
+    </p:spTree>
+    <p:extLst>
+      <p:ext uri="{BB962C8B-B14F-4D97-AF65-F5344CB8AC3E}">
+        <p14:creationId xmlns:p14="http://schemas.microsoft.com/office/powerpoint/2010/main" val="3722105577"/>
+      </p:ext>
+    </p:extLst>
+  </p:cSld>
+  <p:clrMapOvr>
+    <a:masterClrMapping/>
+  </p:clrMapOvr>
+</p:sld>
+</file>
+
+<file path=ppt/slides/slide3.xml><?xml version="1.0" encoding="utf-8"?>
+<p:sld xmlns:a="http://schemas.openxmlformats.org/drawingml/2006/main" xmlns:r="http://schemas.openxmlformats.org/officeDocument/2006/relationships" xmlns:p="http://schemas.openxmlformats.org/presentationml/2006/main">
+  <p:cSld>
+    <p:spTree>
+      <p:nvGrpSpPr>
+        <p:cNvPr id="1" name=""/>
+        <p:cNvGrpSpPr/>
+        <p:nvPr/>
+      </p:nvGrpSpPr>
+      <p:grpSpPr>
+        <a:xfrm>
+          <a:off x="0" y="0"/>
+          <a:ext cx="0" cy="0"/>
+          <a:chOff x="0" y="0"/>
+          <a:chExt cx="0" cy="0"/>
+        </a:xfrm>
+      </p:grpSpPr>
+      <p:graphicFrame>
+        <p:nvGraphicFramePr>
           <p:cNvPr id="5" name="Graphique 4">
             <a:extLst>
               <a:ext uri="{FF2B5EF4-FFF2-40B4-BE49-F238E27FC236}">
@@ -9417,7 +11717,7 @@
 </p:sld>
 </file>
 
-<file path=ppt/slides/slide3.xml><?xml version="1.0" encoding="utf-8"?>
+<file path=ppt/slides/slide4.xml><?xml version="1.0" encoding="utf-8"?>
 <p:sld xmlns:a="http://schemas.openxmlformats.org/drawingml/2006/main" xmlns:r="http://schemas.openxmlformats.org/officeDocument/2006/relationships" xmlns:p="http://schemas.openxmlformats.org/presentationml/2006/main">
   <p:cSld>
     <p:spTree>
@@ -9957,7 +12257,7 @@
 </p:sld>
 </file>
 
-<file path=ppt/slides/slide4.xml><?xml version="1.0" encoding="utf-8"?>
+<file path=ppt/slides/slide5.xml><?xml version="1.0" encoding="utf-8"?>
 <p:sld xmlns:a="http://schemas.openxmlformats.org/drawingml/2006/main" xmlns:r="http://schemas.openxmlformats.org/officeDocument/2006/relationships" xmlns:p="http://schemas.openxmlformats.org/presentationml/2006/main">
   <p:cSld>
     <p:spTree>

--- a/cooperativeNegotiation/crowdFlower/graphs.pptx
+++ b/cooperativeNegotiation/crowdFlower/graphs.pptx
@@ -6,10 +6,9 @@
   </p:sldMasterIdLst>
   <p:sldIdLst>
     <p:sldId id="256" r:id="rId2"/>
-    <p:sldId id="260" r:id="rId3"/>
-    <p:sldId id="257" r:id="rId4"/>
-    <p:sldId id="258" r:id="rId5"/>
-    <p:sldId id="259" r:id="rId6"/>
+    <p:sldId id="257" r:id="rId3"/>
+    <p:sldId id="258" r:id="rId4"/>
+    <p:sldId id="259" r:id="rId5"/>
   </p:sldIdLst>
   <p:sldSz cx="12192000" cy="6858000"/>
   <p:notesSz cx="6858000" cy="9144000"/>
@@ -116,6 +115,18 @@
 </p:presentation>
 </file>
 
+<file path=ppt/commentAuthors.xml><?xml version="1.0" encoding="utf-8"?>
+<p:cmAuthorLst xmlns:a="http://schemas.openxmlformats.org/drawingml/2006/main" xmlns:r="http://schemas.openxmlformats.org/officeDocument/2006/relationships" xmlns:p="http://schemas.openxmlformats.org/presentationml/2006/main">
+  <p:cmAuthor id="1" name="Entreprise ZENIKA" initials="EZ" lastIdx="1" clrIdx="0">
+    <p:extLst>
+      <p:ext uri="{19B8F6BF-5375-455C-9EA6-DF929625EA0E}">
+        <p15:presenceInfo xmlns:p15="http://schemas.microsoft.com/office/powerpoint/2012/main" userId="e4e8d4faa7ab5d60" providerId="Windows Live"/>
+      </p:ext>
+    </p:extLst>
+  </p:cmAuthor>
+</p:cmAuthorLst>
+</file>
+
 <file path=ppt/revisionInfo.xml><?xml version="1.0" encoding="utf-8"?>
 <p1510:revInfo xmlns:a="http://schemas.openxmlformats.org/drawingml/2006/main" xmlns:r="http://schemas.openxmlformats.org/officeDocument/2006/relationships" xmlns:p1510="http://schemas.microsoft.com/office/powerpoint/2015/10/main"/>
 </file>
@@ -141,8 +152,8 @@
           <c:layoutTarget val="inner"/>
           <c:xMode val="edge"/>
           <c:yMode val="edge"/>
-          <c:x val="4.6119609524162837E-2"/>
-          <c:y val="0.18132151592030421"/>
+          <c:x val="4.7682080747775503E-2"/>
+          <c:y val="0.1083506619523769"/>
           <c:w val="0.85065173322058218"/>
           <c:h val="0.75853664099715346"/>
         </c:manualLayout>
@@ -233,16 +244,20 @@
               <c:strCache>
                 <c:ptCount val="4"/>
                 <c:pt idx="0">
-                  <c:v>Dialogue1</c:v>
+                  <c:v>A=0.9 B=0.4 
+Diff</c:v>
                 </c:pt>
                 <c:pt idx="1">
-                  <c:v>Dialogue2</c:v>
+                  <c:v>A=0.7 B=0.4 
+Diff</c:v>
                 </c:pt>
                 <c:pt idx="2">
-                  <c:v>Dialogue3</c:v>
+                  <c:v>A=0.7 B=0.2
+ Diff</c:v>
                 </c:pt>
                 <c:pt idx="3">
-                  <c:v>Dialogue4</c:v>
+                  <c:v>A=0.7 B=0.4 
+Sim</c:v>
                 </c:pt>
               </c:strCache>
             </c:strRef>
@@ -281,16 +296,11 @@
             <c:v>Agent 2</c:v>
           </c:tx>
           <c:spPr>
-            <a:pattFill prst="dkHorz">
-              <a:fgClr>
-                <a:schemeClr val="accent2">
-                  <a:lumMod val="75000"/>
-                </a:schemeClr>
-              </a:fgClr>
-              <a:bgClr>
-                <a:schemeClr val="bg1"/>
-              </a:bgClr>
-            </a:pattFill>
+            <a:solidFill>
+              <a:schemeClr val="accent2">
+                <a:lumMod val="75000"/>
+              </a:schemeClr>
+            </a:solidFill>
             <a:ln>
               <a:noFill/>
             </a:ln>
@@ -363,16 +373,20 @@
               <c:strCache>
                 <c:ptCount val="4"/>
                 <c:pt idx="0">
-                  <c:v>Dialogue1</c:v>
+                  <c:v>A=0.9 B=0.4 
+Diff</c:v>
                 </c:pt>
                 <c:pt idx="1">
-                  <c:v>Dialogue2</c:v>
+                  <c:v>A=0.7 B=0.4 
+Diff</c:v>
                 </c:pt>
                 <c:pt idx="2">
-                  <c:v>Dialogue3</c:v>
+                  <c:v>A=0.7 B=0.2
+ Diff</c:v>
                 </c:pt>
                 <c:pt idx="3">
-                  <c:v>Dialogue4</c:v>
+                  <c:v>A=0.7 B=0.4 
+Sim</c:v>
                 </c:pt>
               </c:strCache>
             </c:strRef>
@@ -446,482 +460,7 @@
           <a:lstStyle/>
           <a:p>
             <a:pPr>
-              <a:defRPr sz="1500" b="0" i="0" u="none" strike="noStrike" kern="1200" baseline="0">
-                <a:solidFill>
-                  <a:schemeClr val="tx1">
-                    <a:lumMod val="65000"/>
-                    <a:lumOff val="35000"/>
-                  </a:schemeClr>
-                </a:solidFill>
-                <a:latin typeface="+mn-lt"/>
-                <a:ea typeface="+mn-ea"/>
-                <a:cs typeface="+mn-cs"/>
-              </a:defRPr>
-            </a:pPr>
-            <a:endParaRPr lang="fr-FR"/>
-          </a:p>
-        </c:txPr>
-        <c:crossAx val="252159032"/>
-        <c:crosses val="autoZero"/>
-        <c:auto val="1"/>
-        <c:lblAlgn val="ctr"/>
-        <c:lblOffset val="100"/>
-        <c:noMultiLvlLbl val="0"/>
-      </c:catAx>
-      <c:valAx>
-        <c:axId val="252159032"/>
-        <c:scaling>
-          <c:orientation val="minMax"/>
-          <c:max val="5"/>
-        </c:scaling>
-        <c:delete val="0"/>
-        <c:axPos val="l"/>
-        <c:majorGridlines>
-          <c:spPr>
-            <a:ln w="9525" cap="flat" cmpd="sng" algn="ctr">
-              <a:solidFill>
-                <a:schemeClr val="tx1">
-                  <a:lumMod val="15000"/>
-                  <a:lumOff val="85000"/>
-                </a:schemeClr>
-              </a:solidFill>
-              <a:round/>
-            </a:ln>
-            <a:effectLst/>
-          </c:spPr>
-        </c:majorGridlines>
-        <c:numFmt formatCode="General" sourceLinked="1"/>
-        <c:majorTickMark val="none"/>
-        <c:minorTickMark val="none"/>
-        <c:tickLblPos val="nextTo"/>
-        <c:spPr>
-          <a:noFill/>
-          <a:ln>
-            <a:noFill/>
-          </a:ln>
-          <a:effectLst/>
-        </c:spPr>
-        <c:txPr>
-          <a:bodyPr rot="-60000000" spcFirstLastPara="1" vertOverflow="ellipsis" vert="horz" wrap="square" anchor="ctr" anchorCtr="1"/>
-          <a:lstStyle/>
-          <a:p>
-            <a:pPr>
-              <a:defRPr sz="1400" b="0" i="0" u="none" strike="noStrike" kern="1200" baseline="0">
-                <a:solidFill>
-                  <a:schemeClr val="tx1">
-                    <a:lumMod val="65000"/>
-                    <a:lumOff val="35000"/>
-                  </a:schemeClr>
-                </a:solidFill>
-                <a:latin typeface="+mn-lt"/>
-                <a:ea typeface="+mn-ea"/>
-                <a:cs typeface="+mn-cs"/>
-              </a:defRPr>
-            </a:pPr>
-            <a:endParaRPr lang="fr-FR"/>
-          </a:p>
-        </c:txPr>
-        <c:crossAx val="252166576"/>
-        <c:crosses val="autoZero"/>
-        <c:crossBetween val="between"/>
-        <c:majorUnit val="1"/>
-      </c:valAx>
-      <c:spPr>
-        <a:noFill/>
-        <a:ln>
-          <a:noFill/>
-        </a:ln>
-        <a:effectLst/>
-      </c:spPr>
-    </c:plotArea>
-    <c:legend>
-      <c:legendPos val="r"/>
-      <c:overlay val="0"/>
-      <c:spPr>
-        <a:noFill/>
-        <a:ln>
-          <a:noFill/>
-        </a:ln>
-        <a:effectLst/>
-      </c:spPr>
-      <c:txPr>
-        <a:bodyPr rot="0" spcFirstLastPara="1" vertOverflow="ellipsis" vert="horz" wrap="square" anchor="ctr" anchorCtr="1"/>
-        <a:lstStyle/>
-        <a:p>
-          <a:pPr>
-            <a:defRPr sz="1400" b="0" i="0" u="none" strike="noStrike" kern="1200" baseline="0">
-              <a:solidFill>
-                <a:schemeClr val="tx1">
-                  <a:lumMod val="65000"/>
-                  <a:lumOff val="35000"/>
-                </a:schemeClr>
-              </a:solidFill>
-              <a:latin typeface="+mn-lt"/>
-              <a:ea typeface="+mn-ea"/>
-              <a:cs typeface="+mn-cs"/>
-            </a:defRPr>
-          </a:pPr>
-          <a:endParaRPr lang="fr-FR"/>
-        </a:p>
-      </c:txPr>
-    </c:legend>
-    <c:plotVisOnly val="1"/>
-    <c:dispBlanksAs val="gap"/>
-    <c:showDLblsOverMax val="0"/>
-  </c:chart>
-  <c:spPr>
-    <a:noFill/>
-    <a:ln>
-      <a:solidFill>
-        <a:schemeClr val="tx1"/>
-      </a:solidFill>
-    </a:ln>
-    <a:effectLst/>
-  </c:spPr>
-  <c:txPr>
-    <a:bodyPr/>
-    <a:lstStyle/>
-    <a:p>
-      <a:pPr>
-        <a:defRPr/>
-      </a:pPr>
-      <a:endParaRPr lang="fr-FR"/>
-    </a:p>
-  </c:txPr>
-  <c:externalData r:id="rId3">
-    <c:autoUpdate val="0"/>
-  </c:externalData>
-  <c:userShapes r:id="rId4"/>
-</c:chartSpace>
-</file>
-
-<file path=ppt/charts/chart2.xml><?xml version="1.0" encoding="utf-8"?>
-<c:chartSpace xmlns:c="http://schemas.openxmlformats.org/drawingml/2006/chart" xmlns:a="http://schemas.openxmlformats.org/drawingml/2006/main" xmlns:r="http://schemas.openxmlformats.org/officeDocument/2006/relationships" xmlns:c16r2="http://schemas.microsoft.com/office/drawing/2015/06/chart">
-  <c:date1904 val="0"/>
-  <c:lang val="fr-FR"/>
-  <c:roundedCorners val="0"/>
-  <mc:AlternateContent xmlns:mc="http://schemas.openxmlformats.org/markup-compatibility/2006">
-    <mc:Choice xmlns:c14="http://schemas.microsoft.com/office/drawing/2007/8/2/chart" Requires="c14">
-      <c14:style val="102"/>
-    </mc:Choice>
-    <mc:Fallback>
-      <c:style val="2"/>
-    </mc:Fallback>
-  </mc:AlternateContent>
-  <c:chart>
-    <c:autoTitleDeleted val="0"/>
-    <c:plotArea>
-      <c:layout>
-        <c:manualLayout>
-          <c:layoutTarget val="inner"/>
-          <c:xMode val="edge"/>
-          <c:yMode val="edge"/>
-          <c:x val="4.6119609524162837E-2"/>
-          <c:y val="0.18132151592030421"/>
-          <c:w val="0.85065173322058218"/>
-          <c:h val="0.75853664099715346"/>
-        </c:manualLayout>
-      </c:layout>
-      <c:barChart>
-        <c:barDir val="col"/>
-        <c:grouping val="clustered"/>
-        <c:varyColors val="0"/>
-        <c:ser>
-          <c:idx val="0"/>
-          <c:order val="0"/>
-          <c:tx>
-            <c:v>Agent 1</c:v>
-          </c:tx>
-          <c:spPr>
-            <a:solidFill>
-              <a:schemeClr val="accent1"/>
-            </a:solidFill>
-            <a:ln>
-              <a:noFill/>
-            </a:ln>
-            <a:effectLst/>
-          </c:spPr>
-          <c:invertIfNegative val="0"/>
-          <c:errBars>
-            <c:errBarType val="both"/>
-            <c:errValType val="cust"/>
-            <c:noEndCap val="0"/>
-            <c:plus>
-              <c:numRef>
-                <c:f>Feuil1!$B$10:$B$13</c:f>
-                <c:numCache>
-                  <c:formatCode>General</c:formatCode>
-                  <c:ptCount val="4"/>
-                  <c:pt idx="0">
-                    <c:v>1.119551</c:v>
-                  </c:pt>
-                  <c:pt idx="1">
-                    <c:v>0.99527540000000003</c:v>
-                  </c:pt>
-                  <c:pt idx="2">
-                    <c:v>1.154701</c:v>
-                  </c:pt>
-                  <c:pt idx="3">
-                    <c:v>1.0535950000000001</c:v>
-                  </c:pt>
-                </c:numCache>
-              </c:numRef>
-            </c:plus>
-            <c:minus>
-              <c:numRef>
-                <c:f>Feuil1!$B$10:$B$13</c:f>
-                <c:numCache>
-                  <c:formatCode>General</c:formatCode>
-                  <c:ptCount val="4"/>
-                  <c:pt idx="0">
-                    <c:v>1.119551</c:v>
-                  </c:pt>
-                  <c:pt idx="1">
-                    <c:v>0.99527540000000003</c:v>
-                  </c:pt>
-                  <c:pt idx="2">
-                    <c:v>1.154701</c:v>
-                  </c:pt>
-                  <c:pt idx="3">
-                    <c:v>1.0535950000000001</c:v>
-                  </c:pt>
-                </c:numCache>
-              </c:numRef>
-            </c:minus>
-            <c:spPr>
-              <a:noFill/>
-              <a:ln w="9525" cap="flat" cmpd="sng" algn="ctr">
-                <a:solidFill>
-                  <a:schemeClr val="tx1">
-                    <a:lumMod val="65000"/>
-                    <a:lumOff val="35000"/>
-                  </a:schemeClr>
-                </a:solidFill>
-                <a:round/>
-              </a:ln>
-              <a:effectLst/>
-            </c:spPr>
-          </c:errBars>
-          <c:cat>
-            <c:strRef>
-              <c:f>Feuil1!$A$3:$A$6</c:f>
-              <c:strCache>
-                <c:ptCount val="4"/>
-                <c:pt idx="0">
-                  <c:v>Dialogue1</c:v>
-                </c:pt>
-                <c:pt idx="1">
-                  <c:v>Dialogue2</c:v>
-                </c:pt>
-                <c:pt idx="2">
-                  <c:v>Dialogue3</c:v>
-                </c:pt>
-                <c:pt idx="3">
-                  <c:v>Dialogue4</c:v>
-                </c:pt>
-              </c:strCache>
-            </c:strRef>
-          </c:cat>
-          <c:val>
-            <c:numRef>
-              <c:f>Feuil1!$B$3:$B$6</c:f>
-              <c:numCache>
-                <c:formatCode>General</c:formatCode>
-                <c:ptCount val="4"/>
-                <c:pt idx="0">
-                  <c:v>3.961538</c:v>
-                </c:pt>
-                <c:pt idx="1">
-                  <c:v>3.5961539999999999</c:v>
-                </c:pt>
-                <c:pt idx="2">
-                  <c:v>2.8333330000000001</c:v>
-                </c:pt>
-                <c:pt idx="3">
-                  <c:v>3.3888889999999998</c:v>
-                </c:pt>
-              </c:numCache>
-            </c:numRef>
-          </c:val>
-          <c:extLst>
-            <c:ext xmlns:c16="http://schemas.microsoft.com/office/drawing/2014/chart" uri="{C3380CC4-5D6E-409C-BE32-E72D297353CC}">
-              <c16:uniqueId val="{00000000-3FEE-49A9-9F39-F942A891E339}"/>
-            </c:ext>
-          </c:extLst>
-        </c:ser>
-        <c:ser>
-          <c:idx val="1"/>
-          <c:order val="1"/>
-          <c:tx>
-            <c:v>Agent 2</c:v>
-          </c:tx>
-          <c:spPr>
-            <a:pattFill prst="dkHorz">
-              <a:fgClr>
-                <a:schemeClr val="accent2">
-                  <a:lumMod val="75000"/>
-                </a:schemeClr>
-              </a:fgClr>
-              <a:bgClr>
-                <a:schemeClr val="bg1"/>
-              </a:bgClr>
-            </a:pattFill>
-            <a:ln>
-              <a:noFill/>
-            </a:ln>
-            <a:effectLst/>
-          </c:spPr>
-          <c:invertIfNegative val="0"/>
-          <c:errBars>
-            <c:errBarType val="both"/>
-            <c:errValType val="cust"/>
-            <c:noEndCap val="0"/>
-            <c:plus>
-              <c:numRef>
-                <c:f>Feuil1!$C$10:$C$13</c:f>
-                <c:numCache>
-                  <c:formatCode>General</c:formatCode>
-                  <c:ptCount val="4"/>
-                  <c:pt idx="0">
-                    <c:v>0.91472779999999998</c:v>
-                  </c:pt>
-                  <c:pt idx="1">
-                    <c:v>0.79306949999999998</c:v>
-                  </c:pt>
-                  <c:pt idx="2">
-                    <c:v>0.77155779999999996</c:v>
-                  </c:pt>
-                  <c:pt idx="3">
-                    <c:v>0.91037959999999996</c:v>
-                  </c:pt>
-                </c:numCache>
-              </c:numRef>
-            </c:plus>
-            <c:minus>
-              <c:numRef>
-                <c:f>Feuil1!$C$10:$C$13</c:f>
-                <c:numCache>
-                  <c:formatCode>General</c:formatCode>
-                  <c:ptCount val="4"/>
-                  <c:pt idx="0">
-                    <c:v>0.91472779999999998</c:v>
-                  </c:pt>
-                  <c:pt idx="1">
-                    <c:v>0.79306949999999998</c:v>
-                  </c:pt>
-                  <c:pt idx="2">
-                    <c:v>0.77155779999999996</c:v>
-                  </c:pt>
-                  <c:pt idx="3">
-                    <c:v>0.91037959999999996</c:v>
-                  </c:pt>
-                </c:numCache>
-              </c:numRef>
-            </c:minus>
-            <c:spPr>
-              <a:noFill/>
-              <a:ln w="9525" cap="flat" cmpd="sng" algn="ctr">
-                <a:solidFill>
-                  <a:schemeClr val="tx1">
-                    <a:lumMod val="65000"/>
-                    <a:lumOff val="35000"/>
-                  </a:schemeClr>
-                </a:solidFill>
-                <a:round/>
-              </a:ln>
-              <a:effectLst/>
-            </c:spPr>
-          </c:errBars>
-          <c:cat>
-            <c:strRef>
-              <c:f>Feuil1!$A$3:$A$6</c:f>
-              <c:strCache>
-                <c:ptCount val="4"/>
-                <c:pt idx="0">
-                  <c:v>Dialogue1</c:v>
-                </c:pt>
-                <c:pt idx="1">
-                  <c:v>Dialogue2</c:v>
-                </c:pt>
-                <c:pt idx="2">
-                  <c:v>Dialogue3</c:v>
-                </c:pt>
-                <c:pt idx="3">
-                  <c:v>Dialogue4</c:v>
-                </c:pt>
-              </c:strCache>
-            </c:strRef>
-          </c:cat>
-          <c:val>
-            <c:numRef>
-              <c:f>Feuil1!$C$3:$C$6</c:f>
-              <c:numCache>
-                <c:formatCode>General</c:formatCode>
-                <c:ptCount val="4"/>
-                <c:pt idx="0">
-                  <c:v>2.211538</c:v>
-                </c:pt>
-                <c:pt idx="1">
-                  <c:v>2.1923080000000001</c:v>
-                </c:pt>
-                <c:pt idx="2">
-                  <c:v>2.1458330000000001</c:v>
-                </c:pt>
-                <c:pt idx="3">
-                  <c:v>1.962963</c:v>
-                </c:pt>
-              </c:numCache>
-            </c:numRef>
-          </c:val>
-          <c:extLst>
-            <c:ext xmlns:c16="http://schemas.microsoft.com/office/drawing/2014/chart" uri="{C3380CC4-5D6E-409C-BE32-E72D297353CC}">
-              <c16:uniqueId val="{00000001-3FEE-49A9-9F39-F942A891E339}"/>
-            </c:ext>
-          </c:extLst>
-        </c:ser>
-        <c:dLbls>
-          <c:showLegendKey val="0"/>
-          <c:showVal val="0"/>
-          <c:showCatName val="0"/>
-          <c:showSerName val="0"/>
-          <c:showPercent val="0"/>
-          <c:showBubbleSize val="0"/>
-        </c:dLbls>
-        <c:gapWidth val="219"/>
-        <c:overlap val="-27"/>
-        <c:axId val="252166576"/>
-        <c:axId val="252159032"/>
-      </c:barChart>
-      <c:catAx>
-        <c:axId val="252166576"/>
-        <c:scaling>
-          <c:orientation val="minMax"/>
-        </c:scaling>
-        <c:delete val="0"/>
-        <c:axPos val="b"/>
-        <c:numFmt formatCode="General" sourceLinked="1"/>
-        <c:majorTickMark val="none"/>
-        <c:minorTickMark val="none"/>
-        <c:tickLblPos val="nextTo"/>
-        <c:spPr>
-          <a:noFill/>
-          <a:ln w="9525" cap="flat" cmpd="sng" algn="ctr">
-            <a:solidFill>
-              <a:schemeClr val="tx1">
-                <a:lumMod val="15000"/>
-                <a:lumOff val="85000"/>
-              </a:schemeClr>
-            </a:solidFill>
-            <a:round/>
-          </a:ln>
-          <a:effectLst/>
-        </c:spPr>
-        <c:txPr>
-          <a:bodyPr rot="-60000000" spcFirstLastPara="1" vertOverflow="ellipsis" vert="horz" wrap="square" anchor="ctr" anchorCtr="1"/>
-          <a:lstStyle/>
-          <a:p>
-            <a:pPr>
-              <a:defRPr sz="1600" b="1" i="0" u="none" strike="noStrike" kern="1200" baseline="0">
+              <a:defRPr sz="2000" b="0" i="0" u="none" strike="noStrike" kern="1200" baseline="0">
                 <a:solidFill>
                   <a:schemeClr val="tx1">
                     <a:lumMod val="65000"/>
@@ -967,7 +506,7 @@
           <a:lstStyle/>
           <a:p>
             <a:pPr>
-              <a:defRPr sz="1800" b="0" i="0" u="none" strike="noStrike" kern="1200" baseline="0">
+              <a:defRPr sz="2000" b="0" i="0" u="none" strike="noStrike" kern="1200" baseline="0">
                 <a:solidFill>
                   <a:schemeClr val="tx1">
                     <a:lumMod val="65000"/>
@@ -989,7 +528,7 @@
       </c:valAx>
       <c:spPr>
         <a:noFill/>
-        <a:ln w="25400">
+        <a:ln>
           <a:noFill/>
         </a:ln>
         <a:effectLst/>
@@ -997,6 +536,16 @@
     </c:plotArea>
     <c:legend>
       <c:legendPos val="r"/>
+      <c:layout>
+        <c:manualLayout>
+          <c:xMode val="edge"/>
+          <c:yMode val="edge"/>
+          <c:x val="0.86202708390414817"/>
+          <c:y val="0.4218746410365326"/>
+          <c:w val="0.128597917249272"/>
+          <c:h val="0.135557965889163"/>
+        </c:manualLayout>
+      </c:layout>
       <c:overlay val="0"/>
       <c:spPr>
         <a:noFill/>
@@ -1010,7 +559,7 @@
         <a:lstStyle/>
         <a:p>
           <a:pPr>
-            <a:defRPr sz="1800" b="1" i="0" u="none" strike="noStrike" kern="1200" baseline="0">
+            <a:defRPr sz="1800" b="0" i="0" u="none" strike="noStrike" kern="1200" baseline="0">
               <a:solidFill>
                 <a:schemeClr val="tx1">
                   <a:lumMod val="65000"/>
@@ -1033,9 +582,7 @@
   <c:spPr>
     <a:noFill/>
     <a:ln>
-      <a:solidFill>
-        <a:schemeClr val="tx1"/>
-      </a:solidFill>
+      <a:noFill/>
     </a:ln>
     <a:effectLst/>
   </c:spPr>
@@ -1056,7 +603,7 @@
 </c:chartSpace>
 </file>
 
-<file path=ppt/charts/chart3.xml><?xml version="1.0" encoding="utf-8"?>
+<file path=ppt/charts/chart2.xml><?xml version="1.0" encoding="utf-8"?>
 <c:chartSpace xmlns:c="http://schemas.openxmlformats.org/drawingml/2006/chart" xmlns:a="http://schemas.openxmlformats.org/drawingml/2006/main" xmlns:r="http://schemas.openxmlformats.org/officeDocument/2006/relationships" xmlns:c16r2="http://schemas.microsoft.com/office/drawing/2015/06/chart">
   <c:date1904 val="0"/>
   <c:lang val="fr-FR"/>
@@ -1077,8 +624,8 @@
           <c:layoutTarget val="inner"/>
           <c:xMode val="edge"/>
           <c:yMode val="edge"/>
-          <c:x val="8.933756964589952E-2"/>
-          <c:y val="0.21573325695483131"/>
+          <c:x val="9.4328258814477373E-2"/>
+          <c:y val="0.10816609835091923"/>
           <c:w val="0.77538673667854185"/>
           <c:h val="0.70776459265269465"/>
         </c:manualLayout>
@@ -1169,16 +716,20 @@
               <c:strCache>
                 <c:ptCount val="4"/>
                 <c:pt idx="0">
-                  <c:v>Dialogue1</c:v>
+                  <c:v>A=0.9 B=0.4 
+Diff</c:v>
                 </c:pt>
                 <c:pt idx="1">
-                  <c:v>Dialogue2</c:v>
+                  <c:v>A=0.7 B=0.4 
+Diff</c:v>
                 </c:pt>
                 <c:pt idx="2">
-                  <c:v>Dialogue3</c:v>
+                  <c:v>A=0.7 B=0.2
+ Diff</c:v>
                 </c:pt>
                 <c:pt idx="3">
-                  <c:v>Dialogue4</c:v>
+                  <c:v>A=0.7 B=0.4 
+Sim</c:v>
                 </c:pt>
               </c:strCache>
             </c:strRef>
@@ -1217,16 +768,11 @@
             <c:v>Agent 2</c:v>
           </c:tx>
           <c:spPr>
-            <a:pattFill prst="dkHorz">
-              <a:fgClr>
-                <a:schemeClr val="accent2">
-                  <a:lumMod val="75000"/>
-                </a:schemeClr>
-              </a:fgClr>
-              <a:bgClr>
-                <a:schemeClr val="bg1"/>
-              </a:bgClr>
-            </a:pattFill>
+            <a:solidFill>
+              <a:schemeClr val="accent2">
+                <a:lumMod val="75000"/>
+              </a:schemeClr>
+            </a:solidFill>
             <a:ln>
               <a:noFill/>
             </a:ln>
@@ -1362,7 +908,7 @@
           <a:lstStyle/>
           <a:p>
             <a:pPr>
-              <a:defRPr sz="1400" b="0" i="0" u="none" strike="noStrike" kern="1200" baseline="0">
+              <a:defRPr sz="2000" b="0" i="0" u="none" strike="noStrike" kern="1200" baseline="0">
                 <a:solidFill>
                   <a:schemeClr val="tx1">
                     <a:lumMod val="65000"/>
@@ -1392,20 +938,6 @@
         </c:scaling>
         <c:delete val="0"/>
         <c:axPos val="l"/>
-        <c:majorGridlines>
-          <c:spPr>
-            <a:ln w="9525" cap="flat" cmpd="sng" algn="ctr">
-              <a:solidFill>
-                <a:schemeClr val="tx1">
-                  <a:lumMod val="15000"/>
-                  <a:lumOff val="85000"/>
-                </a:schemeClr>
-              </a:solidFill>
-              <a:round/>
-            </a:ln>
-            <a:effectLst/>
-          </c:spPr>
-        </c:majorGridlines>
         <c:numFmt formatCode="General" sourceLinked="1"/>
         <c:majorTickMark val="none"/>
         <c:minorTickMark val="none"/>
@@ -1422,7 +954,7 @@
           <a:lstStyle/>
           <a:p>
             <a:pPr>
-              <a:defRPr sz="1400" b="0" i="0" u="none" strike="noStrike" kern="1200" baseline="0">
+              <a:defRPr sz="2000" b="0" i="0" u="none" strike="noStrike" kern="1200" baseline="0">
                 <a:solidFill>
                   <a:schemeClr val="tx1">
                     <a:lumMod val="65000"/>
@@ -1456,10 +988,10 @@
         <c:manualLayout>
           <c:xMode val="edge"/>
           <c:yMode val="edge"/>
-          <c:x val="0.88502537182852148"/>
-          <c:y val="0.43605173220416932"/>
-          <c:w val="0.10353301335046802"/>
-          <c:h val="0.13736359878092164"/>
+          <c:x val="0.8661473055359391"/>
+          <c:y val="0.47117578700077767"/>
+          <c:w val="0.13385269446406092"/>
+          <c:h val="0.14394933436446616"/>
         </c:manualLayout>
       </c:layout>
       <c:overlay val="0"/>
@@ -1475,7 +1007,7 @@
         <a:lstStyle/>
         <a:p>
           <a:pPr>
-            <a:defRPr sz="1400" b="0" i="0" u="none" strike="noStrike" kern="1200" baseline="0">
+            <a:defRPr sz="1800" b="0" i="0" u="none" strike="noStrike" kern="1200" baseline="0">
               <a:solidFill>
                 <a:schemeClr val="tx1">
                   <a:lumMod val="65000"/>
@@ -1498,9 +1030,7 @@
   <c:spPr>
     <a:noFill/>
     <a:ln>
-      <a:solidFill>
-        <a:schemeClr val="tx1"/>
-      </a:solidFill>
+      <a:noFill/>
     </a:ln>
     <a:effectLst/>
   </c:spPr>
@@ -1521,7 +1051,7 @@
 </c:chartSpace>
 </file>
 
-<file path=ppt/charts/chart4.xml><?xml version="1.0" encoding="utf-8"?>
+<file path=ppt/charts/chart3.xml><?xml version="1.0" encoding="utf-8"?>
 <c:chartSpace xmlns:c="http://schemas.openxmlformats.org/drawingml/2006/chart" xmlns:a="http://schemas.openxmlformats.org/drawingml/2006/main" xmlns:r="http://schemas.openxmlformats.org/officeDocument/2006/relationships" xmlns:c16r2="http://schemas.microsoft.com/office/drawing/2015/06/chart">
   <c:date1904 val="0"/>
   <c:lang val="fr-FR"/>
@@ -1542,10 +1072,10 @@
           <c:layoutTarget val="inner"/>
           <c:xMode val="edge"/>
           <c:yMode val="edge"/>
-          <c:x val="6.3258865038618675E-2"/>
-          <c:y val="0.13900193957534418"/>
-          <c:w val="0.83584818338905442"/>
-          <c:h val="0.75796855669386565"/>
+          <c:x val="7.2025963699511558E-2"/>
+          <c:y val="8.0799433846750687E-2"/>
+          <c:w val="0.82574920009955843"/>
+          <c:h val="0.74496259743637927"/>
         </c:manualLayout>
       </c:layout>
       <c:barChart>
@@ -1634,16 +1164,20 @@
               <c:strCache>
                 <c:ptCount val="4"/>
                 <c:pt idx="0">
-                  <c:v>Dialogue1</c:v>
+                  <c:v>A=0.9 B=0.4 
+Diff</c:v>
                 </c:pt>
                 <c:pt idx="1">
-                  <c:v>Dialogue2</c:v>
+                  <c:v>A=0.7 B=0.4 
+Diff</c:v>
                 </c:pt>
                 <c:pt idx="2">
-                  <c:v>Dialogue3</c:v>
+                  <c:v>A=0.7 B=0.2
+ Diff</c:v>
                 </c:pt>
                 <c:pt idx="3">
-                  <c:v>Dialogue4</c:v>
+                  <c:v>A=0.7 B=0.4 
+Sim</c:v>
                 </c:pt>
               </c:strCache>
             </c:strRef>
@@ -1682,16 +1216,11 @@
             <c:v>Agent2</c:v>
           </c:tx>
           <c:spPr>
-            <a:pattFill prst="dkHorz">
-              <a:fgClr>
-                <a:schemeClr val="accent2">
-                  <a:lumMod val="75000"/>
-                </a:schemeClr>
-              </a:fgClr>
-              <a:bgClr>
-                <a:schemeClr val="bg1"/>
-              </a:bgClr>
-            </a:pattFill>
+            <a:solidFill>
+              <a:schemeClr val="accent2">
+                <a:lumMod val="75000"/>
+              </a:schemeClr>
+            </a:solidFill>
             <a:ln>
               <a:noFill/>
             </a:ln>
@@ -1827,7 +1356,7 @@
           <a:lstStyle/>
           <a:p>
             <a:pPr>
-              <a:defRPr sz="1400" b="0" i="0" u="none" strike="noStrike" kern="1200" baseline="0">
+              <a:defRPr sz="2000" b="0" i="0" u="none" strike="noStrike" kern="1200" baseline="0">
                 <a:solidFill>
                   <a:schemeClr val="tx1">
                     <a:lumMod val="65000"/>
@@ -1858,20 +1387,6 @@
         </c:scaling>
         <c:delete val="0"/>
         <c:axPos val="l"/>
-        <c:majorGridlines>
-          <c:spPr>
-            <a:ln w="9525" cap="flat" cmpd="sng" algn="ctr">
-              <a:solidFill>
-                <a:schemeClr val="tx1">
-                  <a:lumMod val="15000"/>
-                  <a:lumOff val="85000"/>
-                </a:schemeClr>
-              </a:solidFill>
-              <a:round/>
-            </a:ln>
-            <a:effectLst/>
-          </c:spPr>
-        </c:majorGridlines>
         <c:numFmt formatCode="General" sourceLinked="1"/>
         <c:majorTickMark val="none"/>
         <c:minorTickMark val="none"/>
@@ -1888,7 +1403,7 @@
           <a:lstStyle/>
           <a:p>
             <a:pPr>
-              <a:defRPr sz="1400" b="0" i="0" u="none" strike="noStrike" kern="1200" baseline="0">
+              <a:defRPr sz="1800" b="0" i="0" u="none" strike="noStrike" kern="1200" baseline="0">
                 <a:solidFill>
                   <a:schemeClr val="tx1">
                     <a:lumMod val="65000"/>
@@ -1931,7 +1446,7 @@
         <a:lstStyle/>
         <a:p>
           <a:pPr>
-            <a:defRPr sz="1400" b="0" i="0" u="none" strike="noStrike" kern="1200" baseline="0">
+            <a:defRPr sz="1800" b="0" i="0" u="none" strike="noStrike" kern="1200" baseline="0">
               <a:solidFill>
                 <a:schemeClr val="tx1">
                   <a:lumMod val="65000"/>
@@ -1954,9 +1469,7 @@
   <c:spPr>
     <a:noFill/>
     <a:ln>
-      <a:solidFill>
-        <a:schemeClr val="tx1"/>
-      </a:solidFill>
+      <a:noFill/>
     </a:ln>
     <a:effectLst/>
   </c:spPr>
@@ -1977,7 +1490,7 @@
 </c:chartSpace>
 </file>
 
-<file path=ppt/charts/chart5.xml><?xml version="1.0" encoding="utf-8"?>
+<file path=ppt/charts/chart4.xml><?xml version="1.0" encoding="utf-8"?>
 <c:chartSpace xmlns:c="http://schemas.openxmlformats.org/drawingml/2006/chart" xmlns:a="http://schemas.openxmlformats.org/drawingml/2006/main" xmlns:r="http://schemas.openxmlformats.org/officeDocument/2006/relationships" xmlns:c16r2="http://schemas.microsoft.com/office/drawing/2015/06/chart">
   <c:date1904 val="0"/>
   <c:lang val="fr-FR"/>
@@ -2001,7 +1514,7 @@
           <c:x val="0.12412316515991056"/>
           <c:y val="0.16843421396728667"/>
           <c:w val="0.71556321084864394"/>
-          <c:h val="0.72502342328820468"/>
+          <c:h val="0.68330865485428083"/>
         </c:manualLayout>
       </c:layout>
       <c:barChart>
@@ -2090,16 +1603,20 @@
               <c:strCache>
                 <c:ptCount val="4"/>
                 <c:pt idx="0">
-                  <c:v>Dialogue1</c:v>
+                  <c:v>A=0.9 B=0.4 
+Diff</c:v>
                 </c:pt>
                 <c:pt idx="1">
-                  <c:v>Dialogue2</c:v>
+                  <c:v>A=0.7 B=0.4 
+Diff</c:v>
                 </c:pt>
                 <c:pt idx="2">
-                  <c:v>Dialogue3</c:v>
+                  <c:v>A=0.7 B=0.2
+ Diff</c:v>
                 </c:pt>
                 <c:pt idx="3">
-                  <c:v>Dialogue4</c:v>
+                  <c:v>A=0.7 B=0.4 
+Sim</c:v>
                 </c:pt>
               </c:strCache>
             </c:strRef>
@@ -2138,16 +1655,11 @@
             <c:v>Agent2</c:v>
           </c:tx>
           <c:spPr>
-            <a:pattFill prst="dkHorz">
-              <a:fgClr>
-                <a:schemeClr val="accent2">
-                  <a:lumMod val="75000"/>
-                </a:schemeClr>
-              </a:fgClr>
-              <a:bgClr>
-                <a:schemeClr val="bg1"/>
-              </a:bgClr>
-            </a:pattFill>
+            <a:solidFill>
+              <a:schemeClr val="accent2">
+                <a:lumMod val="75000"/>
+              </a:schemeClr>
+            </a:solidFill>
             <a:ln>
               <a:noFill/>
             </a:ln>
@@ -2283,7 +1795,7 @@
           <a:lstStyle/>
           <a:p>
             <a:pPr>
-              <a:defRPr sz="1400" b="0" i="0" u="none" strike="noStrike" kern="1200" baseline="0">
+              <a:defRPr sz="2000" b="0" i="0" u="none" strike="noStrike" kern="1200" baseline="0">
                 <a:solidFill>
                   <a:schemeClr val="tx1">
                     <a:lumMod val="65000"/>
@@ -2313,20 +1825,6 @@
         </c:scaling>
         <c:delete val="0"/>
         <c:axPos val="l"/>
-        <c:majorGridlines>
-          <c:spPr>
-            <a:ln w="9525" cap="flat" cmpd="sng" algn="ctr">
-              <a:solidFill>
-                <a:schemeClr val="tx1">
-                  <a:lumMod val="15000"/>
-                  <a:lumOff val="85000"/>
-                </a:schemeClr>
-              </a:solidFill>
-              <a:round/>
-            </a:ln>
-            <a:effectLst/>
-          </c:spPr>
-        </c:majorGridlines>
         <c:numFmt formatCode="General" sourceLinked="1"/>
         <c:majorTickMark val="none"/>
         <c:minorTickMark val="none"/>
@@ -2343,7 +1841,7 @@
           <a:lstStyle/>
           <a:p>
             <a:pPr>
-              <a:defRPr sz="1400" b="0" i="0" u="none" strike="noStrike" kern="1200" baseline="0">
+              <a:defRPr sz="2000" b="0" i="0" u="none" strike="noStrike" kern="1200" baseline="0">
                 <a:solidFill>
                   <a:schemeClr val="tx1">
                     <a:lumMod val="65000"/>
@@ -2373,6 +1871,16 @@
     </c:plotArea>
     <c:legend>
       <c:legendPos val="r"/>
+      <c:layout>
+        <c:manualLayout>
+          <c:xMode val="edge"/>
+          <c:yMode val="edge"/>
+          <c:x val="0.83255399486323134"/>
+          <c:y val="0.44385410617483129"/>
+          <c:w val="0.10952052782908513"/>
+          <c:h val="0.12689194373569546"/>
+        </c:manualLayout>
+      </c:layout>
       <c:overlay val="0"/>
       <c:spPr>
         <a:noFill/>
@@ -2409,9 +1917,7 @@
   <c:spPr>
     <a:noFill/>
     <a:ln>
-      <a:solidFill>
-        <a:schemeClr val="tx1"/>
-      </a:solidFill>
+      <a:noFill/>
     </a:ln>
     <a:effectLst/>
   </c:spPr>
@@ -2428,6 +1934,7 @@
   <c:externalData r:id="rId3">
     <c:autoUpdate val="0"/>
   </c:externalData>
+  <c:userShapes r:id="rId4"/>
 </c:chartSpace>
 </file>
 
@@ -2591,46 +2098,6 @@
 </cs:colorStyle>
 </file>
 
-<file path=ppt/charts/colors5.xml><?xml version="1.0" encoding="utf-8"?>
-<cs:colorStyle xmlns:cs="http://schemas.microsoft.com/office/drawing/2012/chartStyle" xmlns:a="http://schemas.openxmlformats.org/drawingml/2006/main" meth="cycle" id="10">
-  <a:schemeClr val="accent1"/>
-  <a:schemeClr val="accent2"/>
-  <a:schemeClr val="accent3"/>
-  <a:schemeClr val="accent4"/>
-  <a:schemeClr val="accent5"/>
-  <a:schemeClr val="accent6"/>
-  <cs:variation/>
-  <cs:variation>
-    <a:lumMod val="60000"/>
-  </cs:variation>
-  <cs:variation>
-    <a:lumMod val="80000"/>
-    <a:lumOff val="20000"/>
-  </cs:variation>
-  <cs:variation>
-    <a:lumMod val="80000"/>
-  </cs:variation>
-  <cs:variation>
-    <a:lumMod val="60000"/>
-    <a:lumOff val="40000"/>
-  </cs:variation>
-  <cs:variation>
-    <a:lumMod val="50000"/>
-  </cs:variation>
-  <cs:variation>
-    <a:lumMod val="70000"/>
-    <a:lumOff val="30000"/>
-  </cs:variation>
-  <cs:variation>
-    <a:lumMod val="70000"/>
-  </cs:variation>
-  <cs:variation>
-    <a:lumMod val="50000"/>
-    <a:lumOff val="50000"/>
-  </cs:variation>
-</cs:colorStyle>
-</file>
-
 <file path=ppt/charts/style1.xml><?xml version="1.0" encoding="utf-8"?>
 <cs:chartStyle xmlns:cs="http://schemas.microsoft.com/office/drawing/2012/chartStyle" xmlns:a="http://schemas.openxmlformats.org/drawingml/2006/main" id="201">
   <cs:axisTitle>
@@ -4643,519 +4110,30 @@
 </cs:chartStyle>
 </file>
 
-<file path=ppt/charts/style5.xml><?xml version="1.0" encoding="utf-8"?>
-<cs:chartStyle xmlns:cs="http://schemas.microsoft.com/office/drawing/2012/chartStyle" xmlns:a="http://schemas.openxmlformats.org/drawingml/2006/main" id="201">
-  <cs:axisTitle>
-    <cs:lnRef idx="0"/>
-    <cs:fillRef idx="0"/>
-    <cs:effectRef idx="0"/>
-    <cs:fontRef idx="minor">
-      <a:schemeClr val="tx1">
-        <a:lumMod val="65000"/>
-        <a:lumOff val="35000"/>
-      </a:schemeClr>
-    </cs:fontRef>
-    <cs:defRPr sz="1000" kern="1200"/>
-  </cs:axisTitle>
-  <cs:categoryAxis>
-    <cs:lnRef idx="0"/>
-    <cs:fillRef idx="0"/>
-    <cs:effectRef idx="0"/>
-    <cs:fontRef idx="minor">
-      <a:schemeClr val="tx1">
-        <a:lumMod val="65000"/>
-        <a:lumOff val="35000"/>
-      </a:schemeClr>
-    </cs:fontRef>
-    <cs:spPr>
-      <a:ln w="9525" cap="flat" cmpd="sng" algn="ctr">
-        <a:solidFill>
-          <a:schemeClr val="tx1">
-            <a:lumMod val="15000"/>
-            <a:lumOff val="85000"/>
-          </a:schemeClr>
-        </a:solidFill>
-        <a:round/>
-      </a:ln>
-    </cs:spPr>
-    <cs:defRPr sz="900" kern="1200"/>
-  </cs:categoryAxis>
-  <cs:chartArea mods="allowNoFillOverride allowNoLineOverride">
-    <cs:lnRef idx="0"/>
-    <cs:fillRef idx="0"/>
-    <cs:effectRef idx="0"/>
-    <cs:fontRef idx="minor">
-      <a:schemeClr val="tx1"/>
-    </cs:fontRef>
-    <cs:spPr>
-      <a:solidFill>
-        <a:schemeClr val="bg1"/>
-      </a:solidFill>
-      <a:ln w="9525" cap="flat" cmpd="sng" algn="ctr">
-        <a:solidFill>
-          <a:schemeClr val="tx1">
-            <a:lumMod val="15000"/>
-            <a:lumOff val="85000"/>
-          </a:schemeClr>
-        </a:solidFill>
-        <a:round/>
-      </a:ln>
-    </cs:spPr>
-    <cs:defRPr sz="1000" kern="1200"/>
-  </cs:chartArea>
-  <cs:dataLabel>
-    <cs:lnRef idx="0"/>
-    <cs:fillRef idx="0"/>
-    <cs:effectRef idx="0"/>
-    <cs:fontRef idx="minor">
-      <a:schemeClr val="tx1">
-        <a:lumMod val="75000"/>
-        <a:lumOff val="25000"/>
-      </a:schemeClr>
-    </cs:fontRef>
-    <cs:defRPr sz="900" kern="1200"/>
-  </cs:dataLabel>
-  <cs:dataLabelCallout>
-    <cs:lnRef idx="0"/>
-    <cs:fillRef idx="0"/>
-    <cs:effectRef idx="0"/>
-    <cs:fontRef idx="minor">
-      <a:schemeClr val="dk1">
-        <a:lumMod val="65000"/>
-        <a:lumOff val="35000"/>
-      </a:schemeClr>
-    </cs:fontRef>
-    <cs:spPr>
-      <a:solidFill>
-        <a:schemeClr val="lt1"/>
-      </a:solidFill>
-      <a:ln>
-        <a:solidFill>
-          <a:schemeClr val="dk1">
-            <a:lumMod val="25000"/>
-            <a:lumOff val="75000"/>
-          </a:schemeClr>
-        </a:solidFill>
-      </a:ln>
-    </cs:spPr>
-    <cs:defRPr sz="900" kern="1200"/>
-    <cs:bodyPr rot="0" spcFirstLastPara="1" vertOverflow="clip" horzOverflow="clip" vert="horz" wrap="square" lIns="36576" tIns="18288" rIns="36576" bIns="18288" anchor="ctr" anchorCtr="1">
-      <a:spAutoFit/>
-    </cs:bodyPr>
-  </cs:dataLabelCallout>
-  <cs:dataPoint>
-    <cs:lnRef idx="0"/>
-    <cs:fillRef idx="1">
-      <cs:styleClr val="auto"/>
-    </cs:fillRef>
-    <cs:effectRef idx="0"/>
-    <cs:fontRef idx="minor">
-      <a:schemeClr val="tx1"/>
-    </cs:fontRef>
-  </cs:dataPoint>
-  <cs:dataPoint3D>
-    <cs:lnRef idx="0"/>
-    <cs:fillRef idx="1">
-      <cs:styleClr val="auto"/>
-    </cs:fillRef>
-    <cs:effectRef idx="0"/>
-    <cs:fontRef idx="minor">
-      <a:schemeClr val="tx1"/>
-    </cs:fontRef>
-  </cs:dataPoint3D>
-  <cs:dataPointLine>
-    <cs:lnRef idx="0">
-      <cs:styleClr val="auto"/>
-    </cs:lnRef>
-    <cs:fillRef idx="1"/>
-    <cs:effectRef idx="0"/>
-    <cs:fontRef idx="minor">
-      <a:schemeClr val="tx1"/>
-    </cs:fontRef>
-    <cs:spPr>
-      <a:ln w="28575" cap="rnd">
-        <a:solidFill>
-          <a:schemeClr val="phClr"/>
-        </a:solidFill>
-        <a:round/>
-      </a:ln>
-    </cs:spPr>
-  </cs:dataPointLine>
-  <cs:dataPointMarker>
-    <cs:lnRef idx="0">
-      <cs:styleClr val="auto"/>
-    </cs:lnRef>
-    <cs:fillRef idx="1">
-      <cs:styleClr val="auto"/>
-    </cs:fillRef>
-    <cs:effectRef idx="0"/>
-    <cs:fontRef idx="minor">
-      <a:schemeClr val="tx1"/>
-    </cs:fontRef>
-    <cs:spPr>
-      <a:ln w="9525">
-        <a:solidFill>
-          <a:schemeClr val="phClr"/>
-        </a:solidFill>
-      </a:ln>
-    </cs:spPr>
-  </cs:dataPointMarker>
-  <cs:dataPointMarkerLayout symbol="circle" size="5"/>
-  <cs:dataPointWireframe>
-    <cs:lnRef idx="0">
-      <cs:styleClr val="auto"/>
-    </cs:lnRef>
-    <cs:fillRef idx="1"/>
-    <cs:effectRef idx="0"/>
-    <cs:fontRef idx="minor">
-      <a:schemeClr val="tx1"/>
-    </cs:fontRef>
-    <cs:spPr>
-      <a:ln w="9525" cap="rnd">
-        <a:solidFill>
-          <a:schemeClr val="phClr"/>
-        </a:solidFill>
-        <a:round/>
-      </a:ln>
-    </cs:spPr>
-  </cs:dataPointWireframe>
-  <cs:dataTable>
-    <cs:lnRef idx="0"/>
-    <cs:fillRef idx="0"/>
-    <cs:effectRef idx="0"/>
-    <cs:fontRef idx="minor">
-      <a:schemeClr val="tx1">
-        <a:lumMod val="65000"/>
-        <a:lumOff val="35000"/>
-      </a:schemeClr>
-    </cs:fontRef>
-    <cs:spPr>
-      <a:noFill/>
-      <a:ln w="9525" cap="flat" cmpd="sng" algn="ctr">
-        <a:solidFill>
-          <a:schemeClr val="tx1">
-            <a:lumMod val="15000"/>
-            <a:lumOff val="85000"/>
-          </a:schemeClr>
-        </a:solidFill>
-        <a:round/>
-      </a:ln>
-    </cs:spPr>
-    <cs:defRPr sz="900" kern="1200"/>
-  </cs:dataTable>
-  <cs:downBar>
-    <cs:lnRef idx="0"/>
-    <cs:fillRef idx="0"/>
-    <cs:effectRef idx="0"/>
-    <cs:fontRef idx="minor">
-      <a:schemeClr val="dk1"/>
-    </cs:fontRef>
-    <cs:spPr>
-      <a:solidFill>
-        <a:schemeClr val="dk1">
-          <a:lumMod val="65000"/>
-          <a:lumOff val="35000"/>
-        </a:schemeClr>
-      </a:solidFill>
-      <a:ln w="9525">
-        <a:solidFill>
-          <a:schemeClr val="tx1">
-            <a:lumMod val="65000"/>
-            <a:lumOff val="35000"/>
-          </a:schemeClr>
-        </a:solidFill>
-      </a:ln>
-    </cs:spPr>
-  </cs:downBar>
-  <cs:dropLine>
-    <cs:lnRef idx="0"/>
-    <cs:fillRef idx="0"/>
-    <cs:effectRef idx="0"/>
-    <cs:fontRef idx="minor">
-      <a:schemeClr val="tx1"/>
-    </cs:fontRef>
-    <cs:spPr>
-      <a:ln w="9525" cap="flat" cmpd="sng" algn="ctr">
-        <a:solidFill>
-          <a:schemeClr val="tx1">
-            <a:lumMod val="35000"/>
-            <a:lumOff val="65000"/>
-          </a:schemeClr>
-        </a:solidFill>
-        <a:round/>
-      </a:ln>
-    </cs:spPr>
-  </cs:dropLine>
-  <cs:errorBar>
-    <cs:lnRef idx="0"/>
-    <cs:fillRef idx="0"/>
-    <cs:effectRef idx="0"/>
-    <cs:fontRef idx="minor">
-      <a:schemeClr val="tx1"/>
-    </cs:fontRef>
-    <cs:spPr>
-      <a:ln w="9525" cap="flat" cmpd="sng" algn="ctr">
-        <a:solidFill>
-          <a:schemeClr val="tx1">
-            <a:lumMod val="65000"/>
-            <a:lumOff val="35000"/>
-          </a:schemeClr>
-        </a:solidFill>
-        <a:round/>
-      </a:ln>
-    </cs:spPr>
-  </cs:errorBar>
-  <cs:floor>
-    <cs:lnRef idx="0"/>
-    <cs:fillRef idx="0"/>
-    <cs:effectRef idx="0"/>
-    <cs:fontRef idx="minor">
-      <a:schemeClr val="tx1"/>
-    </cs:fontRef>
-    <cs:spPr>
-      <a:noFill/>
-      <a:ln>
-        <a:noFill/>
-      </a:ln>
-    </cs:spPr>
-  </cs:floor>
-  <cs:gridlineMajor>
-    <cs:lnRef idx="0"/>
-    <cs:fillRef idx="0"/>
-    <cs:effectRef idx="0"/>
-    <cs:fontRef idx="minor">
-      <a:schemeClr val="tx1"/>
-    </cs:fontRef>
-    <cs:spPr>
-      <a:ln w="9525" cap="flat" cmpd="sng" algn="ctr">
-        <a:solidFill>
-          <a:schemeClr val="tx1">
-            <a:lumMod val="15000"/>
-            <a:lumOff val="85000"/>
-          </a:schemeClr>
-        </a:solidFill>
-        <a:round/>
-      </a:ln>
-    </cs:spPr>
-  </cs:gridlineMajor>
-  <cs:gridlineMinor>
-    <cs:lnRef idx="0"/>
-    <cs:fillRef idx="0"/>
-    <cs:effectRef idx="0"/>
-    <cs:fontRef idx="minor">
-      <a:schemeClr val="tx1"/>
-    </cs:fontRef>
-    <cs:spPr>
-      <a:ln w="9525" cap="flat" cmpd="sng" algn="ctr">
-        <a:solidFill>
-          <a:schemeClr val="tx1">
-            <a:lumMod val="5000"/>
-            <a:lumOff val="95000"/>
-          </a:schemeClr>
-        </a:solidFill>
-        <a:round/>
-      </a:ln>
-    </cs:spPr>
-  </cs:gridlineMinor>
-  <cs:hiLoLine>
-    <cs:lnRef idx="0"/>
-    <cs:fillRef idx="0"/>
-    <cs:effectRef idx="0"/>
-    <cs:fontRef idx="minor">
-      <a:schemeClr val="tx1"/>
-    </cs:fontRef>
-    <cs:spPr>
-      <a:ln w="9525" cap="flat" cmpd="sng" algn="ctr">
-        <a:solidFill>
-          <a:schemeClr val="tx1">
-            <a:lumMod val="75000"/>
-            <a:lumOff val="25000"/>
-          </a:schemeClr>
-        </a:solidFill>
-        <a:round/>
-      </a:ln>
-    </cs:spPr>
-  </cs:hiLoLine>
-  <cs:leaderLine>
-    <cs:lnRef idx="0"/>
-    <cs:fillRef idx="0"/>
-    <cs:effectRef idx="0"/>
-    <cs:fontRef idx="minor">
-      <a:schemeClr val="tx1"/>
-    </cs:fontRef>
-    <cs:spPr>
-      <a:ln w="9525" cap="flat" cmpd="sng" algn="ctr">
-        <a:solidFill>
-          <a:schemeClr val="tx1">
-            <a:lumMod val="35000"/>
-            <a:lumOff val="65000"/>
-          </a:schemeClr>
-        </a:solidFill>
-        <a:round/>
-      </a:ln>
-    </cs:spPr>
-  </cs:leaderLine>
-  <cs:legend>
-    <cs:lnRef idx="0"/>
-    <cs:fillRef idx="0"/>
-    <cs:effectRef idx="0"/>
-    <cs:fontRef idx="minor">
-      <a:schemeClr val="tx1">
-        <a:lumMod val="65000"/>
-        <a:lumOff val="35000"/>
-      </a:schemeClr>
-    </cs:fontRef>
-    <cs:defRPr sz="900" kern="1200"/>
-  </cs:legend>
-  <cs:plotArea mods="allowNoFillOverride allowNoLineOverride">
-    <cs:lnRef idx="0"/>
-    <cs:fillRef idx="0"/>
-    <cs:effectRef idx="0"/>
-    <cs:fontRef idx="minor">
-      <a:schemeClr val="tx1"/>
-    </cs:fontRef>
-  </cs:plotArea>
-  <cs:plotArea3D mods="allowNoFillOverride allowNoLineOverride">
-    <cs:lnRef idx="0"/>
-    <cs:fillRef idx="0"/>
-    <cs:effectRef idx="0"/>
-    <cs:fontRef idx="minor">
-      <a:schemeClr val="tx1"/>
-    </cs:fontRef>
-  </cs:plotArea3D>
-  <cs:seriesAxis>
-    <cs:lnRef idx="0"/>
-    <cs:fillRef idx="0"/>
-    <cs:effectRef idx="0"/>
-    <cs:fontRef idx="minor">
-      <a:schemeClr val="tx1">
-        <a:lumMod val="65000"/>
-        <a:lumOff val="35000"/>
-      </a:schemeClr>
-    </cs:fontRef>
-    <cs:defRPr sz="900" kern="1200"/>
-  </cs:seriesAxis>
-  <cs:seriesLine>
-    <cs:lnRef idx="0"/>
-    <cs:fillRef idx="0"/>
-    <cs:effectRef idx="0"/>
-    <cs:fontRef idx="minor">
-      <a:schemeClr val="tx1"/>
-    </cs:fontRef>
-    <cs:spPr>
-      <a:ln w="9525" cap="flat" cmpd="sng" algn="ctr">
-        <a:solidFill>
-          <a:schemeClr val="tx1">
-            <a:lumMod val="35000"/>
-            <a:lumOff val="65000"/>
-          </a:schemeClr>
-        </a:solidFill>
-        <a:round/>
-      </a:ln>
-    </cs:spPr>
-  </cs:seriesLine>
-  <cs:title>
-    <cs:lnRef idx="0"/>
-    <cs:fillRef idx="0"/>
-    <cs:effectRef idx="0"/>
-    <cs:fontRef idx="minor">
-      <a:schemeClr val="tx1">
-        <a:lumMod val="65000"/>
-        <a:lumOff val="35000"/>
-      </a:schemeClr>
-    </cs:fontRef>
-    <cs:defRPr sz="1400" b="0" kern="1200" spc="0" baseline="0"/>
-  </cs:title>
-  <cs:trendline>
-    <cs:lnRef idx="0">
-      <cs:styleClr val="auto"/>
-    </cs:lnRef>
-    <cs:fillRef idx="0"/>
-    <cs:effectRef idx="0"/>
-    <cs:fontRef idx="minor">
-      <a:schemeClr val="tx1"/>
-    </cs:fontRef>
-    <cs:spPr>
-      <a:ln w="19050" cap="rnd">
-        <a:solidFill>
-          <a:schemeClr val="phClr"/>
-        </a:solidFill>
-        <a:prstDash val="sysDot"/>
-      </a:ln>
-    </cs:spPr>
-  </cs:trendline>
-  <cs:trendlineLabel>
-    <cs:lnRef idx="0"/>
-    <cs:fillRef idx="0"/>
-    <cs:effectRef idx="0"/>
-    <cs:fontRef idx="minor">
-      <a:schemeClr val="tx1">
-        <a:lumMod val="65000"/>
-        <a:lumOff val="35000"/>
-      </a:schemeClr>
-    </cs:fontRef>
-    <cs:defRPr sz="900" kern="1200"/>
-  </cs:trendlineLabel>
-  <cs:upBar>
-    <cs:lnRef idx="0"/>
-    <cs:fillRef idx="0"/>
-    <cs:effectRef idx="0"/>
-    <cs:fontRef idx="minor">
-      <a:schemeClr val="dk1"/>
-    </cs:fontRef>
-    <cs:spPr>
-      <a:solidFill>
-        <a:schemeClr val="lt1"/>
-      </a:solidFill>
-      <a:ln w="9525">
-        <a:solidFill>
-          <a:schemeClr val="tx1">
-            <a:lumMod val="15000"/>
-            <a:lumOff val="85000"/>
-          </a:schemeClr>
-        </a:solidFill>
-      </a:ln>
-    </cs:spPr>
-  </cs:upBar>
-  <cs:valueAxis>
-    <cs:lnRef idx="0"/>
-    <cs:fillRef idx="0"/>
-    <cs:effectRef idx="0"/>
-    <cs:fontRef idx="minor">
-      <a:schemeClr val="tx1">
-        <a:lumMod val="65000"/>
-        <a:lumOff val="35000"/>
-      </a:schemeClr>
-    </cs:fontRef>
-    <cs:defRPr sz="900" kern="1200"/>
-  </cs:valueAxis>
-  <cs:wall>
-    <cs:lnRef idx="0"/>
-    <cs:fillRef idx="0"/>
-    <cs:effectRef idx="0"/>
-    <cs:fontRef idx="minor">
-      <a:schemeClr val="tx1"/>
-    </cs:fontRef>
-    <cs:spPr>
-      <a:noFill/>
-      <a:ln>
-        <a:noFill/>
-      </a:ln>
-    </cs:spPr>
-  </cs:wall>
-</cs:chartStyle>
+<file path=ppt/comments/comment1.xml><?xml version="1.0" encoding="utf-8"?>
+<p:cmLst xmlns:a="http://schemas.openxmlformats.org/drawingml/2006/main" xmlns:r="http://schemas.openxmlformats.org/officeDocument/2006/relationships" xmlns:p="http://schemas.openxmlformats.org/presentationml/2006/main">
+  <p:cm authorId="1" dt="2017-08-25T21:13:35.278" idx="1">
+    <p:pos x="10" y="10"/>
+    <p:text>H3</p:text>
+    <p:extLst>
+      <p:ext uri="{C676402C-5697-4E1C-873F-D02D1690AC5C}">
+        <p15:threadingInfo xmlns:p15="http://schemas.microsoft.com/office/powerpoint/2012/main" timeZoneBias="-120"/>
+      </p:ext>
+    </p:extLst>
+  </p:cm>
+</p:cmLst>
 </file>
 
 <file path=ppt/drawings/drawing1.xml><?xml version="1.0" encoding="utf-8"?>
 <c:userShapes xmlns:c="http://schemas.openxmlformats.org/drawingml/2006/chart">
   <cdr:relSizeAnchor xmlns:cdr="http://schemas.openxmlformats.org/drawingml/2006/chartDrawing">
     <cdr:from>
-      <cdr:x>0.11669</cdr:x>
-      <cdr:y>0.18247</cdr:y>
+      <cdr:x>0.12231</cdr:x>
+      <cdr:y>0.06572</cdr:y>
     </cdr:from>
     <cdr:to>
-      <cdr:x>0.18117</cdr:x>
-      <cdr:y>0.436</cdr:y>
+      <cdr:x>0.1868</cdr:x>
+      <cdr:y>0.31925</cdr:y>
     </cdr:to>
     <cdr:grpSp>
       <cdr:nvGrpSpPr>
@@ -5170,8 +4148,8 @@
       </cdr:nvGrpSpPr>
       <cdr:grpSpPr>
         <a:xfrm xmlns:a="http://schemas.openxmlformats.org/drawingml/2006/main">
-          <a:off x="948456" y="1047996"/>
-          <a:ext cx="524094" cy="1456122"/>
+          <a:off x="994136" y="418282"/>
+          <a:ext cx="524175" cy="1613618"/>
           <a:chOff x="858679" y="820892"/>
           <a:chExt cx="507512" cy="1707161"/>
         </a:xfrm>
@@ -5300,12 +4278,12 @@
   </cdr:relSizeAnchor>
   <cdr:relSizeAnchor xmlns:cdr="http://schemas.openxmlformats.org/drawingml/2006/chartDrawing">
     <cdr:from>
-      <cdr:x>0.32878</cdr:x>
-      <cdr:y>0.17987</cdr:y>
+      <cdr:x>0.3344</cdr:x>
+      <cdr:y>0.06312</cdr:y>
     </cdr:from>
     <cdr:to>
-      <cdr:x>0.39401</cdr:x>
-      <cdr:y>0.43011</cdr:y>
+      <cdr:x>0.39963</cdr:x>
+      <cdr:y>0.31336</cdr:y>
     </cdr:to>
     <cdr:grpSp>
       <cdr:nvGrpSpPr>
@@ -5320,8 +4298,8 @@
       </cdr:nvGrpSpPr>
       <cdr:grpSpPr>
         <a:xfrm xmlns:a="http://schemas.openxmlformats.org/drawingml/2006/main">
-          <a:off x="2672324" y="1033063"/>
-          <a:ext cx="530190" cy="1437226"/>
+          <a:off x="2718004" y="401734"/>
+          <a:ext cx="530189" cy="1592679"/>
           <a:chOff x="-5821979" y="-489078"/>
           <a:chExt cx="489582" cy="1209976"/>
         </a:xfrm>
@@ -5450,12 +4428,12 @@
   </cdr:relSizeAnchor>
   <cdr:relSizeAnchor xmlns:cdr="http://schemas.openxmlformats.org/drawingml/2006/chartDrawing">
     <cdr:from>
-      <cdr:x>0.54366</cdr:x>
-      <cdr:y>0.17887</cdr:y>
+      <cdr:x>0.54929</cdr:x>
+      <cdr:y>0.06212</cdr:y>
     </cdr:from>
     <cdr:to>
-      <cdr:x>0.61222</cdr:x>
-      <cdr:y>0.46202</cdr:y>
+      <cdr:x>0.61784</cdr:x>
+      <cdr:y>0.34527</cdr:y>
     </cdr:to>
     <cdr:grpSp>
       <cdr:nvGrpSpPr>
@@ -5470,8 +4448,8 @@
       </cdr:nvGrpSpPr>
       <cdr:grpSpPr>
         <a:xfrm xmlns:a="http://schemas.openxmlformats.org/drawingml/2006/main">
-          <a:off x="4418869" y="1027320"/>
-          <a:ext cx="557256" cy="1626241"/>
+          <a:off x="4464630" y="395369"/>
+          <a:ext cx="557174" cy="1802138"/>
           <a:chOff x="-13074716" y="-491976"/>
           <a:chExt cx="489582" cy="2621423"/>
         </a:xfrm>
@@ -5600,12 +4578,12 @@
   </cdr:relSizeAnchor>
   <cdr:relSizeAnchor xmlns:cdr="http://schemas.openxmlformats.org/drawingml/2006/chartDrawing">
     <cdr:from>
-      <cdr:x>0.75222</cdr:x>
-      <cdr:y>0.18247</cdr:y>
+      <cdr:x>0.75784</cdr:x>
+      <cdr:y>0.06572</cdr:y>
     </cdr:from>
     <cdr:to>
-      <cdr:x>0.81838</cdr:x>
-      <cdr:y>0.48075</cdr:y>
+      <cdr:x>0.82401</cdr:x>
+      <cdr:y>0.364</cdr:y>
     </cdr:to>
     <cdr:grpSp>
       <cdr:nvGrpSpPr>
@@ -5620,8 +4598,8 @@
       </cdr:nvGrpSpPr>
       <cdr:grpSpPr>
         <a:xfrm xmlns:a="http://schemas.openxmlformats.org/drawingml/2006/main">
-          <a:off x="6114045" y="1047996"/>
-          <a:ext cx="537748" cy="1713138"/>
+          <a:off x="6159724" y="418282"/>
+          <a:ext cx="537830" cy="1898434"/>
           <a:chOff x="-2879863" y="-256809"/>
           <a:chExt cx="489582" cy="1567519"/>
         </a:xfrm>
@@ -5750,12 +4728,12 @@
   </cdr:relSizeAnchor>
   <cdr:relSizeAnchor xmlns:cdr="http://schemas.openxmlformats.org/drawingml/2006/chartDrawing">
     <cdr:from>
-      <cdr:x>0.7374</cdr:x>
-      <cdr:y>0.10213</cdr:y>
+      <cdr:x>0.71931</cdr:x>
+      <cdr:y>0</cdr:y>
     </cdr:from>
     <cdr:to>
-      <cdr:x>0.85272</cdr:x>
-      <cdr:y>0.15572</cdr:y>
+      <cdr:x>0.85365</cdr:x>
+      <cdr:y>0.06286</cdr:y>
     </cdr:to>
     <cdr:sp macro="" textlink="">
       <cdr:nvSpPr>
@@ -5764,8 +4742,8 @@
       </cdr:nvSpPr>
       <cdr:spPr>
         <a:xfrm xmlns:a="http://schemas.openxmlformats.org/drawingml/2006/main">
-          <a:off x="5804121" y="586595"/>
-          <a:ext cx="907621" cy="307777"/>
+          <a:off x="5846537" y="0"/>
+          <a:ext cx="1091966" cy="400110"/>
         </a:xfrm>
         <a:prstGeom xmlns:a="http://schemas.openxmlformats.org/drawingml/2006/main" prst="rect">
           <a:avLst/>
@@ -5876,22 +4854,22 @@
         </a:lstStyle>
         <a:p xmlns:a="http://schemas.openxmlformats.org/drawingml/2006/main">
           <a:r>
-            <a:rPr lang="fr-FR" sz="1400" dirty="0"/>
-            <a:t>P&lt;&lt; 0,001</a:t>
+            <a:rPr lang="fr-FR" sz="2000" b="1" dirty="0"/>
+            <a:t>*   r= 0.5</a:t>
           </a:r>
-          <a:endParaRPr lang="fr-FR" dirty="0"/>
+          <a:endParaRPr lang="fr-FR" sz="2800" b="1" dirty="0"/>
         </a:p>
       </cdr:txBody>
     </cdr:sp>
   </cdr:relSizeAnchor>
   <cdr:relSizeAnchor xmlns:cdr="http://schemas.openxmlformats.org/drawingml/2006/chartDrawing">
     <cdr:from>
-      <cdr:x>0.52518</cdr:x>
-      <cdr:y>0.10786</cdr:y>
+      <cdr:x>0.46707</cdr:x>
+      <cdr:y>0</cdr:y>
     </cdr:from>
     <cdr:to>
-      <cdr:x>0.63073</cdr:x>
-      <cdr:y>0.16145</cdr:y>
+      <cdr:x>0.71271</cdr:x>
+      <cdr:y>0.06286</cdr:y>
     </cdr:to>
     <cdr:sp macro="" textlink="">
       <cdr:nvSpPr>
@@ -5900,8 +4878,122 @@
       </cdr:nvSpPr>
       <cdr:spPr>
         <a:xfrm xmlns:a="http://schemas.openxmlformats.org/drawingml/2006/main">
-          <a:off x="4268662" y="619466"/>
-          <a:ext cx="857927" cy="307777"/>
+          <a:off x="3796315" y="0"/>
+          <a:ext cx="1996633" cy="400110"/>
+        </a:xfrm>
+        <a:prstGeom xmlns:a="http://schemas.openxmlformats.org/drawingml/2006/main" prst="rect">
+          <a:avLst/>
+        </a:prstGeom>
+        <a:noFill xmlns:a="http://schemas.openxmlformats.org/drawingml/2006/main"/>
+        <a:ln xmlns:a="http://schemas.openxmlformats.org/drawingml/2006/main">
+          <a:noFill/>
+        </a:ln>
+      </cdr:spPr>
+      <cdr:txBody>
+        <a:bodyPr xmlns:a="http://schemas.openxmlformats.org/drawingml/2006/main" wrap="square" rtlCol="0">
+          <a:spAutoFit/>
+        </a:bodyPr>
+        <a:lstStyle xmlns:a="http://schemas.openxmlformats.org/drawingml/2006/main">
+          <a:lvl1pPr marL="0" indent="0">
+            <a:defRPr sz="1100">
+              <a:latin typeface="+mn-lt"/>
+              <a:ea typeface="+mn-ea"/>
+              <a:cs typeface="+mn-cs"/>
+            </a:defRPr>
+          </a:lvl1pPr>
+          <a:lvl2pPr marL="457200" indent="0">
+            <a:defRPr sz="1100">
+              <a:latin typeface="+mn-lt"/>
+              <a:ea typeface="+mn-ea"/>
+              <a:cs typeface="+mn-cs"/>
+            </a:defRPr>
+          </a:lvl2pPr>
+          <a:lvl3pPr marL="914400" indent="0">
+            <a:defRPr sz="1100">
+              <a:latin typeface="+mn-lt"/>
+              <a:ea typeface="+mn-ea"/>
+              <a:cs typeface="+mn-cs"/>
+            </a:defRPr>
+          </a:lvl3pPr>
+          <a:lvl4pPr marL="1371600" indent="0">
+            <a:defRPr sz="1100">
+              <a:latin typeface="+mn-lt"/>
+              <a:ea typeface="+mn-ea"/>
+              <a:cs typeface="+mn-cs"/>
+            </a:defRPr>
+          </a:lvl4pPr>
+          <a:lvl5pPr marL="1828800" indent="0">
+            <a:defRPr sz="1100">
+              <a:latin typeface="+mn-lt"/>
+              <a:ea typeface="+mn-ea"/>
+              <a:cs typeface="+mn-cs"/>
+            </a:defRPr>
+          </a:lvl5pPr>
+          <a:lvl6pPr marL="2286000" indent="0">
+            <a:defRPr sz="1100">
+              <a:latin typeface="+mn-lt"/>
+              <a:ea typeface="+mn-ea"/>
+              <a:cs typeface="+mn-cs"/>
+            </a:defRPr>
+          </a:lvl6pPr>
+          <a:lvl7pPr marL="2743200" indent="0">
+            <a:defRPr sz="1100">
+              <a:latin typeface="+mn-lt"/>
+              <a:ea typeface="+mn-ea"/>
+              <a:cs typeface="+mn-cs"/>
+            </a:defRPr>
+          </a:lvl7pPr>
+          <a:lvl8pPr marL="3200400" indent="0">
+            <a:defRPr sz="1100">
+              <a:latin typeface="+mn-lt"/>
+              <a:ea typeface="+mn-ea"/>
+              <a:cs typeface="+mn-cs"/>
+            </a:defRPr>
+          </a:lvl8pPr>
+          <a:lvl9pPr marL="3657600" indent="0">
+            <a:defRPr sz="1100">
+              <a:latin typeface="+mn-lt"/>
+              <a:ea typeface="+mn-ea"/>
+              <a:cs typeface="+mn-cs"/>
+            </a:defRPr>
+          </a:lvl9pPr>
+        </a:lstStyle>
+        <a:p xmlns:a="http://schemas.openxmlformats.org/drawingml/2006/main">
+          <a:r>
+            <a:rPr lang="fr-FR" sz="2000" b="1" dirty="0"/>
+            <a:t>P = </a:t>
+          </a:r>
+          <a:r>
+            <a:rPr lang="fr-FR" sz="1800" b="1" dirty="0"/>
+            <a:t>0,002</a:t>
+          </a:r>
+          <a:r>
+            <a:rPr lang="fr-FR" sz="2000" b="1" dirty="0"/>
+            <a:t>  r= 0.3</a:t>
+          </a:r>
+          <a:endParaRPr lang="fr-FR" sz="1600" b="1" dirty="0"/>
+        </a:p>
+      </cdr:txBody>
+    </cdr:sp>
+  </cdr:relSizeAnchor>
+  <cdr:relSizeAnchor xmlns:cdr="http://schemas.openxmlformats.org/drawingml/2006/chartDrawing">
+    <cdr:from>
+      <cdr:x>0.29047</cdr:x>
+      <cdr:y>0</cdr:y>
+    </cdr:from>
+    <cdr:to>
+      <cdr:x>0.42482</cdr:x>
+      <cdr:y>0.06286</cdr:y>
+    </cdr:to>
+    <cdr:sp macro="" textlink="">
+      <cdr:nvSpPr>
+        <cdr:cNvPr id="56" name="ZoneTexte 35"/>
+        <cdr:cNvSpPr txBox="1"/>
+      </cdr:nvSpPr>
+      <cdr:spPr>
+        <a:xfrm xmlns:a="http://schemas.openxmlformats.org/drawingml/2006/main">
+          <a:off x="2360957" y="0"/>
+          <a:ext cx="1091966" cy="400110"/>
         </a:xfrm>
         <a:prstGeom xmlns:a="http://schemas.openxmlformats.org/drawingml/2006/main" prst="rect">
           <a:avLst/>
@@ -5982,32 +5074,144 @@
         </a:lstStyle>
         <a:p xmlns:a="http://schemas.openxmlformats.org/drawingml/2006/main">
           <a:r>
-            <a:rPr lang="fr-FR" sz="1400" dirty="0"/>
-            <a:t>P = 0,002</a:t>
+            <a:rPr lang="fr-FR" sz="2000" b="1" dirty="0"/>
+            <a:t>*   r= 0.5</a:t>
           </a:r>
-          <a:endParaRPr lang="fr-FR" dirty="0"/>
+          <a:endParaRPr lang="fr-FR" sz="1600" b="1" dirty="0"/>
         </a:p>
       </cdr:txBody>
     </cdr:sp>
   </cdr:relSizeAnchor>
   <cdr:relSizeAnchor xmlns:cdr="http://schemas.openxmlformats.org/drawingml/2006/chartDrawing">
     <cdr:from>
-      <cdr:x>0.30992</cdr:x>
-      <cdr:y>0.11254</cdr:y>
+      <cdr:x>0.0841</cdr:x>
+      <cdr:y>0</cdr:y>
     </cdr:from>
     <cdr:to>
-      <cdr:x>0.42523</cdr:x>
-      <cdr:y>0.16613</cdr:y>
+      <cdr:x>0.2264</cdr:x>
+      <cdr:y>0.06286</cdr:y>
     </cdr:to>
     <cdr:sp macro="" textlink="">
       <cdr:nvSpPr>
-        <cdr:cNvPr id="56" name="ZoneTexte 35"/>
+        <cdr:cNvPr id="57" name="ZoneTexte 35"/>
         <cdr:cNvSpPr txBox="1"/>
       </cdr:nvSpPr>
       <cdr:spPr>
         <a:xfrm xmlns:a="http://schemas.openxmlformats.org/drawingml/2006/main">
-          <a:off x="2439367" y="646360"/>
-          <a:ext cx="907621" cy="307777"/>
+          <a:off x="683528" y="0"/>
+          <a:ext cx="1156666" cy="400110"/>
+        </a:xfrm>
+        <a:prstGeom xmlns:a="http://schemas.openxmlformats.org/drawingml/2006/main" prst="rect">
+          <a:avLst/>
+        </a:prstGeom>
+        <a:noFill xmlns:a="http://schemas.openxmlformats.org/drawingml/2006/main"/>
+        <a:ln xmlns:a="http://schemas.openxmlformats.org/drawingml/2006/main">
+          <a:noFill/>
+        </a:ln>
+      </cdr:spPr>
+      <cdr:txBody>
+        <a:bodyPr xmlns:a="http://schemas.openxmlformats.org/drawingml/2006/main" wrap="square" rtlCol="0">
+          <a:spAutoFit/>
+        </a:bodyPr>
+        <a:lstStyle xmlns:a="http://schemas.openxmlformats.org/drawingml/2006/main">
+          <a:lvl1pPr marL="0" indent="0">
+            <a:defRPr sz="1100">
+              <a:latin typeface="+mn-lt"/>
+              <a:ea typeface="+mn-ea"/>
+              <a:cs typeface="+mn-cs"/>
+            </a:defRPr>
+          </a:lvl1pPr>
+          <a:lvl2pPr marL="457200" indent="0">
+            <a:defRPr sz="1100">
+              <a:latin typeface="+mn-lt"/>
+              <a:ea typeface="+mn-ea"/>
+              <a:cs typeface="+mn-cs"/>
+            </a:defRPr>
+          </a:lvl2pPr>
+          <a:lvl3pPr marL="914400" indent="0">
+            <a:defRPr sz="1100">
+              <a:latin typeface="+mn-lt"/>
+              <a:ea typeface="+mn-ea"/>
+              <a:cs typeface="+mn-cs"/>
+            </a:defRPr>
+          </a:lvl3pPr>
+          <a:lvl4pPr marL="1371600" indent="0">
+            <a:defRPr sz="1100">
+              <a:latin typeface="+mn-lt"/>
+              <a:ea typeface="+mn-ea"/>
+              <a:cs typeface="+mn-cs"/>
+            </a:defRPr>
+          </a:lvl4pPr>
+          <a:lvl5pPr marL="1828800" indent="0">
+            <a:defRPr sz="1100">
+              <a:latin typeface="+mn-lt"/>
+              <a:ea typeface="+mn-ea"/>
+              <a:cs typeface="+mn-cs"/>
+            </a:defRPr>
+          </a:lvl5pPr>
+          <a:lvl6pPr marL="2286000" indent="0">
+            <a:defRPr sz="1100">
+              <a:latin typeface="+mn-lt"/>
+              <a:ea typeface="+mn-ea"/>
+              <a:cs typeface="+mn-cs"/>
+            </a:defRPr>
+          </a:lvl6pPr>
+          <a:lvl7pPr marL="2743200" indent="0">
+            <a:defRPr sz="1100">
+              <a:latin typeface="+mn-lt"/>
+              <a:ea typeface="+mn-ea"/>
+              <a:cs typeface="+mn-cs"/>
+            </a:defRPr>
+          </a:lvl7pPr>
+          <a:lvl8pPr marL="3200400" indent="0">
+            <a:defRPr sz="1100">
+              <a:latin typeface="+mn-lt"/>
+              <a:ea typeface="+mn-ea"/>
+              <a:cs typeface="+mn-cs"/>
+            </a:defRPr>
+          </a:lvl8pPr>
+          <a:lvl9pPr marL="3657600" indent="0">
+            <a:defRPr sz="1100">
+              <a:latin typeface="+mn-lt"/>
+              <a:ea typeface="+mn-ea"/>
+              <a:cs typeface="+mn-cs"/>
+            </a:defRPr>
+          </a:lvl9pPr>
+        </a:lstStyle>
+        <a:p xmlns:a="http://schemas.openxmlformats.org/drawingml/2006/main">
+          <a:pPr algn="ctr"/>
+          <a:r>
+            <a:rPr lang="fr-FR" sz="2000" b="1" dirty="0"/>
+            <a:t>*  r= 0.5</a:t>
+          </a:r>
+          <a:endParaRPr lang="fr-FR" sz="1600" b="1" dirty="0"/>
+        </a:p>
+      </cdr:txBody>
+    </cdr:sp>
+  </cdr:relSizeAnchor>
+</c:userShapes>
+</file>
+
+<file path=ppt/drawings/drawing2.xml><?xml version="1.0" encoding="utf-8"?>
+<c:userShapes xmlns:c="http://schemas.openxmlformats.org/drawingml/2006/chart">
+  <cdr:relSizeAnchor xmlns:cdr="http://schemas.openxmlformats.org/drawingml/2006/chartDrawing">
+    <cdr:from>
+      <cdr:x>0.11148</cdr:x>
+      <cdr:y>0</cdr:y>
+    </cdr:from>
+    <cdr:to>
+      <cdr:x>0.23959</cdr:x>
+      <cdr:y>0.06916</cdr:y>
+    </cdr:to>
+    <cdr:sp macro="" textlink="">
+      <cdr:nvSpPr>
+        <cdr:cNvPr id="18" name="ZoneTexte 35"/>
+        <cdr:cNvSpPr txBox="1"/>
+      </cdr:nvSpPr>
+      <cdr:spPr>
+        <a:xfrm xmlns:a="http://schemas.openxmlformats.org/drawingml/2006/main">
+          <a:off x="899949" y="0"/>
+          <a:ext cx="1034257" cy="400110"/>
         </a:xfrm>
         <a:prstGeom xmlns:a="http://schemas.openxmlformats.org/drawingml/2006/main" prst="rect">
           <a:avLst/>
@@ -6088,32 +5292,31 @@
         </a:lstStyle>
         <a:p xmlns:a="http://schemas.openxmlformats.org/drawingml/2006/main">
           <a:r>
-            <a:rPr lang="fr-FR" sz="1400" dirty="0"/>
-            <a:t>P&lt;&lt; 0,001</a:t>
+            <a:rPr lang="fr-FR" sz="2000" b="1" dirty="0"/>
+            <a:t>*  r= 0.5</a:t>
           </a:r>
-          <a:endParaRPr lang="fr-FR" dirty="0"/>
         </a:p>
       </cdr:txBody>
     </cdr:sp>
   </cdr:relSizeAnchor>
   <cdr:relSizeAnchor xmlns:cdr="http://schemas.openxmlformats.org/drawingml/2006/chartDrawing">
     <cdr:from>
-      <cdr:x>0.0939</cdr:x>
-      <cdr:y>0.11514</cdr:y>
+      <cdr:x>0.32026</cdr:x>
+      <cdr:y>0</cdr:y>
     </cdr:from>
     <cdr:to>
-      <cdr:x>0.20921</cdr:x>
-      <cdr:y>0.16873</cdr:y>
+      <cdr:x>0.44838</cdr:x>
+      <cdr:y>0.06916</cdr:y>
     </cdr:to>
     <cdr:sp macro="" textlink="">
       <cdr:nvSpPr>
-        <cdr:cNvPr id="57" name="ZoneTexte 35"/>
+        <cdr:cNvPr id="19" name="ZoneTexte 35"/>
         <cdr:cNvSpPr txBox="1"/>
       </cdr:nvSpPr>
       <cdr:spPr>
         <a:xfrm xmlns:a="http://schemas.openxmlformats.org/drawingml/2006/main">
-          <a:off x="739061" y="661301"/>
-          <a:ext cx="907621" cy="307777"/>
+          <a:off x="2585430" y="0"/>
+          <a:ext cx="1034257" cy="400110"/>
         </a:xfrm>
         <a:prstGeom xmlns:a="http://schemas.openxmlformats.org/drawingml/2006/main" prst="rect">
           <a:avLst/>
@@ -6194,749 +5397,8 @@
         </a:lstStyle>
         <a:p xmlns:a="http://schemas.openxmlformats.org/drawingml/2006/main">
           <a:r>
-            <a:rPr lang="fr-FR" sz="1400" dirty="0"/>
-            <a:t>P&lt;&lt; 0,001</a:t>
-          </a:r>
-          <a:endParaRPr lang="fr-FR" dirty="0"/>
-        </a:p>
-      </cdr:txBody>
-    </cdr:sp>
-  </cdr:relSizeAnchor>
-</c:userShapes>
-</file>
-
-<file path=ppt/drawings/drawing2.xml><?xml version="1.0" encoding="utf-8"?>
-<c:userShapes xmlns:c="http://schemas.openxmlformats.org/drawingml/2006/chart">
-  <cdr:relSizeAnchor xmlns:cdr="http://schemas.openxmlformats.org/drawingml/2006/chartDrawing">
-    <cdr:from>
-      <cdr:x>0.11669</cdr:x>
-      <cdr:y>0.18247</cdr:y>
-    </cdr:from>
-    <cdr:to>
-      <cdr:x>0.18117</cdr:x>
-      <cdr:y>0.436</cdr:y>
-    </cdr:to>
-    <cdr:grpSp>
-      <cdr:nvGrpSpPr>
-        <cdr:cNvPr id="53" name="Groupe 52">
-          <a:extLst xmlns:a="http://schemas.openxmlformats.org/drawingml/2006/main">
-            <a:ext uri="{FF2B5EF4-FFF2-40B4-BE49-F238E27FC236}">
-              <a16:creationId xmlns:a16="http://schemas.microsoft.com/office/drawing/2014/main" id="{47A0C9B0-16E9-45F2-AECD-C2E36D68A565}"/>
-            </a:ext>
-          </a:extLst>
-        </cdr:cNvPr>
-        <cdr:cNvGrpSpPr/>
-      </cdr:nvGrpSpPr>
-      <cdr:grpSpPr>
-        <a:xfrm xmlns:a="http://schemas.openxmlformats.org/drawingml/2006/main">
-          <a:off x="948456" y="1018783"/>
-          <a:ext cx="524094" cy="1415531"/>
-          <a:chOff x="858679" y="820892"/>
-          <a:chExt cx="507512" cy="1707161"/>
-        </a:xfrm>
-      </cdr:grpSpPr>
-      <cdr:cxnSp macro="">
-        <cdr:nvCxnSpPr>
-          <cdr:cNvPr id="3" name="Connecteur droit 2">
-            <a:extLst xmlns:a="http://schemas.openxmlformats.org/drawingml/2006/main">
-              <a:ext uri="{FF2B5EF4-FFF2-40B4-BE49-F238E27FC236}">
-                <a16:creationId xmlns:a16="http://schemas.microsoft.com/office/drawing/2014/main" id="{5DC1B0A5-2DAB-46CB-A08A-15FE995A5F34}"/>
-              </a:ext>
-            </a:extLst>
-          </cdr:cNvPr>
-          <cdr:cNvCxnSpPr/>
-        </cdr:nvCxnSpPr>
-        <cdr:spPr>
-          <a:xfrm xmlns:a="http://schemas.openxmlformats.org/drawingml/2006/main" flipV="1">
-            <a:off x="858679" y="820893"/>
-            <a:ext cx="0" cy="174230"/>
-          </a:xfrm>
-          <a:prstGeom xmlns:a="http://schemas.openxmlformats.org/drawingml/2006/main" prst="line">
-            <a:avLst/>
-          </a:prstGeom>
-          <a:ln xmlns:a="http://schemas.openxmlformats.org/drawingml/2006/main" w="19050">
-            <a:solidFill>
-              <a:schemeClr val="tx1"/>
-            </a:solidFill>
-          </a:ln>
-        </cdr:spPr>
-        <cdr:style>
-          <a:lnRef xmlns:a="http://schemas.openxmlformats.org/drawingml/2006/main" idx="1">
-            <a:schemeClr val="accent1"/>
-          </a:lnRef>
-          <a:fillRef xmlns:a="http://schemas.openxmlformats.org/drawingml/2006/main" idx="0">
-            <a:schemeClr val="accent1"/>
-          </a:fillRef>
-          <a:effectRef xmlns:a="http://schemas.openxmlformats.org/drawingml/2006/main" idx="0">
-            <a:schemeClr val="accent1"/>
-          </a:effectRef>
-          <a:fontRef xmlns:a="http://schemas.openxmlformats.org/drawingml/2006/main" idx="minor">
-            <a:schemeClr val="tx1"/>
-          </a:fontRef>
-        </cdr:style>
-      </cdr:cxnSp>
-      <cdr:cxnSp macro="">
-        <cdr:nvCxnSpPr>
-          <cdr:cNvPr id="4" name="Connecteur droit 3">
-            <a:extLst xmlns:a="http://schemas.openxmlformats.org/drawingml/2006/main">
-              <a:ext uri="{FF2B5EF4-FFF2-40B4-BE49-F238E27FC236}">
-                <a16:creationId xmlns:a16="http://schemas.microsoft.com/office/drawing/2014/main" id="{55E29AD0-43FF-4CBC-B11D-720BB12DF1CC}"/>
-              </a:ext>
-            </a:extLst>
-          </cdr:cNvPr>
-          <cdr:cNvCxnSpPr/>
-        </cdr:nvCxnSpPr>
-        <cdr:spPr>
-          <a:xfrm xmlns:a="http://schemas.openxmlformats.org/drawingml/2006/main" flipH="1" flipV="1">
-            <a:off x="1366040" y="820893"/>
-            <a:ext cx="151" cy="1707160"/>
-          </a:xfrm>
-          <a:prstGeom xmlns:a="http://schemas.openxmlformats.org/drawingml/2006/main" prst="line">
-            <a:avLst/>
-          </a:prstGeom>
-          <a:ln xmlns:a="http://schemas.openxmlformats.org/drawingml/2006/main" w="19050">
-            <a:solidFill>
-              <a:schemeClr val="tx1"/>
-            </a:solidFill>
-          </a:ln>
-        </cdr:spPr>
-        <cdr:style>
-          <a:lnRef xmlns:a="http://schemas.openxmlformats.org/drawingml/2006/main" idx="1">
-            <a:schemeClr val="accent1"/>
-          </a:lnRef>
-          <a:fillRef xmlns:a="http://schemas.openxmlformats.org/drawingml/2006/main" idx="0">
-            <a:schemeClr val="accent1"/>
-          </a:fillRef>
-          <a:effectRef xmlns:a="http://schemas.openxmlformats.org/drawingml/2006/main" idx="0">
-            <a:schemeClr val="accent1"/>
-          </a:effectRef>
-          <a:fontRef xmlns:a="http://schemas.openxmlformats.org/drawingml/2006/main" idx="minor">
-            <a:schemeClr val="tx1"/>
-          </a:fontRef>
-        </cdr:style>
-      </cdr:cxnSp>
-      <cdr:cxnSp macro="">
-        <cdr:nvCxnSpPr>
-          <cdr:cNvPr id="5" name="Connecteur droit 4">
-            <a:extLst xmlns:a="http://schemas.openxmlformats.org/drawingml/2006/main">
-              <a:ext uri="{FF2B5EF4-FFF2-40B4-BE49-F238E27FC236}">
-                <a16:creationId xmlns:a16="http://schemas.microsoft.com/office/drawing/2014/main" id="{03A8E22D-5B26-4F56-80B4-BB541B610D00}"/>
-              </a:ext>
-            </a:extLst>
-          </cdr:cNvPr>
-          <cdr:cNvCxnSpPr/>
-        </cdr:nvCxnSpPr>
-        <cdr:spPr>
-          <a:xfrm xmlns:a="http://schemas.openxmlformats.org/drawingml/2006/main">
-            <a:off x="858679" y="820892"/>
-            <a:ext cx="489431" cy="0"/>
-          </a:xfrm>
-          <a:prstGeom xmlns:a="http://schemas.openxmlformats.org/drawingml/2006/main" prst="line">
-            <a:avLst/>
-          </a:prstGeom>
-          <a:ln xmlns:a="http://schemas.openxmlformats.org/drawingml/2006/main" w="19050">
-            <a:solidFill>
-              <a:schemeClr val="tx1"/>
-            </a:solidFill>
-          </a:ln>
-        </cdr:spPr>
-        <cdr:style>
-          <a:lnRef xmlns:a="http://schemas.openxmlformats.org/drawingml/2006/main" idx="1">
-            <a:schemeClr val="accent1"/>
-          </a:lnRef>
-          <a:fillRef xmlns:a="http://schemas.openxmlformats.org/drawingml/2006/main" idx="0">
-            <a:schemeClr val="accent1"/>
-          </a:fillRef>
-          <a:effectRef xmlns:a="http://schemas.openxmlformats.org/drawingml/2006/main" idx="0">
-            <a:schemeClr val="accent1"/>
-          </a:effectRef>
-          <a:fontRef xmlns:a="http://schemas.openxmlformats.org/drawingml/2006/main" idx="minor">
-            <a:schemeClr val="tx1"/>
-          </a:fontRef>
-        </cdr:style>
-      </cdr:cxnSp>
-    </cdr:grpSp>
-  </cdr:relSizeAnchor>
-  <cdr:relSizeAnchor xmlns:cdr="http://schemas.openxmlformats.org/drawingml/2006/chartDrawing">
-    <cdr:from>
-      <cdr:x>0.32878</cdr:x>
-      <cdr:y>0.17987</cdr:y>
-    </cdr:from>
-    <cdr:to>
-      <cdr:x>0.39401</cdr:x>
-      <cdr:y>0.43011</cdr:y>
-    </cdr:to>
-    <cdr:grpSp>
-      <cdr:nvGrpSpPr>
-        <cdr:cNvPr id="10" name="Groupe 9">
-          <a:extLst xmlns:a="http://schemas.openxmlformats.org/drawingml/2006/main">
-            <a:ext uri="{FF2B5EF4-FFF2-40B4-BE49-F238E27FC236}">
-              <a16:creationId xmlns:a16="http://schemas.microsoft.com/office/drawing/2014/main" id="{70397D50-1E9F-4EE2-8DC8-DFA2A5CDCA4F}"/>
-            </a:ext>
-          </a:extLst>
-        </cdr:cNvPr>
-        <cdr:cNvGrpSpPr/>
-      </cdr:nvGrpSpPr>
-      <cdr:grpSpPr>
-        <a:xfrm xmlns:a="http://schemas.openxmlformats.org/drawingml/2006/main">
-          <a:off x="2672324" y="1004266"/>
-          <a:ext cx="530190" cy="1397162"/>
-          <a:chOff x="-5821979" y="-489078"/>
-          <a:chExt cx="489582" cy="1209976"/>
-        </a:xfrm>
-      </cdr:grpSpPr>
-      <cdr:cxnSp macro="">
-        <cdr:nvCxnSpPr>
-          <cdr:cNvPr id="11" name="Connecteur droit 10">
-            <a:extLst xmlns:a="http://schemas.openxmlformats.org/drawingml/2006/main">
-              <a:ext uri="{FF2B5EF4-FFF2-40B4-BE49-F238E27FC236}">
-                <a16:creationId xmlns:a16="http://schemas.microsoft.com/office/drawing/2014/main" id="{F25C32C7-5D1E-4C8B-9AC0-2B6E5CC61998}"/>
-              </a:ext>
-            </a:extLst>
-          </cdr:cNvPr>
-          <cdr:cNvCxnSpPr/>
-        </cdr:nvCxnSpPr>
-        <cdr:spPr>
-          <a:xfrm xmlns:a="http://schemas.openxmlformats.org/drawingml/2006/main" flipV="1">
-            <a:off x="-5821979" y="-489077"/>
-            <a:ext cx="0" cy="123488"/>
-          </a:xfrm>
-          <a:prstGeom xmlns:a="http://schemas.openxmlformats.org/drawingml/2006/main" prst="line">
-            <a:avLst/>
-          </a:prstGeom>
-          <a:ln xmlns:a="http://schemas.openxmlformats.org/drawingml/2006/main" w="19050">
-            <a:solidFill>
-              <a:schemeClr val="tx1"/>
-            </a:solidFill>
-          </a:ln>
-        </cdr:spPr>
-        <cdr:style>
-          <a:lnRef xmlns:a="http://schemas.openxmlformats.org/drawingml/2006/main" idx="1">
-            <a:schemeClr val="accent1"/>
-          </a:lnRef>
-          <a:fillRef xmlns:a="http://schemas.openxmlformats.org/drawingml/2006/main" idx="0">
-            <a:schemeClr val="accent1"/>
-          </a:fillRef>
-          <a:effectRef xmlns:a="http://schemas.openxmlformats.org/drawingml/2006/main" idx="0">
-            <a:schemeClr val="accent1"/>
-          </a:effectRef>
-          <a:fontRef xmlns:a="http://schemas.openxmlformats.org/drawingml/2006/main" idx="minor">
-            <a:schemeClr val="tx1"/>
-          </a:fontRef>
-        </cdr:style>
-      </cdr:cxnSp>
-      <cdr:cxnSp macro="">
-        <cdr:nvCxnSpPr>
-          <cdr:cNvPr id="12" name="Connecteur droit 11">
-            <a:extLst xmlns:a="http://schemas.openxmlformats.org/drawingml/2006/main">
-              <a:ext uri="{FF2B5EF4-FFF2-40B4-BE49-F238E27FC236}">
-                <a16:creationId xmlns:a16="http://schemas.microsoft.com/office/drawing/2014/main" id="{506C2686-3516-41F9-A267-78829342D831}"/>
-              </a:ext>
-            </a:extLst>
-          </cdr:cNvPr>
-          <cdr:cNvCxnSpPr/>
-        </cdr:nvCxnSpPr>
-        <cdr:spPr>
-          <a:xfrm xmlns:a="http://schemas.openxmlformats.org/drawingml/2006/main" flipH="1" flipV="1">
-            <a:off x="-5332548" y="-489077"/>
-            <a:ext cx="151" cy="1209975"/>
-          </a:xfrm>
-          <a:prstGeom xmlns:a="http://schemas.openxmlformats.org/drawingml/2006/main" prst="line">
-            <a:avLst/>
-          </a:prstGeom>
-          <a:ln xmlns:a="http://schemas.openxmlformats.org/drawingml/2006/main" w="19050">
-            <a:solidFill>
-              <a:schemeClr val="tx1"/>
-            </a:solidFill>
-          </a:ln>
-        </cdr:spPr>
-        <cdr:style>
-          <a:lnRef xmlns:a="http://schemas.openxmlformats.org/drawingml/2006/main" idx="1">
-            <a:schemeClr val="accent1"/>
-          </a:lnRef>
-          <a:fillRef xmlns:a="http://schemas.openxmlformats.org/drawingml/2006/main" idx="0">
-            <a:schemeClr val="accent1"/>
-          </a:fillRef>
-          <a:effectRef xmlns:a="http://schemas.openxmlformats.org/drawingml/2006/main" idx="0">
-            <a:schemeClr val="accent1"/>
-          </a:effectRef>
-          <a:fontRef xmlns:a="http://schemas.openxmlformats.org/drawingml/2006/main" idx="minor">
-            <a:schemeClr val="tx1"/>
-          </a:fontRef>
-        </cdr:style>
-      </cdr:cxnSp>
-      <cdr:cxnSp macro="">
-        <cdr:nvCxnSpPr>
-          <cdr:cNvPr id="13" name="Connecteur droit 12">
-            <a:extLst xmlns:a="http://schemas.openxmlformats.org/drawingml/2006/main">
-              <a:ext uri="{FF2B5EF4-FFF2-40B4-BE49-F238E27FC236}">
-                <a16:creationId xmlns:a16="http://schemas.microsoft.com/office/drawing/2014/main" id="{ABD5C8E2-983B-47F2-A684-B9FEE7F25B4A}"/>
-              </a:ext>
-            </a:extLst>
-          </cdr:cNvPr>
-          <cdr:cNvCxnSpPr/>
-        </cdr:nvCxnSpPr>
-        <cdr:spPr>
-          <a:xfrm xmlns:a="http://schemas.openxmlformats.org/drawingml/2006/main">
-            <a:off x="-5821979" y="-489078"/>
-            <a:ext cx="489431" cy="0"/>
-          </a:xfrm>
-          <a:prstGeom xmlns:a="http://schemas.openxmlformats.org/drawingml/2006/main" prst="line">
-            <a:avLst/>
-          </a:prstGeom>
-          <a:ln xmlns:a="http://schemas.openxmlformats.org/drawingml/2006/main" w="19050">
-            <a:solidFill>
-              <a:schemeClr val="tx1"/>
-            </a:solidFill>
-          </a:ln>
-        </cdr:spPr>
-        <cdr:style>
-          <a:lnRef xmlns:a="http://schemas.openxmlformats.org/drawingml/2006/main" idx="1">
-            <a:schemeClr val="accent1"/>
-          </a:lnRef>
-          <a:fillRef xmlns:a="http://schemas.openxmlformats.org/drawingml/2006/main" idx="0">
-            <a:schemeClr val="accent1"/>
-          </a:fillRef>
-          <a:effectRef xmlns:a="http://schemas.openxmlformats.org/drawingml/2006/main" idx="0">
-            <a:schemeClr val="accent1"/>
-          </a:effectRef>
-          <a:fontRef xmlns:a="http://schemas.openxmlformats.org/drawingml/2006/main" idx="minor">
-            <a:schemeClr val="tx1"/>
-          </a:fontRef>
-        </cdr:style>
-      </cdr:cxnSp>
-    </cdr:grpSp>
-  </cdr:relSizeAnchor>
-  <cdr:relSizeAnchor xmlns:cdr="http://schemas.openxmlformats.org/drawingml/2006/chartDrawing">
-    <cdr:from>
-      <cdr:x>0.54366</cdr:x>
-      <cdr:y>0.17887</cdr:y>
-    </cdr:from>
-    <cdr:to>
-      <cdr:x>0.61222</cdr:x>
-      <cdr:y>0.46202</cdr:y>
-    </cdr:to>
-    <cdr:grpSp>
-      <cdr:nvGrpSpPr>
-        <cdr:cNvPr id="30" name="Groupe 29">
-          <a:extLst xmlns:a="http://schemas.openxmlformats.org/drawingml/2006/main">
-            <a:ext uri="{FF2B5EF4-FFF2-40B4-BE49-F238E27FC236}">
-              <a16:creationId xmlns:a16="http://schemas.microsoft.com/office/drawing/2014/main" id="{A34B4B78-758A-4D58-B3F1-F8389D196691}"/>
-            </a:ext>
-          </a:extLst>
-        </cdr:cNvPr>
-        <cdr:cNvGrpSpPr/>
-      </cdr:nvGrpSpPr>
-      <cdr:grpSpPr>
-        <a:xfrm xmlns:a="http://schemas.openxmlformats.org/drawingml/2006/main">
-          <a:off x="4418869" y="998683"/>
-          <a:ext cx="557256" cy="1580908"/>
-          <a:chOff x="-13074716" y="-491976"/>
-          <a:chExt cx="489582" cy="2621423"/>
-        </a:xfrm>
-      </cdr:grpSpPr>
-      <cdr:cxnSp macro="">
-        <cdr:nvCxnSpPr>
-          <cdr:cNvPr id="31" name="Connecteur droit 30">
-            <a:extLst xmlns:a="http://schemas.openxmlformats.org/drawingml/2006/main">
-              <a:ext uri="{FF2B5EF4-FFF2-40B4-BE49-F238E27FC236}">
-                <a16:creationId xmlns:a16="http://schemas.microsoft.com/office/drawing/2014/main" id="{9AB05E10-7DB1-42A1-B5E5-EF14B45F67B6}"/>
-              </a:ext>
-            </a:extLst>
-          </cdr:cNvPr>
-          <cdr:cNvCxnSpPr/>
-        </cdr:nvCxnSpPr>
-        <cdr:spPr>
-          <a:xfrm xmlns:a="http://schemas.openxmlformats.org/drawingml/2006/main" flipV="1">
-            <a:off x="-13074716" y="-491976"/>
-            <a:ext cx="0" cy="267539"/>
-          </a:xfrm>
-          <a:prstGeom xmlns:a="http://schemas.openxmlformats.org/drawingml/2006/main" prst="line">
-            <a:avLst/>
-          </a:prstGeom>
-          <a:ln xmlns:a="http://schemas.openxmlformats.org/drawingml/2006/main" w="19050">
-            <a:solidFill>
-              <a:schemeClr val="tx1"/>
-            </a:solidFill>
-          </a:ln>
-        </cdr:spPr>
-        <cdr:style>
-          <a:lnRef xmlns:a="http://schemas.openxmlformats.org/drawingml/2006/main" idx="1">
-            <a:schemeClr val="accent1"/>
-          </a:lnRef>
-          <a:fillRef xmlns:a="http://schemas.openxmlformats.org/drawingml/2006/main" idx="0">
-            <a:schemeClr val="accent1"/>
-          </a:fillRef>
-          <a:effectRef xmlns:a="http://schemas.openxmlformats.org/drawingml/2006/main" idx="0">
-            <a:schemeClr val="accent1"/>
-          </a:effectRef>
-          <a:fontRef xmlns:a="http://schemas.openxmlformats.org/drawingml/2006/main" idx="minor">
-            <a:schemeClr val="tx1"/>
-          </a:fontRef>
-        </cdr:style>
-      </cdr:cxnSp>
-      <cdr:cxnSp macro="">
-        <cdr:nvCxnSpPr>
-          <cdr:cNvPr id="32" name="Connecteur droit 31">
-            <a:extLst xmlns:a="http://schemas.openxmlformats.org/drawingml/2006/main">
-              <a:ext uri="{FF2B5EF4-FFF2-40B4-BE49-F238E27FC236}">
-                <a16:creationId xmlns:a16="http://schemas.microsoft.com/office/drawing/2014/main" id="{377762D6-1F19-4740-9F4C-8BA1F5EF7ADB}"/>
-              </a:ext>
-            </a:extLst>
-          </cdr:cNvPr>
-          <cdr:cNvCxnSpPr/>
-        </cdr:nvCxnSpPr>
-        <cdr:spPr>
-          <a:xfrm xmlns:a="http://schemas.openxmlformats.org/drawingml/2006/main" flipH="1" flipV="1">
-            <a:off x="-12585285" y="-491976"/>
-            <a:ext cx="151" cy="2621423"/>
-          </a:xfrm>
-          <a:prstGeom xmlns:a="http://schemas.openxmlformats.org/drawingml/2006/main" prst="line">
-            <a:avLst/>
-          </a:prstGeom>
-          <a:ln xmlns:a="http://schemas.openxmlformats.org/drawingml/2006/main" w="19050">
-            <a:solidFill>
-              <a:schemeClr val="tx1"/>
-            </a:solidFill>
-          </a:ln>
-        </cdr:spPr>
-        <cdr:style>
-          <a:lnRef xmlns:a="http://schemas.openxmlformats.org/drawingml/2006/main" idx="1">
-            <a:schemeClr val="accent1"/>
-          </a:lnRef>
-          <a:fillRef xmlns:a="http://schemas.openxmlformats.org/drawingml/2006/main" idx="0">
-            <a:schemeClr val="accent1"/>
-          </a:fillRef>
-          <a:effectRef xmlns:a="http://schemas.openxmlformats.org/drawingml/2006/main" idx="0">
-            <a:schemeClr val="accent1"/>
-          </a:effectRef>
-          <a:fontRef xmlns:a="http://schemas.openxmlformats.org/drawingml/2006/main" idx="minor">
-            <a:schemeClr val="tx1"/>
-          </a:fontRef>
-        </cdr:style>
-      </cdr:cxnSp>
-      <cdr:cxnSp macro="">
-        <cdr:nvCxnSpPr>
-          <cdr:cNvPr id="33" name="Connecteur droit 32">
-            <a:extLst xmlns:a="http://schemas.openxmlformats.org/drawingml/2006/main">
-              <a:ext uri="{FF2B5EF4-FFF2-40B4-BE49-F238E27FC236}">
-                <a16:creationId xmlns:a16="http://schemas.microsoft.com/office/drawing/2014/main" id="{D1CAB90D-6450-4EEE-B5F7-64CD437FE9F2}"/>
-              </a:ext>
-            </a:extLst>
-          </cdr:cNvPr>
-          <cdr:cNvCxnSpPr/>
-        </cdr:nvCxnSpPr>
-        <cdr:spPr>
-          <a:xfrm xmlns:a="http://schemas.openxmlformats.org/drawingml/2006/main">
-            <a:off x="-13074716" y="-480013"/>
-            <a:ext cx="489431" cy="0"/>
-          </a:xfrm>
-          <a:prstGeom xmlns:a="http://schemas.openxmlformats.org/drawingml/2006/main" prst="line">
-            <a:avLst/>
-          </a:prstGeom>
-          <a:ln xmlns:a="http://schemas.openxmlformats.org/drawingml/2006/main" w="19050">
-            <a:solidFill>
-              <a:schemeClr val="tx1"/>
-            </a:solidFill>
-          </a:ln>
-        </cdr:spPr>
-        <cdr:style>
-          <a:lnRef xmlns:a="http://schemas.openxmlformats.org/drawingml/2006/main" idx="1">
-            <a:schemeClr val="accent1"/>
-          </a:lnRef>
-          <a:fillRef xmlns:a="http://schemas.openxmlformats.org/drawingml/2006/main" idx="0">
-            <a:schemeClr val="accent1"/>
-          </a:fillRef>
-          <a:effectRef xmlns:a="http://schemas.openxmlformats.org/drawingml/2006/main" idx="0">
-            <a:schemeClr val="accent1"/>
-          </a:effectRef>
-          <a:fontRef xmlns:a="http://schemas.openxmlformats.org/drawingml/2006/main" idx="minor">
-            <a:schemeClr val="tx1"/>
-          </a:fontRef>
-        </cdr:style>
-      </cdr:cxnSp>
-    </cdr:grpSp>
-  </cdr:relSizeAnchor>
-  <cdr:relSizeAnchor xmlns:cdr="http://schemas.openxmlformats.org/drawingml/2006/chartDrawing">
-    <cdr:from>
-      <cdr:x>0.75222</cdr:x>
-      <cdr:y>0.18247</cdr:y>
-    </cdr:from>
-    <cdr:to>
-      <cdr:x>0.81838</cdr:x>
-      <cdr:y>0.48075</cdr:y>
-    </cdr:to>
-    <cdr:grpSp>
-      <cdr:nvGrpSpPr>
-        <cdr:cNvPr id="49" name="Groupe 48">
-          <a:extLst xmlns:a="http://schemas.openxmlformats.org/drawingml/2006/main">
-            <a:ext uri="{FF2B5EF4-FFF2-40B4-BE49-F238E27FC236}">
-              <a16:creationId xmlns:a16="http://schemas.microsoft.com/office/drawing/2014/main" id="{39F98432-B310-40C7-A9A6-9DD97A7C3A36}"/>
-            </a:ext>
-          </a:extLst>
-        </cdr:cNvPr>
-        <cdr:cNvGrpSpPr/>
-      </cdr:nvGrpSpPr>
-      <cdr:grpSpPr>
-        <a:xfrm xmlns:a="http://schemas.openxmlformats.org/drawingml/2006/main">
-          <a:off x="6114045" y="1018783"/>
-          <a:ext cx="537748" cy="1665383"/>
-          <a:chOff x="-2879863" y="-256809"/>
-          <a:chExt cx="489582" cy="1567519"/>
-        </a:xfrm>
-      </cdr:grpSpPr>
-      <cdr:cxnSp macro="">
-        <cdr:nvCxnSpPr>
-          <cdr:cNvPr id="50" name="Connecteur droit 49">
-            <a:extLst xmlns:a="http://schemas.openxmlformats.org/drawingml/2006/main">
-              <a:ext uri="{FF2B5EF4-FFF2-40B4-BE49-F238E27FC236}">
-                <a16:creationId xmlns:a16="http://schemas.microsoft.com/office/drawing/2014/main" id="{02976753-04A8-477E-AB55-0CD57E762389}"/>
-              </a:ext>
-            </a:extLst>
-          </cdr:cNvPr>
-          <cdr:cNvCxnSpPr/>
-        </cdr:nvCxnSpPr>
-        <cdr:spPr>
-          <a:xfrm xmlns:a="http://schemas.openxmlformats.org/drawingml/2006/main" flipV="1">
-            <a:off x="-2879863" y="-256808"/>
-            <a:ext cx="0" cy="159979"/>
-          </a:xfrm>
-          <a:prstGeom xmlns:a="http://schemas.openxmlformats.org/drawingml/2006/main" prst="line">
-            <a:avLst/>
-          </a:prstGeom>
-          <a:ln xmlns:a="http://schemas.openxmlformats.org/drawingml/2006/main" w="19050">
-            <a:solidFill>
-              <a:schemeClr val="tx1"/>
-            </a:solidFill>
-          </a:ln>
-        </cdr:spPr>
-        <cdr:style>
-          <a:lnRef xmlns:a="http://schemas.openxmlformats.org/drawingml/2006/main" idx="1">
-            <a:schemeClr val="accent1"/>
-          </a:lnRef>
-          <a:fillRef xmlns:a="http://schemas.openxmlformats.org/drawingml/2006/main" idx="0">
-            <a:schemeClr val="accent1"/>
-          </a:fillRef>
-          <a:effectRef xmlns:a="http://schemas.openxmlformats.org/drawingml/2006/main" idx="0">
-            <a:schemeClr val="accent1"/>
-          </a:effectRef>
-          <a:fontRef xmlns:a="http://schemas.openxmlformats.org/drawingml/2006/main" idx="minor">
-            <a:schemeClr val="tx1"/>
-          </a:fontRef>
-        </cdr:style>
-      </cdr:cxnSp>
-      <cdr:cxnSp macro="">
-        <cdr:nvCxnSpPr>
-          <cdr:cNvPr id="51" name="Connecteur droit 50">
-            <a:extLst xmlns:a="http://schemas.openxmlformats.org/drawingml/2006/main">
-              <a:ext uri="{FF2B5EF4-FFF2-40B4-BE49-F238E27FC236}">
-                <a16:creationId xmlns:a16="http://schemas.microsoft.com/office/drawing/2014/main" id="{C9691315-B795-4593-98EB-ECABC18E5D15}"/>
-              </a:ext>
-            </a:extLst>
-          </cdr:cNvPr>
-          <cdr:cNvCxnSpPr/>
-        </cdr:nvCxnSpPr>
-        <cdr:spPr>
-          <a:xfrm xmlns:a="http://schemas.openxmlformats.org/drawingml/2006/main" flipH="1" flipV="1">
-            <a:off x="-2390432" y="-256808"/>
-            <a:ext cx="151" cy="1567518"/>
-          </a:xfrm>
-          <a:prstGeom xmlns:a="http://schemas.openxmlformats.org/drawingml/2006/main" prst="line">
-            <a:avLst/>
-          </a:prstGeom>
-          <a:ln xmlns:a="http://schemas.openxmlformats.org/drawingml/2006/main" w="19050">
-            <a:solidFill>
-              <a:schemeClr val="tx1"/>
-            </a:solidFill>
-          </a:ln>
-        </cdr:spPr>
-        <cdr:style>
-          <a:lnRef xmlns:a="http://schemas.openxmlformats.org/drawingml/2006/main" idx="1">
-            <a:schemeClr val="accent1"/>
-          </a:lnRef>
-          <a:fillRef xmlns:a="http://schemas.openxmlformats.org/drawingml/2006/main" idx="0">
-            <a:schemeClr val="accent1"/>
-          </a:fillRef>
-          <a:effectRef xmlns:a="http://schemas.openxmlformats.org/drawingml/2006/main" idx="0">
-            <a:schemeClr val="accent1"/>
-          </a:effectRef>
-          <a:fontRef xmlns:a="http://schemas.openxmlformats.org/drawingml/2006/main" idx="minor">
-            <a:schemeClr val="tx1"/>
-          </a:fontRef>
-        </cdr:style>
-      </cdr:cxnSp>
-      <cdr:cxnSp macro="">
-        <cdr:nvCxnSpPr>
-          <cdr:cNvPr id="52" name="Connecteur droit 51">
-            <a:extLst xmlns:a="http://schemas.openxmlformats.org/drawingml/2006/main">
-              <a:ext uri="{FF2B5EF4-FFF2-40B4-BE49-F238E27FC236}">
-                <a16:creationId xmlns:a16="http://schemas.microsoft.com/office/drawing/2014/main" id="{AD1ED628-B4A8-43E8-B907-D5B570DC4D8F}"/>
-              </a:ext>
-            </a:extLst>
-          </cdr:cNvPr>
-          <cdr:cNvCxnSpPr/>
-        </cdr:nvCxnSpPr>
-        <cdr:spPr>
-          <a:xfrm xmlns:a="http://schemas.openxmlformats.org/drawingml/2006/main">
-            <a:off x="-2879863" y="-256809"/>
-            <a:ext cx="489431" cy="0"/>
-          </a:xfrm>
-          <a:prstGeom xmlns:a="http://schemas.openxmlformats.org/drawingml/2006/main" prst="line">
-            <a:avLst/>
-          </a:prstGeom>
-          <a:ln xmlns:a="http://schemas.openxmlformats.org/drawingml/2006/main" w="19050">
-            <a:solidFill>
-              <a:schemeClr val="tx1"/>
-            </a:solidFill>
-          </a:ln>
-        </cdr:spPr>
-        <cdr:style>
-          <a:lnRef xmlns:a="http://schemas.openxmlformats.org/drawingml/2006/main" idx="1">
-            <a:schemeClr val="accent1"/>
-          </a:lnRef>
-          <a:fillRef xmlns:a="http://schemas.openxmlformats.org/drawingml/2006/main" idx="0">
-            <a:schemeClr val="accent1"/>
-          </a:fillRef>
-          <a:effectRef xmlns:a="http://schemas.openxmlformats.org/drawingml/2006/main" idx="0">
-            <a:schemeClr val="accent1"/>
-          </a:effectRef>
-          <a:fontRef xmlns:a="http://schemas.openxmlformats.org/drawingml/2006/main" idx="minor">
-            <a:schemeClr val="tx1"/>
-          </a:fontRef>
-        </cdr:style>
-      </cdr:cxnSp>
-    </cdr:grpSp>
-  </cdr:relSizeAnchor>
-  <cdr:relSizeAnchor xmlns:cdr="http://schemas.openxmlformats.org/drawingml/2006/chartDrawing">
-    <cdr:from>
-      <cdr:x>0.7374</cdr:x>
-      <cdr:y>0.10213</cdr:y>
-    </cdr:from>
-    <cdr:to>
-      <cdr:x>0.86169</cdr:x>
-      <cdr:y>0.16108</cdr:y>
-    </cdr:to>
-    <cdr:sp macro="" textlink="">
-      <cdr:nvSpPr>
-        <cdr:cNvPr id="54" name="ZoneTexte 35"/>
-        <cdr:cNvSpPr txBox="1"/>
-      </cdr:nvSpPr>
-      <cdr:spPr>
-        <a:xfrm xmlns:a="http://schemas.openxmlformats.org/drawingml/2006/main">
-          <a:off x="5993588" y="586572"/>
-          <a:ext cx="1010213" cy="338554"/>
-        </a:xfrm>
-        <a:prstGeom xmlns:a="http://schemas.openxmlformats.org/drawingml/2006/main" prst="rect">
-          <a:avLst/>
-        </a:prstGeom>
-        <a:noFill xmlns:a="http://schemas.openxmlformats.org/drawingml/2006/main"/>
-        <a:ln xmlns:a="http://schemas.openxmlformats.org/drawingml/2006/main">
-          <a:noFill/>
-        </a:ln>
-      </cdr:spPr>
-      <cdr:txBody>
-        <a:bodyPr xmlns:a="http://schemas.openxmlformats.org/drawingml/2006/main" wrap="none" rtlCol="0">
-          <a:spAutoFit/>
-        </a:bodyPr>
-        <a:lstStyle xmlns:a="http://schemas.openxmlformats.org/drawingml/2006/main">
-          <a:defPPr>
-            <a:defRPr lang="fr-FR"/>
-          </a:defPPr>
-          <a:lvl1pPr marL="0" algn="l" defTabSz="914400" rtl="0" eaLnBrk="1" latinLnBrk="0" hangingPunct="1">
-            <a:defRPr sz="1800" kern="1200">
-              <a:solidFill>
-                <a:schemeClr val="tx1"/>
-              </a:solidFill>
-              <a:latin typeface="+mn-lt"/>
-              <a:ea typeface="+mn-ea"/>
-              <a:cs typeface="+mn-cs"/>
-            </a:defRPr>
-          </a:lvl1pPr>
-          <a:lvl2pPr marL="457200" algn="l" defTabSz="914400" rtl="0" eaLnBrk="1" latinLnBrk="0" hangingPunct="1">
-            <a:defRPr sz="1800" kern="1200">
-              <a:solidFill>
-                <a:schemeClr val="tx1"/>
-              </a:solidFill>
-              <a:latin typeface="+mn-lt"/>
-              <a:ea typeface="+mn-ea"/>
-              <a:cs typeface="+mn-cs"/>
-            </a:defRPr>
-          </a:lvl2pPr>
-          <a:lvl3pPr marL="914400" algn="l" defTabSz="914400" rtl="0" eaLnBrk="1" latinLnBrk="0" hangingPunct="1">
-            <a:defRPr sz="1800" kern="1200">
-              <a:solidFill>
-                <a:schemeClr val="tx1"/>
-              </a:solidFill>
-              <a:latin typeface="+mn-lt"/>
-              <a:ea typeface="+mn-ea"/>
-              <a:cs typeface="+mn-cs"/>
-            </a:defRPr>
-          </a:lvl3pPr>
-          <a:lvl4pPr marL="1371600" algn="l" defTabSz="914400" rtl="0" eaLnBrk="1" latinLnBrk="0" hangingPunct="1">
-            <a:defRPr sz="1800" kern="1200">
-              <a:solidFill>
-                <a:schemeClr val="tx1"/>
-              </a:solidFill>
-              <a:latin typeface="+mn-lt"/>
-              <a:ea typeface="+mn-ea"/>
-              <a:cs typeface="+mn-cs"/>
-            </a:defRPr>
-          </a:lvl4pPr>
-          <a:lvl5pPr marL="1828800" algn="l" defTabSz="914400" rtl="0" eaLnBrk="1" latinLnBrk="0" hangingPunct="1">
-            <a:defRPr sz="1800" kern="1200">
-              <a:solidFill>
-                <a:schemeClr val="tx1"/>
-              </a:solidFill>
-              <a:latin typeface="+mn-lt"/>
-              <a:ea typeface="+mn-ea"/>
-              <a:cs typeface="+mn-cs"/>
-            </a:defRPr>
-          </a:lvl5pPr>
-          <a:lvl6pPr marL="2286000" algn="l" defTabSz="914400" rtl="0" eaLnBrk="1" latinLnBrk="0" hangingPunct="1">
-            <a:defRPr sz="1800" kern="1200">
-              <a:solidFill>
-                <a:schemeClr val="tx1"/>
-              </a:solidFill>
-              <a:latin typeface="+mn-lt"/>
-              <a:ea typeface="+mn-ea"/>
-              <a:cs typeface="+mn-cs"/>
-            </a:defRPr>
-          </a:lvl6pPr>
-          <a:lvl7pPr marL="2743200" algn="l" defTabSz="914400" rtl="0" eaLnBrk="1" latinLnBrk="0" hangingPunct="1">
-            <a:defRPr sz="1800" kern="1200">
-              <a:solidFill>
-                <a:schemeClr val="tx1"/>
-              </a:solidFill>
-              <a:latin typeface="+mn-lt"/>
-              <a:ea typeface="+mn-ea"/>
-              <a:cs typeface="+mn-cs"/>
-            </a:defRPr>
-          </a:lvl7pPr>
-          <a:lvl8pPr marL="3200400" algn="l" defTabSz="914400" rtl="0" eaLnBrk="1" latinLnBrk="0" hangingPunct="1">
-            <a:defRPr sz="1800" kern="1200">
-              <a:solidFill>
-                <a:schemeClr val="tx1"/>
-              </a:solidFill>
-              <a:latin typeface="+mn-lt"/>
-              <a:ea typeface="+mn-ea"/>
-              <a:cs typeface="+mn-cs"/>
-            </a:defRPr>
-          </a:lvl8pPr>
-          <a:lvl9pPr marL="3657600" algn="l" defTabSz="914400" rtl="0" eaLnBrk="1" latinLnBrk="0" hangingPunct="1">
-            <a:defRPr sz="1800" kern="1200">
-              <a:solidFill>
-                <a:schemeClr val="tx1"/>
-              </a:solidFill>
-              <a:latin typeface="+mn-lt"/>
-              <a:ea typeface="+mn-ea"/>
-              <a:cs typeface="+mn-cs"/>
-            </a:defRPr>
-          </a:lvl9pPr>
-        </a:lstStyle>
-        <a:p xmlns:a="http://schemas.openxmlformats.org/drawingml/2006/main">
-          <a:r>
-            <a:rPr lang="fr-FR" sz="1600" b="1" dirty="0"/>
-            <a:t>P&lt;&lt; 0,001</a:t>
+            <a:rPr lang="fr-FR" sz="2000" b="1" dirty="0"/>
+            <a:t>*   r=0.4</a:t>
           </a:r>
         </a:p>
       </cdr:txBody>
@@ -6944,22 +5406,22 @@
   </cdr:relSizeAnchor>
   <cdr:relSizeAnchor xmlns:cdr="http://schemas.openxmlformats.org/drawingml/2006/chartDrawing">
     <cdr:from>
-      <cdr:x>0.52518</cdr:x>
-      <cdr:y>0.10786</cdr:y>
+      <cdr:x>0.51272</cdr:x>
+      <cdr:y>0</cdr:y>
     </cdr:from>
     <cdr:to>
-      <cdr:x>0.64257</cdr:x>
-      <cdr:y>0.16681</cdr:y>
+      <cdr:x>0.62654</cdr:x>
+      <cdr:y>0.06916</cdr:y>
     </cdr:to>
     <cdr:sp macro="" textlink="">
       <cdr:nvSpPr>
-        <cdr:cNvPr id="55" name="ZoneTexte 35"/>
+        <cdr:cNvPr id="20" name="ZoneTexte 35"/>
         <cdr:cNvSpPr txBox="1"/>
       </cdr:nvSpPr>
       <cdr:spPr>
         <a:xfrm xmlns:a="http://schemas.openxmlformats.org/drawingml/2006/main">
-          <a:off x="4268664" y="619482"/>
-          <a:ext cx="954107" cy="338554"/>
+          <a:off x="4139139" y="0"/>
+          <a:ext cx="918841" cy="400110"/>
         </a:xfrm>
         <a:prstGeom xmlns:a="http://schemas.openxmlformats.org/drawingml/2006/main" prst="rect">
           <a:avLst/>
@@ -7040,8 +5502,8 @@
         </a:lstStyle>
         <a:p xmlns:a="http://schemas.openxmlformats.org/drawingml/2006/main">
           <a:r>
-            <a:rPr lang="fr-FR" sz="1600" b="1" dirty="0"/>
-            <a:t>P = 0,002</a:t>
+            <a:rPr lang="fr-FR" sz="2000" b="1" dirty="0"/>
+            <a:t>* r=0.3</a:t>
           </a:r>
         </a:p>
       </cdr:txBody>
@@ -7049,22 +5511,22 @@
   </cdr:relSizeAnchor>
   <cdr:relSizeAnchor xmlns:cdr="http://schemas.openxmlformats.org/drawingml/2006/chartDrawing">
     <cdr:from>
-      <cdr:x>0.30992</cdr:x>
-      <cdr:y>0.11254</cdr:y>
+      <cdr:x>0.71335</cdr:x>
+      <cdr:y>0</cdr:y>
     </cdr:from>
     <cdr:to>
-      <cdr:x>0.43421</cdr:x>
-      <cdr:y>0.17149</cdr:y>
+      <cdr:x>0.84861</cdr:x>
+      <cdr:y>0.06916</cdr:y>
     </cdr:to>
     <cdr:sp macro="" textlink="">
       <cdr:nvSpPr>
-        <cdr:cNvPr id="56" name="ZoneTexte 35"/>
+        <cdr:cNvPr id="21" name="ZoneTexte 35"/>
         <cdr:cNvSpPr txBox="1"/>
       </cdr:nvSpPr>
       <cdr:spPr>
         <a:xfrm xmlns:a="http://schemas.openxmlformats.org/drawingml/2006/main">
-          <a:off x="2519030" y="646361"/>
-          <a:ext cx="1010213" cy="338554"/>
+          <a:off x="5758775" y="0"/>
+          <a:ext cx="1091966" cy="400110"/>
         </a:xfrm>
         <a:prstGeom xmlns:a="http://schemas.openxmlformats.org/drawingml/2006/main" prst="rect">
           <a:avLst/>
@@ -7145,8 +5607,8 @@
         </a:lstStyle>
         <a:p xmlns:a="http://schemas.openxmlformats.org/drawingml/2006/main">
           <a:r>
-            <a:rPr lang="fr-FR" sz="1600" b="1" dirty="0"/>
-            <a:t>P&lt;&lt; 0,001</a:t>
+            <a:rPr lang="fr-FR" sz="2000" b="1" dirty="0"/>
+            <a:t>*   r= 0.4</a:t>
           </a:r>
         </a:p>
       </cdr:txBody>
@@ -7154,129 +5616,19 @@
   </cdr:relSizeAnchor>
   <cdr:relSizeAnchor xmlns:cdr="http://schemas.openxmlformats.org/drawingml/2006/chartDrawing">
     <cdr:from>
-      <cdr:x>0.0939</cdr:x>
-      <cdr:y>0.11514</cdr:y>
-    </cdr:from>
-    <cdr:to>
-      <cdr:x>0.21819</cdr:x>
-      <cdr:y>0.17409</cdr:y>
-    </cdr:to>
-    <cdr:sp macro="" textlink="">
-      <cdr:nvSpPr>
-        <cdr:cNvPr id="57" name="ZoneTexte 35"/>
-        <cdr:cNvSpPr txBox="1"/>
-      </cdr:nvSpPr>
-      <cdr:spPr>
-        <a:xfrm xmlns:a="http://schemas.openxmlformats.org/drawingml/2006/main">
-          <a:off x="763219" y="661294"/>
-          <a:ext cx="1010213" cy="338554"/>
-        </a:xfrm>
-        <a:prstGeom xmlns:a="http://schemas.openxmlformats.org/drawingml/2006/main" prst="rect">
-          <a:avLst/>
-        </a:prstGeom>
-        <a:noFill xmlns:a="http://schemas.openxmlformats.org/drawingml/2006/main"/>
-        <a:ln xmlns:a="http://schemas.openxmlformats.org/drawingml/2006/main">
-          <a:noFill/>
-        </a:ln>
-      </cdr:spPr>
-      <cdr:txBody>
-        <a:bodyPr xmlns:a="http://schemas.openxmlformats.org/drawingml/2006/main" wrap="none" rtlCol="0">
-          <a:spAutoFit/>
-        </a:bodyPr>
-        <a:lstStyle xmlns:a="http://schemas.openxmlformats.org/drawingml/2006/main">
-          <a:lvl1pPr marL="0" indent="0">
-            <a:defRPr sz="1100">
-              <a:latin typeface="+mn-lt"/>
-              <a:ea typeface="+mn-ea"/>
-              <a:cs typeface="+mn-cs"/>
-            </a:defRPr>
-          </a:lvl1pPr>
-          <a:lvl2pPr marL="457200" indent="0">
-            <a:defRPr sz="1100">
-              <a:latin typeface="+mn-lt"/>
-              <a:ea typeface="+mn-ea"/>
-              <a:cs typeface="+mn-cs"/>
-            </a:defRPr>
-          </a:lvl2pPr>
-          <a:lvl3pPr marL="914400" indent="0">
-            <a:defRPr sz="1100">
-              <a:latin typeface="+mn-lt"/>
-              <a:ea typeface="+mn-ea"/>
-              <a:cs typeface="+mn-cs"/>
-            </a:defRPr>
-          </a:lvl3pPr>
-          <a:lvl4pPr marL="1371600" indent="0">
-            <a:defRPr sz="1100">
-              <a:latin typeface="+mn-lt"/>
-              <a:ea typeface="+mn-ea"/>
-              <a:cs typeface="+mn-cs"/>
-            </a:defRPr>
-          </a:lvl4pPr>
-          <a:lvl5pPr marL="1828800" indent="0">
-            <a:defRPr sz="1100">
-              <a:latin typeface="+mn-lt"/>
-              <a:ea typeface="+mn-ea"/>
-              <a:cs typeface="+mn-cs"/>
-            </a:defRPr>
-          </a:lvl5pPr>
-          <a:lvl6pPr marL="2286000" indent="0">
-            <a:defRPr sz="1100">
-              <a:latin typeface="+mn-lt"/>
-              <a:ea typeface="+mn-ea"/>
-              <a:cs typeface="+mn-cs"/>
-            </a:defRPr>
-          </a:lvl6pPr>
-          <a:lvl7pPr marL="2743200" indent="0">
-            <a:defRPr sz="1100">
-              <a:latin typeface="+mn-lt"/>
-              <a:ea typeface="+mn-ea"/>
-              <a:cs typeface="+mn-cs"/>
-            </a:defRPr>
-          </a:lvl7pPr>
-          <a:lvl8pPr marL="3200400" indent="0">
-            <a:defRPr sz="1100">
-              <a:latin typeface="+mn-lt"/>
-              <a:ea typeface="+mn-ea"/>
-              <a:cs typeface="+mn-cs"/>
-            </a:defRPr>
-          </a:lvl8pPr>
-          <a:lvl9pPr marL="3657600" indent="0">
-            <a:defRPr sz="1100">
-              <a:latin typeface="+mn-lt"/>
-              <a:ea typeface="+mn-ea"/>
-              <a:cs typeface="+mn-cs"/>
-            </a:defRPr>
-          </a:lvl9pPr>
-        </a:lstStyle>
-        <a:p xmlns:a="http://schemas.openxmlformats.org/drawingml/2006/main">
-          <a:r>
-            <a:rPr lang="fr-FR" sz="1600" b="1" dirty="0"/>
-            <a:t>P&lt;&lt; 0,001</a:t>
-          </a:r>
-        </a:p>
-      </cdr:txBody>
-    </cdr:sp>
-  </cdr:relSizeAnchor>
-</c:userShapes>
-</file>
-
-<file path=ppt/drawings/drawing3.xml><?xml version="1.0" encoding="utf-8"?>
-<c:userShapes xmlns:c="http://schemas.openxmlformats.org/drawingml/2006/chart">
-  <cdr:relSizeAnchor xmlns:cdr="http://schemas.openxmlformats.org/drawingml/2006/chartDrawing">
-    <cdr:from>
       <cdr:x>0.15285</cdr:x>
-      <cdr:y>0.20493</cdr:y>
+      <cdr:y>0.07453</cdr:y>
     </cdr:from>
     <cdr:to>
       <cdr:x>0.2221</cdr:x>
-      <cdr:y>0.4237</cdr:y>
+      <cdr:y>0.2933</cdr:y>
     </cdr:to>
     <cdr:grpSp>
       <cdr:nvGrpSpPr>
-        <cdr:cNvPr id="2" name="Groupe 1">
+        <cdr:cNvPr id="22" name="Groupe 21">
           <a:extLst xmlns:a="http://schemas.openxmlformats.org/drawingml/2006/main">
             <a:ext uri="{FF2B5EF4-FFF2-40B4-BE49-F238E27FC236}">
-              <a16:creationId xmlns:a16="http://schemas.microsoft.com/office/drawing/2014/main" id="{CCAD0C22-B332-4B1D-9DE8-23FFF8924C18}"/>
+              <a16:creationId xmlns:a16="http://schemas.microsoft.com/office/drawing/2014/main" id="{29A3DC7D-0E6C-4B64-B0AA-A06849BFE768}"/>
             </a:ext>
           </a:extLst>
         </cdr:cNvPr>
@@ -7284,18 +5636,18 @@
       </cdr:nvGrpSpPr>
       <cdr:grpSpPr>
         <a:xfrm xmlns:a="http://schemas.openxmlformats.org/drawingml/2006/main">
-          <a:off x="1166901" y="1185566"/>
-          <a:ext cx="528674" cy="1265633"/>
+          <a:off x="1233938" y="431173"/>
+          <a:ext cx="559046" cy="1265633"/>
           <a:chOff x="2646109" y="951728"/>
           <a:chExt cx="489582" cy="2092195"/>
         </a:xfrm>
       </cdr:grpSpPr>
       <cdr:cxnSp macro="">
         <cdr:nvCxnSpPr>
-          <cdr:cNvPr id="3" name="Connecteur droit 2">
+          <cdr:cNvPr id="23" name="Connecteur droit 22">
             <a:extLst xmlns:a="http://schemas.openxmlformats.org/drawingml/2006/main">
               <a:ext uri="{FF2B5EF4-FFF2-40B4-BE49-F238E27FC236}">
-                <a16:creationId xmlns:a16="http://schemas.microsoft.com/office/drawing/2014/main" id="{DC563482-C1B4-4EBE-B3B9-052681DFCCF4}"/>
+                <a16:creationId xmlns:a16="http://schemas.microsoft.com/office/drawing/2014/main" id="{218D30C5-B47C-4CF9-BDCA-876A20CE0F7F}"/>
               </a:ext>
             </a:extLst>
           </cdr:cNvPr>
@@ -7332,10 +5684,10 @@
       </cdr:cxnSp>
       <cdr:cxnSp macro="">
         <cdr:nvCxnSpPr>
-          <cdr:cNvPr id="4" name="Connecteur droit 3">
+          <cdr:cNvPr id="24" name="Connecteur droit 23">
             <a:extLst xmlns:a="http://schemas.openxmlformats.org/drawingml/2006/main">
               <a:ext uri="{FF2B5EF4-FFF2-40B4-BE49-F238E27FC236}">
-                <a16:creationId xmlns:a16="http://schemas.microsoft.com/office/drawing/2014/main" id="{9F89D68C-DC34-4D65-86F5-E54B24513FD4}"/>
+                <a16:creationId xmlns:a16="http://schemas.microsoft.com/office/drawing/2014/main" id="{9DE39A10-1EEF-41D8-BFF1-37660CFCB61D}"/>
               </a:ext>
             </a:extLst>
           </cdr:cNvPr>
@@ -7372,10 +5724,10 @@
       </cdr:cxnSp>
       <cdr:cxnSp macro="">
         <cdr:nvCxnSpPr>
-          <cdr:cNvPr id="5" name="Connecteur droit 4">
+          <cdr:cNvPr id="25" name="Connecteur droit 24">
             <a:extLst xmlns:a="http://schemas.openxmlformats.org/drawingml/2006/main">
               <a:ext uri="{FF2B5EF4-FFF2-40B4-BE49-F238E27FC236}">
-                <a16:creationId xmlns:a16="http://schemas.microsoft.com/office/drawing/2014/main" id="{BDD5A424-3AB2-42CA-9265-7A547219C7F5}"/>
+                <a16:creationId xmlns:a16="http://schemas.microsoft.com/office/drawing/2014/main" id="{F236E317-F2C5-4B3B-BE00-D2A7FC8C0182}"/>
               </a:ext>
             </a:extLst>
           </cdr:cNvPr>
@@ -7415,18 +5767,18 @@
   <cdr:relSizeAnchor xmlns:cdr="http://schemas.openxmlformats.org/drawingml/2006/chartDrawing">
     <cdr:from>
       <cdr:x>0.35326</cdr:x>
-      <cdr:y>0.21435</cdr:y>
+      <cdr:y>0.08395</cdr:y>
     </cdr:from>
     <cdr:to>
       <cdr:x>0.41739</cdr:x>
-      <cdr:y>0.37136</cdr:y>
+      <cdr:y>0.24096</cdr:y>
     </cdr:to>
     <cdr:grpSp>
       <cdr:nvGrpSpPr>
-        <cdr:cNvPr id="6" name="Groupe 5">
+        <cdr:cNvPr id="26" name="Groupe 25">
           <a:extLst xmlns:a="http://schemas.openxmlformats.org/drawingml/2006/main">
             <a:ext uri="{FF2B5EF4-FFF2-40B4-BE49-F238E27FC236}">
-              <a16:creationId xmlns:a16="http://schemas.microsoft.com/office/drawing/2014/main" id="{FAAABB26-099A-48DA-8C66-998AACD1FB3D}"/>
+              <a16:creationId xmlns:a16="http://schemas.microsoft.com/office/drawing/2014/main" id="{56C2774F-5983-45BD-BDAC-1D533F5D771A}"/>
             </a:ext>
           </a:extLst>
         </cdr:cNvPr>
@@ -7434,18 +5786,18 @@
       </cdr:nvGrpSpPr>
       <cdr:grpSpPr>
         <a:xfrm xmlns:a="http://schemas.openxmlformats.org/drawingml/2006/main">
-          <a:off x="2696888" y="1240063"/>
-          <a:ext cx="489587" cy="908337"/>
+          <a:off x="2851821" y="485669"/>
+          <a:ext cx="517713" cy="908338"/>
           <a:chOff x="4336768" y="565189"/>
           <a:chExt cx="489582" cy="3458598"/>
         </a:xfrm>
       </cdr:grpSpPr>
       <cdr:cxnSp macro="">
         <cdr:nvCxnSpPr>
-          <cdr:cNvPr id="7" name="Connecteur droit 6">
+          <cdr:cNvPr id="27" name="Connecteur droit 26">
             <a:extLst xmlns:a="http://schemas.openxmlformats.org/drawingml/2006/main">
               <a:ext uri="{FF2B5EF4-FFF2-40B4-BE49-F238E27FC236}">
-                <a16:creationId xmlns:a16="http://schemas.microsoft.com/office/drawing/2014/main" id="{A0A83A60-326E-4B42-8E98-A0C4A2302152}"/>
+                <a16:creationId xmlns:a16="http://schemas.microsoft.com/office/drawing/2014/main" id="{6AC10D31-D9F1-466D-9A83-E462E6E6DA64}"/>
               </a:ext>
             </a:extLst>
           </cdr:cNvPr>
@@ -7482,10 +5834,10 @@
       </cdr:cxnSp>
       <cdr:cxnSp macro="">
         <cdr:nvCxnSpPr>
-          <cdr:cNvPr id="8" name="Connecteur droit 7">
+          <cdr:cNvPr id="28" name="Connecteur droit 27">
             <a:extLst xmlns:a="http://schemas.openxmlformats.org/drawingml/2006/main">
               <a:ext uri="{FF2B5EF4-FFF2-40B4-BE49-F238E27FC236}">
-                <a16:creationId xmlns:a16="http://schemas.microsoft.com/office/drawing/2014/main" id="{BB8F38E4-AB36-49FC-ABE5-D0088C441F16}"/>
+                <a16:creationId xmlns:a16="http://schemas.microsoft.com/office/drawing/2014/main" id="{2423B31C-4685-4FE0-ABEC-E69447398FFC}"/>
               </a:ext>
             </a:extLst>
           </cdr:cNvPr>
@@ -7522,10 +5874,10 @@
       </cdr:cxnSp>
       <cdr:cxnSp macro="">
         <cdr:nvCxnSpPr>
-          <cdr:cNvPr id="9" name="Connecteur droit 8">
+          <cdr:cNvPr id="29" name="Connecteur droit 28">
             <a:extLst xmlns:a="http://schemas.openxmlformats.org/drawingml/2006/main">
               <a:ext uri="{FF2B5EF4-FFF2-40B4-BE49-F238E27FC236}">
-                <a16:creationId xmlns:a16="http://schemas.microsoft.com/office/drawing/2014/main" id="{83B334C2-3C25-4E69-B30C-8494FB4F189A}"/>
+                <a16:creationId xmlns:a16="http://schemas.microsoft.com/office/drawing/2014/main" id="{1D6726F9-BE34-4071-8A59-06B0DB0CD9FA}"/>
               </a:ext>
             </a:extLst>
           </cdr:cNvPr>
@@ -7565,18 +5917,18 @@
   <cdr:relSizeAnchor xmlns:cdr="http://schemas.openxmlformats.org/drawingml/2006/chartDrawing">
     <cdr:from>
       <cdr:x>0.5414</cdr:x>
-      <cdr:y>0.21435</cdr:y>
+      <cdr:y>0.08395</cdr:y>
     </cdr:from>
     <cdr:to>
       <cdr:x>0.60553</cdr:x>
-      <cdr:y>0.33996</cdr:y>
+      <cdr:y>0.20956</cdr:y>
     </cdr:to>
     <cdr:grpSp>
       <cdr:nvGrpSpPr>
-        <cdr:cNvPr id="10" name="Groupe 9">
+        <cdr:cNvPr id="30" name="Groupe 29">
           <a:extLst xmlns:a="http://schemas.openxmlformats.org/drawingml/2006/main">
             <a:ext uri="{FF2B5EF4-FFF2-40B4-BE49-F238E27FC236}">
-              <a16:creationId xmlns:a16="http://schemas.microsoft.com/office/drawing/2014/main" id="{6B209E9A-C41D-47ED-9206-AA86813F9877}"/>
+              <a16:creationId xmlns:a16="http://schemas.microsoft.com/office/drawing/2014/main" id="{B6BAA20A-4BBB-4ED0-A86E-86A56856F162}"/>
             </a:ext>
           </a:extLst>
         </cdr:cNvPr>
@@ -7584,18 +5936,18 @@
       </cdr:nvGrpSpPr>
       <cdr:grpSpPr>
         <a:xfrm xmlns:a="http://schemas.openxmlformats.org/drawingml/2006/main">
-          <a:off x="4133203" y="1240063"/>
-          <a:ext cx="489587" cy="726681"/>
+          <a:off x="4370650" y="485669"/>
+          <a:ext cx="517713" cy="726682"/>
           <a:chOff x="5976627" y="-2004420"/>
           <a:chExt cx="489582" cy="13168823"/>
         </a:xfrm>
       </cdr:grpSpPr>
       <cdr:cxnSp macro="">
         <cdr:nvCxnSpPr>
-          <cdr:cNvPr id="11" name="Connecteur droit 10">
+          <cdr:cNvPr id="31" name="Connecteur droit 30">
             <a:extLst xmlns:a="http://schemas.openxmlformats.org/drawingml/2006/main">
               <a:ext uri="{FF2B5EF4-FFF2-40B4-BE49-F238E27FC236}">
-                <a16:creationId xmlns:a16="http://schemas.microsoft.com/office/drawing/2014/main" id="{9A501593-78DF-45C2-A110-F2885CEB8D2C}"/>
+                <a16:creationId xmlns:a16="http://schemas.microsoft.com/office/drawing/2014/main" id="{80567AC1-E88D-4051-8CAF-87C85C939E27}"/>
               </a:ext>
             </a:extLst>
           </cdr:cNvPr>
@@ -7632,10 +5984,10 @@
       </cdr:cxnSp>
       <cdr:cxnSp macro="">
         <cdr:nvCxnSpPr>
-          <cdr:cNvPr id="12" name="Connecteur droit 11">
+          <cdr:cNvPr id="32" name="Connecteur droit 31">
             <a:extLst xmlns:a="http://schemas.openxmlformats.org/drawingml/2006/main">
               <a:ext uri="{FF2B5EF4-FFF2-40B4-BE49-F238E27FC236}">
-                <a16:creationId xmlns:a16="http://schemas.microsoft.com/office/drawing/2014/main" id="{20BE3542-D31A-429D-A1C4-05BFB5B35B02}"/>
+                <a16:creationId xmlns:a16="http://schemas.microsoft.com/office/drawing/2014/main" id="{60B5EFA8-75D9-4A45-AD12-2A8333033B32}"/>
               </a:ext>
             </a:extLst>
           </cdr:cNvPr>
@@ -7672,10 +6024,10 @@
       </cdr:cxnSp>
       <cdr:cxnSp macro="">
         <cdr:nvCxnSpPr>
-          <cdr:cNvPr id="13" name="Connecteur droit 12">
+          <cdr:cNvPr id="33" name="Connecteur droit 32">
             <a:extLst xmlns:a="http://schemas.openxmlformats.org/drawingml/2006/main">
               <a:ext uri="{FF2B5EF4-FFF2-40B4-BE49-F238E27FC236}">
-                <a16:creationId xmlns:a16="http://schemas.microsoft.com/office/drawing/2014/main" id="{2C4E8E3C-FE8A-4D6D-9CD0-53C1779503B1}"/>
+                <a16:creationId xmlns:a16="http://schemas.microsoft.com/office/drawing/2014/main" id="{C9BB5630-3780-48BB-BE06-9472A7EA0EE1}"/>
               </a:ext>
             </a:extLst>
           </cdr:cNvPr>
@@ -7715,18 +6067,18 @@
   <cdr:relSizeAnchor xmlns:cdr="http://schemas.openxmlformats.org/drawingml/2006/chartDrawing">
     <cdr:from>
       <cdr:x>0.73638</cdr:x>
-      <cdr:y>0.21644</cdr:y>
+      <cdr:y>0.08604</cdr:y>
     </cdr:from>
     <cdr:to>
       <cdr:x>0.8005</cdr:x>
-      <cdr:y>0.43102</cdr:y>
+      <cdr:y>0.30062</cdr:y>
     </cdr:to>
     <cdr:grpSp>
       <cdr:nvGrpSpPr>
-        <cdr:cNvPr id="14" name="Groupe 13">
+        <cdr:cNvPr id="34" name="Groupe 33">
           <a:extLst xmlns:a="http://schemas.openxmlformats.org/drawingml/2006/main">
             <a:ext uri="{FF2B5EF4-FFF2-40B4-BE49-F238E27FC236}">
-              <a16:creationId xmlns:a16="http://schemas.microsoft.com/office/drawing/2014/main" id="{61B7C023-F6BE-42FA-8A7A-95D98C380769}"/>
+              <a16:creationId xmlns:a16="http://schemas.microsoft.com/office/drawing/2014/main" id="{52D68C3C-56A5-4404-B9D0-49B19F9508A1}"/>
             </a:ext>
           </a:extLst>
         </cdr:cNvPr>
@@ -7734,18 +6086,18 @@
       </cdr:nvGrpSpPr>
       <cdr:grpSpPr>
         <a:xfrm xmlns:a="http://schemas.openxmlformats.org/drawingml/2006/main">
-          <a:off x="5621736" y="1252154"/>
-          <a:ext cx="489511" cy="1241393"/>
+          <a:off x="5944698" y="497761"/>
+          <a:ext cx="517632" cy="1241393"/>
           <a:chOff x="7820022" y="-60800547"/>
           <a:chExt cx="489582" cy="238644106"/>
         </a:xfrm>
       </cdr:grpSpPr>
       <cdr:cxnSp macro="">
         <cdr:nvCxnSpPr>
-          <cdr:cNvPr id="15" name="Connecteur droit 14">
+          <cdr:cNvPr id="35" name="Connecteur droit 34">
             <a:extLst xmlns:a="http://schemas.openxmlformats.org/drawingml/2006/main">
               <a:ext uri="{FF2B5EF4-FFF2-40B4-BE49-F238E27FC236}">
-                <a16:creationId xmlns:a16="http://schemas.microsoft.com/office/drawing/2014/main" id="{1241DF99-4BB8-4FE1-A04B-E7CD4457D147}"/>
+                <a16:creationId xmlns:a16="http://schemas.microsoft.com/office/drawing/2014/main" id="{B3177F14-0240-4393-84EA-85C01EF28A83}"/>
               </a:ext>
             </a:extLst>
           </cdr:cNvPr>
@@ -7782,10 +6134,10 @@
       </cdr:cxnSp>
       <cdr:cxnSp macro="">
         <cdr:nvCxnSpPr>
-          <cdr:cNvPr id="16" name="Connecteur droit 15">
+          <cdr:cNvPr id="36" name="Connecteur droit 35">
             <a:extLst xmlns:a="http://schemas.openxmlformats.org/drawingml/2006/main">
               <a:ext uri="{FF2B5EF4-FFF2-40B4-BE49-F238E27FC236}">
-                <a16:creationId xmlns:a16="http://schemas.microsoft.com/office/drawing/2014/main" id="{AAAC04FC-4E97-4AA4-B078-9690012BFAC3}"/>
+                <a16:creationId xmlns:a16="http://schemas.microsoft.com/office/drawing/2014/main" id="{895711BC-FD6E-4CAA-A068-1A28E87E285D}"/>
               </a:ext>
             </a:extLst>
           </cdr:cNvPr>
@@ -7822,10 +6174,10 @@
       </cdr:cxnSp>
       <cdr:cxnSp macro="">
         <cdr:nvCxnSpPr>
-          <cdr:cNvPr id="17" name="Connecteur droit 16">
+          <cdr:cNvPr id="37" name="Connecteur droit 36">
             <a:extLst xmlns:a="http://schemas.openxmlformats.org/drawingml/2006/main">
               <a:ext uri="{FF2B5EF4-FFF2-40B4-BE49-F238E27FC236}">
-                <a16:creationId xmlns:a16="http://schemas.microsoft.com/office/drawing/2014/main" id="{C8A7399E-98A0-4AA9-948A-7325199EB46C}"/>
+                <a16:creationId xmlns:a16="http://schemas.microsoft.com/office/drawing/2014/main" id="{603E6DEA-1877-475B-84FB-4939A41C6B82}"/>
               </a:ext>
             </a:extLst>
           </cdr:cNvPr>
@@ -7864,22 +6216,173 @@
   </cdr:relSizeAnchor>
   <cdr:relSizeAnchor xmlns:cdr="http://schemas.openxmlformats.org/drawingml/2006/chartDrawing">
     <cdr:from>
-      <cdr:x>0.12906</cdr:x>
-      <cdr:y>0.15557</cdr:y>
+      <cdr:x>0.8985</cdr:x>
+      <cdr:y>0.47449</cdr:y>
     </cdr:from>
     <cdr:to>
-      <cdr:x>0.24795</cdr:x>
-      <cdr:y>0.20878</cdr:y>
+      <cdr:x>1</cdr:x>
+      <cdr:y>0.59685</cdr:y>
     </cdr:to>
     <cdr:sp macro="" textlink="">
       <cdr:nvSpPr>
-        <cdr:cNvPr id="18" name="ZoneTexte 35"/>
+        <cdr:cNvPr id="38" name="ZoneTexte 1">
+          <a:extLst xmlns:a="http://schemas.openxmlformats.org/drawingml/2006/main">
+            <a:ext uri="{FF2B5EF4-FFF2-40B4-BE49-F238E27FC236}">
+              <a16:creationId xmlns:a16="http://schemas.microsoft.com/office/drawing/2014/main" id="{0E635076-6557-48A8-BF6D-6CE06464FF4A}"/>
+            </a:ext>
+          </a:extLst>
+        </cdr:cNvPr>
         <cdr:cNvSpPr txBox="1"/>
       </cdr:nvSpPr>
       <cdr:spPr>
         <a:xfrm xmlns:a="http://schemas.openxmlformats.org/drawingml/2006/main">
-          <a:off x="985290" y="900009"/>
-          <a:ext cx="907642" cy="307812"/>
+          <a:off x="7253433" y="2745034"/>
+          <a:ext cx="819434" cy="707886"/>
+        </a:xfrm>
+        <a:prstGeom xmlns:a="http://schemas.openxmlformats.org/drawingml/2006/main" prst="rect">
+          <a:avLst/>
+        </a:prstGeom>
+        <a:solidFill xmlns:a="http://schemas.openxmlformats.org/drawingml/2006/main">
+          <a:schemeClr val="bg1"/>
+        </a:solidFill>
+      </cdr:spPr>
+      <cdr:txBody>
+        <a:bodyPr xmlns:a="http://schemas.openxmlformats.org/drawingml/2006/main" wrap="square" rtlCol="0">
+          <a:spAutoFit/>
+        </a:bodyPr>
+        <a:lstStyle xmlns:a="http://schemas.openxmlformats.org/drawingml/2006/main">
+          <a:defPPr>
+            <a:defRPr lang="fr-FR"/>
+          </a:defPPr>
+          <a:lvl1pPr marL="0" algn="l" defTabSz="914400" rtl="0" eaLnBrk="1" latinLnBrk="0" hangingPunct="1">
+            <a:defRPr sz="1800" kern="1200">
+              <a:solidFill>
+                <a:schemeClr val="tx1"/>
+              </a:solidFill>
+              <a:latin typeface="+mn-lt"/>
+              <a:ea typeface="+mn-ea"/>
+              <a:cs typeface="+mn-cs"/>
+            </a:defRPr>
+          </a:lvl1pPr>
+          <a:lvl2pPr marL="457200" algn="l" defTabSz="914400" rtl="0" eaLnBrk="1" latinLnBrk="0" hangingPunct="1">
+            <a:defRPr sz="1800" kern="1200">
+              <a:solidFill>
+                <a:schemeClr val="tx1"/>
+              </a:solidFill>
+              <a:latin typeface="+mn-lt"/>
+              <a:ea typeface="+mn-ea"/>
+              <a:cs typeface="+mn-cs"/>
+            </a:defRPr>
+          </a:lvl2pPr>
+          <a:lvl3pPr marL="914400" algn="l" defTabSz="914400" rtl="0" eaLnBrk="1" latinLnBrk="0" hangingPunct="1">
+            <a:defRPr sz="1800" kern="1200">
+              <a:solidFill>
+                <a:schemeClr val="tx1"/>
+              </a:solidFill>
+              <a:latin typeface="+mn-lt"/>
+              <a:ea typeface="+mn-ea"/>
+              <a:cs typeface="+mn-cs"/>
+            </a:defRPr>
+          </a:lvl3pPr>
+          <a:lvl4pPr marL="1371600" algn="l" defTabSz="914400" rtl="0" eaLnBrk="1" latinLnBrk="0" hangingPunct="1">
+            <a:defRPr sz="1800" kern="1200">
+              <a:solidFill>
+                <a:schemeClr val="tx1"/>
+              </a:solidFill>
+              <a:latin typeface="+mn-lt"/>
+              <a:ea typeface="+mn-ea"/>
+              <a:cs typeface="+mn-cs"/>
+            </a:defRPr>
+          </a:lvl4pPr>
+          <a:lvl5pPr marL="1828800" algn="l" defTabSz="914400" rtl="0" eaLnBrk="1" latinLnBrk="0" hangingPunct="1">
+            <a:defRPr sz="1800" kern="1200">
+              <a:solidFill>
+                <a:schemeClr val="tx1"/>
+              </a:solidFill>
+              <a:latin typeface="+mn-lt"/>
+              <a:ea typeface="+mn-ea"/>
+              <a:cs typeface="+mn-cs"/>
+            </a:defRPr>
+          </a:lvl5pPr>
+          <a:lvl6pPr marL="2286000" algn="l" defTabSz="914400" rtl="0" eaLnBrk="1" latinLnBrk="0" hangingPunct="1">
+            <a:defRPr sz="1800" kern="1200">
+              <a:solidFill>
+                <a:schemeClr val="tx1"/>
+              </a:solidFill>
+              <a:latin typeface="+mn-lt"/>
+              <a:ea typeface="+mn-ea"/>
+              <a:cs typeface="+mn-cs"/>
+            </a:defRPr>
+          </a:lvl6pPr>
+          <a:lvl7pPr marL="2743200" algn="l" defTabSz="914400" rtl="0" eaLnBrk="1" latinLnBrk="0" hangingPunct="1">
+            <a:defRPr sz="1800" kern="1200">
+              <a:solidFill>
+                <a:schemeClr val="tx1"/>
+              </a:solidFill>
+              <a:latin typeface="+mn-lt"/>
+              <a:ea typeface="+mn-ea"/>
+              <a:cs typeface="+mn-cs"/>
+            </a:defRPr>
+          </a:lvl7pPr>
+          <a:lvl8pPr marL="3200400" algn="l" defTabSz="914400" rtl="0" eaLnBrk="1" latinLnBrk="0" hangingPunct="1">
+            <a:defRPr sz="1800" kern="1200">
+              <a:solidFill>
+                <a:schemeClr val="tx1"/>
+              </a:solidFill>
+              <a:latin typeface="+mn-lt"/>
+              <a:ea typeface="+mn-ea"/>
+              <a:cs typeface="+mn-cs"/>
+            </a:defRPr>
+          </a:lvl8pPr>
+          <a:lvl9pPr marL="3657600" algn="l" defTabSz="914400" rtl="0" eaLnBrk="1" latinLnBrk="0" hangingPunct="1">
+            <a:defRPr sz="1800" kern="1200">
+              <a:solidFill>
+                <a:schemeClr val="tx1"/>
+              </a:solidFill>
+              <a:latin typeface="+mn-lt"/>
+              <a:ea typeface="+mn-ea"/>
+              <a:cs typeface="+mn-cs"/>
+            </a:defRPr>
+          </a:lvl9pPr>
+        </a:lstStyle>
+        <a:p xmlns:a="http://schemas.openxmlformats.org/drawingml/2006/main">
+          <a:r>
+            <a:rPr lang="fr-FR" sz="2000" dirty="0"/>
+            <a:t>A</a:t>
+          </a:r>
+        </a:p>
+        <a:p xmlns:a="http://schemas.openxmlformats.org/drawingml/2006/main">
+          <a:r>
+            <a:rPr lang="fr-FR" sz="2000" dirty="0"/>
+            <a:t>B</a:t>
+          </a:r>
+        </a:p>
+      </cdr:txBody>
+    </cdr:sp>
+  </cdr:relSizeAnchor>
+</c:userShapes>
+</file>
+
+<file path=ppt/drawings/drawing3.xml><?xml version="1.0" encoding="utf-8"?>
+<c:userShapes xmlns:c="http://schemas.openxmlformats.org/drawingml/2006/chart">
+  <cdr:relSizeAnchor xmlns:cdr="http://schemas.openxmlformats.org/drawingml/2006/chartDrawing">
+    <cdr:from>
+      <cdr:x>0.10038</cdr:x>
+      <cdr:y>0</cdr:y>
+    </cdr:from>
+    <cdr:to>
+      <cdr:x>0.23087</cdr:x>
+      <cdr:y>0.05597</cdr:y>
+    </cdr:to>
+    <cdr:sp macro="" textlink="">
+      <cdr:nvSpPr>
+        <cdr:cNvPr id="2" name="ZoneTexte 35"/>
+        <cdr:cNvSpPr txBox="1"/>
+      </cdr:nvSpPr>
+      <cdr:spPr>
+        <a:xfrm xmlns:a="http://schemas.openxmlformats.org/drawingml/2006/main">
+          <a:off x="731414" y="0"/>
+          <a:ext cx="950901" cy="369332"/>
         </a:xfrm>
         <a:prstGeom xmlns:a="http://schemas.openxmlformats.org/drawingml/2006/main" prst="rect">
           <a:avLst/>
@@ -7960,32 +6463,32 @@
         </a:lstStyle>
         <a:p xmlns:a="http://schemas.openxmlformats.org/drawingml/2006/main">
           <a:r>
-            <a:rPr lang="fr-FR" sz="1400" dirty="0"/>
-            <a:t>P&lt;&lt; 0,001</a:t>
+            <a:rPr lang="fr-FR" sz="1800" b="1" dirty="0"/>
+            <a:t>*   r=0.5</a:t>
           </a:r>
-          <a:endParaRPr lang="fr-FR" dirty="0"/>
+          <a:endParaRPr lang="fr-FR" sz="1400" b="1" dirty="0"/>
         </a:p>
       </cdr:txBody>
     </cdr:sp>
   </cdr:relSizeAnchor>
   <cdr:relSizeAnchor xmlns:cdr="http://schemas.openxmlformats.org/drawingml/2006/chartDrawing">
     <cdr:from>
-      <cdr:x>0.32609</cdr:x>
-      <cdr:y>0.15702</cdr:y>
+      <cdr:x>0.31594</cdr:x>
+      <cdr:y>0</cdr:y>
     </cdr:from>
     <cdr:to>
-      <cdr:x>0.44498</cdr:x>
-      <cdr:y>0.21023</cdr:y>
+      <cdr:x>0.44644</cdr:x>
+      <cdr:y>0.05597</cdr:y>
     </cdr:to>
     <cdr:sp macro="" textlink="">
       <cdr:nvSpPr>
-        <cdr:cNvPr id="19" name="ZoneTexte 35"/>
+        <cdr:cNvPr id="3" name="ZoneTexte 35"/>
         <cdr:cNvSpPr txBox="1"/>
       </cdr:nvSpPr>
       <cdr:spPr>
         <a:xfrm xmlns:a="http://schemas.openxmlformats.org/drawingml/2006/main">
-          <a:off x="2489440" y="908418"/>
-          <a:ext cx="907642" cy="307812"/>
+          <a:off x="2302217" y="0"/>
+          <a:ext cx="950901" cy="369332"/>
         </a:xfrm>
         <a:prstGeom xmlns:a="http://schemas.openxmlformats.org/drawingml/2006/main" prst="rect">
           <a:avLst/>
@@ -8066,32 +6569,32 @@
         </a:lstStyle>
         <a:p xmlns:a="http://schemas.openxmlformats.org/drawingml/2006/main">
           <a:r>
-            <a:rPr lang="fr-FR" sz="1400" dirty="0"/>
-            <a:t>P&lt;&lt; 0,001</a:t>
+            <a:rPr lang="fr-FR" sz="1800" b="1" dirty="0"/>
+            <a:t>*   r=0.5</a:t>
           </a:r>
-          <a:endParaRPr lang="fr-FR" dirty="0"/>
+          <a:endParaRPr lang="fr-FR" b="1" dirty="0"/>
         </a:p>
       </cdr:txBody>
     </cdr:sp>
   </cdr:relSizeAnchor>
   <cdr:relSizeAnchor xmlns:cdr="http://schemas.openxmlformats.org/drawingml/2006/chartDrawing">
     <cdr:from>
-      <cdr:x>0.51359</cdr:x>
-      <cdr:y>0.15638</cdr:y>
+      <cdr:x>0.52075</cdr:x>
+      <cdr:y>0</cdr:y>
     </cdr:from>
     <cdr:to>
-      <cdr:x>0.62597</cdr:x>
-      <cdr:y>0.20958</cdr:y>
+      <cdr:x>0.65125</cdr:x>
+      <cdr:y>0.05597</cdr:y>
     </cdr:to>
     <cdr:sp macro="" textlink="">
       <cdr:nvSpPr>
-        <cdr:cNvPr id="20" name="ZoneTexte 35"/>
+        <cdr:cNvPr id="4" name="ZoneTexte 35"/>
         <cdr:cNvSpPr txBox="1"/>
       </cdr:nvSpPr>
       <cdr:spPr>
         <a:xfrm xmlns:a="http://schemas.openxmlformats.org/drawingml/2006/main">
-          <a:off x="3920924" y="904718"/>
-          <a:ext cx="857927" cy="307777"/>
+          <a:off x="3794602" y="0"/>
+          <a:ext cx="950901" cy="369332"/>
         </a:xfrm>
         <a:prstGeom xmlns:a="http://schemas.openxmlformats.org/drawingml/2006/main" prst="rect">
           <a:avLst/>
@@ -8172,32 +6675,32 @@
         </a:lstStyle>
         <a:p xmlns:a="http://schemas.openxmlformats.org/drawingml/2006/main">
           <a:r>
-            <a:rPr lang="fr-FR" sz="1400" dirty="0"/>
-            <a:t>P = 0,001</a:t>
+            <a:rPr lang="fr-FR" sz="1800" b="1" dirty="0"/>
+            <a:t>*   r=0.4</a:t>
           </a:r>
-          <a:endParaRPr lang="fr-FR" dirty="0"/>
+          <a:endParaRPr lang="fr-FR" b="1" dirty="0"/>
         </a:p>
       </cdr:txBody>
     </cdr:sp>
   </cdr:relSizeAnchor>
   <cdr:relSizeAnchor xmlns:cdr="http://schemas.openxmlformats.org/drawingml/2006/chartDrawing">
     <cdr:from>
-      <cdr:x>0.70983</cdr:x>
-      <cdr:y>0.15365</cdr:y>
+      <cdr:x>0.70758</cdr:x>
+      <cdr:y>0</cdr:y>
     </cdr:from>
     <cdr:to>
-      <cdr:x>0.82872</cdr:x>
-      <cdr:y>0.20686</cdr:y>
+      <cdr:x>0.84534</cdr:x>
+      <cdr:y>0.05597</cdr:y>
     </cdr:to>
     <cdr:sp macro="" textlink="">
       <cdr:nvSpPr>
-        <cdr:cNvPr id="21" name="ZoneTexte 35"/>
+        <cdr:cNvPr id="5" name="ZoneTexte 35"/>
         <cdr:cNvSpPr txBox="1"/>
       </cdr:nvSpPr>
       <cdr:spPr>
         <a:xfrm xmlns:a="http://schemas.openxmlformats.org/drawingml/2006/main">
-          <a:off x="5419020" y="888906"/>
-          <a:ext cx="907642" cy="307812"/>
+          <a:off x="5156015" y="0"/>
+          <a:ext cx="1003801" cy="369332"/>
         </a:xfrm>
         <a:prstGeom xmlns:a="http://schemas.openxmlformats.org/drawingml/2006/main" prst="rect">
           <a:avLst/>
@@ -8278,10 +6781,156 @@
         </a:lstStyle>
         <a:p xmlns:a="http://schemas.openxmlformats.org/drawingml/2006/main">
           <a:r>
-            <a:rPr lang="fr-FR" sz="1400" dirty="0"/>
-            <a:t>P&lt;&lt; 0,001</a:t>
+            <a:rPr lang="fr-FR" sz="1800" b="1" dirty="0"/>
+            <a:t>*   r= 0.6</a:t>
           </a:r>
-          <a:endParaRPr lang="fr-FR" dirty="0"/>
+          <a:endParaRPr lang="fr-FR" sz="1400" b="1" dirty="0"/>
+        </a:p>
+      </cdr:txBody>
+    </cdr:sp>
+  </cdr:relSizeAnchor>
+  <cdr:relSizeAnchor xmlns:cdr="http://schemas.openxmlformats.org/drawingml/2006/chartDrawing">
+    <cdr:from>
+      <cdr:x>0.89365</cdr:x>
+      <cdr:y>0.44636</cdr:y>
+    </cdr:from>
+    <cdr:to>
+      <cdr:x>1</cdr:x>
+      <cdr:y>0.55364</cdr:y>
+    </cdr:to>
+    <cdr:sp macro="" textlink="">
+      <cdr:nvSpPr>
+        <cdr:cNvPr id="6" name="ZoneTexte 1">
+          <a:extLst xmlns:a="http://schemas.openxmlformats.org/drawingml/2006/main">
+            <a:ext uri="{FF2B5EF4-FFF2-40B4-BE49-F238E27FC236}">
+              <a16:creationId xmlns:a16="http://schemas.microsoft.com/office/drawing/2014/main" id="{0E635076-6557-48A8-BF6D-6CE06464FF4A}"/>
+            </a:ext>
+          </a:extLst>
+        </cdr:cNvPr>
+        <cdr:cNvSpPr txBox="1"/>
+      </cdr:nvSpPr>
+      <cdr:spPr>
+        <a:xfrm xmlns:a="http://schemas.openxmlformats.org/drawingml/2006/main">
+          <a:off x="6913003" y="2945494"/>
+          <a:ext cx="822691" cy="707932"/>
+        </a:xfrm>
+        <a:prstGeom xmlns:a="http://schemas.openxmlformats.org/drawingml/2006/main" prst="rect">
+          <a:avLst/>
+        </a:prstGeom>
+        <a:solidFill xmlns:a="http://schemas.openxmlformats.org/drawingml/2006/main">
+          <a:schemeClr val="bg1"/>
+        </a:solidFill>
+      </cdr:spPr>
+      <cdr:txBody>
+        <a:bodyPr xmlns:a="http://schemas.openxmlformats.org/drawingml/2006/main" wrap="square" rtlCol="0">
+          <a:spAutoFit/>
+        </a:bodyPr>
+        <a:lstStyle xmlns:a="http://schemas.openxmlformats.org/drawingml/2006/main">
+          <a:defPPr>
+            <a:defRPr lang="fr-FR"/>
+          </a:defPPr>
+          <a:lvl1pPr marL="0" algn="l" defTabSz="914400" rtl="0" eaLnBrk="1" latinLnBrk="0" hangingPunct="1">
+            <a:defRPr sz="1800" kern="1200">
+              <a:solidFill>
+                <a:schemeClr val="tx1"/>
+              </a:solidFill>
+              <a:latin typeface="+mn-lt"/>
+              <a:ea typeface="+mn-ea"/>
+              <a:cs typeface="+mn-cs"/>
+            </a:defRPr>
+          </a:lvl1pPr>
+          <a:lvl2pPr marL="457200" algn="l" defTabSz="914400" rtl="0" eaLnBrk="1" latinLnBrk="0" hangingPunct="1">
+            <a:defRPr sz="1800" kern="1200">
+              <a:solidFill>
+                <a:schemeClr val="tx1"/>
+              </a:solidFill>
+              <a:latin typeface="+mn-lt"/>
+              <a:ea typeface="+mn-ea"/>
+              <a:cs typeface="+mn-cs"/>
+            </a:defRPr>
+          </a:lvl2pPr>
+          <a:lvl3pPr marL="914400" algn="l" defTabSz="914400" rtl="0" eaLnBrk="1" latinLnBrk="0" hangingPunct="1">
+            <a:defRPr sz="1800" kern="1200">
+              <a:solidFill>
+                <a:schemeClr val="tx1"/>
+              </a:solidFill>
+              <a:latin typeface="+mn-lt"/>
+              <a:ea typeface="+mn-ea"/>
+              <a:cs typeface="+mn-cs"/>
+            </a:defRPr>
+          </a:lvl3pPr>
+          <a:lvl4pPr marL="1371600" algn="l" defTabSz="914400" rtl="0" eaLnBrk="1" latinLnBrk="0" hangingPunct="1">
+            <a:defRPr sz="1800" kern="1200">
+              <a:solidFill>
+                <a:schemeClr val="tx1"/>
+              </a:solidFill>
+              <a:latin typeface="+mn-lt"/>
+              <a:ea typeface="+mn-ea"/>
+              <a:cs typeface="+mn-cs"/>
+            </a:defRPr>
+          </a:lvl4pPr>
+          <a:lvl5pPr marL="1828800" algn="l" defTabSz="914400" rtl="0" eaLnBrk="1" latinLnBrk="0" hangingPunct="1">
+            <a:defRPr sz="1800" kern="1200">
+              <a:solidFill>
+                <a:schemeClr val="tx1"/>
+              </a:solidFill>
+              <a:latin typeface="+mn-lt"/>
+              <a:ea typeface="+mn-ea"/>
+              <a:cs typeface="+mn-cs"/>
+            </a:defRPr>
+          </a:lvl5pPr>
+          <a:lvl6pPr marL="2286000" algn="l" defTabSz="914400" rtl="0" eaLnBrk="1" latinLnBrk="0" hangingPunct="1">
+            <a:defRPr sz="1800" kern="1200">
+              <a:solidFill>
+                <a:schemeClr val="tx1"/>
+              </a:solidFill>
+              <a:latin typeface="+mn-lt"/>
+              <a:ea typeface="+mn-ea"/>
+              <a:cs typeface="+mn-cs"/>
+            </a:defRPr>
+          </a:lvl6pPr>
+          <a:lvl7pPr marL="2743200" algn="l" defTabSz="914400" rtl="0" eaLnBrk="1" latinLnBrk="0" hangingPunct="1">
+            <a:defRPr sz="1800" kern="1200">
+              <a:solidFill>
+                <a:schemeClr val="tx1"/>
+              </a:solidFill>
+              <a:latin typeface="+mn-lt"/>
+              <a:ea typeface="+mn-ea"/>
+              <a:cs typeface="+mn-cs"/>
+            </a:defRPr>
+          </a:lvl7pPr>
+          <a:lvl8pPr marL="3200400" algn="l" defTabSz="914400" rtl="0" eaLnBrk="1" latinLnBrk="0" hangingPunct="1">
+            <a:defRPr sz="1800" kern="1200">
+              <a:solidFill>
+                <a:schemeClr val="tx1"/>
+              </a:solidFill>
+              <a:latin typeface="+mn-lt"/>
+              <a:ea typeface="+mn-ea"/>
+              <a:cs typeface="+mn-cs"/>
+            </a:defRPr>
+          </a:lvl8pPr>
+          <a:lvl9pPr marL="3657600" algn="l" defTabSz="914400" rtl="0" eaLnBrk="1" latinLnBrk="0" hangingPunct="1">
+            <a:defRPr sz="1800" kern="1200">
+              <a:solidFill>
+                <a:schemeClr val="tx1"/>
+              </a:solidFill>
+              <a:latin typeface="+mn-lt"/>
+              <a:ea typeface="+mn-ea"/>
+              <a:cs typeface="+mn-cs"/>
+            </a:defRPr>
+          </a:lvl9pPr>
+        </a:lstStyle>
+        <a:p xmlns:a="http://schemas.openxmlformats.org/drawingml/2006/main">
+          <a:r>
+            <a:rPr lang="fr-FR" sz="2000" dirty="0"/>
+            <a:t>A</a:t>
+          </a:r>
+        </a:p>
+        <a:p xmlns:a="http://schemas.openxmlformats.org/drawingml/2006/main">
+          <a:r>
+            <a:rPr lang="fr-FR" sz="2000" dirty="0"/>
+            <a:t>B</a:t>
+          </a:r>
         </a:p>
       </cdr:txBody>
     </cdr:sp>
@@ -8293,33 +6942,38 @@
 <c:userShapes xmlns:c="http://schemas.openxmlformats.org/drawingml/2006/chart">
   <cdr:relSizeAnchor xmlns:cdr="http://schemas.openxmlformats.org/drawingml/2006/chartDrawing">
     <cdr:from>
-      <cdr:x>0.08106</cdr:x>
-      <cdr:y>0.07773</cdr:y>
+      <cdr:x>0.86826</cdr:x>
+      <cdr:y>0.45564</cdr:y>
     </cdr:from>
     <cdr:to>
-      <cdr:x>0.20135</cdr:x>
-      <cdr:y>0.13684</cdr:y>
+      <cdr:x>0.95339</cdr:x>
+      <cdr:y>0.57189</cdr:y>
     </cdr:to>
     <cdr:sp macro="" textlink="">
       <cdr:nvSpPr>
-        <cdr:cNvPr id="2" name="ZoneTexte 35"/>
+        <cdr:cNvPr id="2" name="ZoneTexte 1">
+          <a:extLst xmlns:a="http://schemas.openxmlformats.org/drawingml/2006/main">
+            <a:ext uri="{FF2B5EF4-FFF2-40B4-BE49-F238E27FC236}">
+              <a16:creationId xmlns:a16="http://schemas.microsoft.com/office/drawing/2014/main" id="{11370FFC-C892-453C-8933-C27732D667DF}"/>
+            </a:ext>
+          </a:extLst>
+        </cdr:cNvPr>
         <cdr:cNvSpPr txBox="1"/>
       </cdr:nvSpPr>
       <cdr:spPr>
         <a:xfrm xmlns:a="http://schemas.openxmlformats.org/drawingml/2006/main">
-          <a:off x="611602" y="404830"/>
-          <a:ext cx="907642" cy="307812"/>
+          <a:off x="8233349" y="2774365"/>
+          <a:ext cx="807306" cy="707886"/>
         </a:xfrm>
         <a:prstGeom xmlns:a="http://schemas.openxmlformats.org/drawingml/2006/main" prst="rect">
           <a:avLst/>
         </a:prstGeom>
-        <a:noFill xmlns:a="http://schemas.openxmlformats.org/drawingml/2006/main"/>
-        <a:ln xmlns:a="http://schemas.openxmlformats.org/drawingml/2006/main">
-          <a:noFill/>
-        </a:ln>
+        <a:solidFill xmlns:a="http://schemas.openxmlformats.org/drawingml/2006/main">
+          <a:schemeClr val="bg1"/>
+        </a:solidFill>
       </cdr:spPr>
       <cdr:txBody>
-        <a:bodyPr xmlns:a="http://schemas.openxmlformats.org/drawingml/2006/main" wrap="none" rtlCol="0">
+        <a:bodyPr xmlns:a="http://schemas.openxmlformats.org/drawingml/2006/main" wrap="square" rtlCol="0">
           <a:spAutoFit/>
         </a:bodyPr>
         <a:lstStyle xmlns:a="http://schemas.openxmlformats.org/drawingml/2006/main">
@@ -8389,328 +7043,15 @@
         </a:lstStyle>
         <a:p xmlns:a="http://schemas.openxmlformats.org/drawingml/2006/main">
           <a:r>
-            <a:rPr lang="fr-FR" sz="1400" dirty="0"/>
-            <a:t>P&lt;&lt; 0,001</a:t>
+            <a:rPr lang="fr-FR" sz="2000" dirty="0"/>
+            <a:t>A</a:t>
           </a:r>
-          <a:endParaRPr lang="fr-FR" dirty="0"/>
         </a:p>
-      </cdr:txBody>
-    </cdr:sp>
-  </cdr:relSizeAnchor>
-  <cdr:relSizeAnchor xmlns:cdr="http://schemas.openxmlformats.org/drawingml/2006/chartDrawing">
-    <cdr:from>
-      <cdr:x>0.29769</cdr:x>
-      <cdr:y>0.07773</cdr:y>
-    </cdr:from>
-    <cdr:to>
-      <cdr:x>0.41798</cdr:x>
-      <cdr:y>0.13684</cdr:y>
-    </cdr:to>
-    <cdr:sp macro="" textlink="">
-      <cdr:nvSpPr>
-        <cdr:cNvPr id="3" name="ZoneTexte 35"/>
-        <cdr:cNvSpPr txBox="1"/>
-      </cdr:nvSpPr>
-      <cdr:spPr>
-        <a:xfrm xmlns:a="http://schemas.openxmlformats.org/drawingml/2006/main">
-          <a:off x="2246166" y="404830"/>
-          <a:ext cx="907642" cy="307812"/>
-        </a:xfrm>
-        <a:prstGeom xmlns:a="http://schemas.openxmlformats.org/drawingml/2006/main" prst="rect">
-          <a:avLst/>
-        </a:prstGeom>
-        <a:noFill xmlns:a="http://schemas.openxmlformats.org/drawingml/2006/main"/>
-        <a:ln xmlns:a="http://schemas.openxmlformats.org/drawingml/2006/main">
-          <a:noFill/>
-        </a:ln>
-      </cdr:spPr>
-      <cdr:txBody>
-        <a:bodyPr xmlns:a="http://schemas.openxmlformats.org/drawingml/2006/main" wrap="none" rtlCol="0">
-          <a:spAutoFit/>
-        </a:bodyPr>
-        <a:lstStyle xmlns:a="http://schemas.openxmlformats.org/drawingml/2006/main">
-          <a:lvl1pPr marL="0" indent="0">
-            <a:defRPr sz="1100">
-              <a:latin typeface="+mn-lt"/>
-              <a:ea typeface="+mn-ea"/>
-              <a:cs typeface="+mn-cs"/>
-            </a:defRPr>
-          </a:lvl1pPr>
-          <a:lvl2pPr marL="457200" indent="0">
-            <a:defRPr sz="1100">
-              <a:latin typeface="+mn-lt"/>
-              <a:ea typeface="+mn-ea"/>
-              <a:cs typeface="+mn-cs"/>
-            </a:defRPr>
-          </a:lvl2pPr>
-          <a:lvl3pPr marL="914400" indent="0">
-            <a:defRPr sz="1100">
-              <a:latin typeface="+mn-lt"/>
-              <a:ea typeface="+mn-ea"/>
-              <a:cs typeface="+mn-cs"/>
-            </a:defRPr>
-          </a:lvl3pPr>
-          <a:lvl4pPr marL="1371600" indent="0">
-            <a:defRPr sz="1100">
-              <a:latin typeface="+mn-lt"/>
-              <a:ea typeface="+mn-ea"/>
-              <a:cs typeface="+mn-cs"/>
-            </a:defRPr>
-          </a:lvl4pPr>
-          <a:lvl5pPr marL="1828800" indent="0">
-            <a:defRPr sz="1100">
-              <a:latin typeface="+mn-lt"/>
-              <a:ea typeface="+mn-ea"/>
-              <a:cs typeface="+mn-cs"/>
-            </a:defRPr>
-          </a:lvl5pPr>
-          <a:lvl6pPr marL="2286000" indent="0">
-            <a:defRPr sz="1100">
-              <a:latin typeface="+mn-lt"/>
-              <a:ea typeface="+mn-ea"/>
-              <a:cs typeface="+mn-cs"/>
-            </a:defRPr>
-          </a:lvl6pPr>
-          <a:lvl7pPr marL="2743200" indent="0">
-            <a:defRPr sz="1100">
-              <a:latin typeface="+mn-lt"/>
-              <a:ea typeface="+mn-ea"/>
-              <a:cs typeface="+mn-cs"/>
-            </a:defRPr>
-          </a:lvl7pPr>
-          <a:lvl8pPr marL="3200400" indent="0">
-            <a:defRPr sz="1100">
-              <a:latin typeface="+mn-lt"/>
-              <a:ea typeface="+mn-ea"/>
-              <a:cs typeface="+mn-cs"/>
-            </a:defRPr>
-          </a:lvl8pPr>
-          <a:lvl9pPr marL="3657600" indent="0">
-            <a:defRPr sz="1100">
-              <a:latin typeface="+mn-lt"/>
-              <a:ea typeface="+mn-ea"/>
-              <a:cs typeface="+mn-cs"/>
-            </a:defRPr>
-          </a:lvl9pPr>
-        </a:lstStyle>
         <a:p xmlns:a="http://schemas.openxmlformats.org/drawingml/2006/main">
           <a:r>
-            <a:rPr lang="fr-FR" sz="1400" dirty="0"/>
-            <a:t>P&lt;&lt; 0,001</a:t>
+            <a:rPr lang="fr-FR" sz="2000" dirty="0"/>
+            <a:t>B</a:t>
           </a:r>
-          <a:endParaRPr lang="fr-FR" dirty="0"/>
-        </a:p>
-      </cdr:txBody>
-    </cdr:sp>
-  </cdr:relSizeAnchor>
-  <cdr:relSizeAnchor xmlns:cdr="http://schemas.openxmlformats.org/drawingml/2006/chartDrawing">
-    <cdr:from>
-      <cdr:x>0.51434</cdr:x>
-      <cdr:y>0.07396</cdr:y>
-    </cdr:from>
-    <cdr:to>
-      <cdr:x>0.62805</cdr:x>
-      <cdr:y>0.13306</cdr:y>
-    </cdr:to>
-    <cdr:sp macro="" textlink="">
-      <cdr:nvSpPr>
-        <cdr:cNvPr id="4" name="ZoneTexte 35"/>
-        <cdr:cNvSpPr txBox="1"/>
-      </cdr:nvSpPr>
-      <cdr:spPr>
-        <a:xfrm xmlns:a="http://schemas.openxmlformats.org/drawingml/2006/main">
-          <a:off x="3880881" y="385187"/>
-          <a:ext cx="857927" cy="307777"/>
-        </a:xfrm>
-        <a:prstGeom xmlns:a="http://schemas.openxmlformats.org/drawingml/2006/main" prst="rect">
-          <a:avLst/>
-        </a:prstGeom>
-        <a:noFill xmlns:a="http://schemas.openxmlformats.org/drawingml/2006/main"/>
-        <a:ln xmlns:a="http://schemas.openxmlformats.org/drawingml/2006/main">
-          <a:noFill/>
-        </a:ln>
-      </cdr:spPr>
-      <cdr:txBody>
-        <a:bodyPr xmlns:a="http://schemas.openxmlformats.org/drawingml/2006/main" wrap="none" rtlCol="0">
-          <a:spAutoFit/>
-        </a:bodyPr>
-        <a:lstStyle xmlns:a="http://schemas.openxmlformats.org/drawingml/2006/main">
-          <a:lvl1pPr marL="0" indent="0">
-            <a:defRPr sz="1100">
-              <a:latin typeface="+mn-lt"/>
-              <a:ea typeface="+mn-ea"/>
-              <a:cs typeface="+mn-cs"/>
-            </a:defRPr>
-          </a:lvl1pPr>
-          <a:lvl2pPr marL="457200" indent="0">
-            <a:defRPr sz="1100">
-              <a:latin typeface="+mn-lt"/>
-              <a:ea typeface="+mn-ea"/>
-              <a:cs typeface="+mn-cs"/>
-            </a:defRPr>
-          </a:lvl2pPr>
-          <a:lvl3pPr marL="914400" indent="0">
-            <a:defRPr sz="1100">
-              <a:latin typeface="+mn-lt"/>
-              <a:ea typeface="+mn-ea"/>
-              <a:cs typeface="+mn-cs"/>
-            </a:defRPr>
-          </a:lvl3pPr>
-          <a:lvl4pPr marL="1371600" indent="0">
-            <a:defRPr sz="1100">
-              <a:latin typeface="+mn-lt"/>
-              <a:ea typeface="+mn-ea"/>
-              <a:cs typeface="+mn-cs"/>
-            </a:defRPr>
-          </a:lvl4pPr>
-          <a:lvl5pPr marL="1828800" indent="0">
-            <a:defRPr sz="1100">
-              <a:latin typeface="+mn-lt"/>
-              <a:ea typeface="+mn-ea"/>
-              <a:cs typeface="+mn-cs"/>
-            </a:defRPr>
-          </a:lvl5pPr>
-          <a:lvl6pPr marL="2286000" indent="0">
-            <a:defRPr sz="1100">
-              <a:latin typeface="+mn-lt"/>
-              <a:ea typeface="+mn-ea"/>
-              <a:cs typeface="+mn-cs"/>
-            </a:defRPr>
-          </a:lvl6pPr>
-          <a:lvl7pPr marL="2743200" indent="0">
-            <a:defRPr sz="1100">
-              <a:latin typeface="+mn-lt"/>
-              <a:ea typeface="+mn-ea"/>
-              <a:cs typeface="+mn-cs"/>
-            </a:defRPr>
-          </a:lvl7pPr>
-          <a:lvl8pPr marL="3200400" indent="0">
-            <a:defRPr sz="1100">
-              <a:latin typeface="+mn-lt"/>
-              <a:ea typeface="+mn-ea"/>
-              <a:cs typeface="+mn-cs"/>
-            </a:defRPr>
-          </a:lvl8pPr>
-          <a:lvl9pPr marL="3657600" indent="0">
-            <a:defRPr sz="1100">
-              <a:latin typeface="+mn-lt"/>
-              <a:ea typeface="+mn-ea"/>
-              <a:cs typeface="+mn-cs"/>
-            </a:defRPr>
-          </a:lvl9pPr>
-        </a:lstStyle>
-        <a:p xmlns:a="http://schemas.openxmlformats.org/drawingml/2006/main">
-          <a:r>
-            <a:rPr lang="fr-FR" sz="1400" dirty="0"/>
-            <a:t>P &lt; 0,001</a:t>
-          </a:r>
-          <a:endParaRPr lang="fr-FR" dirty="0"/>
-        </a:p>
-      </cdr:txBody>
-    </cdr:sp>
-  </cdr:relSizeAnchor>
-  <cdr:relSizeAnchor xmlns:cdr="http://schemas.openxmlformats.org/drawingml/2006/chartDrawing">
-    <cdr:from>
-      <cdr:x>0.73096</cdr:x>
-      <cdr:y>0.07708</cdr:y>
-    </cdr:from>
-    <cdr:to>
-      <cdr:x>0.85125</cdr:x>
-      <cdr:y>0.13618</cdr:y>
-    </cdr:to>
-    <cdr:sp macro="" textlink="">
-      <cdr:nvSpPr>
-        <cdr:cNvPr id="5" name="ZoneTexte 35"/>
-        <cdr:cNvSpPr txBox="1"/>
-      </cdr:nvSpPr>
-      <cdr:spPr>
-        <a:xfrm xmlns:a="http://schemas.openxmlformats.org/drawingml/2006/main">
-          <a:off x="5515294" y="401402"/>
-          <a:ext cx="907642" cy="307812"/>
-        </a:xfrm>
-        <a:prstGeom xmlns:a="http://schemas.openxmlformats.org/drawingml/2006/main" prst="rect">
-          <a:avLst/>
-        </a:prstGeom>
-        <a:noFill xmlns:a="http://schemas.openxmlformats.org/drawingml/2006/main"/>
-        <a:ln xmlns:a="http://schemas.openxmlformats.org/drawingml/2006/main">
-          <a:noFill/>
-        </a:ln>
-      </cdr:spPr>
-      <cdr:txBody>
-        <a:bodyPr xmlns:a="http://schemas.openxmlformats.org/drawingml/2006/main" wrap="none" rtlCol="0">
-          <a:spAutoFit/>
-        </a:bodyPr>
-        <a:lstStyle xmlns:a="http://schemas.openxmlformats.org/drawingml/2006/main">
-          <a:lvl1pPr marL="0" indent="0">
-            <a:defRPr sz="1100">
-              <a:latin typeface="+mn-lt"/>
-              <a:ea typeface="+mn-ea"/>
-              <a:cs typeface="+mn-cs"/>
-            </a:defRPr>
-          </a:lvl1pPr>
-          <a:lvl2pPr marL="457200" indent="0">
-            <a:defRPr sz="1100">
-              <a:latin typeface="+mn-lt"/>
-              <a:ea typeface="+mn-ea"/>
-              <a:cs typeface="+mn-cs"/>
-            </a:defRPr>
-          </a:lvl2pPr>
-          <a:lvl3pPr marL="914400" indent="0">
-            <a:defRPr sz="1100">
-              <a:latin typeface="+mn-lt"/>
-              <a:ea typeface="+mn-ea"/>
-              <a:cs typeface="+mn-cs"/>
-            </a:defRPr>
-          </a:lvl3pPr>
-          <a:lvl4pPr marL="1371600" indent="0">
-            <a:defRPr sz="1100">
-              <a:latin typeface="+mn-lt"/>
-              <a:ea typeface="+mn-ea"/>
-              <a:cs typeface="+mn-cs"/>
-            </a:defRPr>
-          </a:lvl4pPr>
-          <a:lvl5pPr marL="1828800" indent="0">
-            <a:defRPr sz="1100">
-              <a:latin typeface="+mn-lt"/>
-              <a:ea typeface="+mn-ea"/>
-              <a:cs typeface="+mn-cs"/>
-            </a:defRPr>
-          </a:lvl5pPr>
-          <a:lvl6pPr marL="2286000" indent="0">
-            <a:defRPr sz="1100">
-              <a:latin typeface="+mn-lt"/>
-              <a:ea typeface="+mn-ea"/>
-              <a:cs typeface="+mn-cs"/>
-            </a:defRPr>
-          </a:lvl6pPr>
-          <a:lvl7pPr marL="2743200" indent="0">
-            <a:defRPr sz="1100">
-              <a:latin typeface="+mn-lt"/>
-              <a:ea typeface="+mn-ea"/>
-              <a:cs typeface="+mn-cs"/>
-            </a:defRPr>
-          </a:lvl7pPr>
-          <a:lvl8pPr marL="3200400" indent="0">
-            <a:defRPr sz="1100">
-              <a:latin typeface="+mn-lt"/>
-              <a:ea typeface="+mn-ea"/>
-              <a:cs typeface="+mn-cs"/>
-            </a:defRPr>
-          </a:lvl8pPr>
-          <a:lvl9pPr marL="3657600" indent="0">
-            <a:defRPr sz="1100">
-              <a:latin typeface="+mn-lt"/>
-              <a:ea typeface="+mn-ea"/>
-              <a:cs typeface="+mn-cs"/>
-            </a:defRPr>
-          </a:lvl9pPr>
-        </a:lstStyle>
-        <a:p xmlns:a="http://schemas.openxmlformats.org/drawingml/2006/main">
-          <a:r>
-            <a:rPr lang="fr-FR" sz="1400" dirty="0"/>
-            <a:t>P&lt;&lt; 0,001</a:t>
-          </a:r>
-          <a:endParaRPr lang="fr-FR" dirty="0"/>
         </a:p>
       </cdr:txBody>
     </cdr:sp>
@@ -8847,7 +7188,7 @@
           <a:p>
             <a:fld id="{48FBB81F-AC1C-42D8-B504-E1BDDC3AB447}" type="datetimeFigureOut">
               <a:rPr lang="fr-FR" smtClean="0"/>
-              <a:t>28/06/2017</a:t>
+              <a:t>25/08/2017</a:t>
             </a:fld>
             <a:endParaRPr lang="fr-FR"/>
           </a:p>
@@ -9015,7 +7356,7 @@
           <a:p>
             <a:fld id="{48FBB81F-AC1C-42D8-B504-E1BDDC3AB447}" type="datetimeFigureOut">
               <a:rPr lang="fr-FR" smtClean="0"/>
-              <a:t>28/06/2017</a:t>
+              <a:t>25/08/2017</a:t>
             </a:fld>
             <a:endParaRPr lang="fr-FR"/>
           </a:p>
@@ -9193,7 +7534,7 @@
           <a:p>
             <a:fld id="{48FBB81F-AC1C-42D8-B504-E1BDDC3AB447}" type="datetimeFigureOut">
               <a:rPr lang="fr-FR" smtClean="0"/>
-              <a:t>28/06/2017</a:t>
+              <a:t>25/08/2017</a:t>
             </a:fld>
             <a:endParaRPr lang="fr-FR"/>
           </a:p>
@@ -9361,7 +7702,7 @@
           <a:p>
             <a:fld id="{48FBB81F-AC1C-42D8-B504-E1BDDC3AB447}" type="datetimeFigureOut">
               <a:rPr lang="fr-FR" smtClean="0"/>
-              <a:t>28/06/2017</a:t>
+              <a:t>25/08/2017</a:t>
             </a:fld>
             <a:endParaRPr lang="fr-FR"/>
           </a:p>
@@ -9606,7 +7947,7 @@
           <a:p>
             <a:fld id="{48FBB81F-AC1C-42D8-B504-E1BDDC3AB447}" type="datetimeFigureOut">
               <a:rPr lang="fr-FR" smtClean="0"/>
-              <a:t>28/06/2017</a:t>
+              <a:t>25/08/2017</a:t>
             </a:fld>
             <a:endParaRPr lang="fr-FR"/>
           </a:p>
@@ -9835,7 +8176,7 @@
           <a:p>
             <a:fld id="{48FBB81F-AC1C-42D8-B504-E1BDDC3AB447}" type="datetimeFigureOut">
               <a:rPr lang="fr-FR" smtClean="0"/>
-              <a:t>28/06/2017</a:t>
+              <a:t>25/08/2017</a:t>
             </a:fld>
             <a:endParaRPr lang="fr-FR"/>
           </a:p>
@@ -10199,7 +8540,7 @@
           <a:p>
             <a:fld id="{48FBB81F-AC1C-42D8-B504-E1BDDC3AB447}" type="datetimeFigureOut">
               <a:rPr lang="fr-FR" smtClean="0"/>
-              <a:t>28/06/2017</a:t>
+              <a:t>25/08/2017</a:t>
             </a:fld>
             <a:endParaRPr lang="fr-FR"/>
           </a:p>
@@ -10316,7 +8657,7 @@
           <a:p>
             <a:fld id="{48FBB81F-AC1C-42D8-B504-E1BDDC3AB447}" type="datetimeFigureOut">
               <a:rPr lang="fr-FR" smtClean="0"/>
-              <a:t>28/06/2017</a:t>
+              <a:t>25/08/2017</a:t>
             </a:fld>
             <a:endParaRPr lang="fr-FR"/>
           </a:p>
@@ -10411,7 +8752,7 @@
           <a:p>
             <a:fld id="{48FBB81F-AC1C-42D8-B504-E1BDDC3AB447}" type="datetimeFigureOut">
               <a:rPr lang="fr-FR" smtClean="0"/>
-              <a:t>28/06/2017</a:t>
+              <a:t>25/08/2017</a:t>
             </a:fld>
             <a:endParaRPr lang="fr-FR"/>
           </a:p>
@@ -10686,7 +9027,7 @@
           <a:p>
             <a:fld id="{48FBB81F-AC1C-42D8-B504-E1BDDC3AB447}" type="datetimeFigureOut">
               <a:rPr lang="fr-FR" smtClean="0"/>
-              <a:t>28/06/2017</a:t>
+              <a:t>25/08/2017</a:t>
             </a:fld>
             <a:endParaRPr lang="fr-FR"/>
           </a:p>
@@ -10938,7 +9279,7 @@
           <a:p>
             <a:fld id="{48FBB81F-AC1C-42D8-B504-E1BDDC3AB447}" type="datetimeFigureOut">
               <a:rPr lang="fr-FR" smtClean="0"/>
-              <a:t>28/06/2017</a:t>
+              <a:t>25/08/2017</a:t>
             </a:fld>
             <a:endParaRPr lang="fr-FR"/>
           </a:p>
@@ -11149,7 +9490,7 @@
           <a:p>
             <a:fld id="{48FBB81F-AC1C-42D8-B504-E1BDDC3AB447}" type="datetimeFigureOut">
               <a:rPr lang="fr-FR" smtClean="0"/>
-              <a:t>28/06/2017</a:t>
+              <a:t>25/08/2017</a:t>
             </a:fld>
             <a:endParaRPr lang="fr-FR"/>
           </a:p>
@@ -11569,14 +9910,14 @@
           <p:nvPr>
             <p:extLst>
               <p:ext uri="{D42A27DB-BD31-4B8C-83A1-F6EECF244321}">
-                <p14:modId xmlns:p14="http://schemas.microsoft.com/office/powerpoint/2010/main" val="2564005505"/>
+                <p14:modId xmlns:p14="http://schemas.microsoft.com/office/powerpoint/2010/main" val="452807100"/>
               </p:ext>
             </p:extLst>
           </p:nvPr>
         </p:nvGraphicFramePr>
         <p:xfrm>
-          <a:off x="1237129" y="561787"/>
-          <a:ext cx="8128001" cy="5743389"/>
+          <a:off x="1724809" y="295275"/>
+          <a:ext cx="8128001" cy="6364605"/>
         </p:xfrm>
         <a:graphic>
           <a:graphicData uri="http://schemas.openxmlformats.org/drawingml/2006/chart">
@@ -11584,6 +9925,49 @@
           </a:graphicData>
         </a:graphic>
       </p:graphicFrame>
+      <p:sp>
+        <p:nvSpPr>
+          <p:cNvPr id="3" name="ZoneTexte 2">
+            <a:extLst>
+              <a:ext uri="{FF2B5EF4-FFF2-40B4-BE49-F238E27FC236}">
+                <a16:creationId xmlns:a16="http://schemas.microsoft.com/office/drawing/2014/main" id="{D64D611D-8644-447F-A3D8-7DD58ED59044}"/>
+              </a:ext>
+            </a:extLst>
+          </p:cNvPr>
+          <p:cNvSpPr txBox="1"/>
+          <p:nvPr/>
+        </p:nvSpPr>
+        <p:spPr>
+          <a:xfrm>
+            <a:off x="8991309" y="3062620"/>
+            <a:ext cx="760361" cy="707886"/>
+          </a:xfrm>
+          <a:prstGeom prst="rect">
+            <a:avLst/>
+          </a:prstGeom>
+          <a:solidFill>
+            <a:schemeClr val="bg1"/>
+          </a:solidFill>
+        </p:spPr>
+        <p:txBody>
+          <a:bodyPr wrap="square" rtlCol="0">
+            <a:spAutoFit/>
+          </a:bodyPr>
+          <a:lstStyle/>
+          <a:p>
+            <a:r>
+              <a:rPr lang="fr-FR" sz="2000" dirty="0"/>
+              <a:t>A</a:t>
+            </a:r>
+          </a:p>
+          <a:p>
+            <a:r>
+              <a:rPr lang="fr-FR" sz="2000" dirty="0"/>
+              <a:t>B</a:t>
+            </a:r>
+          </a:p>
+        </p:txBody>
+      </p:sp>
     </p:spTree>
     <p:extLst>
       <p:ext uri="{BB962C8B-B14F-4D97-AF65-F5344CB8AC3E}">
@@ -11616,66 +10000,6 @@
       </p:grpSpPr>
       <p:graphicFrame>
         <p:nvGraphicFramePr>
-          <p:cNvPr id="4" name="Graphique 3">
-            <a:extLst>
-              <a:ext uri="{FF2B5EF4-FFF2-40B4-BE49-F238E27FC236}">
-                <a16:creationId xmlns:a16="http://schemas.microsoft.com/office/drawing/2014/main" id="{8EE0CC00-0C23-4CEF-80B0-312B9179D26A}"/>
-              </a:ext>
-            </a:extLst>
-          </p:cNvPr>
-          <p:cNvGraphicFramePr>
-            <a:graphicFrameLocks/>
-          </p:cNvGraphicFramePr>
-          <p:nvPr>
-            <p:extLst>
-              <p:ext uri="{D42A27DB-BD31-4B8C-83A1-F6EECF244321}">
-                <p14:modId xmlns:p14="http://schemas.microsoft.com/office/powerpoint/2010/main" val="373734019"/>
-              </p:ext>
-            </p:extLst>
-          </p:nvPr>
-        </p:nvGraphicFramePr>
-        <p:xfrm>
-          <a:off x="1237129" y="993123"/>
-          <a:ext cx="8128001" cy="5583289"/>
-        </p:xfrm>
-        <a:graphic>
-          <a:graphicData uri="http://schemas.openxmlformats.org/drawingml/2006/chart">
-            <c:chart xmlns:c="http://schemas.openxmlformats.org/drawingml/2006/chart" xmlns:r="http://schemas.openxmlformats.org/officeDocument/2006/relationships" r:id="rId2"/>
-          </a:graphicData>
-        </a:graphic>
-      </p:graphicFrame>
-    </p:spTree>
-    <p:extLst>
-      <p:ext uri="{BB962C8B-B14F-4D97-AF65-F5344CB8AC3E}">
-        <p14:creationId xmlns:p14="http://schemas.microsoft.com/office/powerpoint/2010/main" val="3722105577"/>
-      </p:ext>
-    </p:extLst>
-  </p:cSld>
-  <p:clrMapOvr>
-    <a:masterClrMapping/>
-  </p:clrMapOvr>
-</p:sld>
-</file>
-
-<file path=ppt/slides/slide3.xml><?xml version="1.0" encoding="utf-8"?>
-<p:sld xmlns:a="http://schemas.openxmlformats.org/drawingml/2006/main" xmlns:r="http://schemas.openxmlformats.org/officeDocument/2006/relationships" xmlns:p="http://schemas.openxmlformats.org/presentationml/2006/main">
-  <p:cSld>
-    <p:spTree>
-      <p:nvGrpSpPr>
-        <p:cNvPr id="1" name=""/>
-        <p:cNvGrpSpPr/>
-        <p:nvPr/>
-      </p:nvGrpSpPr>
-      <p:grpSpPr>
-        <a:xfrm>
-          <a:off x="0" y="0"/>
-          <a:ext cx="0" cy="0"/>
-          <a:chOff x="0" y="0"/>
-          <a:chExt cx="0" cy="0"/>
-        </a:xfrm>
-      </p:grpSpPr>
-      <p:graphicFrame>
-        <p:nvGraphicFramePr>
           <p:cNvPr id="5" name="Graphique 4">
             <a:extLst>
               <a:ext uri="{FF2B5EF4-FFF2-40B4-BE49-F238E27FC236}">
@@ -11689,14 +10013,14 @@
           <p:nvPr>
             <p:extLst>
               <p:ext uri="{D42A27DB-BD31-4B8C-83A1-F6EECF244321}">
-                <p14:modId xmlns:p14="http://schemas.microsoft.com/office/powerpoint/2010/main" val="2013804471"/>
+                <p14:modId xmlns:p14="http://schemas.microsoft.com/office/powerpoint/2010/main" val="4060354487"/>
               </p:ext>
             </p:extLst>
           </p:nvPr>
         </p:nvGraphicFramePr>
         <p:xfrm>
-          <a:off x="2145553" y="812800"/>
-          <a:ext cx="7634287" cy="5785223"/>
+          <a:off x="2221753" y="325120"/>
+          <a:ext cx="8072867" cy="5785223"/>
         </p:xfrm>
         <a:graphic>
           <a:graphicData uri="http://schemas.openxmlformats.org/drawingml/2006/chart">
@@ -11717,7 +10041,7 @@
 </p:sld>
 </file>
 
-<file path=ppt/slides/slide4.xml><?xml version="1.0" encoding="utf-8"?>
+<file path=ppt/slides/slide3.xml><?xml version="1.0" encoding="utf-8"?>
 <p:sld xmlns:a="http://schemas.openxmlformats.org/drawingml/2006/main" xmlns:r="http://schemas.openxmlformats.org/officeDocument/2006/relationships" xmlns:p="http://schemas.openxmlformats.org/presentationml/2006/main">
   <p:cSld>
     <p:spTree>
@@ -11749,14 +10073,14 @@
           <p:nvPr>
             <p:extLst>
               <p:ext uri="{D42A27DB-BD31-4B8C-83A1-F6EECF244321}">
-                <p14:modId xmlns:p14="http://schemas.microsoft.com/office/powerpoint/2010/main" val="662522617"/>
+                <p14:modId xmlns:p14="http://schemas.microsoft.com/office/powerpoint/2010/main" val="3276546848"/>
               </p:ext>
             </p:extLst>
           </p:nvPr>
         </p:nvGraphicFramePr>
         <p:xfrm>
-          <a:off x="2367751" y="999177"/>
-          <a:ext cx="7545314" cy="5467364"/>
+          <a:off x="2421091" y="68580"/>
+          <a:ext cx="7735694" cy="6598920"/>
         </p:xfrm>
         <a:graphic>
           <a:graphicData uri="http://schemas.openxmlformats.org/drawingml/2006/chart">
@@ -11772,8 +10096,8 @@
         </p:nvGrpSpPr>
         <p:grpSpPr>
           <a:xfrm>
-            <a:off x="8092151" y="1711819"/>
-            <a:ext cx="489582" cy="1713141"/>
+            <a:off x="8269417" y="613422"/>
+            <a:ext cx="489582" cy="2091678"/>
             <a:chOff x="-2879863" y="-256809"/>
             <a:chExt cx="489582" cy="1567519"/>
           </a:xfrm>
@@ -11892,7 +10216,7 @@
         </p:nvGrpSpPr>
         <p:grpSpPr>
           <a:xfrm>
-            <a:off x="6457738" y="1711819"/>
+            <a:off x="6708211" y="538396"/>
             <a:ext cx="489582" cy="1345148"/>
             <a:chOff x="-2879863" y="-256809"/>
             <a:chExt cx="489582" cy="1567519"/>
@@ -12012,8 +10336,8 @@
         </p:nvGrpSpPr>
         <p:grpSpPr>
           <a:xfrm>
-            <a:off x="4823023" y="1711819"/>
-            <a:ext cx="489582" cy="965202"/>
+            <a:off x="5137715" y="371226"/>
+            <a:ext cx="489582" cy="1442334"/>
             <a:chOff x="-2879863" y="-256809"/>
             <a:chExt cx="489582" cy="1567519"/>
           </a:xfrm>
@@ -12132,8 +10456,8 @@
         </p:nvGrpSpPr>
         <p:grpSpPr>
           <a:xfrm>
-            <a:off x="3188459" y="1692176"/>
-            <a:ext cx="489582" cy="847823"/>
+            <a:off x="3531611" y="371226"/>
+            <a:ext cx="489582" cy="1251834"/>
             <a:chOff x="-2879863" y="-256809"/>
             <a:chExt cx="489582" cy="1567519"/>
           </a:xfrm>
@@ -12257,7 +10581,7 @@
 </p:sld>
 </file>
 
-<file path=ppt/slides/slide5.xml><?xml version="1.0" encoding="utf-8"?>
+<file path=ppt/slides/slide4.xml><?xml version="1.0" encoding="utf-8"?>
 <p:sld xmlns:a="http://schemas.openxmlformats.org/drawingml/2006/main" xmlns:r="http://schemas.openxmlformats.org/officeDocument/2006/relationships" xmlns:p="http://schemas.openxmlformats.org/presentationml/2006/main">
   <p:cSld>
     <p:spTree>
@@ -12289,14 +10613,14 @@
           <p:nvPr>
             <p:extLst>
               <p:ext uri="{D42A27DB-BD31-4B8C-83A1-F6EECF244321}">
-                <p14:modId xmlns:p14="http://schemas.microsoft.com/office/powerpoint/2010/main" val="880065560"/>
+                <p14:modId xmlns:p14="http://schemas.microsoft.com/office/powerpoint/2010/main" val="807367978"/>
               </p:ext>
             </p:extLst>
           </p:nvPr>
         </p:nvGraphicFramePr>
         <p:xfrm>
-          <a:off x="2175985" y="639484"/>
-          <a:ext cx="9102165" cy="5809128"/>
+          <a:off x="1970245" y="639484"/>
+          <a:ext cx="9482615" cy="6088976"/>
         </p:xfrm>
         <a:graphic>
           <a:graphicData uri="http://schemas.openxmlformats.org/drawingml/2006/chart">
@@ -12312,8 +10636,8 @@
         </p:nvGrpSpPr>
         <p:grpSpPr>
           <a:xfrm>
-            <a:off x="8788134" y="1455267"/>
-            <a:ext cx="448225" cy="1222192"/>
+            <a:off x="8815461" y="1413731"/>
+            <a:ext cx="448225" cy="1740369"/>
             <a:chOff x="-2879863" y="-256809"/>
             <a:chExt cx="489582" cy="1567519"/>
           </a:xfrm>
@@ -12432,7 +10756,7 @@
         </p:nvGrpSpPr>
         <p:grpSpPr>
           <a:xfrm>
-            <a:off x="6911952" y="1458259"/>
+            <a:off x="7168789" y="1332156"/>
             <a:ext cx="410751" cy="1004047"/>
             <a:chOff x="-2879863" y="-256809"/>
             <a:chExt cx="489582" cy="1567519"/>
@@ -12672,7 +10996,7 @@
         </p:nvGrpSpPr>
         <p:grpSpPr>
           <a:xfrm>
-            <a:off x="3626981" y="1455267"/>
+            <a:off x="3752065" y="1286164"/>
             <a:ext cx="448225" cy="1371604"/>
             <a:chOff x="-2879863" y="-256809"/>
             <a:chExt cx="489582" cy="1567519"/>
@@ -12792,8 +11116,106 @@
         </p:nvSpPr>
         <p:spPr>
           <a:xfrm>
-            <a:off x="3397203" y="1075341"/>
-            <a:ext cx="907642" cy="307812"/>
+            <a:off x="3321613" y="778158"/>
+            <a:ext cx="1003800" cy="369332"/>
+          </a:xfrm>
+          <a:prstGeom prst="rect">
+            <a:avLst/>
+          </a:prstGeom>
+          <a:noFill/>
+          <a:ln>
+            <a:noFill/>
+          </a:ln>
+        </p:spPr>
+        <p:txBody>
+          <a:bodyPr wrap="none" rtlCol="0">
+            <a:spAutoFit/>
+          </a:bodyPr>
+          <a:lstStyle>
+            <a:lvl1pPr marL="0" indent="0">
+              <a:defRPr sz="1100">
+                <a:latin typeface="+mn-lt"/>
+                <a:ea typeface="+mn-ea"/>
+                <a:cs typeface="+mn-cs"/>
+              </a:defRPr>
+            </a:lvl1pPr>
+            <a:lvl2pPr marL="457200" indent="0">
+              <a:defRPr sz="1100">
+                <a:latin typeface="+mn-lt"/>
+                <a:ea typeface="+mn-ea"/>
+                <a:cs typeface="+mn-cs"/>
+              </a:defRPr>
+            </a:lvl2pPr>
+            <a:lvl3pPr marL="914400" indent="0">
+              <a:defRPr sz="1100">
+                <a:latin typeface="+mn-lt"/>
+                <a:ea typeface="+mn-ea"/>
+                <a:cs typeface="+mn-cs"/>
+              </a:defRPr>
+            </a:lvl3pPr>
+            <a:lvl4pPr marL="1371600" indent="0">
+              <a:defRPr sz="1100">
+                <a:latin typeface="+mn-lt"/>
+                <a:ea typeface="+mn-ea"/>
+                <a:cs typeface="+mn-cs"/>
+              </a:defRPr>
+            </a:lvl4pPr>
+            <a:lvl5pPr marL="1828800" indent="0">
+              <a:defRPr sz="1100">
+                <a:latin typeface="+mn-lt"/>
+                <a:ea typeface="+mn-ea"/>
+                <a:cs typeface="+mn-cs"/>
+              </a:defRPr>
+            </a:lvl5pPr>
+            <a:lvl6pPr marL="2286000" indent="0">
+              <a:defRPr sz="1100">
+                <a:latin typeface="+mn-lt"/>
+                <a:ea typeface="+mn-ea"/>
+                <a:cs typeface="+mn-cs"/>
+              </a:defRPr>
+            </a:lvl6pPr>
+            <a:lvl7pPr marL="2743200" indent="0">
+              <a:defRPr sz="1100">
+                <a:latin typeface="+mn-lt"/>
+                <a:ea typeface="+mn-ea"/>
+                <a:cs typeface="+mn-cs"/>
+              </a:defRPr>
+            </a:lvl7pPr>
+            <a:lvl8pPr marL="3200400" indent="0">
+              <a:defRPr sz="1100">
+                <a:latin typeface="+mn-lt"/>
+                <a:ea typeface="+mn-ea"/>
+                <a:cs typeface="+mn-cs"/>
+              </a:defRPr>
+            </a:lvl8pPr>
+            <a:lvl9pPr marL="3657600" indent="0">
+              <a:defRPr sz="1100">
+                <a:latin typeface="+mn-lt"/>
+                <a:ea typeface="+mn-ea"/>
+                <a:cs typeface="+mn-cs"/>
+              </a:defRPr>
+            </a:lvl9pPr>
+          </a:lstStyle>
+          <a:p>
+            <a:pPr algn="ctr"/>
+            <a:r>
+              <a:rPr lang="fr-FR" sz="1800" b="1" dirty="0"/>
+              <a:t>*   r= 0.5</a:t>
+            </a:r>
+            <a:endParaRPr lang="fr-FR" sz="1400" b="1" dirty="0"/>
+          </a:p>
+        </p:txBody>
+      </p:sp>
+      <p:sp>
+        <p:nvSpPr>
+          <p:cNvPr id="23" name="ZoneTexte 35"/>
+          <p:cNvSpPr txBox="1"/>
+          <p:nvPr/>
+        </p:nvSpPr>
+        <p:spPr>
+          <a:xfrm>
+            <a:off x="6472022" y="778158"/>
+            <a:ext cx="1701107" cy="369332"/>
           </a:xfrm>
           <a:prstGeom prst="rect">
             <a:avLst/>
@@ -12874,23 +11296,23 @@
           </a:lstStyle>
           <a:p>
             <a:r>
-              <a:rPr lang="fr-FR" sz="1400" dirty="0"/>
-              <a:t>P&lt;&lt; 0,001</a:t>
+              <a:rPr lang="fr-FR" sz="1800" b="1" dirty="0"/>
+              <a:t>P= 0,003   r=0.3</a:t>
             </a:r>
-            <a:endParaRPr lang="fr-FR" dirty="0"/>
+            <a:endParaRPr lang="fr-FR" sz="1400" b="1" dirty="0"/>
           </a:p>
         </p:txBody>
       </p:sp>
       <p:sp>
         <p:nvSpPr>
-          <p:cNvPr id="22" name="ZoneTexte 35"/>
+          <p:cNvPr id="24" name="ZoneTexte 35"/>
           <p:cNvSpPr txBox="1"/>
           <p:nvPr/>
         </p:nvSpPr>
         <p:spPr>
           <a:xfrm>
-            <a:off x="5152627" y="1075341"/>
-            <a:ext cx="907642" cy="307812"/>
+            <a:off x="8513429" y="779509"/>
+            <a:ext cx="1003801" cy="369332"/>
           </a:xfrm>
           <a:prstGeom prst="rect">
             <a:avLst/>
@@ -12971,23 +11393,29 @@
           </a:lstStyle>
           <a:p>
             <a:r>
-              <a:rPr lang="fr-FR" sz="1400" dirty="0"/>
-              <a:t>P&lt;&lt; 0,001</a:t>
+              <a:rPr lang="fr-FR" sz="1800" b="1" dirty="0"/>
+              <a:t>*   r= 0.6</a:t>
             </a:r>
-            <a:endParaRPr lang="fr-FR" dirty="0"/>
+            <a:endParaRPr lang="fr-FR" sz="1400" b="1" dirty="0"/>
           </a:p>
         </p:txBody>
       </p:sp>
       <p:sp>
         <p:nvSpPr>
-          <p:cNvPr id="23" name="ZoneTexte 35"/>
+          <p:cNvPr id="26" name="ZoneTexte 35">
+            <a:extLst>
+              <a:ext uri="{FF2B5EF4-FFF2-40B4-BE49-F238E27FC236}">
+                <a16:creationId xmlns:a16="http://schemas.microsoft.com/office/drawing/2014/main" id="{7DD00CBA-5C99-4864-B816-576AE4995832}"/>
+              </a:ext>
+            </a:extLst>
+          </p:cNvPr>
           <p:cNvSpPr txBox="1"/>
           <p:nvPr/>
         </p:nvSpPr>
         <p:spPr>
           <a:xfrm>
-            <a:off x="6727068" y="1047831"/>
-            <a:ext cx="817853" cy="307777"/>
+            <a:off x="5081434" y="778158"/>
+            <a:ext cx="1003801" cy="369332"/>
           </a:xfrm>
           <a:prstGeom prst="rect">
             <a:avLst/>
@@ -13068,107 +11496,10 @@
           </a:lstStyle>
           <a:p>
             <a:r>
-              <a:rPr lang="fr-FR" sz="1400" dirty="0"/>
-              <a:t>P= 0,003</a:t>
+              <a:rPr lang="fr-FR" sz="1800" b="1" dirty="0"/>
+              <a:t>*   r= 0.4</a:t>
             </a:r>
-            <a:endParaRPr lang="fr-FR" dirty="0"/>
-          </a:p>
-        </p:txBody>
-      </p:sp>
-      <p:sp>
-        <p:nvSpPr>
-          <p:cNvPr id="24" name="ZoneTexte 35"/>
-          <p:cNvSpPr txBox="1"/>
-          <p:nvPr/>
-        </p:nvSpPr>
-        <p:spPr>
-          <a:xfrm>
-            <a:off x="8402107" y="1060844"/>
-            <a:ext cx="907642" cy="307812"/>
-          </a:xfrm>
-          <a:prstGeom prst="rect">
-            <a:avLst/>
-          </a:prstGeom>
-          <a:noFill/>
-          <a:ln>
-            <a:noFill/>
-          </a:ln>
-        </p:spPr>
-        <p:txBody>
-          <a:bodyPr wrap="none" rtlCol="0">
-            <a:spAutoFit/>
-          </a:bodyPr>
-          <a:lstStyle>
-            <a:lvl1pPr marL="0" indent="0">
-              <a:defRPr sz="1100">
-                <a:latin typeface="+mn-lt"/>
-                <a:ea typeface="+mn-ea"/>
-                <a:cs typeface="+mn-cs"/>
-              </a:defRPr>
-            </a:lvl1pPr>
-            <a:lvl2pPr marL="457200" indent="0">
-              <a:defRPr sz="1100">
-                <a:latin typeface="+mn-lt"/>
-                <a:ea typeface="+mn-ea"/>
-                <a:cs typeface="+mn-cs"/>
-              </a:defRPr>
-            </a:lvl2pPr>
-            <a:lvl3pPr marL="914400" indent="0">
-              <a:defRPr sz="1100">
-                <a:latin typeface="+mn-lt"/>
-                <a:ea typeface="+mn-ea"/>
-                <a:cs typeface="+mn-cs"/>
-              </a:defRPr>
-            </a:lvl3pPr>
-            <a:lvl4pPr marL="1371600" indent="0">
-              <a:defRPr sz="1100">
-                <a:latin typeface="+mn-lt"/>
-                <a:ea typeface="+mn-ea"/>
-                <a:cs typeface="+mn-cs"/>
-              </a:defRPr>
-            </a:lvl4pPr>
-            <a:lvl5pPr marL="1828800" indent="0">
-              <a:defRPr sz="1100">
-                <a:latin typeface="+mn-lt"/>
-                <a:ea typeface="+mn-ea"/>
-                <a:cs typeface="+mn-cs"/>
-              </a:defRPr>
-            </a:lvl5pPr>
-            <a:lvl6pPr marL="2286000" indent="0">
-              <a:defRPr sz="1100">
-                <a:latin typeface="+mn-lt"/>
-                <a:ea typeface="+mn-ea"/>
-                <a:cs typeface="+mn-cs"/>
-              </a:defRPr>
-            </a:lvl6pPr>
-            <a:lvl7pPr marL="2743200" indent="0">
-              <a:defRPr sz="1100">
-                <a:latin typeface="+mn-lt"/>
-                <a:ea typeface="+mn-ea"/>
-                <a:cs typeface="+mn-cs"/>
-              </a:defRPr>
-            </a:lvl7pPr>
-            <a:lvl8pPr marL="3200400" indent="0">
-              <a:defRPr sz="1100">
-                <a:latin typeface="+mn-lt"/>
-                <a:ea typeface="+mn-ea"/>
-                <a:cs typeface="+mn-cs"/>
-              </a:defRPr>
-            </a:lvl8pPr>
-            <a:lvl9pPr marL="3657600" indent="0">
-              <a:defRPr sz="1100">
-                <a:latin typeface="+mn-lt"/>
-                <a:ea typeface="+mn-ea"/>
-                <a:cs typeface="+mn-cs"/>
-              </a:defRPr>
-            </a:lvl9pPr>
-          </a:lstStyle>
-          <a:p>
-            <a:r>
-              <a:rPr lang="fr-FR" sz="1400" dirty="0"/>
-              <a:t>P&lt;&lt; 0,001</a:t>
-            </a:r>
-            <a:endParaRPr lang="fr-FR" dirty="0"/>
+            <a:endParaRPr lang="fr-FR" sz="1400" b="1" dirty="0"/>
           </a:p>
         </p:txBody>
       </p:sp>

--- a/cooperativeNegotiation/crowdFlower/graphs.pptx
+++ b/cooperativeNegotiation/crowdFlower/graphs.pptx
@@ -125,10 +125,6 @@
     </p:extLst>
   </p:cmAuthor>
 </p:cmAuthorLst>
-</file>
-
-<file path=ppt/revisionInfo.xml><?xml version="1.0" encoding="utf-8"?>
-<p1510:revInfo xmlns:a="http://schemas.openxmlformats.org/drawingml/2006/main" xmlns:r="http://schemas.openxmlformats.org/officeDocument/2006/relationships" xmlns:p1510="http://schemas.microsoft.com/office/powerpoint/2015/10/main"/>
 </file>
 
 <file path=ppt/charts/chart1.xml><?xml version="1.0" encoding="utf-8"?>
@@ -757,7 +753,7 @@
           </c:val>
           <c:extLst>
             <c:ext xmlns:c16="http://schemas.microsoft.com/office/drawing/2014/chart" uri="{C3380CC4-5D6E-409C-BE32-E72D297353CC}">
-              <c16:uniqueId val="{00000000-3A44-42F0-B8A0-B9E8EECAEB8C}"/>
+              <c16:uniqueId val="{00000000-E92E-41BD-B231-43A5AA031CC2}"/>
             </c:ext>
           </c:extLst>
         </c:ser>
@@ -862,7 +858,7 @@
           </c:val>
           <c:extLst>
             <c:ext xmlns:c16="http://schemas.microsoft.com/office/drawing/2014/chart" uri="{C3380CC4-5D6E-409C-BE32-E72D297353CC}">
-              <c16:uniqueId val="{00000001-3A44-42F0-B8A0-B9E8EECAEB8C}"/>
+              <c16:uniqueId val="{00000001-E92E-41BD-B231-43A5AA031CC2}"/>
             </c:ext>
           </c:extLst>
         </c:ser>
@@ -988,8 +984,8 @@
         <c:manualLayout>
           <c:xMode val="edge"/>
           <c:yMode val="edge"/>
-          <c:x val="0.8661473055359391"/>
-          <c:y val="0.47117578700077767"/>
+          <c:x val="0.86614726537939157"/>
+          <c:y val="0.47117574635092291"/>
           <c:w val="0.13385269446406092"/>
           <c:h val="0.14394933436446616"/>
         </c:manualLayout>
@@ -1072,8 +1068,8 @@
           <c:layoutTarget val="inner"/>
           <c:xMode val="edge"/>
           <c:yMode val="edge"/>
-          <c:x val="7.2025963699511558E-2"/>
-          <c:y val="8.0799433846750687E-2"/>
+          <c:x val="7.0866061905430808E-2"/>
+          <c:y val="8.2853510115954959E-2"/>
           <c:w val="0.82574920009955843"/>
           <c:h val="0.74496259743637927"/>
         </c:manualLayout>
@@ -1205,7 +1201,7 @@
           </c:val>
           <c:extLst>
             <c:ext xmlns:c16="http://schemas.microsoft.com/office/drawing/2014/chart" uri="{C3380CC4-5D6E-409C-BE32-E72D297353CC}">
-              <c16:uniqueId val="{00000000-B18B-483B-A841-1F86A2024F38}"/>
+              <c16:uniqueId val="{00000000-A27F-4AF8-8AB3-9E7300E7E1E7}"/>
             </c:ext>
           </c:extLst>
         </c:ser>
@@ -1310,7 +1306,7 @@
           </c:val>
           <c:extLst>
             <c:ext xmlns:c16="http://schemas.microsoft.com/office/drawing/2014/chart" uri="{C3380CC4-5D6E-409C-BE32-E72D297353CC}">
-              <c16:uniqueId val="{00000001-B18B-483B-A841-1F86A2024F38}"/>
+              <c16:uniqueId val="{00000001-A27F-4AF8-8AB3-9E7300E7E1E7}"/>
             </c:ext>
           </c:extLst>
         </c:ser>
@@ -4110,20 +4106,6 @@
 </cs:chartStyle>
 </file>
 
-<file path=ppt/comments/comment1.xml><?xml version="1.0" encoding="utf-8"?>
-<p:cmLst xmlns:a="http://schemas.openxmlformats.org/drawingml/2006/main" xmlns:r="http://schemas.openxmlformats.org/officeDocument/2006/relationships" xmlns:p="http://schemas.openxmlformats.org/presentationml/2006/main">
-  <p:cm authorId="1" dt="2017-08-25T21:13:35.278" idx="1">
-    <p:pos x="10" y="10"/>
-    <p:text>H3</p:text>
-    <p:extLst>
-      <p:ext uri="{C676402C-5697-4E1C-873F-D02D1690AC5C}">
-        <p15:threadingInfo xmlns:p15="http://schemas.microsoft.com/office/powerpoint/2012/main" timeZoneBias="-120"/>
-      </p:ext>
-    </p:extLst>
-  </p:cm>
-</p:cmLst>
-</file>
-
 <file path=ppt/drawings/drawing1.xml><?xml version="1.0" encoding="utf-8"?>
 <c:userShapes xmlns:c="http://schemas.openxmlformats.org/drawingml/2006/chart">
   <cdr:relSizeAnchor xmlns:cdr="http://schemas.openxmlformats.org/drawingml/2006/chartDrawing">
@@ -4148,8 +4130,8 @@
       </cdr:nvGrpSpPr>
       <cdr:grpSpPr>
         <a:xfrm xmlns:a="http://schemas.openxmlformats.org/drawingml/2006/main">
-          <a:off x="994136" y="418282"/>
-          <a:ext cx="524175" cy="1613618"/>
+          <a:off x="1261968" y="418282"/>
+          <a:ext cx="665393" cy="1613618"/>
           <a:chOff x="858679" y="820892"/>
           <a:chExt cx="507512" cy="1707161"/>
         </a:xfrm>
@@ -4298,8 +4280,8 @@
       </cdr:nvGrpSpPr>
       <cdr:grpSpPr>
         <a:xfrm xmlns:a="http://schemas.openxmlformats.org/drawingml/2006/main">
-          <a:off x="2718004" y="401734"/>
-          <a:ext cx="530189" cy="1592679"/>
+          <a:off x="3450265" y="401734"/>
+          <a:ext cx="673029" cy="1592679"/>
           <a:chOff x="-5821979" y="-489078"/>
           <a:chExt cx="489582" cy="1209976"/>
         </a:xfrm>
@@ -4448,8 +4430,8 @@
       </cdr:nvGrpSpPr>
       <cdr:grpSpPr>
         <a:xfrm xmlns:a="http://schemas.openxmlformats.org/drawingml/2006/main">
-          <a:off x="4464630" y="395369"/>
-          <a:ext cx="557174" cy="1802138"/>
+          <a:off x="5667453" y="395369"/>
+          <a:ext cx="707284" cy="1802138"/>
           <a:chOff x="-13074716" y="-491976"/>
           <a:chExt cx="489582" cy="2621423"/>
         </a:xfrm>
@@ -4598,8 +4580,8 @@
       </cdr:nvGrpSpPr>
       <cdr:grpSpPr>
         <a:xfrm xmlns:a="http://schemas.openxmlformats.org/drawingml/2006/main">
-          <a:off x="6159724" y="418282"/>
-          <a:ext cx="537830" cy="1898434"/>
+          <a:off x="7819226" y="418282"/>
+          <a:ext cx="682727" cy="1898434"/>
           <a:chOff x="-2879863" y="-256809"/>
           <a:chExt cx="489582" cy="1567519"/>
         </a:xfrm>
@@ -5636,8 +5618,8 @@
       </cdr:nvGrpSpPr>
       <cdr:grpSpPr>
         <a:xfrm xmlns:a="http://schemas.openxmlformats.org/drawingml/2006/main">
-          <a:off x="1233938" y="431173"/>
-          <a:ext cx="559046" cy="1265633"/>
+          <a:off x="1738397" y="492870"/>
+          <a:ext cx="787596" cy="1446735"/>
           <a:chOff x="2646109" y="951728"/>
           <a:chExt cx="489582" cy="2092195"/>
         </a:xfrm>
@@ -5786,8 +5768,8 @@
       </cdr:nvGrpSpPr>
       <cdr:grpSpPr>
         <a:xfrm xmlns:a="http://schemas.openxmlformats.org/drawingml/2006/main">
-          <a:off x="2851821" y="485669"/>
-          <a:ext cx="517713" cy="908338"/>
+          <a:off x="4017705" y="555165"/>
+          <a:ext cx="729365" cy="1038314"/>
           <a:chOff x="4336768" y="565189"/>
           <a:chExt cx="489582" cy="3458598"/>
         </a:xfrm>
@@ -5936,8 +5918,8 @@
       </cdr:nvGrpSpPr>
       <cdr:grpSpPr>
         <a:xfrm xmlns:a="http://schemas.openxmlformats.org/drawingml/2006/main">
-          <a:off x="4370650" y="485669"/>
-          <a:ext cx="517713" cy="726682"/>
+          <a:off x="6157463" y="555165"/>
+          <a:ext cx="729365" cy="830664"/>
           <a:chOff x="5976627" y="-2004420"/>
           <a:chExt cx="489582" cy="13168823"/>
         </a:xfrm>
@@ -6086,8 +6068,8 @@
       </cdr:nvGrpSpPr>
       <cdr:grpSpPr>
         <a:xfrm xmlns:a="http://schemas.openxmlformats.org/drawingml/2006/main">
-          <a:off x="5944698" y="497761"/>
-          <a:ext cx="517632" cy="1241393"/>
+          <a:off x="8375014" y="568986"/>
+          <a:ext cx="729251" cy="1419027"/>
           <a:chOff x="7820022" y="-60800547"/>
           <a:chExt cx="489582" cy="238644106"/>
         </a:xfrm>
@@ -6216,12 +6198,12 @@
   </cdr:relSizeAnchor>
   <cdr:relSizeAnchor xmlns:cdr="http://schemas.openxmlformats.org/drawingml/2006/chartDrawing">
     <cdr:from>
-      <cdr:x>0.8985</cdr:x>
-      <cdr:y>0.47449</cdr:y>
+      <cdr:x>0.90796</cdr:x>
+      <cdr:y>0.48534</cdr:y>
     </cdr:from>
     <cdr:to>
-      <cdr:x>1</cdr:x>
-      <cdr:y>0.59685</cdr:y>
+      <cdr:x>0.9753</cdr:x>
+      <cdr:y>0.59238</cdr:y>
     </cdr:to>
     <cdr:sp macro="" textlink="">
       <cdr:nvSpPr>
@@ -6236,8 +6218,8 @@
       </cdr:nvSpPr>
       <cdr:spPr>
         <a:xfrm xmlns:a="http://schemas.openxmlformats.org/drawingml/2006/main">
-          <a:off x="7253433" y="2745034"/>
-          <a:ext cx="819434" cy="707886"/>
+          <a:off x="10326417" y="3209541"/>
+          <a:ext cx="765913" cy="707886"/>
         </a:xfrm>
         <a:prstGeom xmlns:a="http://schemas.openxmlformats.org/drawingml/2006/main" prst="rect">
           <a:avLst/>
@@ -6367,12 +6349,12 @@
 <c:userShapes xmlns:c="http://schemas.openxmlformats.org/drawingml/2006/chart">
   <cdr:relSizeAnchor xmlns:cdr="http://schemas.openxmlformats.org/drawingml/2006/chartDrawing">
     <cdr:from>
-      <cdr:x>0.10038</cdr:x>
+      <cdr:x>0.11566</cdr:x>
       <cdr:y>0</cdr:y>
     </cdr:from>
     <cdr:to>
-      <cdr:x>0.23087</cdr:x>
-      <cdr:y>0.05597</cdr:y>
+      <cdr:x>0.21013</cdr:x>
+      <cdr:y>0.06355</cdr:y>
     </cdr:to>
     <cdr:sp macro="" textlink="">
       <cdr:nvSpPr>
@@ -6381,8 +6363,8 @@
       </cdr:nvSpPr>
       <cdr:spPr>
         <a:xfrm xmlns:a="http://schemas.openxmlformats.org/drawingml/2006/main">
-          <a:off x="731414" y="0"/>
-          <a:ext cx="950901" cy="369332"/>
+          <a:off x="1266386" y="0"/>
+          <a:ext cx="1034257" cy="392894"/>
         </a:xfrm>
         <a:prstGeom xmlns:a="http://schemas.openxmlformats.org/drawingml/2006/main" prst="rect">
           <a:avLst/>
@@ -6463,10 +6445,10 @@
         </a:lstStyle>
         <a:p xmlns:a="http://schemas.openxmlformats.org/drawingml/2006/main">
           <a:r>
-            <a:rPr lang="fr-FR" sz="1800" b="1" dirty="0"/>
+            <a:rPr lang="fr-FR" sz="2000" b="1" dirty="0"/>
             <a:t>*   r=0.5</a:t>
           </a:r>
-          <a:endParaRPr lang="fr-FR" sz="1400" b="1" dirty="0"/>
+          <a:endParaRPr lang="fr-FR" sz="1600" b="1" dirty="0"/>
         </a:p>
       </cdr:txBody>
     </cdr:sp>
@@ -6477,8 +6459,8 @@
       <cdr:y>0</cdr:y>
     </cdr:from>
     <cdr:to>
-      <cdr:x>0.44644</cdr:x>
-      <cdr:y>0.05597</cdr:y>
+      <cdr:x>0.4104</cdr:x>
+      <cdr:y>0.06355</cdr:y>
     </cdr:to>
     <cdr:sp macro="" textlink="">
       <cdr:nvSpPr>
@@ -6487,8 +6469,8 @@
       </cdr:nvSpPr>
       <cdr:spPr>
         <a:xfrm xmlns:a="http://schemas.openxmlformats.org/drawingml/2006/main">
-          <a:off x="2302217" y="0"/>
-          <a:ext cx="950901" cy="369332"/>
+          <a:off x="3459194" y="0"/>
+          <a:ext cx="1034257" cy="400110"/>
         </a:xfrm>
         <a:prstGeom xmlns:a="http://schemas.openxmlformats.org/drawingml/2006/main" prst="rect">
           <a:avLst/>
@@ -6569,22 +6551,22 @@
         </a:lstStyle>
         <a:p xmlns:a="http://schemas.openxmlformats.org/drawingml/2006/main">
           <a:r>
-            <a:rPr lang="fr-FR" sz="1800" b="1" dirty="0"/>
+            <a:rPr lang="fr-FR" sz="2000" b="1" dirty="0"/>
             <a:t>*   r=0.5</a:t>
           </a:r>
-          <a:endParaRPr lang="fr-FR" b="1" dirty="0"/>
+          <a:endParaRPr lang="fr-FR" sz="1200" b="1" dirty="0"/>
         </a:p>
       </cdr:txBody>
     </cdr:sp>
   </cdr:relSizeAnchor>
   <cdr:relSizeAnchor xmlns:cdr="http://schemas.openxmlformats.org/drawingml/2006/chartDrawing">
     <cdr:from>
-      <cdr:x>0.52075</cdr:x>
+      <cdr:x>0.54695</cdr:x>
       <cdr:y>0</cdr:y>
     </cdr:from>
     <cdr:to>
-      <cdr:x>0.65125</cdr:x>
-      <cdr:y>0.05597</cdr:y>
+      <cdr:x>0.64141</cdr:x>
+      <cdr:y>0.06355</cdr:y>
     </cdr:to>
     <cdr:sp macro="" textlink="">
       <cdr:nvSpPr>
@@ -6593,8 +6575,8 @@
       </cdr:nvSpPr>
       <cdr:spPr>
         <a:xfrm xmlns:a="http://schemas.openxmlformats.org/drawingml/2006/main">
-          <a:off x="3794602" y="0"/>
-          <a:ext cx="950901" cy="369332"/>
+          <a:off x="5988503" y="0"/>
+          <a:ext cx="1034257" cy="392894"/>
         </a:xfrm>
         <a:prstGeom xmlns:a="http://schemas.openxmlformats.org/drawingml/2006/main" prst="rect">
           <a:avLst/>
@@ -6675,22 +6657,22 @@
         </a:lstStyle>
         <a:p xmlns:a="http://schemas.openxmlformats.org/drawingml/2006/main">
           <a:r>
-            <a:rPr lang="fr-FR" sz="1800" b="1" dirty="0"/>
+            <a:rPr lang="fr-FR" sz="2000" b="1" dirty="0"/>
             <a:t>*   r=0.4</a:t>
           </a:r>
-          <a:endParaRPr lang="fr-FR" b="1" dirty="0"/>
+          <a:endParaRPr lang="fr-FR" sz="1200" b="1" dirty="0"/>
         </a:p>
       </cdr:txBody>
     </cdr:sp>
   </cdr:relSizeAnchor>
   <cdr:relSizeAnchor xmlns:cdr="http://schemas.openxmlformats.org/drawingml/2006/chartDrawing">
     <cdr:from>
-      <cdr:x>0.70758</cdr:x>
+      <cdr:x>0.75125</cdr:x>
       <cdr:y>0</cdr:y>
     </cdr:from>
     <cdr:to>
-      <cdr:x>0.84534</cdr:x>
-      <cdr:y>0.05597</cdr:y>
+      <cdr:x>0.85098</cdr:x>
+      <cdr:y>0.06355</cdr:y>
     </cdr:to>
     <cdr:sp macro="" textlink="">
       <cdr:nvSpPr>
@@ -6699,8 +6681,8 @@
       </cdr:nvSpPr>
       <cdr:spPr>
         <a:xfrm xmlns:a="http://schemas.openxmlformats.org/drawingml/2006/main">
-          <a:off x="5156015" y="0"/>
-          <a:ext cx="1003801" cy="369332"/>
+          <a:off x="8225330" y="0"/>
+          <a:ext cx="1091966" cy="392894"/>
         </a:xfrm>
         <a:prstGeom xmlns:a="http://schemas.openxmlformats.org/drawingml/2006/main" prst="rect">
           <a:avLst/>
@@ -6781,17 +6763,17 @@
         </a:lstStyle>
         <a:p xmlns:a="http://schemas.openxmlformats.org/drawingml/2006/main">
           <a:r>
-            <a:rPr lang="fr-FR" sz="1800" b="1" dirty="0"/>
+            <a:rPr lang="fr-FR" sz="2000" b="1" dirty="0"/>
             <a:t>*   r= 0.6</a:t>
           </a:r>
-          <a:endParaRPr lang="fr-FR" sz="1400" b="1" dirty="0"/>
+          <a:endParaRPr lang="fr-FR" sz="1600" b="1" dirty="0"/>
         </a:p>
       </cdr:txBody>
     </cdr:sp>
   </cdr:relSizeAnchor>
   <cdr:relSizeAnchor xmlns:cdr="http://schemas.openxmlformats.org/drawingml/2006/chartDrawing">
     <cdr:from>
-      <cdr:x>0.89365</cdr:x>
+      <cdr:x>0.92094</cdr:x>
       <cdr:y>0.44636</cdr:y>
     </cdr:from>
     <cdr:to>
@@ -6811,8 +6793,8 @@
       </cdr:nvSpPr>
       <cdr:spPr>
         <a:xfrm xmlns:a="http://schemas.openxmlformats.org/drawingml/2006/main">
-          <a:off x="6913003" y="2945494"/>
-          <a:ext cx="822691" cy="707932"/>
+          <a:off x="10083302" y="2945494"/>
+          <a:ext cx="865592" cy="707932"/>
         </a:xfrm>
         <a:prstGeom xmlns:a="http://schemas.openxmlformats.org/drawingml/2006/main" prst="rect">
           <a:avLst/>
@@ -7188,7 +7170,7 @@
           <a:p>
             <a:fld id="{48FBB81F-AC1C-42D8-B504-E1BDDC3AB447}" type="datetimeFigureOut">
               <a:rPr lang="fr-FR" smtClean="0"/>
-              <a:t>25/08/2017</a:t>
+              <a:t>18/06/2018</a:t>
             </a:fld>
             <a:endParaRPr lang="fr-FR"/>
           </a:p>
@@ -7356,7 +7338,7 @@
           <a:p>
             <a:fld id="{48FBB81F-AC1C-42D8-B504-E1BDDC3AB447}" type="datetimeFigureOut">
               <a:rPr lang="fr-FR" smtClean="0"/>
-              <a:t>25/08/2017</a:t>
+              <a:t>18/06/2018</a:t>
             </a:fld>
             <a:endParaRPr lang="fr-FR"/>
           </a:p>
@@ -7534,7 +7516,7 @@
           <a:p>
             <a:fld id="{48FBB81F-AC1C-42D8-B504-E1BDDC3AB447}" type="datetimeFigureOut">
               <a:rPr lang="fr-FR" smtClean="0"/>
-              <a:t>25/08/2017</a:t>
+              <a:t>18/06/2018</a:t>
             </a:fld>
             <a:endParaRPr lang="fr-FR"/>
           </a:p>
@@ -7702,7 +7684,7 @@
           <a:p>
             <a:fld id="{48FBB81F-AC1C-42D8-B504-E1BDDC3AB447}" type="datetimeFigureOut">
               <a:rPr lang="fr-FR" smtClean="0"/>
-              <a:t>25/08/2017</a:t>
+              <a:t>18/06/2018</a:t>
             </a:fld>
             <a:endParaRPr lang="fr-FR"/>
           </a:p>
@@ -7947,7 +7929,7 @@
           <a:p>
             <a:fld id="{48FBB81F-AC1C-42D8-B504-E1BDDC3AB447}" type="datetimeFigureOut">
               <a:rPr lang="fr-FR" smtClean="0"/>
-              <a:t>25/08/2017</a:t>
+              <a:t>18/06/2018</a:t>
             </a:fld>
             <a:endParaRPr lang="fr-FR"/>
           </a:p>
@@ -8176,7 +8158,7 @@
           <a:p>
             <a:fld id="{48FBB81F-AC1C-42D8-B504-E1BDDC3AB447}" type="datetimeFigureOut">
               <a:rPr lang="fr-FR" smtClean="0"/>
-              <a:t>25/08/2017</a:t>
+              <a:t>18/06/2018</a:t>
             </a:fld>
             <a:endParaRPr lang="fr-FR"/>
           </a:p>
@@ -8540,7 +8522,7 @@
           <a:p>
             <a:fld id="{48FBB81F-AC1C-42D8-B504-E1BDDC3AB447}" type="datetimeFigureOut">
               <a:rPr lang="fr-FR" smtClean="0"/>
-              <a:t>25/08/2017</a:t>
+              <a:t>18/06/2018</a:t>
             </a:fld>
             <a:endParaRPr lang="fr-FR"/>
           </a:p>
@@ -8657,7 +8639,7 @@
           <a:p>
             <a:fld id="{48FBB81F-AC1C-42D8-B504-E1BDDC3AB447}" type="datetimeFigureOut">
               <a:rPr lang="fr-FR" smtClean="0"/>
-              <a:t>25/08/2017</a:t>
+              <a:t>18/06/2018</a:t>
             </a:fld>
             <a:endParaRPr lang="fr-FR"/>
           </a:p>
@@ -8752,7 +8734,7 @@
           <a:p>
             <a:fld id="{48FBB81F-AC1C-42D8-B504-E1BDDC3AB447}" type="datetimeFigureOut">
               <a:rPr lang="fr-FR" smtClean="0"/>
-              <a:t>25/08/2017</a:t>
+              <a:t>18/06/2018</a:t>
             </a:fld>
             <a:endParaRPr lang="fr-FR"/>
           </a:p>
@@ -9027,7 +9009,7 @@
           <a:p>
             <a:fld id="{48FBB81F-AC1C-42D8-B504-E1BDDC3AB447}" type="datetimeFigureOut">
               <a:rPr lang="fr-FR" smtClean="0"/>
-              <a:t>25/08/2017</a:t>
+              <a:t>18/06/2018</a:t>
             </a:fld>
             <a:endParaRPr lang="fr-FR"/>
           </a:p>
@@ -9279,7 +9261,7 @@
           <a:p>
             <a:fld id="{48FBB81F-AC1C-42D8-B504-E1BDDC3AB447}" type="datetimeFigureOut">
               <a:rPr lang="fr-FR" smtClean="0"/>
-              <a:t>25/08/2017</a:t>
+              <a:t>18/06/2018</a:t>
             </a:fld>
             <a:endParaRPr lang="fr-FR"/>
           </a:p>
@@ -9490,7 +9472,7 @@
           <a:p>
             <a:fld id="{48FBB81F-AC1C-42D8-B504-E1BDDC3AB447}" type="datetimeFigureOut">
               <a:rPr lang="fr-FR" smtClean="0"/>
-              <a:t>25/08/2017</a:t>
+              <a:t>18/06/2018</a:t>
             </a:fld>
             <a:endParaRPr lang="fr-FR"/>
           </a:p>
@@ -9895,79 +9877,100 @@
           <a:chExt cx="0" cy="0"/>
         </a:xfrm>
       </p:grpSpPr>
-      <p:graphicFrame>
-        <p:nvGraphicFramePr>
-          <p:cNvPr id="4" name="Graphique 3">
+      <p:grpSp>
+        <p:nvGrpSpPr>
+          <p:cNvPr id="2" name="Groupe 1">
             <a:extLst>
               <a:ext uri="{FF2B5EF4-FFF2-40B4-BE49-F238E27FC236}">
-                <a16:creationId xmlns:a16="http://schemas.microsoft.com/office/drawing/2014/main" id="{8EE0CC00-0C23-4CEF-80B0-312B9179D26A}"/>
+                <a16:creationId xmlns:a16="http://schemas.microsoft.com/office/drawing/2014/main" id="{DD6ECA77-5AD4-495D-B400-3768019CB798}"/>
               </a:ext>
             </a:extLst>
           </p:cNvPr>
-          <p:cNvGraphicFramePr>
-            <a:graphicFrameLocks/>
-          </p:cNvGraphicFramePr>
-          <p:nvPr>
-            <p:extLst>
-              <p:ext uri="{D42A27DB-BD31-4B8C-83A1-F6EECF244321}">
-                <p14:modId xmlns:p14="http://schemas.microsoft.com/office/powerpoint/2010/main" val="452807100"/>
-              </p:ext>
-            </p:extLst>
-          </p:nvPr>
-        </p:nvGraphicFramePr>
-        <p:xfrm>
-          <a:off x="1724809" y="295275"/>
-          <a:ext cx="8128001" cy="6364605"/>
-        </p:xfrm>
-        <a:graphic>
-          <a:graphicData uri="http://schemas.openxmlformats.org/drawingml/2006/chart">
-            <c:chart xmlns:c="http://schemas.openxmlformats.org/drawingml/2006/chart" xmlns:r="http://schemas.openxmlformats.org/officeDocument/2006/relationships" r:id="rId2"/>
-          </a:graphicData>
-        </a:graphic>
-      </p:graphicFrame>
-      <p:sp>
-        <p:nvSpPr>
-          <p:cNvPr id="3" name="ZoneTexte 2">
-            <a:extLst>
-              <a:ext uri="{FF2B5EF4-FFF2-40B4-BE49-F238E27FC236}">
-                <a16:creationId xmlns:a16="http://schemas.microsoft.com/office/drawing/2014/main" id="{D64D611D-8644-447F-A3D8-7DD58ED59044}"/>
-              </a:ext>
-            </a:extLst>
-          </p:cNvPr>
-          <p:cNvSpPr txBox="1"/>
+          <p:cNvGrpSpPr/>
           <p:nvPr/>
-        </p:nvSpPr>
-        <p:spPr>
+        </p:nvGrpSpPr>
+        <p:grpSpPr>
           <a:xfrm>
-            <a:off x="8991309" y="3062620"/>
-            <a:ext cx="760361" cy="707886"/>
+            <a:off x="1121185" y="307712"/>
+            <a:ext cx="10317779" cy="6364605"/>
+            <a:chOff x="1121185" y="307712"/>
+            <a:chExt cx="10317779" cy="6364605"/>
           </a:xfrm>
-          <a:prstGeom prst="rect">
-            <a:avLst/>
-          </a:prstGeom>
-          <a:solidFill>
-            <a:schemeClr val="bg1"/>
-          </a:solidFill>
-        </p:spPr>
-        <p:txBody>
-          <a:bodyPr wrap="square" rtlCol="0">
-            <a:spAutoFit/>
-          </a:bodyPr>
-          <a:lstStyle/>
-          <a:p>
-            <a:r>
-              <a:rPr lang="fr-FR" sz="2000" dirty="0"/>
-              <a:t>A</a:t>
-            </a:r>
-          </a:p>
-          <a:p>
-            <a:r>
-              <a:rPr lang="fr-FR" sz="2000" dirty="0"/>
-              <a:t>B</a:t>
-            </a:r>
-          </a:p>
-        </p:txBody>
-      </p:sp>
+        </p:grpSpPr>
+        <p:graphicFrame>
+          <p:nvGraphicFramePr>
+            <p:cNvPr id="4" name="Graphique 3">
+              <a:extLst>
+                <a:ext uri="{FF2B5EF4-FFF2-40B4-BE49-F238E27FC236}">
+                  <a16:creationId xmlns:a16="http://schemas.microsoft.com/office/drawing/2014/main" id="{8EE0CC00-0C23-4CEF-80B0-312B9179D26A}"/>
+                </a:ext>
+              </a:extLst>
+            </p:cNvPr>
+            <p:cNvGraphicFramePr>
+              <a:graphicFrameLocks/>
+            </p:cNvGraphicFramePr>
+            <p:nvPr>
+              <p:extLst>
+                <p:ext uri="{D42A27DB-BD31-4B8C-83A1-F6EECF244321}">
+                  <p14:modId xmlns:p14="http://schemas.microsoft.com/office/powerpoint/2010/main" val="1963227702"/>
+                </p:ext>
+              </p:extLst>
+            </p:nvPr>
+          </p:nvGraphicFramePr>
+          <p:xfrm>
+            <a:off x="1121185" y="307712"/>
+            <a:ext cx="10317779" cy="6364605"/>
+          </p:xfrm>
+          <a:graphic>
+            <a:graphicData uri="http://schemas.openxmlformats.org/drawingml/2006/chart">
+              <c:chart xmlns:c="http://schemas.openxmlformats.org/drawingml/2006/chart" xmlns:r="http://schemas.openxmlformats.org/officeDocument/2006/relationships" r:id="rId2"/>
+            </a:graphicData>
+          </a:graphic>
+        </p:graphicFrame>
+        <p:sp>
+          <p:nvSpPr>
+            <p:cNvPr id="3" name="ZoneTexte 2">
+              <a:extLst>
+                <a:ext uri="{FF2B5EF4-FFF2-40B4-BE49-F238E27FC236}">
+                  <a16:creationId xmlns:a16="http://schemas.microsoft.com/office/drawing/2014/main" id="{D64D611D-8644-447F-A3D8-7DD58ED59044}"/>
+                </a:ext>
+              </a:extLst>
+            </p:cNvPr>
+            <p:cNvSpPr txBox="1"/>
+            <p:nvPr/>
+          </p:nvSpPr>
+          <p:spPr>
+            <a:xfrm>
+              <a:off x="10404177" y="3075057"/>
+              <a:ext cx="935579" cy="707886"/>
+            </a:xfrm>
+            <a:prstGeom prst="rect">
+              <a:avLst/>
+            </a:prstGeom>
+            <a:solidFill>
+              <a:schemeClr val="bg1"/>
+            </a:solidFill>
+          </p:spPr>
+          <p:txBody>
+            <a:bodyPr wrap="square" rtlCol="0">
+              <a:spAutoFit/>
+            </a:bodyPr>
+            <a:lstStyle/>
+            <a:p>
+              <a:r>
+                <a:rPr lang="fr-FR" sz="2000" dirty="0"/>
+                <a:t>A</a:t>
+              </a:r>
+            </a:p>
+            <a:p>
+              <a:r>
+                <a:rPr lang="fr-FR" sz="2000" dirty="0"/>
+                <a:t>B</a:t>
+              </a:r>
+            </a:p>
+          </p:txBody>
+        </p:sp>
+      </p:grpSp>
     </p:spTree>
     <p:extLst>
       <p:ext uri="{BB962C8B-B14F-4D97-AF65-F5344CB8AC3E}">
@@ -10000,10 +10003,10 @@
       </p:grpSpPr>
       <p:graphicFrame>
         <p:nvGraphicFramePr>
-          <p:cNvPr id="5" name="Graphique 4">
+          <p:cNvPr id="3" name="Graphique 2">
             <a:extLst>
               <a:ext uri="{FF2B5EF4-FFF2-40B4-BE49-F238E27FC236}">
-                <a16:creationId xmlns:a16="http://schemas.microsoft.com/office/drawing/2014/main" id="{45744B78-7343-4A1F-8016-400B37738F01}"/>
+                <a16:creationId xmlns:a16="http://schemas.microsoft.com/office/drawing/2014/main" id="{8DDD7984-5128-49EE-8333-5F1AC672A2D4}"/>
               </a:ext>
             </a:extLst>
           </p:cNvPr>
@@ -10013,14 +10016,14 @@
           <p:nvPr>
             <p:extLst>
               <p:ext uri="{D42A27DB-BD31-4B8C-83A1-F6EECF244321}">
-                <p14:modId xmlns:p14="http://schemas.microsoft.com/office/powerpoint/2010/main" val="4060354487"/>
+                <p14:modId xmlns:p14="http://schemas.microsoft.com/office/powerpoint/2010/main" val="1458218893"/>
               </p:ext>
             </p:extLst>
           </p:nvPr>
         </p:nvGraphicFramePr>
         <p:xfrm>
-          <a:off x="2221753" y="325120"/>
-          <a:ext cx="8072867" cy="5785223"/>
+          <a:off x="525928" y="325642"/>
+          <a:ext cx="11373223" cy="6613042"/>
         </p:xfrm>
         <a:graphic>
           <a:graphicData uri="http://schemas.openxmlformats.org/drawingml/2006/chart">
@@ -10058,53 +10061,415 @@
           <a:chExt cx="0" cy="0"/>
         </a:xfrm>
       </p:grpSpPr>
-      <p:graphicFrame>
-        <p:nvGraphicFramePr>
-          <p:cNvPr id="4" name="Graphique 3">
+      <p:grpSp>
+        <p:nvGrpSpPr>
+          <p:cNvPr id="21" name="Groupe 20">
             <a:extLst>
               <a:ext uri="{FF2B5EF4-FFF2-40B4-BE49-F238E27FC236}">
-                <a16:creationId xmlns:a16="http://schemas.microsoft.com/office/drawing/2014/main" id="{220A048D-2E6D-4325-9664-634650030418}"/>
+                <a16:creationId xmlns:a16="http://schemas.microsoft.com/office/drawing/2014/main" id="{C59D4AB2-6379-4FAE-90FF-E1E3D558CA53}"/>
               </a:ext>
             </a:extLst>
           </p:cNvPr>
-          <p:cNvGraphicFramePr>
-            <a:graphicFrameLocks/>
-          </p:cNvGraphicFramePr>
-          <p:nvPr>
-            <p:extLst>
-              <p:ext uri="{D42A27DB-BD31-4B8C-83A1-F6EECF244321}">
-                <p14:modId xmlns:p14="http://schemas.microsoft.com/office/powerpoint/2010/main" val="3276546848"/>
-              </p:ext>
-            </p:extLst>
-          </p:nvPr>
-        </p:nvGraphicFramePr>
-        <p:xfrm>
-          <a:off x="2421091" y="68580"/>
-          <a:ext cx="7735694" cy="6598920"/>
-        </p:xfrm>
-        <a:graphic>
-          <a:graphicData uri="http://schemas.openxmlformats.org/drawingml/2006/chart">
-            <c:chart xmlns:c="http://schemas.openxmlformats.org/drawingml/2006/chart" xmlns:r="http://schemas.openxmlformats.org/officeDocument/2006/relationships" r:id="rId2"/>
-          </a:graphicData>
-        </a:graphic>
-      </p:graphicFrame>
-      <p:grpSp>
-        <p:nvGrpSpPr>
-          <p:cNvPr id="5" name="Groupe 4"/>
           <p:cNvGrpSpPr/>
           <p:nvPr/>
         </p:nvGrpSpPr>
         <p:grpSpPr>
           <a:xfrm>
-            <a:off x="8269417" y="613422"/>
-            <a:ext cx="489582" cy="2091678"/>
-            <a:chOff x="-2879863" y="-256809"/>
-            <a:chExt cx="489582" cy="1567519"/>
+            <a:off x="729128" y="412377"/>
+            <a:ext cx="10948894" cy="6182659"/>
+            <a:chOff x="2285969" y="188572"/>
+            <a:chExt cx="7735694" cy="6598920"/>
+          </a:xfrm>
+        </p:grpSpPr>
+        <p:graphicFrame>
+          <p:nvGraphicFramePr>
+            <p:cNvPr id="22" name="Graphique 21">
+              <a:extLst>
+                <a:ext uri="{FF2B5EF4-FFF2-40B4-BE49-F238E27FC236}">
+                  <a16:creationId xmlns:a16="http://schemas.microsoft.com/office/drawing/2014/main" id="{7A17F802-B8B1-4F6D-930C-86EB3CAB5862}"/>
+                </a:ext>
+              </a:extLst>
+            </p:cNvPr>
+            <p:cNvGraphicFramePr>
+              <a:graphicFrameLocks/>
+            </p:cNvGraphicFramePr>
+            <p:nvPr>
+              <p:extLst>
+                <p:ext uri="{D42A27DB-BD31-4B8C-83A1-F6EECF244321}">
+                  <p14:modId xmlns:p14="http://schemas.microsoft.com/office/powerpoint/2010/main" val="608619647"/>
+                </p:ext>
+              </p:extLst>
+            </p:nvPr>
+          </p:nvGraphicFramePr>
+          <p:xfrm>
+            <a:off x="2285969" y="188572"/>
+            <a:ext cx="7735694" cy="6598920"/>
+          </p:xfrm>
+          <a:graphic>
+            <a:graphicData uri="http://schemas.openxmlformats.org/drawingml/2006/chart">
+              <c:chart xmlns:c="http://schemas.openxmlformats.org/drawingml/2006/chart" xmlns:r="http://schemas.openxmlformats.org/officeDocument/2006/relationships" r:id="rId2"/>
+            </a:graphicData>
+          </a:graphic>
+        </p:graphicFrame>
+        <p:grpSp>
+          <p:nvGrpSpPr>
+            <p:cNvPr id="23" name="Groupe 22">
+              <a:extLst>
+                <a:ext uri="{FF2B5EF4-FFF2-40B4-BE49-F238E27FC236}">
+                  <a16:creationId xmlns:a16="http://schemas.microsoft.com/office/drawing/2014/main" id="{4DC69E90-2EE2-43F4-92D7-782B43E5766E}"/>
+                </a:ext>
+              </a:extLst>
+            </p:cNvPr>
+            <p:cNvGrpSpPr/>
+            <p:nvPr/>
+          </p:nvGrpSpPr>
+          <p:grpSpPr>
+            <a:xfrm>
+              <a:off x="8269417" y="613422"/>
+              <a:ext cx="489582" cy="2091678"/>
+              <a:chOff x="-2879863" y="-256809"/>
+              <a:chExt cx="489582" cy="1567519"/>
+            </a:xfrm>
+          </p:grpSpPr>
+          <p:cxnSp>
+            <p:nvCxnSpPr>
+              <p:cNvPr id="36" name="Connecteur droit 35">
+                <a:extLst>
+                  <a:ext uri="{FF2B5EF4-FFF2-40B4-BE49-F238E27FC236}">
+                    <a16:creationId xmlns:a16="http://schemas.microsoft.com/office/drawing/2014/main" id="{A6069DD0-D2C4-49B7-AF07-C2F5870368BB}"/>
+                  </a:ext>
+                </a:extLst>
+              </p:cNvPr>
+              <p:cNvCxnSpPr/>
+              <p:nvPr/>
+            </p:nvCxnSpPr>
+            <p:spPr>
+              <a:xfrm flipV="1">
+                <a:off x="-2879863" y="-256808"/>
+                <a:ext cx="0" cy="159979"/>
+              </a:xfrm>
+              <a:prstGeom prst="line">
+                <a:avLst/>
+              </a:prstGeom>
+              <a:ln w="19050">
+                <a:solidFill>
+                  <a:schemeClr val="tx1"/>
+                </a:solidFill>
+              </a:ln>
+            </p:spPr>
+            <p:style>
+              <a:lnRef idx="1">
+                <a:schemeClr val="accent1"/>
+              </a:lnRef>
+              <a:fillRef idx="0">
+                <a:schemeClr val="accent1"/>
+              </a:fillRef>
+              <a:effectRef idx="0">
+                <a:schemeClr val="accent1"/>
+              </a:effectRef>
+              <a:fontRef idx="minor">
+                <a:schemeClr val="tx1"/>
+              </a:fontRef>
+            </p:style>
+          </p:cxnSp>
+          <p:cxnSp>
+            <p:nvCxnSpPr>
+              <p:cNvPr id="37" name="Connecteur droit 36">
+                <a:extLst>
+                  <a:ext uri="{FF2B5EF4-FFF2-40B4-BE49-F238E27FC236}">
+                    <a16:creationId xmlns:a16="http://schemas.microsoft.com/office/drawing/2014/main" id="{52D51B13-C2E5-4DC4-A29D-E0237943235D}"/>
+                  </a:ext>
+                </a:extLst>
+              </p:cNvPr>
+              <p:cNvCxnSpPr/>
+              <p:nvPr/>
+            </p:nvCxnSpPr>
+            <p:spPr>
+              <a:xfrm flipH="1" flipV="1">
+                <a:off x="-2390432" y="-256808"/>
+                <a:ext cx="151" cy="1567518"/>
+              </a:xfrm>
+              <a:prstGeom prst="line">
+                <a:avLst/>
+              </a:prstGeom>
+              <a:ln w="19050">
+                <a:solidFill>
+                  <a:schemeClr val="tx1"/>
+                </a:solidFill>
+              </a:ln>
+            </p:spPr>
+            <p:style>
+              <a:lnRef idx="1">
+                <a:schemeClr val="accent1"/>
+              </a:lnRef>
+              <a:fillRef idx="0">
+                <a:schemeClr val="accent1"/>
+              </a:fillRef>
+              <a:effectRef idx="0">
+                <a:schemeClr val="accent1"/>
+              </a:effectRef>
+              <a:fontRef idx="minor">
+                <a:schemeClr val="tx1"/>
+              </a:fontRef>
+            </p:style>
+          </p:cxnSp>
+          <p:cxnSp>
+            <p:nvCxnSpPr>
+              <p:cNvPr id="38" name="Connecteur droit 37">
+                <a:extLst>
+                  <a:ext uri="{FF2B5EF4-FFF2-40B4-BE49-F238E27FC236}">
+                    <a16:creationId xmlns:a16="http://schemas.microsoft.com/office/drawing/2014/main" id="{1D2661F4-B37A-48B1-906A-3E15D741ECBF}"/>
+                  </a:ext>
+                </a:extLst>
+              </p:cNvPr>
+              <p:cNvCxnSpPr/>
+              <p:nvPr/>
+            </p:nvCxnSpPr>
+            <p:spPr>
+              <a:xfrm>
+                <a:off x="-2879863" y="-256809"/>
+                <a:ext cx="489431" cy="0"/>
+              </a:xfrm>
+              <a:prstGeom prst="line">
+                <a:avLst/>
+              </a:prstGeom>
+              <a:ln w="19050">
+                <a:solidFill>
+                  <a:schemeClr val="tx1"/>
+                </a:solidFill>
+              </a:ln>
+            </p:spPr>
+            <p:style>
+              <a:lnRef idx="1">
+                <a:schemeClr val="accent1"/>
+              </a:lnRef>
+              <a:fillRef idx="0">
+                <a:schemeClr val="accent1"/>
+              </a:fillRef>
+              <a:effectRef idx="0">
+                <a:schemeClr val="accent1"/>
+              </a:effectRef>
+              <a:fontRef idx="minor">
+                <a:schemeClr val="tx1"/>
+              </a:fontRef>
+            </p:style>
+          </p:cxnSp>
+        </p:grpSp>
+        <p:grpSp>
+          <p:nvGrpSpPr>
+            <p:cNvPr id="24" name="Groupe 23">
+              <a:extLst>
+                <a:ext uri="{FF2B5EF4-FFF2-40B4-BE49-F238E27FC236}">
+                  <a16:creationId xmlns:a16="http://schemas.microsoft.com/office/drawing/2014/main" id="{3446AA69-5667-46B0-9025-3CAA8B08C29B}"/>
+                </a:ext>
+              </a:extLst>
+            </p:cNvPr>
+            <p:cNvGrpSpPr/>
+            <p:nvPr/>
+          </p:nvGrpSpPr>
+          <p:grpSpPr>
+            <a:xfrm>
+              <a:off x="6708211" y="538396"/>
+              <a:ext cx="489582" cy="1345148"/>
+              <a:chOff x="-2879863" y="-256809"/>
+              <a:chExt cx="489582" cy="1567519"/>
+            </a:xfrm>
+          </p:grpSpPr>
+          <p:cxnSp>
+            <p:nvCxnSpPr>
+              <p:cNvPr id="33" name="Connecteur droit 32">
+                <a:extLst>
+                  <a:ext uri="{FF2B5EF4-FFF2-40B4-BE49-F238E27FC236}">
+                    <a16:creationId xmlns:a16="http://schemas.microsoft.com/office/drawing/2014/main" id="{DB1E1169-766B-4B71-BAE7-25B01D2DCA9E}"/>
+                  </a:ext>
+                </a:extLst>
+              </p:cNvPr>
+              <p:cNvCxnSpPr/>
+              <p:nvPr/>
+            </p:nvCxnSpPr>
+            <p:spPr>
+              <a:xfrm flipV="1">
+                <a:off x="-2879863" y="-256808"/>
+                <a:ext cx="0" cy="159979"/>
+              </a:xfrm>
+              <a:prstGeom prst="line">
+                <a:avLst/>
+              </a:prstGeom>
+              <a:ln w="19050">
+                <a:solidFill>
+                  <a:schemeClr val="tx1"/>
+                </a:solidFill>
+              </a:ln>
+            </p:spPr>
+            <p:style>
+              <a:lnRef idx="1">
+                <a:schemeClr val="accent1"/>
+              </a:lnRef>
+              <a:fillRef idx="0">
+                <a:schemeClr val="accent1"/>
+              </a:fillRef>
+              <a:effectRef idx="0">
+                <a:schemeClr val="accent1"/>
+              </a:effectRef>
+              <a:fontRef idx="minor">
+                <a:schemeClr val="tx1"/>
+              </a:fontRef>
+            </p:style>
+          </p:cxnSp>
+          <p:cxnSp>
+            <p:nvCxnSpPr>
+              <p:cNvPr id="34" name="Connecteur droit 33">
+                <a:extLst>
+                  <a:ext uri="{FF2B5EF4-FFF2-40B4-BE49-F238E27FC236}">
+                    <a16:creationId xmlns:a16="http://schemas.microsoft.com/office/drawing/2014/main" id="{1513AF4C-DBF6-46AE-AB47-73ED2D464007}"/>
+                  </a:ext>
+                </a:extLst>
+              </p:cNvPr>
+              <p:cNvCxnSpPr/>
+              <p:nvPr/>
+            </p:nvCxnSpPr>
+            <p:spPr>
+              <a:xfrm flipH="1" flipV="1">
+                <a:off x="-2390432" y="-256808"/>
+                <a:ext cx="151" cy="1567518"/>
+              </a:xfrm>
+              <a:prstGeom prst="line">
+                <a:avLst/>
+              </a:prstGeom>
+              <a:ln w="19050">
+                <a:solidFill>
+                  <a:schemeClr val="tx1"/>
+                </a:solidFill>
+              </a:ln>
+            </p:spPr>
+            <p:style>
+              <a:lnRef idx="1">
+                <a:schemeClr val="accent1"/>
+              </a:lnRef>
+              <a:fillRef idx="0">
+                <a:schemeClr val="accent1"/>
+              </a:fillRef>
+              <a:effectRef idx="0">
+                <a:schemeClr val="accent1"/>
+              </a:effectRef>
+              <a:fontRef idx="minor">
+                <a:schemeClr val="tx1"/>
+              </a:fontRef>
+            </p:style>
+          </p:cxnSp>
+          <p:cxnSp>
+            <p:nvCxnSpPr>
+              <p:cNvPr id="35" name="Connecteur droit 34">
+                <a:extLst>
+                  <a:ext uri="{FF2B5EF4-FFF2-40B4-BE49-F238E27FC236}">
+                    <a16:creationId xmlns:a16="http://schemas.microsoft.com/office/drawing/2014/main" id="{E173A1D1-F2B1-4CF0-9FC9-6ACA72C39DA8}"/>
+                  </a:ext>
+                </a:extLst>
+              </p:cNvPr>
+              <p:cNvCxnSpPr/>
+              <p:nvPr/>
+            </p:nvCxnSpPr>
+            <p:spPr>
+              <a:xfrm>
+                <a:off x="-2879863" y="-256809"/>
+                <a:ext cx="489431" cy="0"/>
+              </a:xfrm>
+              <a:prstGeom prst="line">
+                <a:avLst/>
+              </a:prstGeom>
+              <a:ln w="19050">
+                <a:solidFill>
+                  <a:schemeClr val="tx1"/>
+                </a:solidFill>
+              </a:ln>
+            </p:spPr>
+            <p:style>
+              <a:lnRef idx="1">
+                <a:schemeClr val="accent1"/>
+              </a:lnRef>
+              <a:fillRef idx="0">
+                <a:schemeClr val="accent1"/>
+              </a:fillRef>
+              <a:effectRef idx="0">
+                <a:schemeClr val="accent1"/>
+              </a:effectRef>
+              <a:fontRef idx="minor">
+                <a:schemeClr val="tx1"/>
+              </a:fontRef>
+            </p:style>
+          </p:cxnSp>
+        </p:grpSp>
+        <p:cxnSp>
+          <p:nvCxnSpPr>
+            <p:cNvPr id="27" name="Connecteur droit 26">
+              <a:extLst>
+                <a:ext uri="{FF2B5EF4-FFF2-40B4-BE49-F238E27FC236}">
+                  <a16:creationId xmlns:a16="http://schemas.microsoft.com/office/drawing/2014/main" id="{BABAD46D-3356-4B0A-824F-A45D98C00D93}"/>
+                </a:ext>
+              </a:extLst>
+            </p:cNvPr>
+            <p:cNvCxnSpPr/>
+            <p:nvPr/>
+          </p:nvCxnSpPr>
+          <p:spPr>
+            <a:xfrm flipV="1">
+              <a:off x="3531611" y="371228"/>
+              <a:ext cx="0" cy="127760"/>
+            </a:xfrm>
+            <a:prstGeom prst="line">
+              <a:avLst/>
+            </a:prstGeom>
+            <a:ln w="19050">
+              <a:solidFill>
+                <a:schemeClr val="tx1"/>
+              </a:solidFill>
+            </a:ln>
+          </p:spPr>
+          <p:style>
+            <a:lnRef idx="1">
+              <a:schemeClr val="accent1"/>
+            </a:lnRef>
+            <a:fillRef idx="0">
+              <a:schemeClr val="accent1"/>
+            </a:fillRef>
+            <a:effectRef idx="0">
+              <a:schemeClr val="accent1"/>
+            </a:effectRef>
+            <a:fontRef idx="minor">
+              <a:schemeClr val="tx1"/>
+            </a:fontRef>
+          </p:style>
+        </p:cxnSp>
+      </p:grpSp>
+      <p:grpSp>
+        <p:nvGrpSpPr>
+          <p:cNvPr id="39" name="Groupe 38">
+            <a:extLst>
+              <a:ext uri="{FF2B5EF4-FFF2-40B4-BE49-F238E27FC236}">
+                <a16:creationId xmlns:a16="http://schemas.microsoft.com/office/drawing/2014/main" id="{30A52B61-D5E4-4981-8EDD-57A2B4FF9728}"/>
+              </a:ext>
+            </a:extLst>
+          </p:cNvPr>
+          <p:cNvGrpSpPr/>
+          <p:nvPr/>
+        </p:nvGrpSpPr>
+        <p:grpSpPr>
+          <a:xfrm>
+            <a:off x="4422591" y="740134"/>
+            <a:ext cx="777434" cy="1222192"/>
+            <a:chOff x="-2879874" y="-256809"/>
+            <a:chExt cx="489593" cy="1567519"/>
           </a:xfrm>
         </p:grpSpPr>
         <p:cxnSp>
           <p:nvCxnSpPr>
-            <p:cNvPr id="6" name="Connecteur droit 5"/>
+            <p:cNvPr id="40" name="Connecteur droit 39">
+              <a:extLst>
+                <a:ext uri="{FF2B5EF4-FFF2-40B4-BE49-F238E27FC236}">
+                  <a16:creationId xmlns:a16="http://schemas.microsoft.com/office/drawing/2014/main" id="{B5959B69-2295-4A6A-9E8E-BE85622388B4}"/>
+                </a:ext>
+              </a:extLst>
+            </p:cNvPr>
             <p:cNvCxnSpPr/>
             <p:nvPr/>
           </p:nvCxnSpPr>
@@ -10139,7 +10504,13 @@
         </p:cxnSp>
         <p:cxnSp>
           <p:nvCxnSpPr>
-            <p:cNvPr id="7" name="Connecteur droit 6"/>
+            <p:cNvPr id="41" name="Connecteur droit 40">
+              <a:extLst>
+                <a:ext uri="{FF2B5EF4-FFF2-40B4-BE49-F238E27FC236}">
+                  <a16:creationId xmlns:a16="http://schemas.microsoft.com/office/drawing/2014/main" id="{43955DFD-A584-4259-A672-EF594072475C}"/>
+                </a:ext>
+              </a:extLst>
+            </p:cNvPr>
             <p:cNvCxnSpPr/>
             <p:nvPr/>
           </p:nvCxnSpPr>
@@ -10174,13 +10545,19 @@
         </p:cxnSp>
         <p:cxnSp>
           <p:nvCxnSpPr>
-            <p:cNvPr id="8" name="Connecteur droit 7"/>
+            <p:cNvPr id="42" name="Connecteur droit 41">
+              <a:extLst>
+                <a:ext uri="{FF2B5EF4-FFF2-40B4-BE49-F238E27FC236}">
+                  <a16:creationId xmlns:a16="http://schemas.microsoft.com/office/drawing/2014/main" id="{ACD2C36A-226F-41E3-8810-CD86B136542F}"/>
+                </a:ext>
+              </a:extLst>
+            </p:cNvPr>
             <p:cNvCxnSpPr/>
             <p:nvPr/>
           </p:nvCxnSpPr>
           <p:spPr>
             <a:xfrm>
-              <a:off x="-2879863" y="-256809"/>
+              <a:off x="-2879874" y="-256809"/>
               <a:ext cx="489431" cy="0"/>
             </a:xfrm>
             <a:prstGeom prst="line">
@@ -10210,21 +10587,33 @@
       </p:grpSp>
       <p:grpSp>
         <p:nvGrpSpPr>
-          <p:cNvPr id="9" name="Groupe 8"/>
+          <p:cNvPr id="43" name="Groupe 42">
+            <a:extLst>
+              <a:ext uri="{FF2B5EF4-FFF2-40B4-BE49-F238E27FC236}">
+                <a16:creationId xmlns:a16="http://schemas.microsoft.com/office/drawing/2014/main" id="{5305609A-DAC9-4FD3-8AB4-51B2A631BE15}"/>
+              </a:ext>
+            </a:extLst>
+          </p:cNvPr>
           <p:cNvGrpSpPr/>
           <p:nvPr/>
         </p:nvGrpSpPr>
         <p:grpSpPr>
           <a:xfrm>
-            <a:off x="6708211" y="538396"/>
-            <a:ext cx="489582" cy="1345148"/>
-            <a:chOff x="-2879863" y="-256809"/>
-            <a:chExt cx="489582" cy="1567519"/>
+            <a:off x="2301119" y="740134"/>
+            <a:ext cx="690087" cy="1222192"/>
+            <a:chOff x="-2879874" y="-256809"/>
+            <a:chExt cx="489593" cy="1567519"/>
           </a:xfrm>
         </p:grpSpPr>
         <p:cxnSp>
           <p:nvCxnSpPr>
-            <p:cNvPr id="10" name="Connecteur droit 9"/>
+            <p:cNvPr id="44" name="Connecteur droit 43">
+              <a:extLst>
+                <a:ext uri="{FF2B5EF4-FFF2-40B4-BE49-F238E27FC236}">
+                  <a16:creationId xmlns:a16="http://schemas.microsoft.com/office/drawing/2014/main" id="{9F9024B3-CC6B-43BD-BF66-A24461D417C9}"/>
+                </a:ext>
+              </a:extLst>
+            </p:cNvPr>
             <p:cNvCxnSpPr/>
             <p:nvPr/>
           </p:nvCxnSpPr>
@@ -10259,7 +10648,13 @@
         </p:cxnSp>
         <p:cxnSp>
           <p:nvCxnSpPr>
-            <p:cNvPr id="11" name="Connecteur droit 10"/>
+            <p:cNvPr id="45" name="Connecteur droit 44">
+              <a:extLst>
+                <a:ext uri="{FF2B5EF4-FFF2-40B4-BE49-F238E27FC236}">
+                  <a16:creationId xmlns:a16="http://schemas.microsoft.com/office/drawing/2014/main" id="{28420A28-9E6D-4B29-B008-E6C048C610DA}"/>
+                </a:ext>
+              </a:extLst>
+            </p:cNvPr>
             <p:cNvCxnSpPr/>
             <p:nvPr/>
           </p:nvCxnSpPr>
@@ -10294,253 +10689,19 @@
         </p:cxnSp>
         <p:cxnSp>
           <p:nvCxnSpPr>
-            <p:cNvPr id="12" name="Connecteur droit 11"/>
+            <p:cNvPr id="46" name="Connecteur droit 45">
+              <a:extLst>
+                <a:ext uri="{FF2B5EF4-FFF2-40B4-BE49-F238E27FC236}">
+                  <a16:creationId xmlns:a16="http://schemas.microsoft.com/office/drawing/2014/main" id="{224A8FC7-9EBE-498D-BCA9-1792F90182A3}"/>
+                </a:ext>
+              </a:extLst>
+            </p:cNvPr>
             <p:cNvCxnSpPr/>
             <p:nvPr/>
           </p:nvCxnSpPr>
           <p:spPr>
             <a:xfrm>
-              <a:off x="-2879863" y="-256809"/>
-              <a:ext cx="489431" cy="0"/>
-            </a:xfrm>
-            <a:prstGeom prst="line">
-              <a:avLst/>
-            </a:prstGeom>
-            <a:ln w="19050">
-              <a:solidFill>
-                <a:schemeClr val="tx1"/>
-              </a:solidFill>
-            </a:ln>
-          </p:spPr>
-          <p:style>
-            <a:lnRef idx="1">
-              <a:schemeClr val="accent1"/>
-            </a:lnRef>
-            <a:fillRef idx="0">
-              <a:schemeClr val="accent1"/>
-            </a:fillRef>
-            <a:effectRef idx="0">
-              <a:schemeClr val="accent1"/>
-            </a:effectRef>
-            <a:fontRef idx="minor">
-              <a:schemeClr val="tx1"/>
-            </a:fontRef>
-          </p:style>
-        </p:cxnSp>
-      </p:grpSp>
-      <p:grpSp>
-        <p:nvGrpSpPr>
-          <p:cNvPr id="13" name="Groupe 12"/>
-          <p:cNvGrpSpPr/>
-          <p:nvPr/>
-        </p:nvGrpSpPr>
-        <p:grpSpPr>
-          <a:xfrm>
-            <a:off x="5137715" y="371226"/>
-            <a:ext cx="489582" cy="1442334"/>
-            <a:chOff x="-2879863" y="-256809"/>
-            <a:chExt cx="489582" cy="1567519"/>
-          </a:xfrm>
-        </p:grpSpPr>
-        <p:cxnSp>
-          <p:nvCxnSpPr>
-            <p:cNvPr id="14" name="Connecteur droit 13"/>
-            <p:cNvCxnSpPr/>
-            <p:nvPr/>
-          </p:nvCxnSpPr>
-          <p:spPr>
-            <a:xfrm flipV="1">
-              <a:off x="-2879863" y="-256808"/>
-              <a:ext cx="0" cy="159979"/>
-            </a:xfrm>
-            <a:prstGeom prst="line">
-              <a:avLst/>
-            </a:prstGeom>
-            <a:ln w="19050">
-              <a:solidFill>
-                <a:schemeClr val="tx1"/>
-              </a:solidFill>
-            </a:ln>
-          </p:spPr>
-          <p:style>
-            <a:lnRef idx="1">
-              <a:schemeClr val="accent1"/>
-            </a:lnRef>
-            <a:fillRef idx="0">
-              <a:schemeClr val="accent1"/>
-            </a:fillRef>
-            <a:effectRef idx="0">
-              <a:schemeClr val="accent1"/>
-            </a:effectRef>
-            <a:fontRef idx="minor">
-              <a:schemeClr val="tx1"/>
-            </a:fontRef>
-          </p:style>
-        </p:cxnSp>
-        <p:cxnSp>
-          <p:nvCxnSpPr>
-            <p:cNvPr id="15" name="Connecteur droit 14"/>
-            <p:cNvCxnSpPr/>
-            <p:nvPr/>
-          </p:nvCxnSpPr>
-          <p:spPr>
-            <a:xfrm flipH="1" flipV="1">
-              <a:off x="-2390432" y="-256808"/>
-              <a:ext cx="151" cy="1567518"/>
-            </a:xfrm>
-            <a:prstGeom prst="line">
-              <a:avLst/>
-            </a:prstGeom>
-            <a:ln w="19050">
-              <a:solidFill>
-                <a:schemeClr val="tx1"/>
-              </a:solidFill>
-            </a:ln>
-          </p:spPr>
-          <p:style>
-            <a:lnRef idx="1">
-              <a:schemeClr val="accent1"/>
-            </a:lnRef>
-            <a:fillRef idx="0">
-              <a:schemeClr val="accent1"/>
-            </a:fillRef>
-            <a:effectRef idx="0">
-              <a:schemeClr val="accent1"/>
-            </a:effectRef>
-            <a:fontRef idx="minor">
-              <a:schemeClr val="tx1"/>
-            </a:fontRef>
-          </p:style>
-        </p:cxnSp>
-        <p:cxnSp>
-          <p:nvCxnSpPr>
-            <p:cNvPr id="16" name="Connecteur droit 15"/>
-            <p:cNvCxnSpPr/>
-            <p:nvPr/>
-          </p:nvCxnSpPr>
-          <p:spPr>
-            <a:xfrm>
-              <a:off x="-2879863" y="-256809"/>
-              <a:ext cx="489431" cy="0"/>
-            </a:xfrm>
-            <a:prstGeom prst="line">
-              <a:avLst/>
-            </a:prstGeom>
-            <a:ln w="19050">
-              <a:solidFill>
-                <a:schemeClr val="tx1"/>
-              </a:solidFill>
-            </a:ln>
-          </p:spPr>
-          <p:style>
-            <a:lnRef idx="1">
-              <a:schemeClr val="accent1"/>
-            </a:lnRef>
-            <a:fillRef idx="0">
-              <a:schemeClr val="accent1"/>
-            </a:fillRef>
-            <a:effectRef idx="0">
-              <a:schemeClr val="accent1"/>
-            </a:effectRef>
-            <a:fontRef idx="minor">
-              <a:schemeClr val="tx1"/>
-            </a:fontRef>
-          </p:style>
-        </p:cxnSp>
-      </p:grpSp>
-      <p:grpSp>
-        <p:nvGrpSpPr>
-          <p:cNvPr id="17" name="Groupe 16"/>
-          <p:cNvGrpSpPr/>
-          <p:nvPr/>
-        </p:nvGrpSpPr>
-        <p:grpSpPr>
-          <a:xfrm>
-            <a:off x="3531611" y="371226"/>
-            <a:ext cx="489582" cy="1251834"/>
-            <a:chOff x="-2879863" y="-256809"/>
-            <a:chExt cx="489582" cy="1567519"/>
-          </a:xfrm>
-        </p:grpSpPr>
-        <p:cxnSp>
-          <p:nvCxnSpPr>
-            <p:cNvPr id="18" name="Connecteur droit 17"/>
-            <p:cNvCxnSpPr/>
-            <p:nvPr/>
-          </p:nvCxnSpPr>
-          <p:spPr>
-            <a:xfrm flipV="1">
-              <a:off x="-2879863" y="-256808"/>
-              <a:ext cx="0" cy="159979"/>
-            </a:xfrm>
-            <a:prstGeom prst="line">
-              <a:avLst/>
-            </a:prstGeom>
-            <a:ln w="19050">
-              <a:solidFill>
-                <a:schemeClr val="tx1"/>
-              </a:solidFill>
-            </a:ln>
-          </p:spPr>
-          <p:style>
-            <a:lnRef idx="1">
-              <a:schemeClr val="accent1"/>
-            </a:lnRef>
-            <a:fillRef idx="0">
-              <a:schemeClr val="accent1"/>
-            </a:fillRef>
-            <a:effectRef idx="0">
-              <a:schemeClr val="accent1"/>
-            </a:effectRef>
-            <a:fontRef idx="minor">
-              <a:schemeClr val="tx1"/>
-            </a:fontRef>
-          </p:style>
-        </p:cxnSp>
-        <p:cxnSp>
-          <p:nvCxnSpPr>
-            <p:cNvPr id="19" name="Connecteur droit 18"/>
-            <p:cNvCxnSpPr/>
-            <p:nvPr/>
-          </p:nvCxnSpPr>
-          <p:spPr>
-            <a:xfrm flipH="1" flipV="1">
-              <a:off x="-2390432" y="-256808"/>
-              <a:ext cx="151" cy="1567518"/>
-            </a:xfrm>
-            <a:prstGeom prst="line">
-              <a:avLst/>
-            </a:prstGeom>
-            <a:ln w="19050">
-              <a:solidFill>
-                <a:schemeClr val="tx1"/>
-              </a:solidFill>
-            </a:ln>
-          </p:spPr>
-          <p:style>
-            <a:lnRef idx="1">
-              <a:schemeClr val="accent1"/>
-            </a:lnRef>
-            <a:fillRef idx="0">
-              <a:schemeClr val="accent1"/>
-            </a:fillRef>
-            <a:effectRef idx="0">
-              <a:schemeClr val="accent1"/>
-            </a:effectRef>
-            <a:fontRef idx="minor">
-              <a:schemeClr val="tx1"/>
-            </a:fontRef>
-          </p:style>
-        </p:cxnSp>
-        <p:cxnSp>
-          <p:nvCxnSpPr>
-            <p:cNvPr id="20" name="Connecteur droit 19"/>
-            <p:cNvCxnSpPr/>
-            <p:nvPr/>
-          </p:nvCxnSpPr>
-          <p:spPr>
-            <a:xfrm>
-              <a:off x="-2879863" y="-256809"/>
+              <a:off x="-2879874" y="-256809"/>
               <a:ext cx="489431" cy="0"/>
             </a:xfrm>
             <a:prstGeom prst="line">
@@ -10598,911 +10759,932 @@
           <a:chExt cx="0" cy="0"/>
         </a:xfrm>
       </p:grpSpPr>
-      <p:graphicFrame>
-        <p:nvGraphicFramePr>
-          <p:cNvPr id="4" name="Graphique 3">
+      <p:grpSp>
+        <p:nvGrpSpPr>
+          <p:cNvPr id="2" name="Groupe 1">
             <a:extLst>
               <a:ext uri="{FF2B5EF4-FFF2-40B4-BE49-F238E27FC236}">
-                <a16:creationId xmlns:a16="http://schemas.microsoft.com/office/drawing/2014/main" id="{737046E0-D640-4DAC-9D3D-356757348A77}"/>
+                <a16:creationId xmlns:a16="http://schemas.microsoft.com/office/drawing/2014/main" id="{2999B1B9-E919-497B-A444-D7A68BDCFCD1}"/>
               </a:ext>
             </a:extLst>
           </p:cNvPr>
-          <p:cNvGraphicFramePr>
-            <a:graphicFrameLocks/>
-          </p:cNvGraphicFramePr>
-          <p:nvPr>
-            <p:extLst>
-              <p:ext uri="{D42A27DB-BD31-4B8C-83A1-F6EECF244321}">
-                <p14:modId xmlns:p14="http://schemas.microsoft.com/office/powerpoint/2010/main" val="807367978"/>
-              </p:ext>
-            </p:extLst>
-          </p:nvPr>
-        </p:nvGraphicFramePr>
-        <p:xfrm>
-          <a:off x="1970245" y="639484"/>
-          <a:ext cx="9482615" cy="6088976"/>
-        </p:xfrm>
-        <a:graphic>
-          <a:graphicData uri="http://schemas.openxmlformats.org/drawingml/2006/chart">
-            <c:chart xmlns:c="http://schemas.openxmlformats.org/drawingml/2006/chart" xmlns:r="http://schemas.openxmlformats.org/officeDocument/2006/relationships" r:id="rId2"/>
-          </a:graphicData>
-        </a:graphic>
-      </p:graphicFrame>
-      <p:grpSp>
-        <p:nvGrpSpPr>
-          <p:cNvPr id="5" name="Groupe 4"/>
           <p:cNvGrpSpPr/>
           <p:nvPr/>
         </p:nvGrpSpPr>
         <p:grpSpPr>
           <a:xfrm>
-            <a:off x="8815461" y="1413731"/>
-            <a:ext cx="448225" cy="1740369"/>
-            <a:chOff x="-2879863" y="-256809"/>
-            <a:chExt cx="489582" cy="1567519"/>
+            <a:off x="478118" y="215153"/>
+            <a:ext cx="11187953" cy="6513307"/>
+            <a:chOff x="1970245" y="639484"/>
+            <a:chExt cx="9482615" cy="6088976"/>
           </a:xfrm>
         </p:grpSpPr>
-        <p:cxnSp>
-          <p:nvCxnSpPr>
-            <p:cNvPr id="6" name="Connecteur droit 5"/>
-            <p:cNvCxnSpPr/>
+        <p:graphicFrame>
+          <p:nvGraphicFramePr>
+            <p:cNvPr id="4" name="Graphique 3">
+              <a:extLst>
+                <a:ext uri="{FF2B5EF4-FFF2-40B4-BE49-F238E27FC236}">
+                  <a16:creationId xmlns:a16="http://schemas.microsoft.com/office/drawing/2014/main" id="{737046E0-D640-4DAC-9D3D-356757348A77}"/>
+                </a:ext>
+              </a:extLst>
+            </p:cNvPr>
+            <p:cNvGraphicFramePr>
+              <a:graphicFrameLocks/>
+            </p:cNvGraphicFramePr>
+            <p:nvPr>
+              <p:extLst>
+                <p:ext uri="{D42A27DB-BD31-4B8C-83A1-F6EECF244321}">
+                  <p14:modId xmlns:p14="http://schemas.microsoft.com/office/powerpoint/2010/main" val="219178459"/>
+                </p:ext>
+              </p:extLst>
+            </p:nvPr>
+          </p:nvGraphicFramePr>
+          <p:xfrm>
+            <a:off x="1970245" y="639484"/>
+            <a:ext cx="9482615" cy="6088976"/>
+          </p:xfrm>
+          <a:graphic>
+            <a:graphicData uri="http://schemas.openxmlformats.org/drawingml/2006/chart">
+              <c:chart xmlns:c="http://schemas.openxmlformats.org/drawingml/2006/chart" xmlns:r="http://schemas.openxmlformats.org/officeDocument/2006/relationships" r:id="rId2"/>
+            </a:graphicData>
+          </a:graphic>
+        </p:graphicFrame>
+        <p:grpSp>
+          <p:nvGrpSpPr>
+            <p:cNvPr id="5" name="Groupe 4"/>
+            <p:cNvGrpSpPr/>
             <p:nvPr/>
-          </p:nvCxnSpPr>
+          </p:nvGrpSpPr>
+          <p:grpSpPr>
+            <a:xfrm>
+              <a:off x="8815461" y="1413731"/>
+              <a:ext cx="448225" cy="1740369"/>
+              <a:chOff x="-2879863" y="-256809"/>
+              <a:chExt cx="489582" cy="1567519"/>
+            </a:xfrm>
+          </p:grpSpPr>
+          <p:cxnSp>
+            <p:nvCxnSpPr>
+              <p:cNvPr id="6" name="Connecteur droit 5"/>
+              <p:cNvCxnSpPr/>
+              <p:nvPr/>
+            </p:nvCxnSpPr>
+            <p:spPr>
+              <a:xfrm flipV="1">
+                <a:off x="-2879863" y="-256808"/>
+                <a:ext cx="0" cy="159979"/>
+              </a:xfrm>
+              <a:prstGeom prst="line">
+                <a:avLst/>
+              </a:prstGeom>
+              <a:ln w="19050">
+                <a:solidFill>
+                  <a:schemeClr val="tx1"/>
+                </a:solidFill>
+              </a:ln>
+            </p:spPr>
+            <p:style>
+              <a:lnRef idx="1">
+                <a:schemeClr val="accent1"/>
+              </a:lnRef>
+              <a:fillRef idx="0">
+                <a:schemeClr val="accent1"/>
+              </a:fillRef>
+              <a:effectRef idx="0">
+                <a:schemeClr val="accent1"/>
+              </a:effectRef>
+              <a:fontRef idx="minor">
+                <a:schemeClr val="tx1"/>
+              </a:fontRef>
+            </p:style>
+          </p:cxnSp>
+          <p:cxnSp>
+            <p:nvCxnSpPr>
+              <p:cNvPr id="7" name="Connecteur droit 6"/>
+              <p:cNvCxnSpPr/>
+              <p:nvPr/>
+            </p:nvCxnSpPr>
+            <p:spPr>
+              <a:xfrm flipH="1" flipV="1">
+                <a:off x="-2390432" y="-256808"/>
+                <a:ext cx="151" cy="1567518"/>
+              </a:xfrm>
+              <a:prstGeom prst="line">
+                <a:avLst/>
+              </a:prstGeom>
+              <a:ln w="19050">
+                <a:solidFill>
+                  <a:schemeClr val="tx1"/>
+                </a:solidFill>
+              </a:ln>
+            </p:spPr>
+            <p:style>
+              <a:lnRef idx="1">
+                <a:schemeClr val="accent1"/>
+              </a:lnRef>
+              <a:fillRef idx="0">
+                <a:schemeClr val="accent1"/>
+              </a:fillRef>
+              <a:effectRef idx="0">
+                <a:schemeClr val="accent1"/>
+              </a:effectRef>
+              <a:fontRef idx="minor">
+                <a:schemeClr val="tx1"/>
+              </a:fontRef>
+            </p:style>
+          </p:cxnSp>
+          <p:cxnSp>
+            <p:nvCxnSpPr>
+              <p:cNvPr id="8" name="Connecteur droit 7"/>
+              <p:cNvCxnSpPr/>
+              <p:nvPr/>
+            </p:nvCxnSpPr>
+            <p:spPr>
+              <a:xfrm>
+                <a:off x="-2879863" y="-256809"/>
+                <a:ext cx="489431" cy="0"/>
+              </a:xfrm>
+              <a:prstGeom prst="line">
+                <a:avLst/>
+              </a:prstGeom>
+              <a:ln w="19050">
+                <a:solidFill>
+                  <a:schemeClr val="tx1"/>
+                </a:solidFill>
+              </a:ln>
+            </p:spPr>
+            <p:style>
+              <a:lnRef idx="1">
+                <a:schemeClr val="accent1"/>
+              </a:lnRef>
+              <a:fillRef idx="0">
+                <a:schemeClr val="accent1"/>
+              </a:fillRef>
+              <a:effectRef idx="0">
+                <a:schemeClr val="accent1"/>
+              </a:effectRef>
+              <a:fontRef idx="minor">
+                <a:schemeClr val="tx1"/>
+              </a:fontRef>
+            </p:style>
+          </p:cxnSp>
+        </p:grpSp>
+        <p:grpSp>
+          <p:nvGrpSpPr>
+            <p:cNvPr id="9" name="Groupe 8"/>
+            <p:cNvGrpSpPr/>
+            <p:nvPr/>
+          </p:nvGrpSpPr>
+          <p:grpSpPr>
+            <a:xfrm>
+              <a:off x="7168789" y="1332156"/>
+              <a:ext cx="410751" cy="1004047"/>
+              <a:chOff x="-2879863" y="-256809"/>
+              <a:chExt cx="489582" cy="1567519"/>
+            </a:xfrm>
+          </p:grpSpPr>
+          <p:cxnSp>
+            <p:nvCxnSpPr>
+              <p:cNvPr id="10" name="Connecteur droit 9"/>
+              <p:cNvCxnSpPr/>
+              <p:nvPr/>
+            </p:nvCxnSpPr>
+            <p:spPr>
+              <a:xfrm flipV="1">
+                <a:off x="-2879863" y="-256808"/>
+                <a:ext cx="0" cy="159979"/>
+              </a:xfrm>
+              <a:prstGeom prst="line">
+                <a:avLst/>
+              </a:prstGeom>
+              <a:ln w="19050">
+                <a:solidFill>
+                  <a:schemeClr val="tx1"/>
+                </a:solidFill>
+              </a:ln>
+            </p:spPr>
+            <p:style>
+              <a:lnRef idx="1">
+                <a:schemeClr val="accent1"/>
+              </a:lnRef>
+              <a:fillRef idx="0">
+                <a:schemeClr val="accent1"/>
+              </a:fillRef>
+              <a:effectRef idx="0">
+                <a:schemeClr val="accent1"/>
+              </a:effectRef>
+              <a:fontRef idx="minor">
+                <a:schemeClr val="tx1"/>
+              </a:fontRef>
+            </p:style>
+          </p:cxnSp>
+          <p:cxnSp>
+            <p:nvCxnSpPr>
+              <p:cNvPr id="11" name="Connecteur droit 10"/>
+              <p:cNvCxnSpPr/>
+              <p:nvPr/>
+            </p:nvCxnSpPr>
+            <p:spPr>
+              <a:xfrm flipH="1" flipV="1">
+                <a:off x="-2390432" y="-256808"/>
+                <a:ext cx="151" cy="1567518"/>
+              </a:xfrm>
+              <a:prstGeom prst="line">
+                <a:avLst/>
+              </a:prstGeom>
+              <a:ln w="19050">
+                <a:solidFill>
+                  <a:schemeClr val="tx1"/>
+                </a:solidFill>
+              </a:ln>
+            </p:spPr>
+            <p:style>
+              <a:lnRef idx="1">
+                <a:schemeClr val="accent1"/>
+              </a:lnRef>
+              <a:fillRef idx="0">
+                <a:schemeClr val="accent1"/>
+              </a:fillRef>
+              <a:effectRef idx="0">
+                <a:schemeClr val="accent1"/>
+              </a:effectRef>
+              <a:fontRef idx="minor">
+                <a:schemeClr val="tx1"/>
+              </a:fontRef>
+            </p:style>
+          </p:cxnSp>
+          <p:cxnSp>
+            <p:nvCxnSpPr>
+              <p:cNvPr id="12" name="Connecteur droit 11"/>
+              <p:cNvCxnSpPr/>
+              <p:nvPr/>
+            </p:nvCxnSpPr>
+            <p:spPr>
+              <a:xfrm>
+                <a:off x="-2879863" y="-256809"/>
+                <a:ext cx="489431" cy="0"/>
+              </a:xfrm>
+              <a:prstGeom prst="line">
+                <a:avLst/>
+              </a:prstGeom>
+              <a:ln w="19050">
+                <a:solidFill>
+                  <a:schemeClr val="tx1"/>
+                </a:solidFill>
+              </a:ln>
+            </p:spPr>
+            <p:style>
+              <a:lnRef idx="1">
+                <a:schemeClr val="accent1"/>
+              </a:lnRef>
+              <a:fillRef idx="0">
+                <a:schemeClr val="accent1"/>
+              </a:fillRef>
+              <a:effectRef idx="0">
+                <a:schemeClr val="accent1"/>
+              </a:effectRef>
+              <a:fontRef idx="minor">
+                <a:schemeClr val="tx1"/>
+              </a:fontRef>
+            </p:style>
+          </p:cxnSp>
+        </p:grpSp>
+        <p:grpSp>
+          <p:nvGrpSpPr>
+            <p:cNvPr id="13" name="Groupe 12"/>
+            <p:cNvGrpSpPr/>
+            <p:nvPr/>
+          </p:nvGrpSpPr>
+          <p:grpSpPr>
+            <a:xfrm>
+              <a:off x="5474911" y="1455267"/>
+              <a:ext cx="448225" cy="1222192"/>
+              <a:chOff x="-2879863" y="-256809"/>
+              <a:chExt cx="489582" cy="1567519"/>
+            </a:xfrm>
+          </p:grpSpPr>
+          <p:cxnSp>
+            <p:nvCxnSpPr>
+              <p:cNvPr id="14" name="Connecteur droit 13"/>
+              <p:cNvCxnSpPr/>
+              <p:nvPr/>
+            </p:nvCxnSpPr>
+            <p:spPr>
+              <a:xfrm flipV="1">
+                <a:off x="-2879863" y="-256808"/>
+                <a:ext cx="0" cy="159979"/>
+              </a:xfrm>
+              <a:prstGeom prst="line">
+                <a:avLst/>
+              </a:prstGeom>
+              <a:ln w="19050">
+                <a:solidFill>
+                  <a:schemeClr val="tx1"/>
+                </a:solidFill>
+              </a:ln>
+            </p:spPr>
+            <p:style>
+              <a:lnRef idx="1">
+                <a:schemeClr val="accent1"/>
+              </a:lnRef>
+              <a:fillRef idx="0">
+                <a:schemeClr val="accent1"/>
+              </a:fillRef>
+              <a:effectRef idx="0">
+                <a:schemeClr val="accent1"/>
+              </a:effectRef>
+              <a:fontRef idx="minor">
+                <a:schemeClr val="tx1"/>
+              </a:fontRef>
+            </p:style>
+          </p:cxnSp>
+          <p:cxnSp>
+            <p:nvCxnSpPr>
+              <p:cNvPr id="15" name="Connecteur droit 14"/>
+              <p:cNvCxnSpPr/>
+              <p:nvPr/>
+            </p:nvCxnSpPr>
+            <p:spPr>
+              <a:xfrm flipH="1" flipV="1">
+                <a:off x="-2390432" y="-256808"/>
+                <a:ext cx="151" cy="1567518"/>
+              </a:xfrm>
+              <a:prstGeom prst="line">
+                <a:avLst/>
+              </a:prstGeom>
+              <a:ln w="19050">
+                <a:solidFill>
+                  <a:schemeClr val="tx1"/>
+                </a:solidFill>
+              </a:ln>
+            </p:spPr>
+            <p:style>
+              <a:lnRef idx="1">
+                <a:schemeClr val="accent1"/>
+              </a:lnRef>
+              <a:fillRef idx="0">
+                <a:schemeClr val="accent1"/>
+              </a:fillRef>
+              <a:effectRef idx="0">
+                <a:schemeClr val="accent1"/>
+              </a:effectRef>
+              <a:fontRef idx="minor">
+                <a:schemeClr val="tx1"/>
+              </a:fontRef>
+            </p:style>
+          </p:cxnSp>
+          <p:cxnSp>
+            <p:nvCxnSpPr>
+              <p:cNvPr id="16" name="Connecteur droit 15"/>
+              <p:cNvCxnSpPr/>
+              <p:nvPr/>
+            </p:nvCxnSpPr>
+            <p:spPr>
+              <a:xfrm>
+                <a:off x="-2879863" y="-256809"/>
+                <a:ext cx="489431" cy="0"/>
+              </a:xfrm>
+              <a:prstGeom prst="line">
+                <a:avLst/>
+              </a:prstGeom>
+              <a:ln w="19050">
+                <a:solidFill>
+                  <a:schemeClr val="tx1"/>
+                </a:solidFill>
+              </a:ln>
+            </p:spPr>
+            <p:style>
+              <a:lnRef idx="1">
+                <a:schemeClr val="accent1"/>
+              </a:lnRef>
+              <a:fillRef idx="0">
+                <a:schemeClr val="accent1"/>
+              </a:fillRef>
+              <a:effectRef idx="0">
+                <a:schemeClr val="accent1"/>
+              </a:effectRef>
+              <a:fontRef idx="minor">
+                <a:schemeClr val="tx1"/>
+              </a:fontRef>
+            </p:style>
+          </p:cxnSp>
+        </p:grpSp>
+        <p:grpSp>
+          <p:nvGrpSpPr>
+            <p:cNvPr id="17" name="Groupe 16"/>
+            <p:cNvGrpSpPr/>
+            <p:nvPr/>
+          </p:nvGrpSpPr>
+          <p:grpSpPr>
+            <a:xfrm>
+              <a:off x="3752065" y="1286164"/>
+              <a:ext cx="448225" cy="1371604"/>
+              <a:chOff x="-2879863" y="-256809"/>
+              <a:chExt cx="489582" cy="1567519"/>
+            </a:xfrm>
+          </p:grpSpPr>
+          <p:cxnSp>
+            <p:nvCxnSpPr>
+              <p:cNvPr id="18" name="Connecteur droit 17"/>
+              <p:cNvCxnSpPr/>
+              <p:nvPr/>
+            </p:nvCxnSpPr>
+            <p:spPr>
+              <a:xfrm flipV="1">
+                <a:off x="-2879863" y="-256808"/>
+                <a:ext cx="0" cy="159979"/>
+              </a:xfrm>
+              <a:prstGeom prst="line">
+                <a:avLst/>
+              </a:prstGeom>
+              <a:ln w="19050">
+                <a:solidFill>
+                  <a:schemeClr val="tx1"/>
+                </a:solidFill>
+              </a:ln>
+            </p:spPr>
+            <p:style>
+              <a:lnRef idx="1">
+                <a:schemeClr val="accent1"/>
+              </a:lnRef>
+              <a:fillRef idx="0">
+                <a:schemeClr val="accent1"/>
+              </a:fillRef>
+              <a:effectRef idx="0">
+                <a:schemeClr val="accent1"/>
+              </a:effectRef>
+              <a:fontRef idx="minor">
+                <a:schemeClr val="tx1"/>
+              </a:fontRef>
+            </p:style>
+          </p:cxnSp>
+          <p:cxnSp>
+            <p:nvCxnSpPr>
+              <p:cNvPr id="19" name="Connecteur droit 18"/>
+              <p:cNvCxnSpPr/>
+              <p:nvPr/>
+            </p:nvCxnSpPr>
+            <p:spPr>
+              <a:xfrm flipH="1" flipV="1">
+                <a:off x="-2390432" y="-256808"/>
+                <a:ext cx="151" cy="1567518"/>
+              </a:xfrm>
+              <a:prstGeom prst="line">
+                <a:avLst/>
+              </a:prstGeom>
+              <a:ln w="19050">
+                <a:solidFill>
+                  <a:schemeClr val="tx1"/>
+                </a:solidFill>
+              </a:ln>
+            </p:spPr>
+            <p:style>
+              <a:lnRef idx="1">
+                <a:schemeClr val="accent1"/>
+              </a:lnRef>
+              <a:fillRef idx="0">
+                <a:schemeClr val="accent1"/>
+              </a:fillRef>
+              <a:effectRef idx="0">
+                <a:schemeClr val="accent1"/>
+              </a:effectRef>
+              <a:fontRef idx="minor">
+                <a:schemeClr val="tx1"/>
+              </a:fontRef>
+            </p:style>
+          </p:cxnSp>
+          <p:cxnSp>
+            <p:nvCxnSpPr>
+              <p:cNvPr id="20" name="Connecteur droit 19"/>
+              <p:cNvCxnSpPr/>
+              <p:nvPr/>
+            </p:nvCxnSpPr>
+            <p:spPr>
+              <a:xfrm>
+                <a:off x="-2879863" y="-256809"/>
+                <a:ext cx="489431" cy="0"/>
+              </a:xfrm>
+              <a:prstGeom prst="line">
+                <a:avLst/>
+              </a:prstGeom>
+              <a:ln w="19050">
+                <a:solidFill>
+                  <a:schemeClr val="tx1"/>
+                </a:solidFill>
+              </a:ln>
+            </p:spPr>
+            <p:style>
+              <a:lnRef idx="1">
+                <a:schemeClr val="accent1"/>
+              </a:lnRef>
+              <a:fillRef idx="0">
+                <a:schemeClr val="accent1"/>
+              </a:fillRef>
+              <a:effectRef idx="0">
+                <a:schemeClr val="accent1"/>
+              </a:effectRef>
+              <a:fontRef idx="minor">
+                <a:schemeClr val="tx1"/>
+              </a:fontRef>
+            </p:style>
+          </p:cxnSp>
+        </p:grpSp>
+        <p:sp>
+          <p:nvSpPr>
+            <p:cNvPr id="21" name="ZoneTexte 35"/>
+            <p:cNvSpPr txBox="1"/>
+            <p:nvPr/>
+          </p:nvSpPr>
           <p:spPr>
-            <a:xfrm flipV="1">
-              <a:off x="-2879863" y="-256808"/>
-              <a:ext cx="0" cy="159979"/>
+            <a:xfrm>
+              <a:off x="3321613" y="778158"/>
+              <a:ext cx="1003800" cy="369332"/>
             </a:xfrm>
-            <a:prstGeom prst="line">
+            <a:prstGeom prst="rect">
               <a:avLst/>
             </a:prstGeom>
-            <a:ln w="19050">
-              <a:solidFill>
-                <a:schemeClr val="tx1"/>
-              </a:solidFill>
+            <a:noFill/>
+            <a:ln>
+              <a:noFill/>
             </a:ln>
           </p:spPr>
-          <p:style>
-            <a:lnRef idx="1">
-              <a:schemeClr val="accent1"/>
-            </a:lnRef>
-            <a:fillRef idx="0">
-              <a:schemeClr val="accent1"/>
-            </a:fillRef>
-            <a:effectRef idx="0">
-              <a:schemeClr val="accent1"/>
-            </a:effectRef>
-            <a:fontRef idx="minor">
-              <a:schemeClr val="tx1"/>
-            </a:fontRef>
-          </p:style>
-        </p:cxnSp>
-        <p:cxnSp>
-          <p:nvCxnSpPr>
-            <p:cNvPr id="7" name="Connecteur droit 6"/>
-            <p:cNvCxnSpPr/>
+          <p:txBody>
+            <a:bodyPr wrap="none" rtlCol="0">
+              <a:spAutoFit/>
+            </a:bodyPr>
+            <a:lstStyle>
+              <a:lvl1pPr marL="0" indent="0">
+                <a:defRPr sz="1100">
+                  <a:latin typeface="+mn-lt"/>
+                  <a:ea typeface="+mn-ea"/>
+                  <a:cs typeface="+mn-cs"/>
+                </a:defRPr>
+              </a:lvl1pPr>
+              <a:lvl2pPr marL="457200" indent="0">
+                <a:defRPr sz="1100">
+                  <a:latin typeface="+mn-lt"/>
+                  <a:ea typeface="+mn-ea"/>
+                  <a:cs typeface="+mn-cs"/>
+                </a:defRPr>
+              </a:lvl2pPr>
+              <a:lvl3pPr marL="914400" indent="0">
+                <a:defRPr sz="1100">
+                  <a:latin typeface="+mn-lt"/>
+                  <a:ea typeface="+mn-ea"/>
+                  <a:cs typeface="+mn-cs"/>
+                </a:defRPr>
+              </a:lvl3pPr>
+              <a:lvl4pPr marL="1371600" indent="0">
+                <a:defRPr sz="1100">
+                  <a:latin typeface="+mn-lt"/>
+                  <a:ea typeface="+mn-ea"/>
+                  <a:cs typeface="+mn-cs"/>
+                </a:defRPr>
+              </a:lvl4pPr>
+              <a:lvl5pPr marL="1828800" indent="0">
+                <a:defRPr sz="1100">
+                  <a:latin typeface="+mn-lt"/>
+                  <a:ea typeface="+mn-ea"/>
+                  <a:cs typeface="+mn-cs"/>
+                </a:defRPr>
+              </a:lvl5pPr>
+              <a:lvl6pPr marL="2286000" indent="0">
+                <a:defRPr sz="1100">
+                  <a:latin typeface="+mn-lt"/>
+                  <a:ea typeface="+mn-ea"/>
+                  <a:cs typeface="+mn-cs"/>
+                </a:defRPr>
+              </a:lvl6pPr>
+              <a:lvl7pPr marL="2743200" indent="0">
+                <a:defRPr sz="1100">
+                  <a:latin typeface="+mn-lt"/>
+                  <a:ea typeface="+mn-ea"/>
+                  <a:cs typeface="+mn-cs"/>
+                </a:defRPr>
+              </a:lvl7pPr>
+              <a:lvl8pPr marL="3200400" indent="0">
+                <a:defRPr sz="1100">
+                  <a:latin typeface="+mn-lt"/>
+                  <a:ea typeface="+mn-ea"/>
+                  <a:cs typeface="+mn-cs"/>
+                </a:defRPr>
+              </a:lvl8pPr>
+              <a:lvl9pPr marL="3657600" indent="0">
+                <a:defRPr sz="1100">
+                  <a:latin typeface="+mn-lt"/>
+                  <a:ea typeface="+mn-ea"/>
+                  <a:cs typeface="+mn-cs"/>
+                </a:defRPr>
+              </a:lvl9pPr>
+            </a:lstStyle>
+            <a:p>
+              <a:pPr algn="ctr"/>
+              <a:r>
+                <a:rPr lang="fr-FR" sz="1800" b="1" dirty="0"/>
+                <a:t>*   r= 0.5</a:t>
+              </a:r>
+              <a:endParaRPr lang="fr-FR" sz="1400" b="1" dirty="0"/>
+            </a:p>
+          </p:txBody>
+        </p:sp>
+        <p:sp>
+          <p:nvSpPr>
+            <p:cNvPr id="23" name="ZoneTexte 35"/>
+            <p:cNvSpPr txBox="1"/>
             <p:nvPr/>
-          </p:nvCxnSpPr>
+          </p:nvSpPr>
           <p:spPr>
-            <a:xfrm flipH="1" flipV="1">
-              <a:off x="-2390432" y="-256808"/>
-              <a:ext cx="151" cy="1567518"/>
+            <a:xfrm>
+              <a:off x="6472022" y="778158"/>
+              <a:ext cx="1701107" cy="369332"/>
             </a:xfrm>
-            <a:prstGeom prst="line">
+            <a:prstGeom prst="rect">
               <a:avLst/>
             </a:prstGeom>
-            <a:ln w="19050">
-              <a:solidFill>
-                <a:schemeClr val="tx1"/>
-              </a:solidFill>
+            <a:noFill/>
+            <a:ln>
+              <a:noFill/>
             </a:ln>
           </p:spPr>
-          <p:style>
-            <a:lnRef idx="1">
-              <a:schemeClr val="accent1"/>
-            </a:lnRef>
-            <a:fillRef idx="0">
-              <a:schemeClr val="accent1"/>
-            </a:fillRef>
-            <a:effectRef idx="0">
-              <a:schemeClr val="accent1"/>
-            </a:effectRef>
-            <a:fontRef idx="minor">
-              <a:schemeClr val="tx1"/>
-            </a:fontRef>
-          </p:style>
-        </p:cxnSp>
-        <p:cxnSp>
-          <p:nvCxnSpPr>
-            <p:cNvPr id="8" name="Connecteur droit 7"/>
-            <p:cNvCxnSpPr/>
+          <p:txBody>
+            <a:bodyPr wrap="none" rtlCol="0">
+              <a:spAutoFit/>
+            </a:bodyPr>
+            <a:lstStyle>
+              <a:lvl1pPr marL="0" indent="0">
+                <a:defRPr sz="1100">
+                  <a:latin typeface="+mn-lt"/>
+                  <a:ea typeface="+mn-ea"/>
+                  <a:cs typeface="+mn-cs"/>
+                </a:defRPr>
+              </a:lvl1pPr>
+              <a:lvl2pPr marL="457200" indent="0">
+                <a:defRPr sz="1100">
+                  <a:latin typeface="+mn-lt"/>
+                  <a:ea typeface="+mn-ea"/>
+                  <a:cs typeface="+mn-cs"/>
+                </a:defRPr>
+              </a:lvl2pPr>
+              <a:lvl3pPr marL="914400" indent="0">
+                <a:defRPr sz="1100">
+                  <a:latin typeface="+mn-lt"/>
+                  <a:ea typeface="+mn-ea"/>
+                  <a:cs typeface="+mn-cs"/>
+                </a:defRPr>
+              </a:lvl3pPr>
+              <a:lvl4pPr marL="1371600" indent="0">
+                <a:defRPr sz="1100">
+                  <a:latin typeface="+mn-lt"/>
+                  <a:ea typeface="+mn-ea"/>
+                  <a:cs typeface="+mn-cs"/>
+                </a:defRPr>
+              </a:lvl4pPr>
+              <a:lvl5pPr marL="1828800" indent="0">
+                <a:defRPr sz="1100">
+                  <a:latin typeface="+mn-lt"/>
+                  <a:ea typeface="+mn-ea"/>
+                  <a:cs typeface="+mn-cs"/>
+                </a:defRPr>
+              </a:lvl5pPr>
+              <a:lvl6pPr marL="2286000" indent="0">
+                <a:defRPr sz="1100">
+                  <a:latin typeface="+mn-lt"/>
+                  <a:ea typeface="+mn-ea"/>
+                  <a:cs typeface="+mn-cs"/>
+                </a:defRPr>
+              </a:lvl6pPr>
+              <a:lvl7pPr marL="2743200" indent="0">
+                <a:defRPr sz="1100">
+                  <a:latin typeface="+mn-lt"/>
+                  <a:ea typeface="+mn-ea"/>
+                  <a:cs typeface="+mn-cs"/>
+                </a:defRPr>
+              </a:lvl7pPr>
+              <a:lvl8pPr marL="3200400" indent="0">
+                <a:defRPr sz="1100">
+                  <a:latin typeface="+mn-lt"/>
+                  <a:ea typeface="+mn-ea"/>
+                  <a:cs typeface="+mn-cs"/>
+                </a:defRPr>
+              </a:lvl8pPr>
+              <a:lvl9pPr marL="3657600" indent="0">
+                <a:defRPr sz="1100">
+                  <a:latin typeface="+mn-lt"/>
+                  <a:ea typeface="+mn-ea"/>
+                  <a:cs typeface="+mn-cs"/>
+                </a:defRPr>
+              </a:lvl9pPr>
+            </a:lstStyle>
+            <a:p>
+              <a:r>
+                <a:rPr lang="fr-FR" sz="1800" b="1" dirty="0"/>
+                <a:t>P= 0,003   r=0.3</a:t>
+              </a:r>
+              <a:endParaRPr lang="fr-FR" sz="1400" b="1" dirty="0"/>
+            </a:p>
+          </p:txBody>
+        </p:sp>
+        <p:sp>
+          <p:nvSpPr>
+            <p:cNvPr id="24" name="ZoneTexte 35"/>
+            <p:cNvSpPr txBox="1"/>
             <p:nvPr/>
-          </p:nvCxnSpPr>
+          </p:nvSpPr>
           <p:spPr>
             <a:xfrm>
-              <a:off x="-2879863" y="-256809"/>
-              <a:ext cx="489431" cy="0"/>
+              <a:off x="8513429" y="779509"/>
+              <a:ext cx="1003801" cy="369332"/>
             </a:xfrm>
-            <a:prstGeom prst="line">
+            <a:prstGeom prst="rect">
               <a:avLst/>
             </a:prstGeom>
-            <a:ln w="19050">
-              <a:solidFill>
-                <a:schemeClr val="tx1"/>
-              </a:solidFill>
+            <a:noFill/>
+            <a:ln>
+              <a:noFill/>
             </a:ln>
           </p:spPr>
-          <p:style>
-            <a:lnRef idx="1">
-              <a:schemeClr val="accent1"/>
-            </a:lnRef>
-            <a:fillRef idx="0">
-              <a:schemeClr val="accent1"/>
-            </a:fillRef>
-            <a:effectRef idx="0">
-              <a:schemeClr val="accent1"/>
-            </a:effectRef>
-            <a:fontRef idx="minor">
-              <a:schemeClr val="tx1"/>
-            </a:fontRef>
-          </p:style>
-        </p:cxnSp>
-      </p:grpSp>
-      <p:grpSp>
-        <p:nvGrpSpPr>
-          <p:cNvPr id="9" name="Groupe 8"/>
-          <p:cNvGrpSpPr/>
-          <p:nvPr/>
-        </p:nvGrpSpPr>
-        <p:grpSpPr>
-          <a:xfrm>
-            <a:off x="7168789" y="1332156"/>
-            <a:ext cx="410751" cy="1004047"/>
-            <a:chOff x="-2879863" y="-256809"/>
-            <a:chExt cx="489582" cy="1567519"/>
-          </a:xfrm>
-        </p:grpSpPr>
-        <p:cxnSp>
-          <p:nvCxnSpPr>
-            <p:cNvPr id="10" name="Connecteur droit 9"/>
-            <p:cNvCxnSpPr/>
+          <p:txBody>
+            <a:bodyPr wrap="none" rtlCol="0">
+              <a:spAutoFit/>
+            </a:bodyPr>
+            <a:lstStyle>
+              <a:lvl1pPr marL="0" indent="0">
+                <a:defRPr sz="1100">
+                  <a:latin typeface="+mn-lt"/>
+                  <a:ea typeface="+mn-ea"/>
+                  <a:cs typeface="+mn-cs"/>
+                </a:defRPr>
+              </a:lvl1pPr>
+              <a:lvl2pPr marL="457200" indent="0">
+                <a:defRPr sz="1100">
+                  <a:latin typeface="+mn-lt"/>
+                  <a:ea typeface="+mn-ea"/>
+                  <a:cs typeface="+mn-cs"/>
+                </a:defRPr>
+              </a:lvl2pPr>
+              <a:lvl3pPr marL="914400" indent="0">
+                <a:defRPr sz="1100">
+                  <a:latin typeface="+mn-lt"/>
+                  <a:ea typeface="+mn-ea"/>
+                  <a:cs typeface="+mn-cs"/>
+                </a:defRPr>
+              </a:lvl3pPr>
+              <a:lvl4pPr marL="1371600" indent="0">
+                <a:defRPr sz="1100">
+                  <a:latin typeface="+mn-lt"/>
+                  <a:ea typeface="+mn-ea"/>
+                  <a:cs typeface="+mn-cs"/>
+                </a:defRPr>
+              </a:lvl4pPr>
+              <a:lvl5pPr marL="1828800" indent="0">
+                <a:defRPr sz="1100">
+                  <a:latin typeface="+mn-lt"/>
+                  <a:ea typeface="+mn-ea"/>
+                  <a:cs typeface="+mn-cs"/>
+                </a:defRPr>
+              </a:lvl5pPr>
+              <a:lvl6pPr marL="2286000" indent="0">
+                <a:defRPr sz="1100">
+                  <a:latin typeface="+mn-lt"/>
+                  <a:ea typeface="+mn-ea"/>
+                  <a:cs typeface="+mn-cs"/>
+                </a:defRPr>
+              </a:lvl6pPr>
+              <a:lvl7pPr marL="2743200" indent="0">
+                <a:defRPr sz="1100">
+                  <a:latin typeface="+mn-lt"/>
+                  <a:ea typeface="+mn-ea"/>
+                  <a:cs typeface="+mn-cs"/>
+                </a:defRPr>
+              </a:lvl7pPr>
+              <a:lvl8pPr marL="3200400" indent="0">
+                <a:defRPr sz="1100">
+                  <a:latin typeface="+mn-lt"/>
+                  <a:ea typeface="+mn-ea"/>
+                  <a:cs typeface="+mn-cs"/>
+                </a:defRPr>
+              </a:lvl8pPr>
+              <a:lvl9pPr marL="3657600" indent="0">
+                <a:defRPr sz="1100">
+                  <a:latin typeface="+mn-lt"/>
+                  <a:ea typeface="+mn-ea"/>
+                  <a:cs typeface="+mn-cs"/>
+                </a:defRPr>
+              </a:lvl9pPr>
+            </a:lstStyle>
+            <a:p>
+              <a:r>
+                <a:rPr lang="fr-FR" sz="1800" b="1" dirty="0"/>
+                <a:t>*   r= 0.6</a:t>
+              </a:r>
+              <a:endParaRPr lang="fr-FR" sz="1400" b="1" dirty="0"/>
+            </a:p>
+          </p:txBody>
+        </p:sp>
+        <p:sp>
+          <p:nvSpPr>
+            <p:cNvPr id="26" name="ZoneTexte 35">
+              <a:extLst>
+                <a:ext uri="{FF2B5EF4-FFF2-40B4-BE49-F238E27FC236}">
+                  <a16:creationId xmlns:a16="http://schemas.microsoft.com/office/drawing/2014/main" id="{7DD00CBA-5C99-4864-B816-576AE4995832}"/>
+                </a:ext>
+              </a:extLst>
+            </p:cNvPr>
+            <p:cNvSpPr txBox="1"/>
             <p:nvPr/>
-          </p:nvCxnSpPr>
+          </p:nvSpPr>
           <p:spPr>
-            <a:xfrm flipV="1">
-              <a:off x="-2879863" y="-256808"/>
-              <a:ext cx="0" cy="159979"/>
+            <a:xfrm>
+              <a:off x="5081434" y="778158"/>
+              <a:ext cx="1003801" cy="369332"/>
             </a:xfrm>
-            <a:prstGeom prst="line">
+            <a:prstGeom prst="rect">
               <a:avLst/>
             </a:prstGeom>
-            <a:ln w="19050">
-              <a:solidFill>
-                <a:schemeClr val="tx1"/>
-              </a:solidFill>
+            <a:noFill/>
+            <a:ln>
+              <a:noFill/>
             </a:ln>
           </p:spPr>
-          <p:style>
-            <a:lnRef idx="1">
-              <a:schemeClr val="accent1"/>
-            </a:lnRef>
-            <a:fillRef idx="0">
-              <a:schemeClr val="accent1"/>
-            </a:fillRef>
-            <a:effectRef idx="0">
-              <a:schemeClr val="accent1"/>
-            </a:effectRef>
-            <a:fontRef idx="minor">
-              <a:schemeClr val="tx1"/>
-            </a:fontRef>
-          </p:style>
-        </p:cxnSp>
-        <p:cxnSp>
-          <p:nvCxnSpPr>
-            <p:cNvPr id="11" name="Connecteur droit 10"/>
-            <p:cNvCxnSpPr/>
-            <p:nvPr/>
-          </p:nvCxnSpPr>
-          <p:spPr>
-            <a:xfrm flipH="1" flipV="1">
-              <a:off x="-2390432" y="-256808"/>
-              <a:ext cx="151" cy="1567518"/>
-            </a:xfrm>
-            <a:prstGeom prst="line">
-              <a:avLst/>
-            </a:prstGeom>
-            <a:ln w="19050">
-              <a:solidFill>
-                <a:schemeClr val="tx1"/>
-              </a:solidFill>
-            </a:ln>
-          </p:spPr>
-          <p:style>
-            <a:lnRef idx="1">
-              <a:schemeClr val="accent1"/>
-            </a:lnRef>
-            <a:fillRef idx="0">
-              <a:schemeClr val="accent1"/>
-            </a:fillRef>
-            <a:effectRef idx="0">
-              <a:schemeClr val="accent1"/>
-            </a:effectRef>
-            <a:fontRef idx="minor">
-              <a:schemeClr val="tx1"/>
-            </a:fontRef>
-          </p:style>
-        </p:cxnSp>
-        <p:cxnSp>
-          <p:nvCxnSpPr>
-            <p:cNvPr id="12" name="Connecteur droit 11"/>
-            <p:cNvCxnSpPr/>
-            <p:nvPr/>
-          </p:nvCxnSpPr>
-          <p:spPr>
-            <a:xfrm>
-              <a:off x="-2879863" y="-256809"/>
-              <a:ext cx="489431" cy="0"/>
-            </a:xfrm>
-            <a:prstGeom prst="line">
-              <a:avLst/>
-            </a:prstGeom>
-            <a:ln w="19050">
-              <a:solidFill>
-                <a:schemeClr val="tx1"/>
-              </a:solidFill>
-            </a:ln>
-          </p:spPr>
-          <p:style>
-            <a:lnRef idx="1">
-              <a:schemeClr val="accent1"/>
-            </a:lnRef>
-            <a:fillRef idx="0">
-              <a:schemeClr val="accent1"/>
-            </a:fillRef>
-            <a:effectRef idx="0">
-              <a:schemeClr val="accent1"/>
-            </a:effectRef>
-            <a:fontRef idx="minor">
-              <a:schemeClr val="tx1"/>
-            </a:fontRef>
-          </p:style>
-        </p:cxnSp>
+          <p:txBody>
+            <a:bodyPr wrap="none" rtlCol="0">
+              <a:spAutoFit/>
+            </a:bodyPr>
+            <a:lstStyle>
+              <a:lvl1pPr marL="0" indent="0">
+                <a:defRPr sz="1100">
+                  <a:latin typeface="+mn-lt"/>
+                  <a:ea typeface="+mn-ea"/>
+                  <a:cs typeface="+mn-cs"/>
+                </a:defRPr>
+              </a:lvl1pPr>
+              <a:lvl2pPr marL="457200" indent="0">
+                <a:defRPr sz="1100">
+                  <a:latin typeface="+mn-lt"/>
+                  <a:ea typeface="+mn-ea"/>
+                  <a:cs typeface="+mn-cs"/>
+                </a:defRPr>
+              </a:lvl2pPr>
+              <a:lvl3pPr marL="914400" indent="0">
+                <a:defRPr sz="1100">
+                  <a:latin typeface="+mn-lt"/>
+                  <a:ea typeface="+mn-ea"/>
+                  <a:cs typeface="+mn-cs"/>
+                </a:defRPr>
+              </a:lvl3pPr>
+              <a:lvl4pPr marL="1371600" indent="0">
+                <a:defRPr sz="1100">
+                  <a:latin typeface="+mn-lt"/>
+                  <a:ea typeface="+mn-ea"/>
+                  <a:cs typeface="+mn-cs"/>
+                </a:defRPr>
+              </a:lvl4pPr>
+              <a:lvl5pPr marL="1828800" indent="0">
+                <a:defRPr sz="1100">
+                  <a:latin typeface="+mn-lt"/>
+                  <a:ea typeface="+mn-ea"/>
+                  <a:cs typeface="+mn-cs"/>
+                </a:defRPr>
+              </a:lvl5pPr>
+              <a:lvl6pPr marL="2286000" indent="0">
+                <a:defRPr sz="1100">
+                  <a:latin typeface="+mn-lt"/>
+                  <a:ea typeface="+mn-ea"/>
+                  <a:cs typeface="+mn-cs"/>
+                </a:defRPr>
+              </a:lvl6pPr>
+              <a:lvl7pPr marL="2743200" indent="0">
+                <a:defRPr sz="1100">
+                  <a:latin typeface="+mn-lt"/>
+                  <a:ea typeface="+mn-ea"/>
+                  <a:cs typeface="+mn-cs"/>
+                </a:defRPr>
+              </a:lvl7pPr>
+              <a:lvl8pPr marL="3200400" indent="0">
+                <a:defRPr sz="1100">
+                  <a:latin typeface="+mn-lt"/>
+                  <a:ea typeface="+mn-ea"/>
+                  <a:cs typeface="+mn-cs"/>
+                </a:defRPr>
+              </a:lvl8pPr>
+              <a:lvl9pPr marL="3657600" indent="0">
+                <a:defRPr sz="1100">
+                  <a:latin typeface="+mn-lt"/>
+                  <a:ea typeface="+mn-ea"/>
+                  <a:cs typeface="+mn-cs"/>
+                </a:defRPr>
+              </a:lvl9pPr>
+            </a:lstStyle>
+            <a:p>
+              <a:r>
+                <a:rPr lang="fr-FR" sz="1800" b="1" dirty="0"/>
+                <a:t>*   r= 0.4</a:t>
+              </a:r>
+              <a:endParaRPr lang="fr-FR" sz="1400" b="1" dirty="0"/>
+            </a:p>
+          </p:txBody>
+        </p:sp>
       </p:grpSp>
-      <p:grpSp>
-        <p:nvGrpSpPr>
-          <p:cNvPr id="13" name="Groupe 12"/>
-          <p:cNvGrpSpPr/>
-          <p:nvPr/>
-        </p:nvGrpSpPr>
-        <p:grpSpPr>
-          <a:xfrm>
-            <a:off x="5474911" y="1455267"/>
-            <a:ext cx="448225" cy="1222192"/>
-            <a:chOff x="-2879863" y="-256809"/>
-            <a:chExt cx="489582" cy="1567519"/>
-          </a:xfrm>
-        </p:grpSpPr>
-        <p:cxnSp>
-          <p:nvCxnSpPr>
-            <p:cNvPr id="14" name="Connecteur droit 13"/>
-            <p:cNvCxnSpPr/>
-            <p:nvPr/>
-          </p:nvCxnSpPr>
-          <p:spPr>
-            <a:xfrm flipV="1">
-              <a:off x="-2879863" y="-256808"/>
-              <a:ext cx="0" cy="159979"/>
-            </a:xfrm>
-            <a:prstGeom prst="line">
-              <a:avLst/>
-            </a:prstGeom>
-            <a:ln w="19050">
-              <a:solidFill>
-                <a:schemeClr val="tx1"/>
-              </a:solidFill>
-            </a:ln>
-          </p:spPr>
-          <p:style>
-            <a:lnRef idx="1">
-              <a:schemeClr val="accent1"/>
-            </a:lnRef>
-            <a:fillRef idx="0">
-              <a:schemeClr val="accent1"/>
-            </a:fillRef>
-            <a:effectRef idx="0">
-              <a:schemeClr val="accent1"/>
-            </a:effectRef>
-            <a:fontRef idx="minor">
-              <a:schemeClr val="tx1"/>
-            </a:fontRef>
-          </p:style>
-        </p:cxnSp>
-        <p:cxnSp>
-          <p:nvCxnSpPr>
-            <p:cNvPr id="15" name="Connecteur droit 14"/>
-            <p:cNvCxnSpPr/>
-            <p:nvPr/>
-          </p:nvCxnSpPr>
-          <p:spPr>
-            <a:xfrm flipH="1" flipV="1">
-              <a:off x="-2390432" y="-256808"/>
-              <a:ext cx="151" cy="1567518"/>
-            </a:xfrm>
-            <a:prstGeom prst="line">
-              <a:avLst/>
-            </a:prstGeom>
-            <a:ln w="19050">
-              <a:solidFill>
-                <a:schemeClr val="tx1"/>
-              </a:solidFill>
-            </a:ln>
-          </p:spPr>
-          <p:style>
-            <a:lnRef idx="1">
-              <a:schemeClr val="accent1"/>
-            </a:lnRef>
-            <a:fillRef idx="0">
-              <a:schemeClr val="accent1"/>
-            </a:fillRef>
-            <a:effectRef idx="0">
-              <a:schemeClr val="accent1"/>
-            </a:effectRef>
-            <a:fontRef idx="minor">
-              <a:schemeClr val="tx1"/>
-            </a:fontRef>
-          </p:style>
-        </p:cxnSp>
-        <p:cxnSp>
-          <p:nvCxnSpPr>
-            <p:cNvPr id="16" name="Connecteur droit 15"/>
-            <p:cNvCxnSpPr/>
-            <p:nvPr/>
-          </p:nvCxnSpPr>
-          <p:spPr>
-            <a:xfrm>
-              <a:off x="-2879863" y="-256809"/>
-              <a:ext cx="489431" cy="0"/>
-            </a:xfrm>
-            <a:prstGeom prst="line">
-              <a:avLst/>
-            </a:prstGeom>
-            <a:ln w="19050">
-              <a:solidFill>
-                <a:schemeClr val="tx1"/>
-              </a:solidFill>
-            </a:ln>
-          </p:spPr>
-          <p:style>
-            <a:lnRef idx="1">
-              <a:schemeClr val="accent1"/>
-            </a:lnRef>
-            <a:fillRef idx="0">
-              <a:schemeClr val="accent1"/>
-            </a:fillRef>
-            <a:effectRef idx="0">
-              <a:schemeClr val="accent1"/>
-            </a:effectRef>
-            <a:fontRef idx="minor">
-              <a:schemeClr val="tx1"/>
-            </a:fontRef>
-          </p:style>
-        </p:cxnSp>
-      </p:grpSp>
-      <p:grpSp>
-        <p:nvGrpSpPr>
-          <p:cNvPr id="17" name="Groupe 16"/>
-          <p:cNvGrpSpPr/>
-          <p:nvPr/>
-        </p:nvGrpSpPr>
-        <p:grpSpPr>
-          <a:xfrm>
-            <a:off x="3752065" y="1286164"/>
-            <a:ext cx="448225" cy="1371604"/>
-            <a:chOff x="-2879863" y="-256809"/>
-            <a:chExt cx="489582" cy="1567519"/>
-          </a:xfrm>
-        </p:grpSpPr>
-        <p:cxnSp>
-          <p:nvCxnSpPr>
-            <p:cNvPr id="18" name="Connecteur droit 17"/>
-            <p:cNvCxnSpPr/>
-            <p:nvPr/>
-          </p:nvCxnSpPr>
-          <p:spPr>
-            <a:xfrm flipV="1">
-              <a:off x="-2879863" y="-256808"/>
-              <a:ext cx="0" cy="159979"/>
-            </a:xfrm>
-            <a:prstGeom prst="line">
-              <a:avLst/>
-            </a:prstGeom>
-            <a:ln w="19050">
-              <a:solidFill>
-                <a:schemeClr val="tx1"/>
-              </a:solidFill>
-            </a:ln>
-          </p:spPr>
-          <p:style>
-            <a:lnRef idx="1">
-              <a:schemeClr val="accent1"/>
-            </a:lnRef>
-            <a:fillRef idx="0">
-              <a:schemeClr val="accent1"/>
-            </a:fillRef>
-            <a:effectRef idx="0">
-              <a:schemeClr val="accent1"/>
-            </a:effectRef>
-            <a:fontRef idx="minor">
-              <a:schemeClr val="tx1"/>
-            </a:fontRef>
-          </p:style>
-        </p:cxnSp>
-        <p:cxnSp>
-          <p:nvCxnSpPr>
-            <p:cNvPr id="19" name="Connecteur droit 18"/>
-            <p:cNvCxnSpPr/>
-            <p:nvPr/>
-          </p:nvCxnSpPr>
-          <p:spPr>
-            <a:xfrm flipH="1" flipV="1">
-              <a:off x="-2390432" y="-256808"/>
-              <a:ext cx="151" cy="1567518"/>
-            </a:xfrm>
-            <a:prstGeom prst="line">
-              <a:avLst/>
-            </a:prstGeom>
-            <a:ln w="19050">
-              <a:solidFill>
-                <a:schemeClr val="tx1"/>
-              </a:solidFill>
-            </a:ln>
-          </p:spPr>
-          <p:style>
-            <a:lnRef idx="1">
-              <a:schemeClr val="accent1"/>
-            </a:lnRef>
-            <a:fillRef idx="0">
-              <a:schemeClr val="accent1"/>
-            </a:fillRef>
-            <a:effectRef idx="0">
-              <a:schemeClr val="accent1"/>
-            </a:effectRef>
-            <a:fontRef idx="minor">
-              <a:schemeClr val="tx1"/>
-            </a:fontRef>
-          </p:style>
-        </p:cxnSp>
-        <p:cxnSp>
-          <p:nvCxnSpPr>
-            <p:cNvPr id="20" name="Connecteur droit 19"/>
-            <p:cNvCxnSpPr/>
-            <p:nvPr/>
-          </p:nvCxnSpPr>
-          <p:spPr>
-            <a:xfrm>
-              <a:off x="-2879863" y="-256809"/>
-              <a:ext cx="489431" cy="0"/>
-            </a:xfrm>
-            <a:prstGeom prst="line">
-              <a:avLst/>
-            </a:prstGeom>
-            <a:ln w="19050">
-              <a:solidFill>
-                <a:schemeClr val="tx1"/>
-              </a:solidFill>
-            </a:ln>
-          </p:spPr>
-          <p:style>
-            <a:lnRef idx="1">
-              <a:schemeClr val="accent1"/>
-            </a:lnRef>
-            <a:fillRef idx="0">
-              <a:schemeClr val="accent1"/>
-            </a:fillRef>
-            <a:effectRef idx="0">
-              <a:schemeClr val="accent1"/>
-            </a:effectRef>
-            <a:fontRef idx="minor">
-              <a:schemeClr val="tx1"/>
-            </a:fontRef>
-          </p:style>
-        </p:cxnSp>
-      </p:grpSp>
-      <p:sp>
-        <p:nvSpPr>
-          <p:cNvPr id="21" name="ZoneTexte 35"/>
-          <p:cNvSpPr txBox="1"/>
-          <p:nvPr/>
-        </p:nvSpPr>
-        <p:spPr>
-          <a:xfrm>
-            <a:off x="3321613" y="778158"/>
-            <a:ext cx="1003800" cy="369332"/>
-          </a:xfrm>
-          <a:prstGeom prst="rect">
-            <a:avLst/>
-          </a:prstGeom>
-          <a:noFill/>
-          <a:ln>
-            <a:noFill/>
-          </a:ln>
-        </p:spPr>
-        <p:txBody>
-          <a:bodyPr wrap="none" rtlCol="0">
-            <a:spAutoFit/>
-          </a:bodyPr>
-          <a:lstStyle>
-            <a:lvl1pPr marL="0" indent="0">
-              <a:defRPr sz="1100">
-                <a:latin typeface="+mn-lt"/>
-                <a:ea typeface="+mn-ea"/>
-                <a:cs typeface="+mn-cs"/>
-              </a:defRPr>
-            </a:lvl1pPr>
-            <a:lvl2pPr marL="457200" indent="0">
-              <a:defRPr sz="1100">
-                <a:latin typeface="+mn-lt"/>
-                <a:ea typeface="+mn-ea"/>
-                <a:cs typeface="+mn-cs"/>
-              </a:defRPr>
-            </a:lvl2pPr>
-            <a:lvl3pPr marL="914400" indent="0">
-              <a:defRPr sz="1100">
-                <a:latin typeface="+mn-lt"/>
-                <a:ea typeface="+mn-ea"/>
-                <a:cs typeface="+mn-cs"/>
-              </a:defRPr>
-            </a:lvl3pPr>
-            <a:lvl4pPr marL="1371600" indent="0">
-              <a:defRPr sz="1100">
-                <a:latin typeface="+mn-lt"/>
-                <a:ea typeface="+mn-ea"/>
-                <a:cs typeface="+mn-cs"/>
-              </a:defRPr>
-            </a:lvl4pPr>
-            <a:lvl5pPr marL="1828800" indent="0">
-              <a:defRPr sz="1100">
-                <a:latin typeface="+mn-lt"/>
-                <a:ea typeface="+mn-ea"/>
-                <a:cs typeface="+mn-cs"/>
-              </a:defRPr>
-            </a:lvl5pPr>
-            <a:lvl6pPr marL="2286000" indent="0">
-              <a:defRPr sz="1100">
-                <a:latin typeface="+mn-lt"/>
-                <a:ea typeface="+mn-ea"/>
-                <a:cs typeface="+mn-cs"/>
-              </a:defRPr>
-            </a:lvl6pPr>
-            <a:lvl7pPr marL="2743200" indent="0">
-              <a:defRPr sz="1100">
-                <a:latin typeface="+mn-lt"/>
-                <a:ea typeface="+mn-ea"/>
-                <a:cs typeface="+mn-cs"/>
-              </a:defRPr>
-            </a:lvl7pPr>
-            <a:lvl8pPr marL="3200400" indent="0">
-              <a:defRPr sz="1100">
-                <a:latin typeface="+mn-lt"/>
-                <a:ea typeface="+mn-ea"/>
-                <a:cs typeface="+mn-cs"/>
-              </a:defRPr>
-            </a:lvl8pPr>
-            <a:lvl9pPr marL="3657600" indent="0">
-              <a:defRPr sz="1100">
-                <a:latin typeface="+mn-lt"/>
-                <a:ea typeface="+mn-ea"/>
-                <a:cs typeface="+mn-cs"/>
-              </a:defRPr>
-            </a:lvl9pPr>
-          </a:lstStyle>
-          <a:p>
-            <a:pPr algn="ctr"/>
-            <a:r>
-              <a:rPr lang="fr-FR" sz="1800" b="1" dirty="0"/>
-              <a:t>*   r= 0.5</a:t>
-            </a:r>
-            <a:endParaRPr lang="fr-FR" sz="1400" b="1" dirty="0"/>
-          </a:p>
-        </p:txBody>
-      </p:sp>
-      <p:sp>
-        <p:nvSpPr>
-          <p:cNvPr id="23" name="ZoneTexte 35"/>
-          <p:cNvSpPr txBox="1"/>
-          <p:nvPr/>
-        </p:nvSpPr>
-        <p:spPr>
-          <a:xfrm>
-            <a:off x="6472022" y="778158"/>
-            <a:ext cx="1701107" cy="369332"/>
-          </a:xfrm>
-          <a:prstGeom prst="rect">
-            <a:avLst/>
-          </a:prstGeom>
-          <a:noFill/>
-          <a:ln>
-            <a:noFill/>
-          </a:ln>
-        </p:spPr>
-        <p:txBody>
-          <a:bodyPr wrap="none" rtlCol="0">
-            <a:spAutoFit/>
-          </a:bodyPr>
-          <a:lstStyle>
-            <a:lvl1pPr marL="0" indent="0">
-              <a:defRPr sz="1100">
-                <a:latin typeface="+mn-lt"/>
-                <a:ea typeface="+mn-ea"/>
-                <a:cs typeface="+mn-cs"/>
-              </a:defRPr>
-            </a:lvl1pPr>
-            <a:lvl2pPr marL="457200" indent="0">
-              <a:defRPr sz="1100">
-                <a:latin typeface="+mn-lt"/>
-                <a:ea typeface="+mn-ea"/>
-                <a:cs typeface="+mn-cs"/>
-              </a:defRPr>
-            </a:lvl2pPr>
-            <a:lvl3pPr marL="914400" indent="0">
-              <a:defRPr sz="1100">
-                <a:latin typeface="+mn-lt"/>
-                <a:ea typeface="+mn-ea"/>
-                <a:cs typeface="+mn-cs"/>
-              </a:defRPr>
-            </a:lvl3pPr>
-            <a:lvl4pPr marL="1371600" indent="0">
-              <a:defRPr sz="1100">
-                <a:latin typeface="+mn-lt"/>
-                <a:ea typeface="+mn-ea"/>
-                <a:cs typeface="+mn-cs"/>
-              </a:defRPr>
-            </a:lvl4pPr>
-            <a:lvl5pPr marL="1828800" indent="0">
-              <a:defRPr sz="1100">
-                <a:latin typeface="+mn-lt"/>
-                <a:ea typeface="+mn-ea"/>
-                <a:cs typeface="+mn-cs"/>
-              </a:defRPr>
-            </a:lvl5pPr>
-            <a:lvl6pPr marL="2286000" indent="0">
-              <a:defRPr sz="1100">
-                <a:latin typeface="+mn-lt"/>
-                <a:ea typeface="+mn-ea"/>
-                <a:cs typeface="+mn-cs"/>
-              </a:defRPr>
-            </a:lvl6pPr>
-            <a:lvl7pPr marL="2743200" indent="0">
-              <a:defRPr sz="1100">
-                <a:latin typeface="+mn-lt"/>
-                <a:ea typeface="+mn-ea"/>
-                <a:cs typeface="+mn-cs"/>
-              </a:defRPr>
-            </a:lvl7pPr>
-            <a:lvl8pPr marL="3200400" indent="0">
-              <a:defRPr sz="1100">
-                <a:latin typeface="+mn-lt"/>
-                <a:ea typeface="+mn-ea"/>
-                <a:cs typeface="+mn-cs"/>
-              </a:defRPr>
-            </a:lvl8pPr>
-            <a:lvl9pPr marL="3657600" indent="0">
-              <a:defRPr sz="1100">
-                <a:latin typeface="+mn-lt"/>
-                <a:ea typeface="+mn-ea"/>
-                <a:cs typeface="+mn-cs"/>
-              </a:defRPr>
-            </a:lvl9pPr>
-          </a:lstStyle>
-          <a:p>
-            <a:r>
-              <a:rPr lang="fr-FR" sz="1800" b="1" dirty="0"/>
-              <a:t>P= 0,003   r=0.3</a:t>
-            </a:r>
-            <a:endParaRPr lang="fr-FR" sz="1400" b="1" dirty="0"/>
-          </a:p>
-        </p:txBody>
-      </p:sp>
-      <p:sp>
-        <p:nvSpPr>
-          <p:cNvPr id="24" name="ZoneTexte 35"/>
-          <p:cNvSpPr txBox="1"/>
-          <p:nvPr/>
-        </p:nvSpPr>
-        <p:spPr>
-          <a:xfrm>
-            <a:off x="8513429" y="779509"/>
-            <a:ext cx="1003801" cy="369332"/>
-          </a:xfrm>
-          <a:prstGeom prst="rect">
-            <a:avLst/>
-          </a:prstGeom>
-          <a:noFill/>
-          <a:ln>
-            <a:noFill/>
-          </a:ln>
-        </p:spPr>
-        <p:txBody>
-          <a:bodyPr wrap="none" rtlCol="0">
-            <a:spAutoFit/>
-          </a:bodyPr>
-          <a:lstStyle>
-            <a:lvl1pPr marL="0" indent="0">
-              <a:defRPr sz="1100">
-                <a:latin typeface="+mn-lt"/>
-                <a:ea typeface="+mn-ea"/>
-                <a:cs typeface="+mn-cs"/>
-              </a:defRPr>
-            </a:lvl1pPr>
-            <a:lvl2pPr marL="457200" indent="0">
-              <a:defRPr sz="1100">
-                <a:latin typeface="+mn-lt"/>
-                <a:ea typeface="+mn-ea"/>
-                <a:cs typeface="+mn-cs"/>
-              </a:defRPr>
-            </a:lvl2pPr>
-            <a:lvl3pPr marL="914400" indent="0">
-              <a:defRPr sz="1100">
-                <a:latin typeface="+mn-lt"/>
-                <a:ea typeface="+mn-ea"/>
-                <a:cs typeface="+mn-cs"/>
-              </a:defRPr>
-            </a:lvl3pPr>
-            <a:lvl4pPr marL="1371600" indent="0">
-              <a:defRPr sz="1100">
-                <a:latin typeface="+mn-lt"/>
-                <a:ea typeface="+mn-ea"/>
-                <a:cs typeface="+mn-cs"/>
-              </a:defRPr>
-            </a:lvl4pPr>
-            <a:lvl5pPr marL="1828800" indent="0">
-              <a:defRPr sz="1100">
-                <a:latin typeface="+mn-lt"/>
-                <a:ea typeface="+mn-ea"/>
-                <a:cs typeface="+mn-cs"/>
-              </a:defRPr>
-            </a:lvl5pPr>
-            <a:lvl6pPr marL="2286000" indent="0">
-              <a:defRPr sz="1100">
-                <a:latin typeface="+mn-lt"/>
-                <a:ea typeface="+mn-ea"/>
-                <a:cs typeface="+mn-cs"/>
-              </a:defRPr>
-            </a:lvl6pPr>
-            <a:lvl7pPr marL="2743200" indent="0">
-              <a:defRPr sz="1100">
-                <a:latin typeface="+mn-lt"/>
-                <a:ea typeface="+mn-ea"/>
-                <a:cs typeface="+mn-cs"/>
-              </a:defRPr>
-            </a:lvl7pPr>
-            <a:lvl8pPr marL="3200400" indent="0">
-              <a:defRPr sz="1100">
-                <a:latin typeface="+mn-lt"/>
-                <a:ea typeface="+mn-ea"/>
-                <a:cs typeface="+mn-cs"/>
-              </a:defRPr>
-            </a:lvl8pPr>
-            <a:lvl9pPr marL="3657600" indent="0">
-              <a:defRPr sz="1100">
-                <a:latin typeface="+mn-lt"/>
-                <a:ea typeface="+mn-ea"/>
-                <a:cs typeface="+mn-cs"/>
-              </a:defRPr>
-            </a:lvl9pPr>
-          </a:lstStyle>
-          <a:p>
-            <a:r>
-              <a:rPr lang="fr-FR" sz="1800" b="1" dirty="0"/>
-              <a:t>*   r= 0.6</a:t>
-            </a:r>
-            <a:endParaRPr lang="fr-FR" sz="1400" b="1" dirty="0"/>
-          </a:p>
-        </p:txBody>
-      </p:sp>
-      <p:sp>
-        <p:nvSpPr>
-          <p:cNvPr id="26" name="ZoneTexte 35">
-            <a:extLst>
-              <a:ext uri="{FF2B5EF4-FFF2-40B4-BE49-F238E27FC236}">
-                <a16:creationId xmlns:a16="http://schemas.microsoft.com/office/drawing/2014/main" id="{7DD00CBA-5C99-4864-B816-576AE4995832}"/>
-              </a:ext>
-            </a:extLst>
-          </p:cNvPr>
-          <p:cNvSpPr txBox="1"/>
-          <p:nvPr/>
-        </p:nvSpPr>
-        <p:spPr>
-          <a:xfrm>
-            <a:off x="5081434" y="778158"/>
-            <a:ext cx="1003801" cy="369332"/>
-          </a:xfrm>
-          <a:prstGeom prst="rect">
-            <a:avLst/>
-          </a:prstGeom>
-          <a:noFill/>
-          <a:ln>
-            <a:noFill/>
-          </a:ln>
-        </p:spPr>
-        <p:txBody>
-          <a:bodyPr wrap="none" rtlCol="0">
-            <a:spAutoFit/>
-          </a:bodyPr>
-          <a:lstStyle>
-            <a:lvl1pPr marL="0" indent="0">
-              <a:defRPr sz="1100">
-                <a:latin typeface="+mn-lt"/>
-                <a:ea typeface="+mn-ea"/>
-                <a:cs typeface="+mn-cs"/>
-              </a:defRPr>
-            </a:lvl1pPr>
-            <a:lvl2pPr marL="457200" indent="0">
-              <a:defRPr sz="1100">
-                <a:latin typeface="+mn-lt"/>
-                <a:ea typeface="+mn-ea"/>
-                <a:cs typeface="+mn-cs"/>
-              </a:defRPr>
-            </a:lvl2pPr>
-            <a:lvl3pPr marL="914400" indent="0">
-              <a:defRPr sz="1100">
-                <a:latin typeface="+mn-lt"/>
-                <a:ea typeface="+mn-ea"/>
-                <a:cs typeface="+mn-cs"/>
-              </a:defRPr>
-            </a:lvl3pPr>
-            <a:lvl4pPr marL="1371600" indent="0">
-              <a:defRPr sz="1100">
-                <a:latin typeface="+mn-lt"/>
-                <a:ea typeface="+mn-ea"/>
-                <a:cs typeface="+mn-cs"/>
-              </a:defRPr>
-            </a:lvl4pPr>
-            <a:lvl5pPr marL="1828800" indent="0">
-              <a:defRPr sz="1100">
-                <a:latin typeface="+mn-lt"/>
-                <a:ea typeface="+mn-ea"/>
-                <a:cs typeface="+mn-cs"/>
-              </a:defRPr>
-            </a:lvl5pPr>
-            <a:lvl6pPr marL="2286000" indent="0">
-              <a:defRPr sz="1100">
-                <a:latin typeface="+mn-lt"/>
-                <a:ea typeface="+mn-ea"/>
-                <a:cs typeface="+mn-cs"/>
-              </a:defRPr>
-            </a:lvl6pPr>
-            <a:lvl7pPr marL="2743200" indent="0">
-              <a:defRPr sz="1100">
-                <a:latin typeface="+mn-lt"/>
-                <a:ea typeface="+mn-ea"/>
-                <a:cs typeface="+mn-cs"/>
-              </a:defRPr>
-            </a:lvl7pPr>
-            <a:lvl8pPr marL="3200400" indent="0">
-              <a:defRPr sz="1100">
-                <a:latin typeface="+mn-lt"/>
-                <a:ea typeface="+mn-ea"/>
-                <a:cs typeface="+mn-cs"/>
-              </a:defRPr>
-            </a:lvl8pPr>
-            <a:lvl9pPr marL="3657600" indent="0">
-              <a:defRPr sz="1100">
-                <a:latin typeface="+mn-lt"/>
-                <a:ea typeface="+mn-ea"/>
-                <a:cs typeface="+mn-cs"/>
-              </a:defRPr>
-            </a:lvl9pPr>
-          </a:lstStyle>
-          <a:p>
-            <a:r>
-              <a:rPr lang="fr-FR" sz="1800" b="1" dirty="0"/>
-              <a:t>*   r= 0.4</a:t>
-            </a:r>
-            <a:endParaRPr lang="fr-FR" sz="1400" b="1" dirty="0"/>
-          </a:p>
-        </p:txBody>
-      </p:sp>
     </p:spTree>
     <p:extLst>
       <p:ext uri="{BB962C8B-B14F-4D97-AF65-F5344CB8AC3E}">

--- a/cooperativeNegotiation/crowdFlower/graphs.pptx
+++ b/cooperativeNegotiation/crowdFlower/graphs.pptx
@@ -486,6 +486,20 @@
         </c:scaling>
         <c:delete val="0"/>
         <c:axPos val="l"/>
+        <c:majorGridlines>
+          <c:spPr>
+            <a:ln w="9525" cap="flat" cmpd="sng" algn="ctr">
+              <a:solidFill>
+                <a:schemeClr val="tx1">
+                  <a:lumMod val="15000"/>
+                  <a:lumOff val="85000"/>
+                </a:schemeClr>
+              </a:solidFill>
+              <a:round/>
+            </a:ln>
+            <a:effectLst/>
+          </c:spPr>
+        </c:majorGridlines>
         <c:numFmt formatCode="General" sourceLinked="1"/>
         <c:majorTickMark val="none"/>
         <c:minorTickMark val="none"/>
@@ -5182,435 +5196,15 @@
       <cdr:y>0</cdr:y>
     </cdr:from>
     <cdr:to>
-      <cdr:x>0.23959</cdr:x>
-      <cdr:y>0.06916</cdr:y>
-    </cdr:to>
-    <cdr:sp macro="" textlink="">
-      <cdr:nvSpPr>
-        <cdr:cNvPr id="18" name="ZoneTexte 35"/>
-        <cdr:cNvSpPr txBox="1"/>
-      </cdr:nvSpPr>
-      <cdr:spPr>
-        <a:xfrm xmlns:a="http://schemas.openxmlformats.org/drawingml/2006/main">
-          <a:off x="899949" y="0"/>
-          <a:ext cx="1034257" cy="400110"/>
-        </a:xfrm>
-        <a:prstGeom xmlns:a="http://schemas.openxmlformats.org/drawingml/2006/main" prst="rect">
-          <a:avLst/>
-        </a:prstGeom>
-        <a:noFill xmlns:a="http://schemas.openxmlformats.org/drawingml/2006/main"/>
-        <a:ln xmlns:a="http://schemas.openxmlformats.org/drawingml/2006/main">
-          <a:noFill/>
-        </a:ln>
-      </cdr:spPr>
-      <cdr:txBody>
-        <a:bodyPr xmlns:a="http://schemas.openxmlformats.org/drawingml/2006/main" wrap="none" rtlCol="0">
-          <a:spAutoFit/>
-        </a:bodyPr>
-        <a:lstStyle xmlns:a="http://schemas.openxmlformats.org/drawingml/2006/main">
-          <a:lvl1pPr marL="0" indent="0">
-            <a:defRPr sz="1100">
-              <a:latin typeface="+mn-lt"/>
-              <a:ea typeface="+mn-ea"/>
-              <a:cs typeface="+mn-cs"/>
-            </a:defRPr>
-          </a:lvl1pPr>
-          <a:lvl2pPr marL="457200" indent="0">
-            <a:defRPr sz="1100">
-              <a:latin typeface="+mn-lt"/>
-              <a:ea typeface="+mn-ea"/>
-              <a:cs typeface="+mn-cs"/>
-            </a:defRPr>
-          </a:lvl2pPr>
-          <a:lvl3pPr marL="914400" indent="0">
-            <a:defRPr sz="1100">
-              <a:latin typeface="+mn-lt"/>
-              <a:ea typeface="+mn-ea"/>
-              <a:cs typeface="+mn-cs"/>
-            </a:defRPr>
-          </a:lvl3pPr>
-          <a:lvl4pPr marL="1371600" indent="0">
-            <a:defRPr sz="1100">
-              <a:latin typeface="+mn-lt"/>
-              <a:ea typeface="+mn-ea"/>
-              <a:cs typeface="+mn-cs"/>
-            </a:defRPr>
-          </a:lvl4pPr>
-          <a:lvl5pPr marL="1828800" indent="0">
-            <a:defRPr sz="1100">
-              <a:latin typeface="+mn-lt"/>
-              <a:ea typeface="+mn-ea"/>
-              <a:cs typeface="+mn-cs"/>
-            </a:defRPr>
-          </a:lvl5pPr>
-          <a:lvl6pPr marL="2286000" indent="0">
-            <a:defRPr sz="1100">
-              <a:latin typeface="+mn-lt"/>
-              <a:ea typeface="+mn-ea"/>
-              <a:cs typeface="+mn-cs"/>
-            </a:defRPr>
-          </a:lvl6pPr>
-          <a:lvl7pPr marL="2743200" indent="0">
-            <a:defRPr sz="1100">
-              <a:latin typeface="+mn-lt"/>
-              <a:ea typeface="+mn-ea"/>
-              <a:cs typeface="+mn-cs"/>
-            </a:defRPr>
-          </a:lvl7pPr>
-          <a:lvl8pPr marL="3200400" indent="0">
-            <a:defRPr sz="1100">
-              <a:latin typeface="+mn-lt"/>
-              <a:ea typeface="+mn-ea"/>
-              <a:cs typeface="+mn-cs"/>
-            </a:defRPr>
-          </a:lvl8pPr>
-          <a:lvl9pPr marL="3657600" indent="0">
-            <a:defRPr sz="1100">
-              <a:latin typeface="+mn-lt"/>
-              <a:ea typeface="+mn-ea"/>
-              <a:cs typeface="+mn-cs"/>
-            </a:defRPr>
-          </a:lvl9pPr>
-        </a:lstStyle>
-        <a:p xmlns:a="http://schemas.openxmlformats.org/drawingml/2006/main">
-          <a:r>
-            <a:rPr lang="fr-FR" sz="2000" b="1" dirty="0"/>
-            <a:t>*  r= 0.5</a:t>
-          </a:r>
-        </a:p>
-      </cdr:txBody>
-    </cdr:sp>
-  </cdr:relSizeAnchor>
-  <cdr:relSizeAnchor xmlns:cdr="http://schemas.openxmlformats.org/drawingml/2006/chartDrawing">
-    <cdr:from>
-      <cdr:x>0.32026</cdr:x>
-      <cdr:y>0</cdr:y>
-    </cdr:from>
-    <cdr:to>
-      <cdr:x>0.44838</cdr:x>
-      <cdr:y>0.06916</cdr:y>
-    </cdr:to>
-    <cdr:sp macro="" textlink="">
-      <cdr:nvSpPr>
-        <cdr:cNvPr id="19" name="ZoneTexte 35"/>
-        <cdr:cNvSpPr txBox="1"/>
-      </cdr:nvSpPr>
-      <cdr:spPr>
-        <a:xfrm xmlns:a="http://schemas.openxmlformats.org/drawingml/2006/main">
-          <a:off x="2585430" y="0"/>
-          <a:ext cx="1034257" cy="400110"/>
-        </a:xfrm>
-        <a:prstGeom xmlns:a="http://schemas.openxmlformats.org/drawingml/2006/main" prst="rect">
-          <a:avLst/>
-        </a:prstGeom>
-        <a:noFill xmlns:a="http://schemas.openxmlformats.org/drawingml/2006/main"/>
-        <a:ln xmlns:a="http://schemas.openxmlformats.org/drawingml/2006/main">
-          <a:noFill/>
-        </a:ln>
-      </cdr:spPr>
-      <cdr:txBody>
-        <a:bodyPr xmlns:a="http://schemas.openxmlformats.org/drawingml/2006/main" wrap="none" rtlCol="0">
-          <a:spAutoFit/>
-        </a:bodyPr>
-        <a:lstStyle xmlns:a="http://schemas.openxmlformats.org/drawingml/2006/main">
-          <a:lvl1pPr marL="0" indent="0">
-            <a:defRPr sz="1100">
-              <a:latin typeface="+mn-lt"/>
-              <a:ea typeface="+mn-ea"/>
-              <a:cs typeface="+mn-cs"/>
-            </a:defRPr>
-          </a:lvl1pPr>
-          <a:lvl2pPr marL="457200" indent="0">
-            <a:defRPr sz="1100">
-              <a:latin typeface="+mn-lt"/>
-              <a:ea typeface="+mn-ea"/>
-              <a:cs typeface="+mn-cs"/>
-            </a:defRPr>
-          </a:lvl2pPr>
-          <a:lvl3pPr marL="914400" indent="0">
-            <a:defRPr sz="1100">
-              <a:latin typeface="+mn-lt"/>
-              <a:ea typeface="+mn-ea"/>
-              <a:cs typeface="+mn-cs"/>
-            </a:defRPr>
-          </a:lvl3pPr>
-          <a:lvl4pPr marL="1371600" indent="0">
-            <a:defRPr sz="1100">
-              <a:latin typeface="+mn-lt"/>
-              <a:ea typeface="+mn-ea"/>
-              <a:cs typeface="+mn-cs"/>
-            </a:defRPr>
-          </a:lvl4pPr>
-          <a:lvl5pPr marL="1828800" indent="0">
-            <a:defRPr sz="1100">
-              <a:latin typeface="+mn-lt"/>
-              <a:ea typeface="+mn-ea"/>
-              <a:cs typeface="+mn-cs"/>
-            </a:defRPr>
-          </a:lvl5pPr>
-          <a:lvl6pPr marL="2286000" indent="0">
-            <a:defRPr sz="1100">
-              <a:latin typeface="+mn-lt"/>
-              <a:ea typeface="+mn-ea"/>
-              <a:cs typeface="+mn-cs"/>
-            </a:defRPr>
-          </a:lvl6pPr>
-          <a:lvl7pPr marL="2743200" indent="0">
-            <a:defRPr sz="1100">
-              <a:latin typeface="+mn-lt"/>
-              <a:ea typeface="+mn-ea"/>
-              <a:cs typeface="+mn-cs"/>
-            </a:defRPr>
-          </a:lvl7pPr>
-          <a:lvl8pPr marL="3200400" indent="0">
-            <a:defRPr sz="1100">
-              <a:latin typeface="+mn-lt"/>
-              <a:ea typeface="+mn-ea"/>
-              <a:cs typeface="+mn-cs"/>
-            </a:defRPr>
-          </a:lvl8pPr>
-          <a:lvl9pPr marL="3657600" indent="0">
-            <a:defRPr sz="1100">
-              <a:latin typeface="+mn-lt"/>
-              <a:ea typeface="+mn-ea"/>
-              <a:cs typeface="+mn-cs"/>
-            </a:defRPr>
-          </a:lvl9pPr>
-        </a:lstStyle>
-        <a:p xmlns:a="http://schemas.openxmlformats.org/drawingml/2006/main">
-          <a:r>
-            <a:rPr lang="fr-FR" sz="2000" b="1" dirty="0"/>
-            <a:t>*   r=0.4</a:t>
-          </a:r>
-        </a:p>
-      </cdr:txBody>
-    </cdr:sp>
-  </cdr:relSizeAnchor>
-  <cdr:relSizeAnchor xmlns:cdr="http://schemas.openxmlformats.org/drawingml/2006/chartDrawing">
-    <cdr:from>
-      <cdr:x>0.51272</cdr:x>
-      <cdr:y>0</cdr:y>
-    </cdr:from>
-    <cdr:to>
-      <cdr:x>0.62654</cdr:x>
-      <cdr:y>0.06916</cdr:y>
-    </cdr:to>
-    <cdr:sp macro="" textlink="">
-      <cdr:nvSpPr>
-        <cdr:cNvPr id="20" name="ZoneTexte 35"/>
-        <cdr:cNvSpPr txBox="1"/>
-      </cdr:nvSpPr>
-      <cdr:spPr>
-        <a:xfrm xmlns:a="http://schemas.openxmlformats.org/drawingml/2006/main">
-          <a:off x="4139139" y="0"/>
-          <a:ext cx="918841" cy="400110"/>
-        </a:xfrm>
-        <a:prstGeom xmlns:a="http://schemas.openxmlformats.org/drawingml/2006/main" prst="rect">
-          <a:avLst/>
-        </a:prstGeom>
-        <a:noFill xmlns:a="http://schemas.openxmlformats.org/drawingml/2006/main"/>
-        <a:ln xmlns:a="http://schemas.openxmlformats.org/drawingml/2006/main">
-          <a:noFill/>
-        </a:ln>
-      </cdr:spPr>
-      <cdr:txBody>
-        <a:bodyPr xmlns:a="http://schemas.openxmlformats.org/drawingml/2006/main" wrap="none" rtlCol="0">
-          <a:spAutoFit/>
-        </a:bodyPr>
-        <a:lstStyle xmlns:a="http://schemas.openxmlformats.org/drawingml/2006/main">
-          <a:lvl1pPr marL="0" indent="0">
-            <a:defRPr sz="1100">
-              <a:latin typeface="+mn-lt"/>
-              <a:ea typeface="+mn-ea"/>
-              <a:cs typeface="+mn-cs"/>
-            </a:defRPr>
-          </a:lvl1pPr>
-          <a:lvl2pPr marL="457200" indent="0">
-            <a:defRPr sz="1100">
-              <a:latin typeface="+mn-lt"/>
-              <a:ea typeface="+mn-ea"/>
-              <a:cs typeface="+mn-cs"/>
-            </a:defRPr>
-          </a:lvl2pPr>
-          <a:lvl3pPr marL="914400" indent="0">
-            <a:defRPr sz="1100">
-              <a:latin typeface="+mn-lt"/>
-              <a:ea typeface="+mn-ea"/>
-              <a:cs typeface="+mn-cs"/>
-            </a:defRPr>
-          </a:lvl3pPr>
-          <a:lvl4pPr marL="1371600" indent="0">
-            <a:defRPr sz="1100">
-              <a:latin typeface="+mn-lt"/>
-              <a:ea typeface="+mn-ea"/>
-              <a:cs typeface="+mn-cs"/>
-            </a:defRPr>
-          </a:lvl4pPr>
-          <a:lvl5pPr marL="1828800" indent="0">
-            <a:defRPr sz="1100">
-              <a:latin typeface="+mn-lt"/>
-              <a:ea typeface="+mn-ea"/>
-              <a:cs typeface="+mn-cs"/>
-            </a:defRPr>
-          </a:lvl5pPr>
-          <a:lvl6pPr marL="2286000" indent="0">
-            <a:defRPr sz="1100">
-              <a:latin typeface="+mn-lt"/>
-              <a:ea typeface="+mn-ea"/>
-              <a:cs typeface="+mn-cs"/>
-            </a:defRPr>
-          </a:lvl6pPr>
-          <a:lvl7pPr marL="2743200" indent="0">
-            <a:defRPr sz="1100">
-              <a:latin typeface="+mn-lt"/>
-              <a:ea typeface="+mn-ea"/>
-              <a:cs typeface="+mn-cs"/>
-            </a:defRPr>
-          </a:lvl7pPr>
-          <a:lvl8pPr marL="3200400" indent="0">
-            <a:defRPr sz="1100">
-              <a:latin typeface="+mn-lt"/>
-              <a:ea typeface="+mn-ea"/>
-              <a:cs typeface="+mn-cs"/>
-            </a:defRPr>
-          </a:lvl8pPr>
-          <a:lvl9pPr marL="3657600" indent="0">
-            <a:defRPr sz="1100">
-              <a:latin typeface="+mn-lt"/>
-              <a:ea typeface="+mn-ea"/>
-              <a:cs typeface="+mn-cs"/>
-            </a:defRPr>
-          </a:lvl9pPr>
-        </a:lstStyle>
-        <a:p xmlns:a="http://schemas.openxmlformats.org/drawingml/2006/main">
-          <a:r>
-            <a:rPr lang="fr-FR" sz="2000" b="1" dirty="0"/>
-            <a:t>* r=0.3</a:t>
-          </a:r>
-        </a:p>
-      </cdr:txBody>
-    </cdr:sp>
-  </cdr:relSizeAnchor>
-  <cdr:relSizeAnchor xmlns:cdr="http://schemas.openxmlformats.org/drawingml/2006/chartDrawing">
-    <cdr:from>
-      <cdr:x>0.71335</cdr:x>
-      <cdr:y>0</cdr:y>
-    </cdr:from>
-    <cdr:to>
       <cdr:x>0.84861</cdr:x>
-      <cdr:y>0.06916</cdr:y>
-    </cdr:to>
-    <cdr:sp macro="" textlink="">
-      <cdr:nvSpPr>
-        <cdr:cNvPr id="21" name="ZoneTexte 35"/>
-        <cdr:cNvSpPr txBox="1"/>
-      </cdr:nvSpPr>
-      <cdr:spPr>
-        <a:xfrm xmlns:a="http://schemas.openxmlformats.org/drawingml/2006/main">
-          <a:off x="5758775" y="0"/>
-          <a:ext cx="1091966" cy="400110"/>
-        </a:xfrm>
-        <a:prstGeom xmlns:a="http://schemas.openxmlformats.org/drawingml/2006/main" prst="rect">
-          <a:avLst/>
-        </a:prstGeom>
-        <a:noFill xmlns:a="http://schemas.openxmlformats.org/drawingml/2006/main"/>
-        <a:ln xmlns:a="http://schemas.openxmlformats.org/drawingml/2006/main">
-          <a:noFill/>
-        </a:ln>
-      </cdr:spPr>
-      <cdr:txBody>
-        <a:bodyPr xmlns:a="http://schemas.openxmlformats.org/drawingml/2006/main" wrap="none" rtlCol="0">
-          <a:spAutoFit/>
-        </a:bodyPr>
-        <a:lstStyle xmlns:a="http://schemas.openxmlformats.org/drawingml/2006/main">
-          <a:lvl1pPr marL="0" indent="0">
-            <a:defRPr sz="1100">
-              <a:latin typeface="+mn-lt"/>
-              <a:ea typeface="+mn-ea"/>
-              <a:cs typeface="+mn-cs"/>
-            </a:defRPr>
-          </a:lvl1pPr>
-          <a:lvl2pPr marL="457200" indent="0">
-            <a:defRPr sz="1100">
-              <a:latin typeface="+mn-lt"/>
-              <a:ea typeface="+mn-ea"/>
-              <a:cs typeface="+mn-cs"/>
-            </a:defRPr>
-          </a:lvl2pPr>
-          <a:lvl3pPr marL="914400" indent="0">
-            <a:defRPr sz="1100">
-              <a:latin typeface="+mn-lt"/>
-              <a:ea typeface="+mn-ea"/>
-              <a:cs typeface="+mn-cs"/>
-            </a:defRPr>
-          </a:lvl3pPr>
-          <a:lvl4pPr marL="1371600" indent="0">
-            <a:defRPr sz="1100">
-              <a:latin typeface="+mn-lt"/>
-              <a:ea typeface="+mn-ea"/>
-              <a:cs typeface="+mn-cs"/>
-            </a:defRPr>
-          </a:lvl4pPr>
-          <a:lvl5pPr marL="1828800" indent="0">
-            <a:defRPr sz="1100">
-              <a:latin typeface="+mn-lt"/>
-              <a:ea typeface="+mn-ea"/>
-              <a:cs typeface="+mn-cs"/>
-            </a:defRPr>
-          </a:lvl5pPr>
-          <a:lvl6pPr marL="2286000" indent="0">
-            <a:defRPr sz="1100">
-              <a:latin typeface="+mn-lt"/>
-              <a:ea typeface="+mn-ea"/>
-              <a:cs typeface="+mn-cs"/>
-            </a:defRPr>
-          </a:lvl6pPr>
-          <a:lvl7pPr marL="2743200" indent="0">
-            <a:defRPr sz="1100">
-              <a:latin typeface="+mn-lt"/>
-              <a:ea typeface="+mn-ea"/>
-              <a:cs typeface="+mn-cs"/>
-            </a:defRPr>
-          </a:lvl7pPr>
-          <a:lvl8pPr marL="3200400" indent="0">
-            <a:defRPr sz="1100">
-              <a:latin typeface="+mn-lt"/>
-              <a:ea typeface="+mn-ea"/>
-              <a:cs typeface="+mn-cs"/>
-            </a:defRPr>
-          </a:lvl8pPr>
-          <a:lvl9pPr marL="3657600" indent="0">
-            <a:defRPr sz="1100">
-              <a:latin typeface="+mn-lt"/>
-              <a:ea typeface="+mn-ea"/>
-              <a:cs typeface="+mn-cs"/>
-            </a:defRPr>
-          </a:lvl9pPr>
-        </a:lstStyle>
-        <a:p xmlns:a="http://schemas.openxmlformats.org/drawingml/2006/main">
-          <a:r>
-            <a:rPr lang="fr-FR" sz="2000" b="1" dirty="0"/>
-            <a:t>*   r= 0.4</a:t>
-          </a:r>
-        </a:p>
-      </cdr:txBody>
-    </cdr:sp>
-  </cdr:relSizeAnchor>
-  <cdr:relSizeAnchor xmlns:cdr="http://schemas.openxmlformats.org/drawingml/2006/chartDrawing">
-    <cdr:from>
-      <cdr:x>0.15285</cdr:x>
-      <cdr:y>0.07453</cdr:y>
-    </cdr:from>
-    <cdr:to>
-      <cdr:x>0.2221</cdr:x>
-      <cdr:y>0.2933</cdr:y>
+      <cdr:y>0.30062</cdr:y>
     </cdr:to>
     <cdr:grpSp>
       <cdr:nvGrpSpPr>
-        <cdr:cNvPr id="22" name="Groupe 21">
+        <cdr:cNvPr id="2" name="Groupe 1">
           <a:extLst xmlns:a="http://schemas.openxmlformats.org/drawingml/2006/main">
             <a:ext uri="{FF2B5EF4-FFF2-40B4-BE49-F238E27FC236}">
-              <a16:creationId xmlns:a16="http://schemas.microsoft.com/office/drawing/2014/main" id="{29A3DC7D-0E6C-4B64-B0AA-A06849BFE768}"/>
+              <a16:creationId xmlns:a16="http://schemas.microsoft.com/office/drawing/2014/main" id="{2B685BF6-7239-4065-BA6F-FC5063D19073}"/>
             </a:ext>
           </a:extLst>
         </cdr:cNvPr>
@@ -5618,582 +5212,952 @@
       </cdr:nvGrpSpPr>
       <cdr:grpSpPr>
         <a:xfrm xmlns:a="http://schemas.openxmlformats.org/drawingml/2006/main">
-          <a:off x="1738397" y="492870"/>
-          <a:ext cx="787596" cy="1446735"/>
-          <a:chOff x="2646109" y="951728"/>
-          <a:chExt cx="489582" cy="2092195"/>
+          <a:off x="1267887" y="0"/>
+          <a:ext cx="8383544" cy="1988013"/>
+          <a:chOff x="1267887" y="0"/>
+          <a:chExt cx="8383544" cy="1988013"/>
         </a:xfrm>
       </cdr:grpSpPr>
-      <cdr:cxnSp macro="">
-        <cdr:nvCxnSpPr>
-          <cdr:cNvPr id="23" name="Connecteur droit 22">
+      <cdr:sp macro="" textlink="">
+        <cdr:nvSpPr>
+          <cdr:cNvPr id="18" name="ZoneTexte 35"/>
+          <cdr:cNvSpPr txBox="1"/>
+        </cdr:nvSpPr>
+        <cdr:spPr>
+          <a:xfrm xmlns:a="http://schemas.openxmlformats.org/drawingml/2006/main">
+            <a:off x="1267887" y="0"/>
+            <a:ext cx="1457023" cy="457358"/>
+          </a:xfrm>
+          <a:prstGeom xmlns:a="http://schemas.openxmlformats.org/drawingml/2006/main" prst="rect">
+            <a:avLst/>
+          </a:prstGeom>
+          <a:noFill xmlns:a="http://schemas.openxmlformats.org/drawingml/2006/main"/>
+          <a:ln xmlns:a="http://schemas.openxmlformats.org/drawingml/2006/main">
+            <a:noFill/>
+          </a:ln>
+        </cdr:spPr>
+        <cdr:txBody>
+          <a:bodyPr xmlns:a="http://schemas.openxmlformats.org/drawingml/2006/main" wrap="none" rtlCol="0">
+            <a:spAutoFit/>
+          </a:bodyPr>
+          <a:lstStyle xmlns:a="http://schemas.openxmlformats.org/drawingml/2006/main">
+            <a:lvl1pPr marL="0" indent="0">
+              <a:defRPr sz="1100">
+                <a:latin typeface="+mn-lt"/>
+                <a:ea typeface="+mn-ea"/>
+                <a:cs typeface="+mn-cs"/>
+              </a:defRPr>
+            </a:lvl1pPr>
+            <a:lvl2pPr marL="457200" indent="0">
+              <a:defRPr sz="1100">
+                <a:latin typeface="+mn-lt"/>
+                <a:ea typeface="+mn-ea"/>
+                <a:cs typeface="+mn-cs"/>
+              </a:defRPr>
+            </a:lvl2pPr>
+            <a:lvl3pPr marL="914400" indent="0">
+              <a:defRPr sz="1100">
+                <a:latin typeface="+mn-lt"/>
+                <a:ea typeface="+mn-ea"/>
+                <a:cs typeface="+mn-cs"/>
+              </a:defRPr>
+            </a:lvl3pPr>
+            <a:lvl4pPr marL="1371600" indent="0">
+              <a:defRPr sz="1100">
+                <a:latin typeface="+mn-lt"/>
+                <a:ea typeface="+mn-ea"/>
+                <a:cs typeface="+mn-cs"/>
+              </a:defRPr>
+            </a:lvl4pPr>
+            <a:lvl5pPr marL="1828800" indent="0">
+              <a:defRPr sz="1100">
+                <a:latin typeface="+mn-lt"/>
+                <a:ea typeface="+mn-ea"/>
+                <a:cs typeface="+mn-cs"/>
+              </a:defRPr>
+            </a:lvl5pPr>
+            <a:lvl6pPr marL="2286000" indent="0">
+              <a:defRPr sz="1100">
+                <a:latin typeface="+mn-lt"/>
+                <a:ea typeface="+mn-ea"/>
+                <a:cs typeface="+mn-cs"/>
+              </a:defRPr>
+            </a:lvl6pPr>
+            <a:lvl7pPr marL="2743200" indent="0">
+              <a:defRPr sz="1100">
+                <a:latin typeface="+mn-lt"/>
+                <a:ea typeface="+mn-ea"/>
+                <a:cs typeface="+mn-cs"/>
+              </a:defRPr>
+            </a:lvl7pPr>
+            <a:lvl8pPr marL="3200400" indent="0">
+              <a:defRPr sz="1100">
+                <a:latin typeface="+mn-lt"/>
+                <a:ea typeface="+mn-ea"/>
+                <a:cs typeface="+mn-cs"/>
+              </a:defRPr>
+            </a:lvl8pPr>
+            <a:lvl9pPr marL="3657600" indent="0">
+              <a:defRPr sz="1100">
+                <a:latin typeface="+mn-lt"/>
+                <a:ea typeface="+mn-ea"/>
+                <a:cs typeface="+mn-cs"/>
+              </a:defRPr>
+            </a:lvl9pPr>
+          </a:lstStyle>
+          <a:p xmlns:a="http://schemas.openxmlformats.org/drawingml/2006/main">
+            <a:r>
+              <a:rPr lang="fr-FR" sz="2000" b="1" dirty="0"/>
+              <a:t>*  r= 0.5</a:t>
+            </a:r>
+          </a:p>
+        </cdr:txBody>
+      </cdr:sp>
+      <cdr:sp macro="" textlink="">
+        <cdr:nvSpPr>
+          <cdr:cNvPr id="19" name="ZoneTexte 35"/>
+          <cdr:cNvSpPr txBox="1"/>
+        </cdr:nvSpPr>
+        <cdr:spPr>
+          <a:xfrm xmlns:a="http://schemas.openxmlformats.org/drawingml/2006/main">
+            <a:off x="3642388" y="0"/>
+            <a:ext cx="1457138" cy="457358"/>
+          </a:xfrm>
+          <a:prstGeom xmlns:a="http://schemas.openxmlformats.org/drawingml/2006/main" prst="rect">
+            <a:avLst/>
+          </a:prstGeom>
+          <a:noFill xmlns:a="http://schemas.openxmlformats.org/drawingml/2006/main"/>
+          <a:ln xmlns:a="http://schemas.openxmlformats.org/drawingml/2006/main">
+            <a:noFill/>
+          </a:ln>
+        </cdr:spPr>
+        <cdr:txBody>
+          <a:bodyPr xmlns:a="http://schemas.openxmlformats.org/drawingml/2006/main" wrap="none" rtlCol="0">
+            <a:spAutoFit/>
+          </a:bodyPr>
+          <a:lstStyle xmlns:a="http://schemas.openxmlformats.org/drawingml/2006/main">
+            <a:lvl1pPr marL="0" indent="0">
+              <a:defRPr sz="1100">
+                <a:latin typeface="+mn-lt"/>
+                <a:ea typeface="+mn-ea"/>
+                <a:cs typeface="+mn-cs"/>
+              </a:defRPr>
+            </a:lvl1pPr>
+            <a:lvl2pPr marL="457200" indent="0">
+              <a:defRPr sz="1100">
+                <a:latin typeface="+mn-lt"/>
+                <a:ea typeface="+mn-ea"/>
+                <a:cs typeface="+mn-cs"/>
+              </a:defRPr>
+            </a:lvl2pPr>
+            <a:lvl3pPr marL="914400" indent="0">
+              <a:defRPr sz="1100">
+                <a:latin typeface="+mn-lt"/>
+                <a:ea typeface="+mn-ea"/>
+                <a:cs typeface="+mn-cs"/>
+              </a:defRPr>
+            </a:lvl3pPr>
+            <a:lvl4pPr marL="1371600" indent="0">
+              <a:defRPr sz="1100">
+                <a:latin typeface="+mn-lt"/>
+                <a:ea typeface="+mn-ea"/>
+                <a:cs typeface="+mn-cs"/>
+              </a:defRPr>
+            </a:lvl4pPr>
+            <a:lvl5pPr marL="1828800" indent="0">
+              <a:defRPr sz="1100">
+                <a:latin typeface="+mn-lt"/>
+                <a:ea typeface="+mn-ea"/>
+                <a:cs typeface="+mn-cs"/>
+              </a:defRPr>
+            </a:lvl5pPr>
+            <a:lvl6pPr marL="2286000" indent="0">
+              <a:defRPr sz="1100">
+                <a:latin typeface="+mn-lt"/>
+                <a:ea typeface="+mn-ea"/>
+                <a:cs typeface="+mn-cs"/>
+              </a:defRPr>
+            </a:lvl6pPr>
+            <a:lvl7pPr marL="2743200" indent="0">
+              <a:defRPr sz="1100">
+                <a:latin typeface="+mn-lt"/>
+                <a:ea typeface="+mn-ea"/>
+                <a:cs typeface="+mn-cs"/>
+              </a:defRPr>
+            </a:lvl7pPr>
+            <a:lvl8pPr marL="3200400" indent="0">
+              <a:defRPr sz="1100">
+                <a:latin typeface="+mn-lt"/>
+                <a:ea typeface="+mn-ea"/>
+                <a:cs typeface="+mn-cs"/>
+              </a:defRPr>
+            </a:lvl8pPr>
+            <a:lvl9pPr marL="3657600" indent="0">
+              <a:defRPr sz="1100">
+                <a:latin typeface="+mn-lt"/>
+                <a:ea typeface="+mn-ea"/>
+                <a:cs typeface="+mn-cs"/>
+              </a:defRPr>
+            </a:lvl9pPr>
+          </a:lstStyle>
+          <a:p xmlns:a="http://schemas.openxmlformats.org/drawingml/2006/main">
+            <a:r>
+              <a:rPr lang="fr-FR" sz="2000" b="1" dirty="0"/>
+              <a:t>*   r=0.4</a:t>
+            </a:r>
+          </a:p>
+        </cdr:txBody>
+      </cdr:sp>
+      <cdr:sp macro="" textlink="">
+        <cdr:nvSpPr>
+          <cdr:cNvPr id="20" name="ZoneTexte 35"/>
+          <cdr:cNvSpPr txBox="1"/>
+        </cdr:nvSpPr>
+        <cdr:spPr>
+          <a:xfrm xmlns:a="http://schemas.openxmlformats.org/drawingml/2006/main">
+            <a:off x="5831279" y="0"/>
+            <a:ext cx="1294500" cy="457358"/>
+          </a:xfrm>
+          <a:prstGeom xmlns:a="http://schemas.openxmlformats.org/drawingml/2006/main" prst="rect">
+            <a:avLst/>
+          </a:prstGeom>
+          <a:noFill xmlns:a="http://schemas.openxmlformats.org/drawingml/2006/main"/>
+          <a:ln xmlns:a="http://schemas.openxmlformats.org/drawingml/2006/main">
+            <a:noFill/>
+          </a:ln>
+        </cdr:spPr>
+        <cdr:txBody>
+          <a:bodyPr xmlns:a="http://schemas.openxmlformats.org/drawingml/2006/main" wrap="none" rtlCol="0">
+            <a:spAutoFit/>
+          </a:bodyPr>
+          <a:lstStyle xmlns:a="http://schemas.openxmlformats.org/drawingml/2006/main">
+            <a:lvl1pPr marL="0" indent="0">
+              <a:defRPr sz="1100">
+                <a:latin typeface="+mn-lt"/>
+                <a:ea typeface="+mn-ea"/>
+                <a:cs typeface="+mn-cs"/>
+              </a:defRPr>
+            </a:lvl1pPr>
+            <a:lvl2pPr marL="457200" indent="0">
+              <a:defRPr sz="1100">
+                <a:latin typeface="+mn-lt"/>
+                <a:ea typeface="+mn-ea"/>
+                <a:cs typeface="+mn-cs"/>
+              </a:defRPr>
+            </a:lvl2pPr>
+            <a:lvl3pPr marL="914400" indent="0">
+              <a:defRPr sz="1100">
+                <a:latin typeface="+mn-lt"/>
+                <a:ea typeface="+mn-ea"/>
+                <a:cs typeface="+mn-cs"/>
+              </a:defRPr>
+            </a:lvl3pPr>
+            <a:lvl4pPr marL="1371600" indent="0">
+              <a:defRPr sz="1100">
+                <a:latin typeface="+mn-lt"/>
+                <a:ea typeface="+mn-ea"/>
+                <a:cs typeface="+mn-cs"/>
+              </a:defRPr>
+            </a:lvl4pPr>
+            <a:lvl5pPr marL="1828800" indent="0">
+              <a:defRPr sz="1100">
+                <a:latin typeface="+mn-lt"/>
+                <a:ea typeface="+mn-ea"/>
+                <a:cs typeface="+mn-cs"/>
+              </a:defRPr>
+            </a:lvl5pPr>
+            <a:lvl6pPr marL="2286000" indent="0">
+              <a:defRPr sz="1100">
+                <a:latin typeface="+mn-lt"/>
+                <a:ea typeface="+mn-ea"/>
+                <a:cs typeface="+mn-cs"/>
+              </a:defRPr>
+            </a:lvl6pPr>
+            <a:lvl7pPr marL="2743200" indent="0">
+              <a:defRPr sz="1100">
+                <a:latin typeface="+mn-lt"/>
+                <a:ea typeface="+mn-ea"/>
+                <a:cs typeface="+mn-cs"/>
+              </a:defRPr>
+            </a:lvl7pPr>
+            <a:lvl8pPr marL="3200400" indent="0">
+              <a:defRPr sz="1100">
+                <a:latin typeface="+mn-lt"/>
+                <a:ea typeface="+mn-ea"/>
+                <a:cs typeface="+mn-cs"/>
+              </a:defRPr>
+            </a:lvl8pPr>
+            <a:lvl9pPr marL="3657600" indent="0">
+              <a:defRPr sz="1100">
+                <a:latin typeface="+mn-lt"/>
+                <a:ea typeface="+mn-ea"/>
+                <a:cs typeface="+mn-cs"/>
+              </a:defRPr>
+            </a:lvl9pPr>
+          </a:lstStyle>
+          <a:p xmlns:a="http://schemas.openxmlformats.org/drawingml/2006/main">
+            <a:r>
+              <a:rPr lang="fr-FR" sz="2000" b="1" dirty="0"/>
+              <a:t>* r=0.3</a:t>
+            </a:r>
+          </a:p>
+        </cdr:txBody>
+      </cdr:sp>
+      <cdr:sp macro="" textlink="">
+        <cdr:nvSpPr>
+          <cdr:cNvPr id="21" name="ZoneTexte 35"/>
+          <cdr:cNvSpPr txBox="1"/>
+        </cdr:nvSpPr>
+        <cdr:spPr>
+          <a:xfrm xmlns:a="http://schemas.openxmlformats.org/drawingml/2006/main">
+            <a:off x="8113089" y="0"/>
+            <a:ext cx="1538342" cy="457358"/>
+          </a:xfrm>
+          <a:prstGeom xmlns:a="http://schemas.openxmlformats.org/drawingml/2006/main" prst="rect">
+            <a:avLst/>
+          </a:prstGeom>
+          <a:noFill xmlns:a="http://schemas.openxmlformats.org/drawingml/2006/main"/>
+          <a:ln xmlns:a="http://schemas.openxmlformats.org/drawingml/2006/main">
+            <a:noFill/>
+          </a:ln>
+        </cdr:spPr>
+        <cdr:txBody>
+          <a:bodyPr xmlns:a="http://schemas.openxmlformats.org/drawingml/2006/main" wrap="none" rtlCol="0">
+            <a:spAutoFit/>
+          </a:bodyPr>
+          <a:lstStyle xmlns:a="http://schemas.openxmlformats.org/drawingml/2006/main">
+            <a:lvl1pPr marL="0" indent="0">
+              <a:defRPr sz="1100">
+                <a:latin typeface="+mn-lt"/>
+                <a:ea typeface="+mn-ea"/>
+                <a:cs typeface="+mn-cs"/>
+              </a:defRPr>
+            </a:lvl1pPr>
+            <a:lvl2pPr marL="457200" indent="0">
+              <a:defRPr sz="1100">
+                <a:latin typeface="+mn-lt"/>
+                <a:ea typeface="+mn-ea"/>
+                <a:cs typeface="+mn-cs"/>
+              </a:defRPr>
+            </a:lvl2pPr>
+            <a:lvl3pPr marL="914400" indent="0">
+              <a:defRPr sz="1100">
+                <a:latin typeface="+mn-lt"/>
+                <a:ea typeface="+mn-ea"/>
+                <a:cs typeface="+mn-cs"/>
+              </a:defRPr>
+            </a:lvl3pPr>
+            <a:lvl4pPr marL="1371600" indent="0">
+              <a:defRPr sz="1100">
+                <a:latin typeface="+mn-lt"/>
+                <a:ea typeface="+mn-ea"/>
+                <a:cs typeface="+mn-cs"/>
+              </a:defRPr>
+            </a:lvl4pPr>
+            <a:lvl5pPr marL="1828800" indent="0">
+              <a:defRPr sz="1100">
+                <a:latin typeface="+mn-lt"/>
+                <a:ea typeface="+mn-ea"/>
+                <a:cs typeface="+mn-cs"/>
+              </a:defRPr>
+            </a:lvl5pPr>
+            <a:lvl6pPr marL="2286000" indent="0">
+              <a:defRPr sz="1100">
+                <a:latin typeface="+mn-lt"/>
+                <a:ea typeface="+mn-ea"/>
+                <a:cs typeface="+mn-cs"/>
+              </a:defRPr>
+            </a:lvl6pPr>
+            <a:lvl7pPr marL="2743200" indent="0">
+              <a:defRPr sz="1100">
+                <a:latin typeface="+mn-lt"/>
+                <a:ea typeface="+mn-ea"/>
+                <a:cs typeface="+mn-cs"/>
+              </a:defRPr>
+            </a:lvl7pPr>
+            <a:lvl8pPr marL="3200400" indent="0">
+              <a:defRPr sz="1100">
+                <a:latin typeface="+mn-lt"/>
+                <a:ea typeface="+mn-ea"/>
+                <a:cs typeface="+mn-cs"/>
+              </a:defRPr>
+            </a:lvl8pPr>
+            <a:lvl9pPr marL="3657600" indent="0">
+              <a:defRPr sz="1100">
+                <a:latin typeface="+mn-lt"/>
+                <a:ea typeface="+mn-ea"/>
+                <a:cs typeface="+mn-cs"/>
+              </a:defRPr>
+            </a:lvl9pPr>
+          </a:lstStyle>
+          <a:p xmlns:a="http://schemas.openxmlformats.org/drawingml/2006/main">
+            <a:r>
+              <a:rPr lang="fr-FR" sz="2000" b="1" dirty="0"/>
+              <a:t>*   r= 0.4</a:t>
+            </a:r>
+          </a:p>
+        </cdr:txBody>
+      </cdr:sp>
+      <cdr:grpSp>
+        <cdr:nvGrpSpPr>
+          <cdr:cNvPr id="22" name="Groupe 21">
             <a:extLst xmlns:a="http://schemas.openxmlformats.org/drawingml/2006/main">
               <a:ext uri="{FF2B5EF4-FFF2-40B4-BE49-F238E27FC236}">
-                <a16:creationId xmlns:a16="http://schemas.microsoft.com/office/drawing/2014/main" id="{218D30C5-B47C-4CF9-BDCA-876A20CE0F7F}"/>
+                <a16:creationId xmlns:a16="http://schemas.microsoft.com/office/drawing/2014/main" id="{29A3DC7D-0E6C-4B64-B0AA-A06849BFE768}"/>
               </a:ext>
             </a:extLst>
           </cdr:cNvPr>
-          <cdr:cNvCxnSpPr/>
-        </cdr:nvCxnSpPr>
-        <cdr:spPr>
-          <a:xfrm xmlns:a="http://schemas.openxmlformats.org/drawingml/2006/main" flipV="1">
-            <a:off x="3135691" y="951729"/>
-            <a:ext cx="0" cy="213527"/>
+          <cdr:cNvGrpSpPr/>
+        </cdr:nvGrpSpPr>
+        <cdr:grpSpPr>
+          <a:xfrm xmlns:a="http://schemas.openxmlformats.org/drawingml/2006/main">
+            <a:off x="1738397" y="492870"/>
+            <a:ext cx="787596" cy="1446735"/>
+            <a:chOff x="2646109" y="951728"/>
+            <a:chExt cx="489582" cy="2092195"/>
           </a:xfrm>
-          <a:prstGeom xmlns:a="http://schemas.openxmlformats.org/drawingml/2006/main" prst="line">
-            <a:avLst/>
-          </a:prstGeom>
-          <a:ln xmlns:a="http://schemas.openxmlformats.org/drawingml/2006/main" w="19050">
-            <a:solidFill>
+        </cdr:grpSpPr>
+        <cdr:cxnSp macro="">
+          <cdr:nvCxnSpPr>
+            <cdr:cNvPr id="23" name="Connecteur droit 22">
+              <a:extLst xmlns:a="http://schemas.openxmlformats.org/drawingml/2006/main">
+                <a:ext uri="{FF2B5EF4-FFF2-40B4-BE49-F238E27FC236}">
+                  <a16:creationId xmlns:a16="http://schemas.microsoft.com/office/drawing/2014/main" id="{218D30C5-B47C-4CF9-BDCA-876A20CE0F7F}"/>
+                </a:ext>
+              </a:extLst>
+            </cdr:cNvPr>
+            <cdr:cNvCxnSpPr/>
+          </cdr:nvCxnSpPr>
+          <cdr:spPr>
+            <a:xfrm xmlns:a="http://schemas.openxmlformats.org/drawingml/2006/main" flipV="1">
+              <a:off x="3135691" y="951729"/>
+              <a:ext cx="0" cy="213527"/>
+            </a:xfrm>
+            <a:prstGeom xmlns:a="http://schemas.openxmlformats.org/drawingml/2006/main" prst="line">
+              <a:avLst/>
+            </a:prstGeom>
+            <a:ln xmlns:a="http://schemas.openxmlformats.org/drawingml/2006/main" w="19050">
+              <a:solidFill>
+                <a:schemeClr val="tx1"/>
+              </a:solidFill>
+            </a:ln>
+          </cdr:spPr>
+          <cdr:style>
+            <a:lnRef xmlns:a="http://schemas.openxmlformats.org/drawingml/2006/main" idx="1">
+              <a:schemeClr val="accent1"/>
+            </a:lnRef>
+            <a:fillRef xmlns:a="http://schemas.openxmlformats.org/drawingml/2006/main" idx="0">
+              <a:schemeClr val="accent1"/>
+            </a:fillRef>
+            <a:effectRef xmlns:a="http://schemas.openxmlformats.org/drawingml/2006/main" idx="0">
+              <a:schemeClr val="accent1"/>
+            </a:effectRef>
+            <a:fontRef xmlns:a="http://schemas.openxmlformats.org/drawingml/2006/main" idx="minor">
               <a:schemeClr val="tx1"/>
-            </a:solidFill>
-          </a:ln>
-        </cdr:spPr>
-        <cdr:style>
-          <a:lnRef xmlns:a="http://schemas.openxmlformats.org/drawingml/2006/main" idx="1">
-            <a:schemeClr val="accent1"/>
-          </a:lnRef>
-          <a:fillRef xmlns:a="http://schemas.openxmlformats.org/drawingml/2006/main" idx="0">
-            <a:schemeClr val="accent1"/>
-          </a:fillRef>
-          <a:effectRef xmlns:a="http://schemas.openxmlformats.org/drawingml/2006/main" idx="0">
-            <a:schemeClr val="accent1"/>
-          </a:effectRef>
-          <a:fontRef xmlns:a="http://schemas.openxmlformats.org/drawingml/2006/main" idx="minor">
-            <a:schemeClr val="tx1"/>
-          </a:fontRef>
-        </cdr:style>
-      </cdr:cxnSp>
-      <cdr:cxnSp macro="">
-        <cdr:nvCxnSpPr>
-          <cdr:cNvPr id="24" name="Connecteur droit 23">
+            </a:fontRef>
+          </cdr:style>
+        </cdr:cxnSp>
+        <cdr:cxnSp macro="">
+          <cdr:nvCxnSpPr>
+            <cdr:cNvPr id="24" name="Connecteur droit 23">
+              <a:extLst xmlns:a="http://schemas.openxmlformats.org/drawingml/2006/main">
+                <a:ext uri="{FF2B5EF4-FFF2-40B4-BE49-F238E27FC236}">
+                  <a16:creationId xmlns:a16="http://schemas.microsoft.com/office/drawing/2014/main" id="{9DE39A10-1EEF-41D8-BFF1-37660CFCB61D}"/>
+                </a:ext>
+              </a:extLst>
+            </cdr:cNvPr>
+            <cdr:cNvCxnSpPr/>
+          </cdr:nvCxnSpPr>
+          <cdr:spPr>
+            <a:xfrm xmlns:a="http://schemas.openxmlformats.org/drawingml/2006/main" flipH="1" flipV="1">
+              <a:off x="2646109" y="951728"/>
+              <a:ext cx="151" cy="2092195"/>
+            </a:xfrm>
+            <a:prstGeom xmlns:a="http://schemas.openxmlformats.org/drawingml/2006/main" prst="line">
+              <a:avLst/>
+            </a:prstGeom>
+            <a:ln xmlns:a="http://schemas.openxmlformats.org/drawingml/2006/main" w="19050">
+              <a:solidFill>
+                <a:schemeClr val="tx1"/>
+              </a:solidFill>
+            </a:ln>
+          </cdr:spPr>
+          <cdr:style>
+            <a:lnRef xmlns:a="http://schemas.openxmlformats.org/drawingml/2006/main" idx="1">
+              <a:schemeClr val="accent1"/>
+            </a:lnRef>
+            <a:fillRef xmlns:a="http://schemas.openxmlformats.org/drawingml/2006/main" idx="0">
+              <a:schemeClr val="accent1"/>
+            </a:fillRef>
+            <a:effectRef xmlns:a="http://schemas.openxmlformats.org/drawingml/2006/main" idx="0">
+              <a:schemeClr val="accent1"/>
+            </a:effectRef>
+            <a:fontRef xmlns:a="http://schemas.openxmlformats.org/drawingml/2006/main" idx="minor">
+              <a:schemeClr val="tx1"/>
+            </a:fontRef>
+          </cdr:style>
+        </cdr:cxnSp>
+        <cdr:cxnSp macro="">
+          <cdr:nvCxnSpPr>
+            <cdr:cNvPr id="25" name="Connecteur droit 24">
+              <a:extLst xmlns:a="http://schemas.openxmlformats.org/drawingml/2006/main">
+                <a:ext uri="{FF2B5EF4-FFF2-40B4-BE49-F238E27FC236}">
+                  <a16:creationId xmlns:a16="http://schemas.microsoft.com/office/drawing/2014/main" id="{F236E317-F2C5-4B3B-BE00-D2A7FC8C0182}"/>
+                </a:ext>
+              </a:extLst>
+            </cdr:cNvPr>
+            <cdr:cNvCxnSpPr/>
+          </cdr:nvCxnSpPr>
+          <cdr:spPr>
+            <a:xfrm xmlns:a="http://schemas.openxmlformats.org/drawingml/2006/main">
+              <a:off x="2646260" y="961276"/>
+              <a:ext cx="489431" cy="0"/>
+            </a:xfrm>
+            <a:prstGeom xmlns:a="http://schemas.openxmlformats.org/drawingml/2006/main" prst="line">
+              <a:avLst/>
+            </a:prstGeom>
+            <a:ln xmlns:a="http://schemas.openxmlformats.org/drawingml/2006/main" w="19050">
+              <a:solidFill>
+                <a:schemeClr val="tx1"/>
+              </a:solidFill>
+            </a:ln>
+          </cdr:spPr>
+          <cdr:style>
+            <a:lnRef xmlns:a="http://schemas.openxmlformats.org/drawingml/2006/main" idx="1">
+              <a:schemeClr val="accent1"/>
+            </a:lnRef>
+            <a:fillRef xmlns:a="http://schemas.openxmlformats.org/drawingml/2006/main" idx="0">
+              <a:schemeClr val="accent1"/>
+            </a:fillRef>
+            <a:effectRef xmlns:a="http://schemas.openxmlformats.org/drawingml/2006/main" idx="0">
+              <a:schemeClr val="accent1"/>
+            </a:effectRef>
+            <a:fontRef xmlns:a="http://schemas.openxmlformats.org/drawingml/2006/main" idx="minor">
+              <a:schemeClr val="tx1"/>
+            </a:fontRef>
+          </cdr:style>
+        </cdr:cxnSp>
+      </cdr:grpSp>
+      <cdr:grpSp>
+        <cdr:nvGrpSpPr>
+          <cdr:cNvPr id="26" name="Groupe 25">
             <a:extLst xmlns:a="http://schemas.openxmlformats.org/drawingml/2006/main">
               <a:ext uri="{FF2B5EF4-FFF2-40B4-BE49-F238E27FC236}">
-                <a16:creationId xmlns:a16="http://schemas.microsoft.com/office/drawing/2014/main" id="{9DE39A10-1EEF-41D8-BFF1-37660CFCB61D}"/>
+                <a16:creationId xmlns:a16="http://schemas.microsoft.com/office/drawing/2014/main" id="{56C2774F-5983-45BD-BDAC-1D533F5D771A}"/>
               </a:ext>
             </a:extLst>
           </cdr:cNvPr>
-          <cdr:cNvCxnSpPr/>
-        </cdr:nvCxnSpPr>
-        <cdr:spPr>
-          <a:xfrm xmlns:a="http://schemas.openxmlformats.org/drawingml/2006/main" flipH="1" flipV="1">
-            <a:off x="2646109" y="951728"/>
-            <a:ext cx="151" cy="2092195"/>
+          <cdr:cNvGrpSpPr/>
+        </cdr:nvGrpSpPr>
+        <cdr:grpSpPr>
+          <a:xfrm xmlns:a="http://schemas.openxmlformats.org/drawingml/2006/main">
+            <a:off x="4017705" y="555165"/>
+            <a:ext cx="729365" cy="1038314"/>
+            <a:chOff x="4336768" y="565189"/>
+            <a:chExt cx="489582" cy="3458598"/>
           </a:xfrm>
-          <a:prstGeom xmlns:a="http://schemas.openxmlformats.org/drawingml/2006/main" prst="line">
-            <a:avLst/>
-          </a:prstGeom>
-          <a:ln xmlns:a="http://schemas.openxmlformats.org/drawingml/2006/main" w="19050">
-            <a:solidFill>
+        </cdr:grpSpPr>
+        <cdr:cxnSp macro="">
+          <cdr:nvCxnSpPr>
+            <cdr:cNvPr id="27" name="Connecteur droit 26">
+              <a:extLst xmlns:a="http://schemas.openxmlformats.org/drawingml/2006/main">
+                <a:ext uri="{FF2B5EF4-FFF2-40B4-BE49-F238E27FC236}">
+                  <a16:creationId xmlns:a16="http://schemas.microsoft.com/office/drawing/2014/main" id="{6AC10D31-D9F1-466D-9A83-E462E6E6DA64}"/>
+                </a:ext>
+              </a:extLst>
+            </cdr:cNvPr>
+            <cdr:cNvCxnSpPr/>
+          </cdr:nvCxnSpPr>
+          <cdr:spPr>
+            <a:xfrm xmlns:a="http://schemas.openxmlformats.org/drawingml/2006/main" flipV="1">
+              <a:off x="4826350" y="565191"/>
+              <a:ext cx="0" cy="352980"/>
+            </a:xfrm>
+            <a:prstGeom xmlns:a="http://schemas.openxmlformats.org/drawingml/2006/main" prst="line">
+              <a:avLst/>
+            </a:prstGeom>
+            <a:ln xmlns:a="http://schemas.openxmlformats.org/drawingml/2006/main" w="19050">
+              <a:solidFill>
+                <a:schemeClr val="tx1"/>
+              </a:solidFill>
+            </a:ln>
+          </cdr:spPr>
+          <cdr:style>
+            <a:lnRef xmlns:a="http://schemas.openxmlformats.org/drawingml/2006/main" idx="1">
+              <a:schemeClr val="accent1"/>
+            </a:lnRef>
+            <a:fillRef xmlns:a="http://schemas.openxmlformats.org/drawingml/2006/main" idx="0">
+              <a:schemeClr val="accent1"/>
+            </a:fillRef>
+            <a:effectRef xmlns:a="http://schemas.openxmlformats.org/drawingml/2006/main" idx="0">
+              <a:schemeClr val="accent1"/>
+            </a:effectRef>
+            <a:fontRef xmlns:a="http://schemas.openxmlformats.org/drawingml/2006/main" idx="minor">
               <a:schemeClr val="tx1"/>
-            </a:solidFill>
-          </a:ln>
-        </cdr:spPr>
-        <cdr:style>
-          <a:lnRef xmlns:a="http://schemas.openxmlformats.org/drawingml/2006/main" idx="1">
-            <a:schemeClr val="accent1"/>
-          </a:lnRef>
-          <a:fillRef xmlns:a="http://schemas.openxmlformats.org/drawingml/2006/main" idx="0">
-            <a:schemeClr val="accent1"/>
-          </a:fillRef>
-          <a:effectRef xmlns:a="http://schemas.openxmlformats.org/drawingml/2006/main" idx="0">
-            <a:schemeClr val="accent1"/>
-          </a:effectRef>
-          <a:fontRef xmlns:a="http://schemas.openxmlformats.org/drawingml/2006/main" idx="minor">
-            <a:schemeClr val="tx1"/>
-          </a:fontRef>
-        </cdr:style>
-      </cdr:cxnSp>
-      <cdr:cxnSp macro="">
-        <cdr:nvCxnSpPr>
-          <cdr:cNvPr id="25" name="Connecteur droit 24">
+            </a:fontRef>
+          </cdr:style>
+        </cdr:cxnSp>
+        <cdr:cxnSp macro="">
+          <cdr:nvCxnSpPr>
+            <cdr:cNvPr id="28" name="Connecteur droit 27">
+              <a:extLst xmlns:a="http://schemas.openxmlformats.org/drawingml/2006/main">
+                <a:ext uri="{FF2B5EF4-FFF2-40B4-BE49-F238E27FC236}">
+                  <a16:creationId xmlns:a16="http://schemas.microsoft.com/office/drawing/2014/main" id="{2423B31C-4685-4FE0-ABEC-E69447398FFC}"/>
+                </a:ext>
+              </a:extLst>
+            </cdr:cNvPr>
+            <cdr:cNvCxnSpPr/>
+          </cdr:nvCxnSpPr>
+          <cdr:spPr>
+            <a:xfrm xmlns:a="http://schemas.openxmlformats.org/drawingml/2006/main" flipH="1" flipV="1">
+              <a:off x="4336768" y="565189"/>
+              <a:ext cx="151" cy="3458598"/>
+            </a:xfrm>
+            <a:prstGeom xmlns:a="http://schemas.openxmlformats.org/drawingml/2006/main" prst="line">
+              <a:avLst/>
+            </a:prstGeom>
+            <a:ln xmlns:a="http://schemas.openxmlformats.org/drawingml/2006/main" w="19050">
+              <a:solidFill>
+                <a:schemeClr val="tx1"/>
+              </a:solidFill>
+            </a:ln>
+          </cdr:spPr>
+          <cdr:style>
+            <a:lnRef xmlns:a="http://schemas.openxmlformats.org/drawingml/2006/main" idx="1">
+              <a:schemeClr val="accent1"/>
+            </a:lnRef>
+            <a:fillRef xmlns:a="http://schemas.openxmlformats.org/drawingml/2006/main" idx="0">
+              <a:schemeClr val="accent1"/>
+            </a:fillRef>
+            <a:effectRef xmlns:a="http://schemas.openxmlformats.org/drawingml/2006/main" idx="0">
+              <a:schemeClr val="accent1"/>
+            </a:effectRef>
+            <a:fontRef xmlns:a="http://schemas.openxmlformats.org/drawingml/2006/main" idx="minor">
+              <a:schemeClr val="tx1"/>
+            </a:fontRef>
+          </cdr:style>
+        </cdr:cxnSp>
+        <cdr:cxnSp macro="">
+          <cdr:nvCxnSpPr>
+            <cdr:cNvPr id="29" name="Connecteur droit 28">
+              <a:extLst xmlns:a="http://schemas.openxmlformats.org/drawingml/2006/main">
+                <a:ext uri="{FF2B5EF4-FFF2-40B4-BE49-F238E27FC236}">
+                  <a16:creationId xmlns:a16="http://schemas.microsoft.com/office/drawing/2014/main" id="{1D6726F9-BE34-4071-8A59-06B0DB0CD9FA}"/>
+                </a:ext>
+              </a:extLst>
+            </cdr:cNvPr>
+            <cdr:cNvCxnSpPr/>
+          </cdr:nvCxnSpPr>
+          <cdr:spPr>
+            <a:xfrm xmlns:a="http://schemas.openxmlformats.org/drawingml/2006/main">
+              <a:off x="4336919" y="580973"/>
+              <a:ext cx="489431" cy="0"/>
+            </a:xfrm>
+            <a:prstGeom xmlns:a="http://schemas.openxmlformats.org/drawingml/2006/main" prst="line">
+              <a:avLst/>
+            </a:prstGeom>
+            <a:ln xmlns:a="http://schemas.openxmlformats.org/drawingml/2006/main" w="19050">
+              <a:solidFill>
+                <a:schemeClr val="tx1"/>
+              </a:solidFill>
+            </a:ln>
+          </cdr:spPr>
+          <cdr:style>
+            <a:lnRef xmlns:a="http://schemas.openxmlformats.org/drawingml/2006/main" idx="1">
+              <a:schemeClr val="accent1"/>
+            </a:lnRef>
+            <a:fillRef xmlns:a="http://schemas.openxmlformats.org/drawingml/2006/main" idx="0">
+              <a:schemeClr val="accent1"/>
+            </a:fillRef>
+            <a:effectRef xmlns:a="http://schemas.openxmlformats.org/drawingml/2006/main" idx="0">
+              <a:schemeClr val="accent1"/>
+            </a:effectRef>
+            <a:fontRef xmlns:a="http://schemas.openxmlformats.org/drawingml/2006/main" idx="minor">
+              <a:schemeClr val="tx1"/>
+            </a:fontRef>
+          </cdr:style>
+        </cdr:cxnSp>
+      </cdr:grpSp>
+      <cdr:grpSp>
+        <cdr:nvGrpSpPr>
+          <cdr:cNvPr id="30" name="Groupe 29">
             <a:extLst xmlns:a="http://schemas.openxmlformats.org/drawingml/2006/main">
               <a:ext uri="{FF2B5EF4-FFF2-40B4-BE49-F238E27FC236}">
-                <a16:creationId xmlns:a16="http://schemas.microsoft.com/office/drawing/2014/main" id="{F236E317-F2C5-4B3B-BE00-D2A7FC8C0182}"/>
+                <a16:creationId xmlns:a16="http://schemas.microsoft.com/office/drawing/2014/main" id="{B6BAA20A-4BBB-4ED0-A86E-86A56856F162}"/>
               </a:ext>
             </a:extLst>
           </cdr:cNvPr>
-          <cdr:cNvCxnSpPr/>
-        </cdr:nvCxnSpPr>
-        <cdr:spPr>
+          <cdr:cNvGrpSpPr/>
+        </cdr:nvGrpSpPr>
+        <cdr:grpSpPr>
           <a:xfrm xmlns:a="http://schemas.openxmlformats.org/drawingml/2006/main">
-            <a:off x="2646260" y="961276"/>
-            <a:ext cx="489431" cy="0"/>
+            <a:off x="6157463" y="555165"/>
+            <a:ext cx="729365" cy="830664"/>
+            <a:chOff x="5976627" y="-2004420"/>
+            <a:chExt cx="489582" cy="13168823"/>
           </a:xfrm>
-          <a:prstGeom xmlns:a="http://schemas.openxmlformats.org/drawingml/2006/main" prst="line">
-            <a:avLst/>
-          </a:prstGeom>
-          <a:ln xmlns:a="http://schemas.openxmlformats.org/drawingml/2006/main" w="19050">
-            <a:solidFill>
+        </cdr:grpSpPr>
+        <cdr:cxnSp macro="">
+          <cdr:nvCxnSpPr>
+            <cdr:cNvPr id="31" name="Connecteur droit 30">
+              <a:extLst xmlns:a="http://schemas.openxmlformats.org/drawingml/2006/main">
+                <a:ext uri="{FF2B5EF4-FFF2-40B4-BE49-F238E27FC236}">
+                  <a16:creationId xmlns:a16="http://schemas.microsoft.com/office/drawing/2014/main" id="{80567AC1-E88D-4051-8CAF-87C85C939E27}"/>
+                </a:ext>
+              </a:extLst>
+            </cdr:cNvPr>
+            <cdr:cNvCxnSpPr/>
+          </cdr:nvCxnSpPr>
+          <cdr:spPr>
+            <a:xfrm xmlns:a="http://schemas.openxmlformats.org/drawingml/2006/main" flipV="1">
+              <a:off x="6466209" y="-2004412"/>
+              <a:ext cx="0" cy="1343993"/>
+            </a:xfrm>
+            <a:prstGeom xmlns:a="http://schemas.openxmlformats.org/drawingml/2006/main" prst="line">
+              <a:avLst/>
+            </a:prstGeom>
+            <a:ln xmlns:a="http://schemas.openxmlformats.org/drawingml/2006/main" w="19050">
+              <a:solidFill>
+                <a:schemeClr val="tx1"/>
+              </a:solidFill>
+            </a:ln>
+          </cdr:spPr>
+          <cdr:style>
+            <a:lnRef xmlns:a="http://schemas.openxmlformats.org/drawingml/2006/main" idx="1">
+              <a:schemeClr val="accent1"/>
+            </a:lnRef>
+            <a:fillRef xmlns:a="http://schemas.openxmlformats.org/drawingml/2006/main" idx="0">
+              <a:schemeClr val="accent1"/>
+            </a:fillRef>
+            <a:effectRef xmlns:a="http://schemas.openxmlformats.org/drawingml/2006/main" idx="0">
+              <a:schemeClr val="accent1"/>
+            </a:effectRef>
+            <a:fontRef xmlns:a="http://schemas.openxmlformats.org/drawingml/2006/main" idx="minor">
               <a:schemeClr val="tx1"/>
-            </a:solidFill>
-          </a:ln>
-        </cdr:spPr>
-        <cdr:style>
-          <a:lnRef xmlns:a="http://schemas.openxmlformats.org/drawingml/2006/main" idx="1">
-            <a:schemeClr val="accent1"/>
-          </a:lnRef>
-          <a:fillRef xmlns:a="http://schemas.openxmlformats.org/drawingml/2006/main" idx="0">
-            <a:schemeClr val="accent1"/>
-          </a:fillRef>
-          <a:effectRef xmlns:a="http://schemas.openxmlformats.org/drawingml/2006/main" idx="0">
-            <a:schemeClr val="accent1"/>
-          </a:effectRef>
-          <a:fontRef xmlns:a="http://schemas.openxmlformats.org/drawingml/2006/main" idx="minor">
-            <a:schemeClr val="tx1"/>
-          </a:fontRef>
-        </cdr:style>
-      </cdr:cxnSp>
-    </cdr:grpSp>
-  </cdr:relSizeAnchor>
-  <cdr:relSizeAnchor xmlns:cdr="http://schemas.openxmlformats.org/drawingml/2006/chartDrawing">
-    <cdr:from>
-      <cdr:x>0.35326</cdr:x>
-      <cdr:y>0.08395</cdr:y>
-    </cdr:from>
-    <cdr:to>
-      <cdr:x>0.41739</cdr:x>
-      <cdr:y>0.24096</cdr:y>
-    </cdr:to>
-    <cdr:grpSp>
-      <cdr:nvGrpSpPr>
-        <cdr:cNvPr id="26" name="Groupe 25">
-          <a:extLst xmlns:a="http://schemas.openxmlformats.org/drawingml/2006/main">
-            <a:ext uri="{FF2B5EF4-FFF2-40B4-BE49-F238E27FC236}">
-              <a16:creationId xmlns:a16="http://schemas.microsoft.com/office/drawing/2014/main" id="{56C2774F-5983-45BD-BDAC-1D533F5D771A}"/>
-            </a:ext>
-          </a:extLst>
-        </cdr:cNvPr>
-        <cdr:cNvGrpSpPr/>
-      </cdr:nvGrpSpPr>
-      <cdr:grpSpPr>
-        <a:xfrm xmlns:a="http://schemas.openxmlformats.org/drawingml/2006/main">
-          <a:off x="4017705" y="555165"/>
-          <a:ext cx="729365" cy="1038314"/>
-          <a:chOff x="4336768" y="565189"/>
-          <a:chExt cx="489582" cy="3458598"/>
-        </a:xfrm>
-      </cdr:grpSpPr>
-      <cdr:cxnSp macro="">
-        <cdr:nvCxnSpPr>
-          <cdr:cNvPr id="27" name="Connecteur droit 26">
+            </a:fontRef>
+          </cdr:style>
+        </cdr:cxnSp>
+        <cdr:cxnSp macro="">
+          <cdr:nvCxnSpPr>
+            <cdr:cNvPr id="32" name="Connecteur droit 31">
+              <a:extLst xmlns:a="http://schemas.openxmlformats.org/drawingml/2006/main">
+                <a:ext uri="{FF2B5EF4-FFF2-40B4-BE49-F238E27FC236}">
+                  <a16:creationId xmlns:a16="http://schemas.microsoft.com/office/drawing/2014/main" id="{60B5EFA8-75D9-4A45-AD12-2A8333033B32}"/>
+                </a:ext>
+              </a:extLst>
+            </cdr:cNvPr>
+            <cdr:cNvCxnSpPr/>
+          </cdr:nvCxnSpPr>
+          <cdr:spPr>
+            <a:xfrm xmlns:a="http://schemas.openxmlformats.org/drawingml/2006/main" flipH="1" flipV="1">
+              <a:off x="5976627" y="-2004420"/>
+              <a:ext cx="151" cy="13168823"/>
+            </a:xfrm>
+            <a:prstGeom xmlns:a="http://schemas.openxmlformats.org/drawingml/2006/main" prst="line">
+              <a:avLst/>
+            </a:prstGeom>
+            <a:ln xmlns:a="http://schemas.openxmlformats.org/drawingml/2006/main" w="19050">
+              <a:solidFill>
+                <a:schemeClr val="tx1"/>
+              </a:solidFill>
+            </a:ln>
+          </cdr:spPr>
+          <cdr:style>
+            <a:lnRef xmlns:a="http://schemas.openxmlformats.org/drawingml/2006/main" idx="1">
+              <a:schemeClr val="accent1"/>
+            </a:lnRef>
+            <a:fillRef xmlns:a="http://schemas.openxmlformats.org/drawingml/2006/main" idx="0">
+              <a:schemeClr val="accent1"/>
+            </a:fillRef>
+            <a:effectRef xmlns:a="http://schemas.openxmlformats.org/drawingml/2006/main" idx="0">
+              <a:schemeClr val="accent1"/>
+            </a:effectRef>
+            <a:fontRef xmlns:a="http://schemas.openxmlformats.org/drawingml/2006/main" idx="minor">
+              <a:schemeClr val="tx1"/>
+            </a:fontRef>
+          </cdr:style>
+        </cdr:cxnSp>
+        <cdr:cxnSp macro="">
+          <cdr:nvCxnSpPr>
+            <cdr:cNvPr id="33" name="Connecteur droit 32">
+              <a:extLst xmlns:a="http://schemas.openxmlformats.org/drawingml/2006/main">
+                <a:ext uri="{FF2B5EF4-FFF2-40B4-BE49-F238E27FC236}">
+                  <a16:creationId xmlns:a16="http://schemas.microsoft.com/office/drawing/2014/main" id="{C9BB5630-3780-48BB-BE06-9472A7EA0EE1}"/>
+                </a:ext>
+              </a:extLst>
+            </cdr:cNvPr>
+            <cdr:cNvCxnSpPr/>
+          </cdr:nvCxnSpPr>
+          <cdr:spPr>
+            <a:xfrm xmlns:a="http://schemas.openxmlformats.org/drawingml/2006/main">
+              <a:off x="5976778" y="-1944321"/>
+              <a:ext cx="489431" cy="0"/>
+            </a:xfrm>
+            <a:prstGeom xmlns:a="http://schemas.openxmlformats.org/drawingml/2006/main" prst="line">
+              <a:avLst/>
+            </a:prstGeom>
+            <a:ln xmlns:a="http://schemas.openxmlformats.org/drawingml/2006/main" w="19050">
+              <a:solidFill>
+                <a:schemeClr val="tx1"/>
+              </a:solidFill>
+            </a:ln>
+          </cdr:spPr>
+          <cdr:style>
+            <a:lnRef xmlns:a="http://schemas.openxmlformats.org/drawingml/2006/main" idx="1">
+              <a:schemeClr val="accent1"/>
+            </a:lnRef>
+            <a:fillRef xmlns:a="http://schemas.openxmlformats.org/drawingml/2006/main" idx="0">
+              <a:schemeClr val="accent1"/>
+            </a:fillRef>
+            <a:effectRef xmlns:a="http://schemas.openxmlformats.org/drawingml/2006/main" idx="0">
+              <a:schemeClr val="accent1"/>
+            </a:effectRef>
+            <a:fontRef xmlns:a="http://schemas.openxmlformats.org/drawingml/2006/main" idx="minor">
+              <a:schemeClr val="tx1"/>
+            </a:fontRef>
+          </cdr:style>
+        </cdr:cxnSp>
+      </cdr:grpSp>
+      <cdr:grpSp>
+        <cdr:nvGrpSpPr>
+          <cdr:cNvPr id="34" name="Groupe 33">
             <a:extLst xmlns:a="http://schemas.openxmlformats.org/drawingml/2006/main">
               <a:ext uri="{FF2B5EF4-FFF2-40B4-BE49-F238E27FC236}">
-                <a16:creationId xmlns:a16="http://schemas.microsoft.com/office/drawing/2014/main" id="{6AC10D31-D9F1-466D-9A83-E462E6E6DA64}"/>
+                <a16:creationId xmlns:a16="http://schemas.microsoft.com/office/drawing/2014/main" id="{52D68C3C-56A5-4404-B9D0-49B19F9508A1}"/>
               </a:ext>
             </a:extLst>
           </cdr:cNvPr>
-          <cdr:cNvCxnSpPr/>
-        </cdr:nvCxnSpPr>
-        <cdr:spPr>
-          <a:xfrm xmlns:a="http://schemas.openxmlformats.org/drawingml/2006/main" flipV="1">
-            <a:off x="4826350" y="565191"/>
-            <a:ext cx="0" cy="352980"/>
+          <cdr:cNvGrpSpPr/>
+        </cdr:nvGrpSpPr>
+        <cdr:grpSpPr>
+          <a:xfrm xmlns:a="http://schemas.openxmlformats.org/drawingml/2006/main">
+            <a:off x="8375014" y="568986"/>
+            <a:ext cx="729251" cy="1419027"/>
+            <a:chOff x="7820022" y="-60800547"/>
+            <a:chExt cx="489582" cy="238644106"/>
           </a:xfrm>
-          <a:prstGeom xmlns:a="http://schemas.openxmlformats.org/drawingml/2006/main" prst="line">
-            <a:avLst/>
-          </a:prstGeom>
-          <a:ln xmlns:a="http://schemas.openxmlformats.org/drawingml/2006/main" w="19050">
-            <a:solidFill>
+        </cdr:grpSpPr>
+        <cdr:cxnSp macro="">
+          <cdr:nvCxnSpPr>
+            <cdr:cNvPr id="35" name="Connecteur droit 34">
+              <a:extLst xmlns:a="http://schemas.openxmlformats.org/drawingml/2006/main">
+                <a:ext uri="{FF2B5EF4-FFF2-40B4-BE49-F238E27FC236}">
+                  <a16:creationId xmlns:a16="http://schemas.microsoft.com/office/drawing/2014/main" id="{B3177F14-0240-4393-84EA-85C01EF28A83}"/>
+                </a:ext>
+              </a:extLst>
+            </cdr:cNvPr>
+            <cdr:cNvCxnSpPr/>
+          </cdr:nvCxnSpPr>
+          <cdr:spPr>
+            <a:xfrm xmlns:a="http://schemas.openxmlformats.org/drawingml/2006/main" flipV="1">
+              <a:off x="8309604" y="-60800402"/>
+              <a:ext cx="0" cy="24355708"/>
+            </a:xfrm>
+            <a:prstGeom xmlns:a="http://schemas.openxmlformats.org/drawingml/2006/main" prst="line">
+              <a:avLst/>
+            </a:prstGeom>
+            <a:ln xmlns:a="http://schemas.openxmlformats.org/drawingml/2006/main" w="19050">
+              <a:solidFill>
+                <a:schemeClr val="tx1"/>
+              </a:solidFill>
+            </a:ln>
+          </cdr:spPr>
+          <cdr:style>
+            <a:lnRef xmlns:a="http://schemas.openxmlformats.org/drawingml/2006/main" idx="1">
+              <a:schemeClr val="accent1"/>
+            </a:lnRef>
+            <a:fillRef xmlns:a="http://schemas.openxmlformats.org/drawingml/2006/main" idx="0">
+              <a:schemeClr val="accent1"/>
+            </a:fillRef>
+            <a:effectRef xmlns:a="http://schemas.openxmlformats.org/drawingml/2006/main" idx="0">
+              <a:schemeClr val="accent1"/>
+            </a:effectRef>
+            <a:fontRef xmlns:a="http://schemas.openxmlformats.org/drawingml/2006/main" idx="minor">
               <a:schemeClr val="tx1"/>
-            </a:solidFill>
-          </a:ln>
-        </cdr:spPr>
-        <cdr:style>
-          <a:lnRef xmlns:a="http://schemas.openxmlformats.org/drawingml/2006/main" idx="1">
-            <a:schemeClr val="accent1"/>
-          </a:lnRef>
-          <a:fillRef xmlns:a="http://schemas.openxmlformats.org/drawingml/2006/main" idx="0">
-            <a:schemeClr val="accent1"/>
-          </a:fillRef>
-          <a:effectRef xmlns:a="http://schemas.openxmlformats.org/drawingml/2006/main" idx="0">
-            <a:schemeClr val="accent1"/>
-          </a:effectRef>
-          <a:fontRef xmlns:a="http://schemas.openxmlformats.org/drawingml/2006/main" idx="minor">
-            <a:schemeClr val="tx1"/>
-          </a:fontRef>
-        </cdr:style>
-      </cdr:cxnSp>
-      <cdr:cxnSp macro="">
-        <cdr:nvCxnSpPr>
-          <cdr:cNvPr id="28" name="Connecteur droit 27">
-            <a:extLst xmlns:a="http://schemas.openxmlformats.org/drawingml/2006/main">
-              <a:ext uri="{FF2B5EF4-FFF2-40B4-BE49-F238E27FC236}">
-                <a16:creationId xmlns:a16="http://schemas.microsoft.com/office/drawing/2014/main" id="{2423B31C-4685-4FE0-ABEC-E69447398FFC}"/>
-              </a:ext>
-            </a:extLst>
-          </cdr:cNvPr>
-          <cdr:cNvCxnSpPr/>
-        </cdr:nvCxnSpPr>
-        <cdr:spPr>
-          <a:xfrm xmlns:a="http://schemas.openxmlformats.org/drawingml/2006/main" flipH="1" flipV="1">
-            <a:off x="4336768" y="565189"/>
-            <a:ext cx="151" cy="3458598"/>
-          </a:xfrm>
-          <a:prstGeom xmlns:a="http://schemas.openxmlformats.org/drawingml/2006/main" prst="line">
-            <a:avLst/>
-          </a:prstGeom>
-          <a:ln xmlns:a="http://schemas.openxmlformats.org/drawingml/2006/main" w="19050">
-            <a:solidFill>
+            </a:fontRef>
+          </cdr:style>
+        </cdr:cxnSp>
+        <cdr:cxnSp macro="">
+          <cdr:nvCxnSpPr>
+            <cdr:cNvPr id="36" name="Connecteur droit 35">
+              <a:extLst xmlns:a="http://schemas.openxmlformats.org/drawingml/2006/main">
+                <a:ext uri="{FF2B5EF4-FFF2-40B4-BE49-F238E27FC236}">
+                  <a16:creationId xmlns:a16="http://schemas.microsoft.com/office/drawing/2014/main" id="{895711BC-FD6E-4CAA-A068-1A28E87E285D}"/>
+                </a:ext>
+              </a:extLst>
+            </cdr:cNvPr>
+            <cdr:cNvCxnSpPr/>
+          </cdr:nvCxnSpPr>
+          <cdr:spPr>
+            <a:xfrm xmlns:a="http://schemas.openxmlformats.org/drawingml/2006/main" flipH="1" flipV="1">
+              <a:off x="7820022" y="-60800547"/>
+              <a:ext cx="151" cy="238644106"/>
+            </a:xfrm>
+            <a:prstGeom xmlns:a="http://schemas.openxmlformats.org/drawingml/2006/main" prst="line">
+              <a:avLst/>
+            </a:prstGeom>
+            <a:ln xmlns:a="http://schemas.openxmlformats.org/drawingml/2006/main" w="19050">
+              <a:solidFill>
+                <a:schemeClr val="tx1"/>
+              </a:solidFill>
+            </a:ln>
+          </cdr:spPr>
+          <cdr:style>
+            <a:lnRef xmlns:a="http://schemas.openxmlformats.org/drawingml/2006/main" idx="1">
+              <a:schemeClr val="accent1"/>
+            </a:lnRef>
+            <a:fillRef xmlns:a="http://schemas.openxmlformats.org/drawingml/2006/main" idx="0">
+              <a:schemeClr val="accent1"/>
+            </a:fillRef>
+            <a:effectRef xmlns:a="http://schemas.openxmlformats.org/drawingml/2006/main" idx="0">
+              <a:schemeClr val="accent1"/>
+            </a:effectRef>
+            <a:fontRef xmlns:a="http://schemas.openxmlformats.org/drawingml/2006/main" idx="minor">
               <a:schemeClr val="tx1"/>
-            </a:solidFill>
-          </a:ln>
-        </cdr:spPr>
-        <cdr:style>
-          <a:lnRef xmlns:a="http://schemas.openxmlformats.org/drawingml/2006/main" idx="1">
-            <a:schemeClr val="accent1"/>
-          </a:lnRef>
-          <a:fillRef xmlns:a="http://schemas.openxmlformats.org/drawingml/2006/main" idx="0">
-            <a:schemeClr val="accent1"/>
-          </a:fillRef>
-          <a:effectRef xmlns:a="http://schemas.openxmlformats.org/drawingml/2006/main" idx="0">
-            <a:schemeClr val="accent1"/>
-          </a:effectRef>
-          <a:fontRef xmlns:a="http://schemas.openxmlformats.org/drawingml/2006/main" idx="minor">
-            <a:schemeClr val="tx1"/>
-          </a:fontRef>
-        </cdr:style>
-      </cdr:cxnSp>
-      <cdr:cxnSp macro="">
-        <cdr:nvCxnSpPr>
-          <cdr:cNvPr id="29" name="Connecteur droit 28">
-            <a:extLst xmlns:a="http://schemas.openxmlformats.org/drawingml/2006/main">
-              <a:ext uri="{FF2B5EF4-FFF2-40B4-BE49-F238E27FC236}">
-                <a16:creationId xmlns:a16="http://schemas.microsoft.com/office/drawing/2014/main" id="{1D6726F9-BE34-4071-8A59-06B0DB0CD9FA}"/>
-              </a:ext>
-            </a:extLst>
-          </cdr:cNvPr>
-          <cdr:cNvCxnSpPr/>
-        </cdr:nvCxnSpPr>
-        <cdr:spPr>
-          <a:xfrm xmlns:a="http://schemas.openxmlformats.org/drawingml/2006/main">
-            <a:off x="4336919" y="580973"/>
-            <a:ext cx="489431" cy="0"/>
-          </a:xfrm>
-          <a:prstGeom xmlns:a="http://schemas.openxmlformats.org/drawingml/2006/main" prst="line">
-            <a:avLst/>
-          </a:prstGeom>
-          <a:ln xmlns:a="http://schemas.openxmlformats.org/drawingml/2006/main" w="19050">
-            <a:solidFill>
+            </a:fontRef>
+          </cdr:style>
+        </cdr:cxnSp>
+        <cdr:cxnSp macro="">
+          <cdr:nvCxnSpPr>
+            <cdr:cNvPr id="37" name="Connecteur droit 36">
+              <a:extLst xmlns:a="http://schemas.openxmlformats.org/drawingml/2006/main">
+                <a:ext uri="{FF2B5EF4-FFF2-40B4-BE49-F238E27FC236}">
+                  <a16:creationId xmlns:a16="http://schemas.microsoft.com/office/drawing/2014/main" id="{603E6DEA-1877-475B-84FB-4939A41C6B82}"/>
+                </a:ext>
+              </a:extLst>
+            </cdr:cNvPr>
+            <cdr:cNvCxnSpPr/>
+          </cdr:nvCxnSpPr>
+          <cdr:spPr>
+            <a:xfrm xmlns:a="http://schemas.openxmlformats.org/drawingml/2006/main">
+              <a:off x="7820173" y="-59711439"/>
+              <a:ext cx="489431" cy="0"/>
+            </a:xfrm>
+            <a:prstGeom xmlns:a="http://schemas.openxmlformats.org/drawingml/2006/main" prst="line">
+              <a:avLst/>
+            </a:prstGeom>
+            <a:ln xmlns:a="http://schemas.openxmlformats.org/drawingml/2006/main" w="19050">
+              <a:solidFill>
+                <a:schemeClr val="tx1"/>
+              </a:solidFill>
+            </a:ln>
+          </cdr:spPr>
+          <cdr:style>
+            <a:lnRef xmlns:a="http://schemas.openxmlformats.org/drawingml/2006/main" idx="1">
+              <a:schemeClr val="accent1"/>
+            </a:lnRef>
+            <a:fillRef xmlns:a="http://schemas.openxmlformats.org/drawingml/2006/main" idx="0">
+              <a:schemeClr val="accent1"/>
+            </a:fillRef>
+            <a:effectRef xmlns:a="http://schemas.openxmlformats.org/drawingml/2006/main" idx="0">
+              <a:schemeClr val="accent1"/>
+            </a:effectRef>
+            <a:fontRef xmlns:a="http://schemas.openxmlformats.org/drawingml/2006/main" idx="minor">
               <a:schemeClr val="tx1"/>
-            </a:solidFill>
-          </a:ln>
-        </cdr:spPr>
-        <cdr:style>
-          <a:lnRef xmlns:a="http://schemas.openxmlformats.org/drawingml/2006/main" idx="1">
-            <a:schemeClr val="accent1"/>
-          </a:lnRef>
-          <a:fillRef xmlns:a="http://schemas.openxmlformats.org/drawingml/2006/main" idx="0">
-            <a:schemeClr val="accent1"/>
-          </a:fillRef>
-          <a:effectRef xmlns:a="http://schemas.openxmlformats.org/drawingml/2006/main" idx="0">
-            <a:schemeClr val="accent1"/>
-          </a:effectRef>
-          <a:fontRef xmlns:a="http://schemas.openxmlformats.org/drawingml/2006/main" idx="minor">
-            <a:schemeClr val="tx1"/>
-          </a:fontRef>
-        </cdr:style>
-      </cdr:cxnSp>
-    </cdr:grpSp>
-  </cdr:relSizeAnchor>
-  <cdr:relSizeAnchor xmlns:cdr="http://schemas.openxmlformats.org/drawingml/2006/chartDrawing">
-    <cdr:from>
-      <cdr:x>0.5414</cdr:x>
-      <cdr:y>0.08395</cdr:y>
-    </cdr:from>
-    <cdr:to>
-      <cdr:x>0.60553</cdr:x>
-      <cdr:y>0.20956</cdr:y>
-    </cdr:to>
-    <cdr:grpSp>
-      <cdr:nvGrpSpPr>
-        <cdr:cNvPr id="30" name="Groupe 29">
-          <a:extLst xmlns:a="http://schemas.openxmlformats.org/drawingml/2006/main">
-            <a:ext uri="{FF2B5EF4-FFF2-40B4-BE49-F238E27FC236}">
-              <a16:creationId xmlns:a16="http://schemas.microsoft.com/office/drawing/2014/main" id="{B6BAA20A-4BBB-4ED0-A86E-86A56856F162}"/>
-            </a:ext>
-          </a:extLst>
-        </cdr:cNvPr>
-        <cdr:cNvGrpSpPr/>
-      </cdr:nvGrpSpPr>
-      <cdr:grpSpPr>
-        <a:xfrm xmlns:a="http://schemas.openxmlformats.org/drawingml/2006/main">
-          <a:off x="6157463" y="555165"/>
-          <a:ext cx="729365" cy="830664"/>
-          <a:chOff x="5976627" y="-2004420"/>
-          <a:chExt cx="489582" cy="13168823"/>
-        </a:xfrm>
-      </cdr:grpSpPr>
-      <cdr:cxnSp macro="">
-        <cdr:nvCxnSpPr>
-          <cdr:cNvPr id="31" name="Connecteur droit 30">
-            <a:extLst xmlns:a="http://schemas.openxmlformats.org/drawingml/2006/main">
-              <a:ext uri="{FF2B5EF4-FFF2-40B4-BE49-F238E27FC236}">
-                <a16:creationId xmlns:a16="http://schemas.microsoft.com/office/drawing/2014/main" id="{80567AC1-E88D-4051-8CAF-87C85C939E27}"/>
-              </a:ext>
-            </a:extLst>
-          </cdr:cNvPr>
-          <cdr:cNvCxnSpPr/>
-        </cdr:nvCxnSpPr>
-        <cdr:spPr>
-          <a:xfrm xmlns:a="http://schemas.openxmlformats.org/drawingml/2006/main" flipV="1">
-            <a:off x="6466209" y="-2004412"/>
-            <a:ext cx="0" cy="1343993"/>
-          </a:xfrm>
-          <a:prstGeom xmlns:a="http://schemas.openxmlformats.org/drawingml/2006/main" prst="line">
-            <a:avLst/>
-          </a:prstGeom>
-          <a:ln xmlns:a="http://schemas.openxmlformats.org/drawingml/2006/main" w="19050">
-            <a:solidFill>
-              <a:schemeClr val="tx1"/>
-            </a:solidFill>
-          </a:ln>
-        </cdr:spPr>
-        <cdr:style>
-          <a:lnRef xmlns:a="http://schemas.openxmlformats.org/drawingml/2006/main" idx="1">
-            <a:schemeClr val="accent1"/>
-          </a:lnRef>
-          <a:fillRef xmlns:a="http://schemas.openxmlformats.org/drawingml/2006/main" idx="0">
-            <a:schemeClr val="accent1"/>
-          </a:fillRef>
-          <a:effectRef xmlns:a="http://schemas.openxmlformats.org/drawingml/2006/main" idx="0">
-            <a:schemeClr val="accent1"/>
-          </a:effectRef>
-          <a:fontRef xmlns:a="http://schemas.openxmlformats.org/drawingml/2006/main" idx="minor">
-            <a:schemeClr val="tx1"/>
-          </a:fontRef>
-        </cdr:style>
-      </cdr:cxnSp>
-      <cdr:cxnSp macro="">
-        <cdr:nvCxnSpPr>
-          <cdr:cNvPr id="32" name="Connecteur droit 31">
-            <a:extLst xmlns:a="http://schemas.openxmlformats.org/drawingml/2006/main">
-              <a:ext uri="{FF2B5EF4-FFF2-40B4-BE49-F238E27FC236}">
-                <a16:creationId xmlns:a16="http://schemas.microsoft.com/office/drawing/2014/main" id="{60B5EFA8-75D9-4A45-AD12-2A8333033B32}"/>
-              </a:ext>
-            </a:extLst>
-          </cdr:cNvPr>
-          <cdr:cNvCxnSpPr/>
-        </cdr:nvCxnSpPr>
-        <cdr:spPr>
-          <a:xfrm xmlns:a="http://schemas.openxmlformats.org/drawingml/2006/main" flipH="1" flipV="1">
-            <a:off x="5976627" y="-2004420"/>
-            <a:ext cx="151" cy="13168823"/>
-          </a:xfrm>
-          <a:prstGeom xmlns:a="http://schemas.openxmlformats.org/drawingml/2006/main" prst="line">
-            <a:avLst/>
-          </a:prstGeom>
-          <a:ln xmlns:a="http://schemas.openxmlformats.org/drawingml/2006/main" w="19050">
-            <a:solidFill>
-              <a:schemeClr val="tx1"/>
-            </a:solidFill>
-          </a:ln>
-        </cdr:spPr>
-        <cdr:style>
-          <a:lnRef xmlns:a="http://schemas.openxmlformats.org/drawingml/2006/main" idx="1">
-            <a:schemeClr val="accent1"/>
-          </a:lnRef>
-          <a:fillRef xmlns:a="http://schemas.openxmlformats.org/drawingml/2006/main" idx="0">
-            <a:schemeClr val="accent1"/>
-          </a:fillRef>
-          <a:effectRef xmlns:a="http://schemas.openxmlformats.org/drawingml/2006/main" idx="0">
-            <a:schemeClr val="accent1"/>
-          </a:effectRef>
-          <a:fontRef xmlns:a="http://schemas.openxmlformats.org/drawingml/2006/main" idx="minor">
-            <a:schemeClr val="tx1"/>
-          </a:fontRef>
-        </cdr:style>
-      </cdr:cxnSp>
-      <cdr:cxnSp macro="">
-        <cdr:nvCxnSpPr>
-          <cdr:cNvPr id="33" name="Connecteur droit 32">
-            <a:extLst xmlns:a="http://schemas.openxmlformats.org/drawingml/2006/main">
-              <a:ext uri="{FF2B5EF4-FFF2-40B4-BE49-F238E27FC236}">
-                <a16:creationId xmlns:a16="http://schemas.microsoft.com/office/drawing/2014/main" id="{C9BB5630-3780-48BB-BE06-9472A7EA0EE1}"/>
-              </a:ext>
-            </a:extLst>
-          </cdr:cNvPr>
-          <cdr:cNvCxnSpPr/>
-        </cdr:nvCxnSpPr>
-        <cdr:spPr>
-          <a:xfrm xmlns:a="http://schemas.openxmlformats.org/drawingml/2006/main">
-            <a:off x="5976778" y="-1944321"/>
-            <a:ext cx="489431" cy="0"/>
-          </a:xfrm>
-          <a:prstGeom xmlns:a="http://schemas.openxmlformats.org/drawingml/2006/main" prst="line">
-            <a:avLst/>
-          </a:prstGeom>
-          <a:ln xmlns:a="http://schemas.openxmlformats.org/drawingml/2006/main" w="19050">
-            <a:solidFill>
-              <a:schemeClr val="tx1"/>
-            </a:solidFill>
-          </a:ln>
-        </cdr:spPr>
-        <cdr:style>
-          <a:lnRef xmlns:a="http://schemas.openxmlformats.org/drawingml/2006/main" idx="1">
-            <a:schemeClr val="accent1"/>
-          </a:lnRef>
-          <a:fillRef xmlns:a="http://schemas.openxmlformats.org/drawingml/2006/main" idx="0">
-            <a:schemeClr val="accent1"/>
-          </a:fillRef>
-          <a:effectRef xmlns:a="http://schemas.openxmlformats.org/drawingml/2006/main" idx="0">
-            <a:schemeClr val="accent1"/>
-          </a:effectRef>
-          <a:fontRef xmlns:a="http://schemas.openxmlformats.org/drawingml/2006/main" idx="minor">
-            <a:schemeClr val="tx1"/>
-          </a:fontRef>
-        </cdr:style>
-      </cdr:cxnSp>
-    </cdr:grpSp>
-  </cdr:relSizeAnchor>
-  <cdr:relSizeAnchor xmlns:cdr="http://schemas.openxmlformats.org/drawingml/2006/chartDrawing">
-    <cdr:from>
-      <cdr:x>0.73638</cdr:x>
-      <cdr:y>0.08604</cdr:y>
-    </cdr:from>
-    <cdr:to>
-      <cdr:x>0.8005</cdr:x>
-      <cdr:y>0.30062</cdr:y>
-    </cdr:to>
-    <cdr:grpSp>
-      <cdr:nvGrpSpPr>
-        <cdr:cNvPr id="34" name="Groupe 33">
-          <a:extLst xmlns:a="http://schemas.openxmlformats.org/drawingml/2006/main">
-            <a:ext uri="{FF2B5EF4-FFF2-40B4-BE49-F238E27FC236}">
-              <a16:creationId xmlns:a16="http://schemas.microsoft.com/office/drawing/2014/main" id="{52D68C3C-56A5-4404-B9D0-49B19F9508A1}"/>
-            </a:ext>
-          </a:extLst>
-        </cdr:cNvPr>
-        <cdr:cNvGrpSpPr/>
-      </cdr:nvGrpSpPr>
-      <cdr:grpSpPr>
-        <a:xfrm xmlns:a="http://schemas.openxmlformats.org/drawingml/2006/main">
-          <a:off x="8375014" y="568986"/>
-          <a:ext cx="729251" cy="1419027"/>
-          <a:chOff x="7820022" y="-60800547"/>
-          <a:chExt cx="489582" cy="238644106"/>
-        </a:xfrm>
-      </cdr:grpSpPr>
-      <cdr:cxnSp macro="">
-        <cdr:nvCxnSpPr>
-          <cdr:cNvPr id="35" name="Connecteur droit 34">
-            <a:extLst xmlns:a="http://schemas.openxmlformats.org/drawingml/2006/main">
-              <a:ext uri="{FF2B5EF4-FFF2-40B4-BE49-F238E27FC236}">
-                <a16:creationId xmlns:a16="http://schemas.microsoft.com/office/drawing/2014/main" id="{B3177F14-0240-4393-84EA-85C01EF28A83}"/>
-              </a:ext>
-            </a:extLst>
-          </cdr:cNvPr>
-          <cdr:cNvCxnSpPr/>
-        </cdr:nvCxnSpPr>
-        <cdr:spPr>
-          <a:xfrm xmlns:a="http://schemas.openxmlformats.org/drawingml/2006/main" flipV="1">
-            <a:off x="8309604" y="-60800402"/>
-            <a:ext cx="0" cy="24355708"/>
-          </a:xfrm>
-          <a:prstGeom xmlns:a="http://schemas.openxmlformats.org/drawingml/2006/main" prst="line">
-            <a:avLst/>
-          </a:prstGeom>
-          <a:ln xmlns:a="http://schemas.openxmlformats.org/drawingml/2006/main" w="19050">
-            <a:solidFill>
-              <a:schemeClr val="tx1"/>
-            </a:solidFill>
-          </a:ln>
-        </cdr:spPr>
-        <cdr:style>
-          <a:lnRef xmlns:a="http://schemas.openxmlformats.org/drawingml/2006/main" idx="1">
-            <a:schemeClr val="accent1"/>
-          </a:lnRef>
-          <a:fillRef xmlns:a="http://schemas.openxmlformats.org/drawingml/2006/main" idx="0">
-            <a:schemeClr val="accent1"/>
-          </a:fillRef>
-          <a:effectRef xmlns:a="http://schemas.openxmlformats.org/drawingml/2006/main" idx="0">
-            <a:schemeClr val="accent1"/>
-          </a:effectRef>
-          <a:fontRef xmlns:a="http://schemas.openxmlformats.org/drawingml/2006/main" idx="minor">
-            <a:schemeClr val="tx1"/>
-          </a:fontRef>
-        </cdr:style>
-      </cdr:cxnSp>
-      <cdr:cxnSp macro="">
-        <cdr:nvCxnSpPr>
-          <cdr:cNvPr id="36" name="Connecteur droit 35">
-            <a:extLst xmlns:a="http://schemas.openxmlformats.org/drawingml/2006/main">
-              <a:ext uri="{FF2B5EF4-FFF2-40B4-BE49-F238E27FC236}">
-                <a16:creationId xmlns:a16="http://schemas.microsoft.com/office/drawing/2014/main" id="{895711BC-FD6E-4CAA-A068-1A28E87E285D}"/>
-              </a:ext>
-            </a:extLst>
-          </cdr:cNvPr>
-          <cdr:cNvCxnSpPr/>
-        </cdr:nvCxnSpPr>
-        <cdr:spPr>
-          <a:xfrm xmlns:a="http://schemas.openxmlformats.org/drawingml/2006/main" flipH="1" flipV="1">
-            <a:off x="7820022" y="-60800547"/>
-            <a:ext cx="151" cy="238644106"/>
-          </a:xfrm>
-          <a:prstGeom xmlns:a="http://schemas.openxmlformats.org/drawingml/2006/main" prst="line">
-            <a:avLst/>
-          </a:prstGeom>
-          <a:ln xmlns:a="http://schemas.openxmlformats.org/drawingml/2006/main" w="19050">
-            <a:solidFill>
-              <a:schemeClr val="tx1"/>
-            </a:solidFill>
-          </a:ln>
-        </cdr:spPr>
-        <cdr:style>
-          <a:lnRef xmlns:a="http://schemas.openxmlformats.org/drawingml/2006/main" idx="1">
-            <a:schemeClr val="accent1"/>
-          </a:lnRef>
-          <a:fillRef xmlns:a="http://schemas.openxmlformats.org/drawingml/2006/main" idx="0">
-            <a:schemeClr val="accent1"/>
-          </a:fillRef>
-          <a:effectRef xmlns:a="http://schemas.openxmlformats.org/drawingml/2006/main" idx="0">
-            <a:schemeClr val="accent1"/>
-          </a:effectRef>
-          <a:fontRef xmlns:a="http://schemas.openxmlformats.org/drawingml/2006/main" idx="minor">
-            <a:schemeClr val="tx1"/>
-          </a:fontRef>
-        </cdr:style>
-      </cdr:cxnSp>
-      <cdr:cxnSp macro="">
-        <cdr:nvCxnSpPr>
-          <cdr:cNvPr id="37" name="Connecteur droit 36">
-            <a:extLst xmlns:a="http://schemas.openxmlformats.org/drawingml/2006/main">
-              <a:ext uri="{FF2B5EF4-FFF2-40B4-BE49-F238E27FC236}">
-                <a16:creationId xmlns:a16="http://schemas.microsoft.com/office/drawing/2014/main" id="{603E6DEA-1877-475B-84FB-4939A41C6B82}"/>
-              </a:ext>
-            </a:extLst>
-          </cdr:cNvPr>
-          <cdr:cNvCxnSpPr/>
-        </cdr:nvCxnSpPr>
-        <cdr:spPr>
-          <a:xfrm xmlns:a="http://schemas.openxmlformats.org/drawingml/2006/main">
-            <a:off x="7820173" y="-59711439"/>
-            <a:ext cx="489431" cy="0"/>
-          </a:xfrm>
-          <a:prstGeom xmlns:a="http://schemas.openxmlformats.org/drawingml/2006/main" prst="line">
-            <a:avLst/>
-          </a:prstGeom>
-          <a:ln xmlns:a="http://schemas.openxmlformats.org/drawingml/2006/main" w="19050">
-            <a:solidFill>
-              <a:schemeClr val="tx1"/>
-            </a:solidFill>
-          </a:ln>
-        </cdr:spPr>
-        <cdr:style>
-          <a:lnRef xmlns:a="http://schemas.openxmlformats.org/drawingml/2006/main" idx="1">
-            <a:schemeClr val="accent1"/>
-          </a:lnRef>
-          <a:fillRef xmlns:a="http://schemas.openxmlformats.org/drawingml/2006/main" idx="0">
-            <a:schemeClr val="accent1"/>
-          </a:fillRef>
-          <a:effectRef xmlns:a="http://schemas.openxmlformats.org/drawingml/2006/main" idx="0">
-            <a:schemeClr val="accent1"/>
-          </a:effectRef>
-          <a:fontRef xmlns:a="http://schemas.openxmlformats.org/drawingml/2006/main" idx="minor">
-            <a:schemeClr val="tx1"/>
-          </a:fontRef>
-        </cdr:style>
-      </cdr:cxnSp>
+            </a:fontRef>
+          </cdr:style>
+        </cdr:cxnSp>
+      </cdr:grpSp>
     </cdr:grpSp>
   </cdr:relSizeAnchor>
   <cdr:relSizeAnchor xmlns:cdr="http://schemas.openxmlformats.org/drawingml/2006/chartDrawing">
@@ -7170,7 +7134,7 @@
           <a:p>
             <a:fld id="{48FBB81F-AC1C-42D8-B504-E1BDDC3AB447}" type="datetimeFigureOut">
               <a:rPr lang="fr-FR" smtClean="0"/>
-              <a:t>18/06/2018</a:t>
+              <a:t>19/06/2018</a:t>
             </a:fld>
             <a:endParaRPr lang="fr-FR"/>
           </a:p>
@@ -7338,7 +7302,7 @@
           <a:p>
             <a:fld id="{48FBB81F-AC1C-42D8-B504-E1BDDC3AB447}" type="datetimeFigureOut">
               <a:rPr lang="fr-FR" smtClean="0"/>
-              <a:t>18/06/2018</a:t>
+              <a:t>19/06/2018</a:t>
             </a:fld>
             <a:endParaRPr lang="fr-FR"/>
           </a:p>
@@ -7516,7 +7480,7 @@
           <a:p>
             <a:fld id="{48FBB81F-AC1C-42D8-B504-E1BDDC3AB447}" type="datetimeFigureOut">
               <a:rPr lang="fr-FR" smtClean="0"/>
-              <a:t>18/06/2018</a:t>
+              <a:t>19/06/2018</a:t>
             </a:fld>
             <a:endParaRPr lang="fr-FR"/>
           </a:p>
@@ -7684,7 +7648,7 @@
           <a:p>
             <a:fld id="{48FBB81F-AC1C-42D8-B504-E1BDDC3AB447}" type="datetimeFigureOut">
               <a:rPr lang="fr-FR" smtClean="0"/>
-              <a:t>18/06/2018</a:t>
+              <a:t>19/06/2018</a:t>
             </a:fld>
             <a:endParaRPr lang="fr-FR"/>
           </a:p>
@@ -7929,7 +7893,7 @@
           <a:p>
             <a:fld id="{48FBB81F-AC1C-42D8-B504-E1BDDC3AB447}" type="datetimeFigureOut">
               <a:rPr lang="fr-FR" smtClean="0"/>
-              <a:t>18/06/2018</a:t>
+              <a:t>19/06/2018</a:t>
             </a:fld>
             <a:endParaRPr lang="fr-FR"/>
           </a:p>
@@ -8158,7 +8122,7 @@
           <a:p>
             <a:fld id="{48FBB81F-AC1C-42D8-B504-E1BDDC3AB447}" type="datetimeFigureOut">
               <a:rPr lang="fr-FR" smtClean="0"/>
-              <a:t>18/06/2018</a:t>
+              <a:t>19/06/2018</a:t>
             </a:fld>
             <a:endParaRPr lang="fr-FR"/>
           </a:p>
@@ -8522,7 +8486,7 @@
           <a:p>
             <a:fld id="{48FBB81F-AC1C-42D8-B504-E1BDDC3AB447}" type="datetimeFigureOut">
               <a:rPr lang="fr-FR" smtClean="0"/>
-              <a:t>18/06/2018</a:t>
+              <a:t>19/06/2018</a:t>
             </a:fld>
             <a:endParaRPr lang="fr-FR"/>
           </a:p>
@@ -8639,7 +8603,7 @@
           <a:p>
             <a:fld id="{48FBB81F-AC1C-42D8-B504-E1BDDC3AB447}" type="datetimeFigureOut">
               <a:rPr lang="fr-FR" smtClean="0"/>
-              <a:t>18/06/2018</a:t>
+              <a:t>19/06/2018</a:t>
             </a:fld>
             <a:endParaRPr lang="fr-FR"/>
           </a:p>
@@ -8734,7 +8698,7 @@
           <a:p>
             <a:fld id="{48FBB81F-AC1C-42D8-B504-E1BDDC3AB447}" type="datetimeFigureOut">
               <a:rPr lang="fr-FR" smtClean="0"/>
-              <a:t>18/06/2018</a:t>
+              <a:t>19/06/2018</a:t>
             </a:fld>
             <a:endParaRPr lang="fr-FR"/>
           </a:p>
@@ -9009,7 +8973,7 @@
           <a:p>
             <a:fld id="{48FBB81F-AC1C-42D8-B504-E1BDDC3AB447}" type="datetimeFigureOut">
               <a:rPr lang="fr-FR" smtClean="0"/>
-              <a:t>18/06/2018</a:t>
+              <a:t>19/06/2018</a:t>
             </a:fld>
             <a:endParaRPr lang="fr-FR"/>
           </a:p>
@@ -9261,7 +9225,7 @@
           <a:p>
             <a:fld id="{48FBB81F-AC1C-42D8-B504-E1BDDC3AB447}" type="datetimeFigureOut">
               <a:rPr lang="fr-FR" smtClean="0"/>
-              <a:t>18/06/2018</a:t>
+              <a:t>19/06/2018</a:t>
             </a:fld>
             <a:endParaRPr lang="fr-FR"/>
           </a:p>
@@ -9472,7 +9436,7 @@
           <a:p>
             <a:fld id="{48FBB81F-AC1C-42D8-B504-E1BDDC3AB447}" type="datetimeFigureOut">
               <a:rPr lang="fr-FR" smtClean="0"/>
-              <a:t>18/06/2018</a:t>
+              <a:t>19/06/2018</a:t>
             </a:fld>
             <a:endParaRPr lang="fr-FR"/>
           </a:p>
@@ -9877,100 +9841,79 @@
           <a:chExt cx="0" cy="0"/>
         </a:xfrm>
       </p:grpSpPr>
-      <p:grpSp>
-        <p:nvGrpSpPr>
-          <p:cNvPr id="2" name="Groupe 1">
+      <p:graphicFrame>
+        <p:nvGraphicFramePr>
+          <p:cNvPr id="4" name="Graphique 3">
             <a:extLst>
               <a:ext uri="{FF2B5EF4-FFF2-40B4-BE49-F238E27FC236}">
-                <a16:creationId xmlns:a16="http://schemas.microsoft.com/office/drawing/2014/main" id="{DD6ECA77-5AD4-495D-B400-3768019CB798}"/>
+                <a16:creationId xmlns:a16="http://schemas.microsoft.com/office/drawing/2014/main" id="{8EE0CC00-0C23-4CEF-80B0-312B9179D26A}"/>
               </a:ext>
             </a:extLst>
           </p:cNvPr>
-          <p:cNvGrpSpPr/>
+          <p:cNvGraphicFramePr>
+            <a:graphicFrameLocks/>
+          </p:cNvGraphicFramePr>
+          <p:nvPr>
+            <p:extLst>
+              <p:ext uri="{D42A27DB-BD31-4B8C-83A1-F6EECF244321}">
+                <p14:modId xmlns:p14="http://schemas.microsoft.com/office/powerpoint/2010/main" val="1963227702"/>
+              </p:ext>
+            </p:extLst>
+          </p:nvPr>
+        </p:nvGraphicFramePr>
+        <p:xfrm>
+          <a:off x="1121185" y="307712"/>
+          <a:ext cx="10317779" cy="6364605"/>
+        </p:xfrm>
+        <a:graphic>
+          <a:graphicData uri="http://schemas.openxmlformats.org/drawingml/2006/chart">
+            <c:chart xmlns:c="http://schemas.openxmlformats.org/drawingml/2006/chart" xmlns:r="http://schemas.openxmlformats.org/officeDocument/2006/relationships" r:id="rId2"/>
+          </a:graphicData>
+        </a:graphic>
+      </p:graphicFrame>
+      <p:sp>
+        <p:nvSpPr>
+          <p:cNvPr id="3" name="ZoneTexte 2">
+            <a:extLst>
+              <a:ext uri="{FF2B5EF4-FFF2-40B4-BE49-F238E27FC236}">
+                <a16:creationId xmlns:a16="http://schemas.microsoft.com/office/drawing/2014/main" id="{D64D611D-8644-447F-A3D8-7DD58ED59044}"/>
+              </a:ext>
+            </a:extLst>
+          </p:cNvPr>
+          <p:cNvSpPr txBox="1"/>
           <p:nvPr/>
-        </p:nvGrpSpPr>
-        <p:grpSpPr>
+        </p:nvSpPr>
+        <p:spPr>
           <a:xfrm>
-            <a:off x="1121185" y="307712"/>
-            <a:ext cx="10317779" cy="6364605"/>
-            <a:chOff x="1121185" y="307712"/>
-            <a:chExt cx="10317779" cy="6364605"/>
+            <a:off x="10404177" y="3075057"/>
+            <a:ext cx="935579" cy="707886"/>
           </a:xfrm>
-        </p:grpSpPr>
-        <p:graphicFrame>
-          <p:nvGraphicFramePr>
-            <p:cNvPr id="4" name="Graphique 3">
-              <a:extLst>
-                <a:ext uri="{FF2B5EF4-FFF2-40B4-BE49-F238E27FC236}">
-                  <a16:creationId xmlns:a16="http://schemas.microsoft.com/office/drawing/2014/main" id="{8EE0CC00-0C23-4CEF-80B0-312B9179D26A}"/>
-                </a:ext>
-              </a:extLst>
-            </p:cNvPr>
-            <p:cNvGraphicFramePr>
-              <a:graphicFrameLocks/>
-            </p:cNvGraphicFramePr>
-            <p:nvPr>
-              <p:extLst>
-                <p:ext uri="{D42A27DB-BD31-4B8C-83A1-F6EECF244321}">
-                  <p14:modId xmlns:p14="http://schemas.microsoft.com/office/powerpoint/2010/main" val="1963227702"/>
-                </p:ext>
-              </p:extLst>
-            </p:nvPr>
-          </p:nvGraphicFramePr>
-          <p:xfrm>
-            <a:off x="1121185" y="307712"/>
-            <a:ext cx="10317779" cy="6364605"/>
-          </p:xfrm>
-          <a:graphic>
-            <a:graphicData uri="http://schemas.openxmlformats.org/drawingml/2006/chart">
-              <c:chart xmlns:c="http://schemas.openxmlformats.org/drawingml/2006/chart" xmlns:r="http://schemas.openxmlformats.org/officeDocument/2006/relationships" r:id="rId2"/>
-            </a:graphicData>
-          </a:graphic>
-        </p:graphicFrame>
-        <p:sp>
-          <p:nvSpPr>
-            <p:cNvPr id="3" name="ZoneTexte 2">
-              <a:extLst>
-                <a:ext uri="{FF2B5EF4-FFF2-40B4-BE49-F238E27FC236}">
-                  <a16:creationId xmlns:a16="http://schemas.microsoft.com/office/drawing/2014/main" id="{D64D611D-8644-447F-A3D8-7DD58ED59044}"/>
-                </a:ext>
-              </a:extLst>
-            </p:cNvPr>
-            <p:cNvSpPr txBox="1"/>
-            <p:nvPr/>
-          </p:nvSpPr>
-          <p:spPr>
-            <a:xfrm>
-              <a:off x="10404177" y="3075057"/>
-              <a:ext cx="935579" cy="707886"/>
-            </a:xfrm>
-            <a:prstGeom prst="rect">
-              <a:avLst/>
-            </a:prstGeom>
-            <a:solidFill>
-              <a:schemeClr val="bg1"/>
-            </a:solidFill>
-          </p:spPr>
-          <p:txBody>
-            <a:bodyPr wrap="square" rtlCol="0">
-              <a:spAutoFit/>
-            </a:bodyPr>
-            <a:lstStyle/>
-            <a:p>
-              <a:r>
-                <a:rPr lang="fr-FR" sz="2000" dirty="0"/>
-                <a:t>A</a:t>
-              </a:r>
-            </a:p>
-            <a:p>
-              <a:r>
-                <a:rPr lang="fr-FR" sz="2000" dirty="0"/>
-                <a:t>B</a:t>
-              </a:r>
-            </a:p>
-          </p:txBody>
-        </p:sp>
-      </p:grpSp>
+          <a:prstGeom prst="rect">
+            <a:avLst/>
+          </a:prstGeom>
+          <a:solidFill>
+            <a:schemeClr val="bg1"/>
+          </a:solidFill>
+        </p:spPr>
+        <p:txBody>
+          <a:bodyPr wrap="square" rtlCol="0">
+            <a:spAutoFit/>
+          </a:bodyPr>
+          <a:lstStyle/>
+          <a:p>
+            <a:r>
+              <a:rPr lang="fr-FR" sz="2000" dirty="0"/>
+              <a:t>A</a:t>
+            </a:r>
+          </a:p>
+          <a:p>
+            <a:r>
+              <a:rPr lang="fr-FR" sz="2000" dirty="0"/>
+              <a:t>B</a:t>
+            </a:r>
+          </a:p>
+        </p:txBody>
+      </p:sp>
     </p:spTree>
     <p:extLst>
       <p:ext uri="{BB962C8B-B14F-4D97-AF65-F5344CB8AC3E}">
@@ -10016,7 +9959,7 @@
           <p:nvPr>
             <p:extLst>
               <p:ext uri="{D42A27DB-BD31-4B8C-83A1-F6EECF244321}">
-                <p14:modId xmlns:p14="http://schemas.microsoft.com/office/powerpoint/2010/main" val="1458218893"/>
+                <p14:modId xmlns:p14="http://schemas.microsoft.com/office/powerpoint/2010/main" val="2289729293"/>
               </p:ext>
             </p:extLst>
           </p:nvPr>
@@ -10061,12 +10004,42 @@
           <a:chExt cx="0" cy="0"/>
         </a:xfrm>
       </p:grpSpPr>
+      <p:graphicFrame>
+        <p:nvGraphicFramePr>
+          <p:cNvPr id="22" name="Graphique 21">
+            <a:extLst>
+              <a:ext uri="{FF2B5EF4-FFF2-40B4-BE49-F238E27FC236}">
+                <a16:creationId xmlns:a16="http://schemas.microsoft.com/office/drawing/2014/main" id="{7A17F802-B8B1-4F6D-930C-86EB3CAB5862}"/>
+              </a:ext>
+            </a:extLst>
+          </p:cNvPr>
+          <p:cNvGraphicFramePr>
+            <a:graphicFrameLocks/>
+          </p:cNvGraphicFramePr>
+          <p:nvPr>
+            <p:extLst>
+              <p:ext uri="{D42A27DB-BD31-4B8C-83A1-F6EECF244321}">
+                <p14:modId xmlns:p14="http://schemas.microsoft.com/office/powerpoint/2010/main" val="608619647"/>
+              </p:ext>
+            </p:extLst>
+          </p:nvPr>
+        </p:nvGraphicFramePr>
+        <p:xfrm>
+          <a:off x="729128" y="412377"/>
+          <a:ext cx="10948894" cy="6182659"/>
+        </p:xfrm>
+        <a:graphic>
+          <a:graphicData uri="http://schemas.openxmlformats.org/drawingml/2006/chart">
+            <c:chart xmlns:c="http://schemas.openxmlformats.org/drawingml/2006/chart" xmlns:r="http://schemas.openxmlformats.org/officeDocument/2006/relationships" r:id="rId2"/>
+          </a:graphicData>
+        </a:graphic>
+      </p:graphicFrame>
       <p:grpSp>
         <p:nvGrpSpPr>
-          <p:cNvPr id="21" name="Groupe 20">
+          <p:cNvPr id="23" name="Groupe 22">
             <a:extLst>
               <a:ext uri="{FF2B5EF4-FFF2-40B4-BE49-F238E27FC236}">
-                <a16:creationId xmlns:a16="http://schemas.microsoft.com/office/drawing/2014/main" id="{C59D4AB2-6379-4FAE-90FF-E1E3D558CA53}"/>
+                <a16:creationId xmlns:a16="http://schemas.microsoft.com/office/drawing/2014/main" id="{4DC69E90-2EE2-43F4-92D7-782B43E5766E}"/>
               </a:ext>
             </a:extLst>
           </p:cNvPr>
@@ -10075,398 +10048,18 @@
         </p:nvGrpSpPr>
         <p:grpSpPr>
           <a:xfrm>
-            <a:off x="729128" y="412377"/>
-            <a:ext cx="10948894" cy="6182659"/>
-            <a:chOff x="2285969" y="188572"/>
-            <a:chExt cx="7735694" cy="6598920"/>
-          </a:xfrm>
-        </p:grpSpPr>
-        <p:graphicFrame>
-          <p:nvGraphicFramePr>
-            <p:cNvPr id="22" name="Graphique 21">
-              <a:extLst>
-                <a:ext uri="{FF2B5EF4-FFF2-40B4-BE49-F238E27FC236}">
-                  <a16:creationId xmlns:a16="http://schemas.microsoft.com/office/drawing/2014/main" id="{7A17F802-B8B1-4F6D-930C-86EB3CAB5862}"/>
-                </a:ext>
-              </a:extLst>
-            </p:cNvPr>
-            <p:cNvGraphicFramePr>
-              <a:graphicFrameLocks/>
-            </p:cNvGraphicFramePr>
-            <p:nvPr>
-              <p:extLst>
-                <p:ext uri="{D42A27DB-BD31-4B8C-83A1-F6EECF244321}">
-                  <p14:modId xmlns:p14="http://schemas.microsoft.com/office/powerpoint/2010/main" val="608619647"/>
-                </p:ext>
-              </p:extLst>
-            </p:nvPr>
-          </p:nvGraphicFramePr>
-          <p:xfrm>
-            <a:off x="2285969" y="188572"/>
-            <a:ext cx="7735694" cy="6598920"/>
-          </p:xfrm>
-          <a:graphic>
-            <a:graphicData uri="http://schemas.openxmlformats.org/drawingml/2006/chart">
-              <c:chart xmlns:c="http://schemas.openxmlformats.org/drawingml/2006/chart" xmlns:r="http://schemas.openxmlformats.org/officeDocument/2006/relationships" r:id="rId2"/>
-            </a:graphicData>
-          </a:graphic>
-        </p:graphicFrame>
-        <p:grpSp>
-          <p:nvGrpSpPr>
-            <p:cNvPr id="23" name="Groupe 22">
-              <a:extLst>
-                <a:ext uri="{FF2B5EF4-FFF2-40B4-BE49-F238E27FC236}">
-                  <a16:creationId xmlns:a16="http://schemas.microsoft.com/office/drawing/2014/main" id="{4DC69E90-2EE2-43F4-92D7-782B43E5766E}"/>
-                </a:ext>
-              </a:extLst>
-            </p:cNvPr>
-            <p:cNvGrpSpPr/>
-            <p:nvPr/>
-          </p:nvGrpSpPr>
-          <p:grpSpPr>
-            <a:xfrm>
-              <a:off x="8269417" y="613422"/>
-              <a:ext cx="489582" cy="2091678"/>
-              <a:chOff x="-2879863" y="-256809"/>
-              <a:chExt cx="489582" cy="1567519"/>
-            </a:xfrm>
-          </p:grpSpPr>
-          <p:cxnSp>
-            <p:nvCxnSpPr>
-              <p:cNvPr id="36" name="Connecteur droit 35">
-                <a:extLst>
-                  <a:ext uri="{FF2B5EF4-FFF2-40B4-BE49-F238E27FC236}">
-                    <a16:creationId xmlns:a16="http://schemas.microsoft.com/office/drawing/2014/main" id="{A6069DD0-D2C4-49B7-AF07-C2F5870368BB}"/>
-                  </a:ext>
-                </a:extLst>
-              </p:cNvPr>
-              <p:cNvCxnSpPr/>
-              <p:nvPr/>
-            </p:nvCxnSpPr>
-            <p:spPr>
-              <a:xfrm flipV="1">
-                <a:off x="-2879863" y="-256808"/>
-                <a:ext cx="0" cy="159979"/>
-              </a:xfrm>
-              <a:prstGeom prst="line">
-                <a:avLst/>
-              </a:prstGeom>
-              <a:ln w="19050">
-                <a:solidFill>
-                  <a:schemeClr val="tx1"/>
-                </a:solidFill>
-              </a:ln>
-            </p:spPr>
-            <p:style>
-              <a:lnRef idx="1">
-                <a:schemeClr val="accent1"/>
-              </a:lnRef>
-              <a:fillRef idx="0">
-                <a:schemeClr val="accent1"/>
-              </a:fillRef>
-              <a:effectRef idx="0">
-                <a:schemeClr val="accent1"/>
-              </a:effectRef>
-              <a:fontRef idx="minor">
-                <a:schemeClr val="tx1"/>
-              </a:fontRef>
-            </p:style>
-          </p:cxnSp>
-          <p:cxnSp>
-            <p:nvCxnSpPr>
-              <p:cNvPr id="37" name="Connecteur droit 36">
-                <a:extLst>
-                  <a:ext uri="{FF2B5EF4-FFF2-40B4-BE49-F238E27FC236}">
-                    <a16:creationId xmlns:a16="http://schemas.microsoft.com/office/drawing/2014/main" id="{52D51B13-C2E5-4DC4-A29D-E0237943235D}"/>
-                  </a:ext>
-                </a:extLst>
-              </p:cNvPr>
-              <p:cNvCxnSpPr/>
-              <p:nvPr/>
-            </p:nvCxnSpPr>
-            <p:spPr>
-              <a:xfrm flipH="1" flipV="1">
-                <a:off x="-2390432" y="-256808"/>
-                <a:ext cx="151" cy="1567518"/>
-              </a:xfrm>
-              <a:prstGeom prst="line">
-                <a:avLst/>
-              </a:prstGeom>
-              <a:ln w="19050">
-                <a:solidFill>
-                  <a:schemeClr val="tx1"/>
-                </a:solidFill>
-              </a:ln>
-            </p:spPr>
-            <p:style>
-              <a:lnRef idx="1">
-                <a:schemeClr val="accent1"/>
-              </a:lnRef>
-              <a:fillRef idx="0">
-                <a:schemeClr val="accent1"/>
-              </a:fillRef>
-              <a:effectRef idx="0">
-                <a:schemeClr val="accent1"/>
-              </a:effectRef>
-              <a:fontRef idx="minor">
-                <a:schemeClr val="tx1"/>
-              </a:fontRef>
-            </p:style>
-          </p:cxnSp>
-          <p:cxnSp>
-            <p:nvCxnSpPr>
-              <p:cNvPr id="38" name="Connecteur droit 37">
-                <a:extLst>
-                  <a:ext uri="{FF2B5EF4-FFF2-40B4-BE49-F238E27FC236}">
-                    <a16:creationId xmlns:a16="http://schemas.microsoft.com/office/drawing/2014/main" id="{1D2661F4-B37A-48B1-906A-3E15D741ECBF}"/>
-                  </a:ext>
-                </a:extLst>
-              </p:cNvPr>
-              <p:cNvCxnSpPr/>
-              <p:nvPr/>
-            </p:nvCxnSpPr>
-            <p:spPr>
-              <a:xfrm>
-                <a:off x="-2879863" y="-256809"/>
-                <a:ext cx="489431" cy="0"/>
-              </a:xfrm>
-              <a:prstGeom prst="line">
-                <a:avLst/>
-              </a:prstGeom>
-              <a:ln w="19050">
-                <a:solidFill>
-                  <a:schemeClr val="tx1"/>
-                </a:solidFill>
-              </a:ln>
-            </p:spPr>
-            <p:style>
-              <a:lnRef idx="1">
-                <a:schemeClr val="accent1"/>
-              </a:lnRef>
-              <a:fillRef idx="0">
-                <a:schemeClr val="accent1"/>
-              </a:fillRef>
-              <a:effectRef idx="0">
-                <a:schemeClr val="accent1"/>
-              </a:effectRef>
-              <a:fontRef idx="minor">
-                <a:schemeClr val="tx1"/>
-              </a:fontRef>
-            </p:style>
-          </p:cxnSp>
-        </p:grpSp>
-        <p:grpSp>
-          <p:nvGrpSpPr>
-            <p:cNvPr id="24" name="Groupe 23">
-              <a:extLst>
-                <a:ext uri="{FF2B5EF4-FFF2-40B4-BE49-F238E27FC236}">
-                  <a16:creationId xmlns:a16="http://schemas.microsoft.com/office/drawing/2014/main" id="{3446AA69-5667-46B0-9025-3CAA8B08C29B}"/>
-                </a:ext>
-              </a:extLst>
-            </p:cNvPr>
-            <p:cNvGrpSpPr/>
-            <p:nvPr/>
-          </p:nvGrpSpPr>
-          <p:grpSpPr>
-            <a:xfrm>
-              <a:off x="6708211" y="538396"/>
-              <a:ext cx="489582" cy="1345148"/>
-              <a:chOff x="-2879863" y="-256809"/>
-              <a:chExt cx="489582" cy="1567519"/>
-            </a:xfrm>
-          </p:grpSpPr>
-          <p:cxnSp>
-            <p:nvCxnSpPr>
-              <p:cNvPr id="33" name="Connecteur droit 32">
-                <a:extLst>
-                  <a:ext uri="{FF2B5EF4-FFF2-40B4-BE49-F238E27FC236}">
-                    <a16:creationId xmlns:a16="http://schemas.microsoft.com/office/drawing/2014/main" id="{DB1E1169-766B-4B71-BAE7-25B01D2DCA9E}"/>
-                  </a:ext>
-                </a:extLst>
-              </p:cNvPr>
-              <p:cNvCxnSpPr/>
-              <p:nvPr/>
-            </p:nvCxnSpPr>
-            <p:spPr>
-              <a:xfrm flipV="1">
-                <a:off x="-2879863" y="-256808"/>
-                <a:ext cx="0" cy="159979"/>
-              </a:xfrm>
-              <a:prstGeom prst="line">
-                <a:avLst/>
-              </a:prstGeom>
-              <a:ln w="19050">
-                <a:solidFill>
-                  <a:schemeClr val="tx1"/>
-                </a:solidFill>
-              </a:ln>
-            </p:spPr>
-            <p:style>
-              <a:lnRef idx="1">
-                <a:schemeClr val="accent1"/>
-              </a:lnRef>
-              <a:fillRef idx="0">
-                <a:schemeClr val="accent1"/>
-              </a:fillRef>
-              <a:effectRef idx="0">
-                <a:schemeClr val="accent1"/>
-              </a:effectRef>
-              <a:fontRef idx="minor">
-                <a:schemeClr val="tx1"/>
-              </a:fontRef>
-            </p:style>
-          </p:cxnSp>
-          <p:cxnSp>
-            <p:nvCxnSpPr>
-              <p:cNvPr id="34" name="Connecteur droit 33">
-                <a:extLst>
-                  <a:ext uri="{FF2B5EF4-FFF2-40B4-BE49-F238E27FC236}">
-                    <a16:creationId xmlns:a16="http://schemas.microsoft.com/office/drawing/2014/main" id="{1513AF4C-DBF6-46AE-AB47-73ED2D464007}"/>
-                  </a:ext>
-                </a:extLst>
-              </p:cNvPr>
-              <p:cNvCxnSpPr/>
-              <p:nvPr/>
-            </p:nvCxnSpPr>
-            <p:spPr>
-              <a:xfrm flipH="1" flipV="1">
-                <a:off x="-2390432" y="-256808"/>
-                <a:ext cx="151" cy="1567518"/>
-              </a:xfrm>
-              <a:prstGeom prst="line">
-                <a:avLst/>
-              </a:prstGeom>
-              <a:ln w="19050">
-                <a:solidFill>
-                  <a:schemeClr val="tx1"/>
-                </a:solidFill>
-              </a:ln>
-            </p:spPr>
-            <p:style>
-              <a:lnRef idx="1">
-                <a:schemeClr val="accent1"/>
-              </a:lnRef>
-              <a:fillRef idx="0">
-                <a:schemeClr val="accent1"/>
-              </a:fillRef>
-              <a:effectRef idx="0">
-                <a:schemeClr val="accent1"/>
-              </a:effectRef>
-              <a:fontRef idx="minor">
-                <a:schemeClr val="tx1"/>
-              </a:fontRef>
-            </p:style>
-          </p:cxnSp>
-          <p:cxnSp>
-            <p:nvCxnSpPr>
-              <p:cNvPr id="35" name="Connecteur droit 34">
-                <a:extLst>
-                  <a:ext uri="{FF2B5EF4-FFF2-40B4-BE49-F238E27FC236}">
-                    <a16:creationId xmlns:a16="http://schemas.microsoft.com/office/drawing/2014/main" id="{E173A1D1-F2B1-4CF0-9FC9-6ACA72C39DA8}"/>
-                  </a:ext>
-                </a:extLst>
-              </p:cNvPr>
-              <p:cNvCxnSpPr/>
-              <p:nvPr/>
-            </p:nvCxnSpPr>
-            <p:spPr>
-              <a:xfrm>
-                <a:off x="-2879863" y="-256809"/>
-                <a:ext cx="489431" cy="0"/>
-              </a:xfrm>
-              <a:prstGeom prst="line">
-                <a:avLst/>
-              </a:prstGeom>
-              <a:ln w="19050">
-                <a:solidFill>
-                  <a:schemeClr val="tx1"/>
-                </a:solidFill>
-              </a:ln>
-            </p:spPr>
-            <p:style>
-              <a:lnRef idx="1">
-                <a:schemeClr val="accent1"/>
-              </a:lnRef>
-              <a:fillRef idx="0">
-                <a:schemeClr val="accent1"/>
-              </a:fillRef>
-              <a:effectRef idx="0">
-                <a:schemeClr val="accent1"/>
-              </a:effectRef>
-              <a:fontRef idx="minor">
-                <a:schemeClr val="tx1"/>
-              </a:fontRef>
-            </p:style>
-          </p:cxnSp>
-        </p:grpSp>
-        <p:cxnSp>
-          <p:nvCxnSpPr>
-            <p:cNvPr id="27" name="Connecteur droit 26">
-              <a:extLst>
-                <a:ext uri="{FF2B5EF4-FFF2-40B4-BE49-F238E27FC236}">
-                  <a16:creationId xmlns:a16="http://schemas.microsoft.com/office/drawing/2014/main" id="{BABAD46D-3356-4B0A-824F-A45D98C00D93}"/>
-                </a:ext>
-              </a:extLst>
-            </p:cNvPr>
-            <p:cNvCxnSpPr/>
-            <p:nvPr/>
-          </p:nvCxnSpPr>
-          <p:spPr>
-            <a:xfrm flipV="1">
-              <a:off x="3531611" y="371228"/>
-              <a:ext cx="0" cy="127760"/>
-            </a:xfrm>
-            <a:prstGeom prst="line">
-              <a:avLst/>
-            </a:prstGeom>
-            <a:ln w="19050">
-              <a:solidFill>
-                <a:schemeClr val="tx1"/>
-              </a:solidFill>
-            </a:ln>
-          </p:spPr>
-          <p:style>
-            <a:lnRef idx="1">
-              <a:schemeClr val="accent1"/>
-            </a:lnRef>
-            <a:fillRef idx="0">
-              <a:schemeClr val="accent1"/>
-            </a:fillRef>
-            <a:effectRef idx="0">
-              <a:schemeClr val="accent1"/>
-            </a:effectRef>
-            <a:fontRef idx="minor">
-              <a:schemeClr val="tx1"/>
-            </a:fontRef>
-          </p:style>
-        </p:cxnSp>
-      </p:grpSp>
-      <p:grpSp>
-        <p:nvGrpSpPr>
-          <p:cNvPr id="39" name="Groupe 38">
-            <a:extLst>
-              <a:ext uri="{FF2B5EF4-FFF2-40B4-BE49-F238E27FC236}">
-                <a16:creationId xmlns:a16="http://schemas.microsoft.com/office/drawing/2014/main" id="{30A52B61-D5E4-4981-8EDD-57A2B4FF9728}"/>
-              </a:ext>
-            </a:extLst>
-          </p:cNvPr>
-          <p:cNvGrpSpPr/>
-          <p:nvPr/>
-        </p:nvGrpSpPr>
-        <p:grpSpPr>
-          <a:xfrm>
-            <a:off x="4422591" y="740134"/>
-            <a:ext cx="777434" cy="1222192"/>
-            <a:chOff x="-2879874" y="-256809"/>
-            <a:chExt cx="489593" cy="1567519"/>
+            <a:off x="9197940" y="810427"/>
+            <a:ext cx="692941" cy="1959735"/>
+            <a:chOff x="-2879863" y="-256809"/>
+            <a:chExt cx="489582" cy="1567519"/>
           </a:xfrm>
         </p:grpSpPr>
         <p:cxnSp>
           <p:nvCxnSpPr>
-            <p:cNvPr id="40" name="Connecteur droit 39">
+            <p:cNvPr id="36" name="Connecteur droit 35">
               <a:extLst>
                 <a:ext uri="{FF2B5EF4-FFF2-40B4-BE49-F238E27FC236}">
-                  <a16:creationId xmlns:a16="http://schemas.microsoft.com/office/drawing/2014/main" id="{B5959B69-2295-4A6A-9E8E-BE85622388B4}"/>
+                  <a16:creationId xmlns:a16="http://schemas.microsoft.com/office/drawing/2014/main" id="{A6069DD0-D2C4-49B7-AF07-C2F5870368BB}"/>
                 </a:ext>
               </a:extLst>
             </p:cNvPr>
@@ -10504,10 +10097,10 @@
         </p:cxnSp>
         <p:cxnSp>
           <p:nvCxnSpPr>
-            <p:cNvPr id="41" name="Connecteur droit 40">
+            <p:cNvPr id="37" name="Connecteur droit 36">
               <a:extLst>
                 <a:ext uri="{FF2B5EF4-FFF2-40B4-BE49-F238E27FC236}">
-                  <a16:creationId xmlns:a16="http://schemas.microsoft.com/office/drawing/2014/main" id="{43955DFD-A584-4259-A672-EF594072475C}"/>
+                  <a16:creationId xmlns:a16="http://schemas.microsoft.com/office/drawing/2014/main" id="{52D51B13-C2E5-4DC4-A29D-E0237943235D}"/>
                 </a:ext>
               </a:extLst>
             </p:cNvPr>
@@ -10545,10 +10138,10 @@
         </p:cxnSp>
         <p:cxnSp>
           <p:nvCxnSpPr>
-            <p:cNvPr id="42" name="Connecteur droit 41">
+            <p:cNvPr id="38" name="Connecteur droit 37">
               <a:extLst>
                 <a:ext uri="{FF2B5EF4-FFF2-40B4-BE49-F238E27FC236}">
-                  <a16:creationId xmlns:a16="http://schemas.microsoft.com/office/drawing/2014/main" id="{ACD2C36A-226F-41E3-8810-CD86B136542F}"/>
+                  <a16:creationId xmlns:a16="http://schemas.microsoft.com/office/drawing/2014/main" id="{1D2661F4-B37A-48B1-906A-3E15D741ECBF}"/>
                 </a:ext>
               </a:extLst>
             </p:cNvPr>
@@ -10557,7 +10150,7 @@
           </p:nvCxnSpPr>
           <p:spPr>
             <a:xfrm>
-              <a:off x="-2879874" y="-256809"/>
+              <a:off x="-2879863" y="-256809"/>
               <a:ext cx="489431" cy="0"/>
             </a:xfrm>
             <a:prstGeom prst="line">
@@ -10587,10 +10180,10 @@
       </p:grpSp>
       <p:grpSp>
         <p:nvGrpSpPr>
-          <p:cNvPr id="43" name="Groupe 42">
+          <p:cNvPr id="24" name="Groupe 23">
             <a:extLst>
               <a:ext uri="{FF2B5EF4-FFF2-40B4-BE49-F238E27FC236}">
-                <a16:creationId xmlns:a16="http://schemas.microsoft.com/office/drawing/2014/main" id="{5305609A-DAC9-4FD3-8AB4-51B2A631BE15}"/>
+                <a16:creationId xmlns:a16="http://schemas.microsoft.com/office/drawing/2014/main" id="{3446AA69-5667-46B0-9025-3CAA8B08C29B}"/>
               </a:ext>
             </a:extLst>
           </p:cNvPr>
@@ -10599,18 +10192,18 @@
         </p:nvGrpSpPr>
         <p:grpSpPr>
           <a:xfrm>
-            <a:off x="2301119" y="740134"/>
-            <a:ext cx="690087" cy="1222192"/>
-            <a:chOff x="-2879874" y="-256809"/>
-            <a:chExt cx="489593" cy="1567519"/>
+            <a:off x="6988251" y="740134"/>
+            <a:ext cx="692941" cy="1260296"/>
+            <a:chOff x="-2879863" y="-256809"/>
+            <a:chExt cx="489582" cy="1567519"/>
           </a:xfrm>
         </p:grpSpPr>
         <p:cxnSp>
           <p:nvCxnSpPr>
-            <p:cNvPr id="44" name="Connecteur droit 43">
+            <p:cNvPr id="33" name="Connecteur droit 32">
               <a:extLst>
                 <a:ext uri="{FF2B5EF4-FFF2-40B4-BE49-F238E27FC236}">
-                  <a16:creationId xmlns:a16="http://schemas.microsoft.com/office/drawing/2014/main" id="{9F9024B3-CC6B-43BD-BF66-A24461D417C9}"/>
+                  <a16:creationId xmlns:a16="http://schemas.microsoft.com/office/drawing/2014/main" id="{DB1E1169-766B-4B71-BAE7-25B01D2DCA9E}"/>
                 </a:ext>
               </a:extLst>
             </p:cNvPr>
@@ -10648,10 +10241,10 @@
         </p:cxnSp>
         <p:cxnSp>
           <p:nvCxnSpPr>
-            <p:cNvPr id="45" name="Connecteur droit 44">
+            <p:cNvPr id="34" name="Connecteur droit 33">
               <a:extLst>
                 <a:ext uri="{FF2B5EF4-FFF2-40B4-BE49-F238E27FC236}">
-                  <a16:creationId xmlns:a16="http://schemas.microsoft.com/office/drawing/2014/main" id="{28420A28-9E6D-4B29-B008-E6C048C610DA}"/>
+                  <a16:creationId xmlns:a16="http://schemas.microsoft.com/office/drawing/2014/main" id="{1513AF4C-DBF6-46AE-AB47-73ED2D464007}"/>
                 </a:ext>
               </a:extLst>
             </p:cNvPr>
@@ -10689,10 +10282,10 @@
         </p:cxnSp>
         <p:cxnSp>
           <p:nvCxnSpPr>
-            <p:cNvPr id="46" name="Connecteur droit 45">
+            <p:cNvPr id="35" name="Connecteur droit 34">
               <a:extLst>
                 <a:ext uri="{FF2B5EF4-FFF2-40B4-BE49-F238E27FC236}">
-                  <a16:creationId xmlns:a16="http://schemas.microsoft.com/office/drawing/2014/main" id="{224A8FC7-9EBE-498D-BCA9-1792F90182A3}"/>
+                  <a16:creationId xmlns:a16="http://schemas.microsoft.com/office/drawing/2014/main" id="{E173A1D1-F2B1-4CF0-9FC9-6ACA72C39DA8}"/>
                 </a:ext>
               </a:extLst>
             </p:cNvPr>
@@ -10701,7 +10294,7 @@
           </p:nvCxnSpPr>
           <p:spPr>
             <a:xfrm>
-              <a:off x="-2879874" y="-256809"/>
+              <a:off x="-2879863" y="-256809"/>
               <a:ext cx="489431" cy="0"/>
             </a:xfrm>
             <a:prstGeom prst="line">
@@ -10729,6 +10322,293 @@
           </p:style>
         </p:cxnSp>
       </p:grpSp>
+      <p:cxnSp>
+        <p:nvCxnSpPr>
+          <p:cNvPr id="27" name="Connecteur droit 26">
+            <a:extLst>
+              <a:ext uri="{FF2B5EF4-FFF2-40B4-BE49-F238E27FC236}">
+                <a16:creationId xmlns:a16="http://schemas.microsoft.com/office/drawing/2014/main" id="{BABAD46D-3356-4B0A-824F-A45D98C00D93}"/>
+              </a:ext>
+            </a:extLst>
+          </p:cNvPr>
+          <p:cNvCxnSpPr/>
+          <p:nvPr/>
+        </p:nvCxnSpPr>
+        <p:spPr>
+          <a:xfrm flipV="1">
+            <a:off x="2492176" y="583511"/>
+            <a:ext cx="0" cy="119701"/>
+          </a:xfrm>
+          <a:prstGeom prst="line">
+            <a:avLst/>
+          </a:prstGeom>
+          <a:ln w="19050">
+            <a:solidFill>
+              <a:schemeClr val="tx1"/>
+            </a:solidFill>
+          </a:ln>
+        </p:spPr>
+        <p:style>
+          <a:lnRef idx="1">
+            <a:schemeClr val="accent1"/>
+          </a:lnRef>
+          <a:fillRef idx="0">
+            <a:schemeClr val="accent1"/>
+          </a:fillRef>
+          <a:effectRef idx="0">
+            <a:schemeClr val="accent1"/>
+          </a:effectRef>
+          <a:fontRef idx="minor">
+            <a:schemeClr val="tx1"/>
+          </a:fontRef>
+        </p:style>
+      </p:cxnSp>
+      <p:cxnSp>
+        <p:nvCxnSpPr>
+          <p:cNvPr id="40" name="Connecteur droit 39">
+            <a:extLst>
+              <a:ext uri="{FF2B5EF4-FFF2-40B4-BE49-F238E27FC236}">
+                <a16:creationId xmlns:a16="http://schemas.microsoft.com/office/drawing/2014/main" id="{B5959B69-2295-4A6A-9E8E-BE85622388B4}"/>
+              </a:ext>
+            </a:extLst>
+          </p:cNvPr>
+          <p:cNvCxnSpPr/>
+          <p:nvPr/>
+        </p:nvCxnSpPr>
+        <p:spPr>
+          <a:xfrm flipV="1">
+            <a:off x="4422608" y="740135"/>
+            <a:ext cx="0" cy="124735"/>
+          </a:xfrm>
+          <a:prstGeom prst="line">
+            <a:avLst/>
+          </a:prstGeom>
+          <a:ln w="19050">
+            <a:solidFill>
+              <a:schemeClr val="tx1"/>
+            </a:solidFill>
+          </a:ln>
+        </p:spPr>
+        <p:style>
+          <a:lnRef idx="1">
+            <a:schemeClr val="accent1"/>
+          </a:lnRef>
+          <a:fillRef idx="0">
+            <a:schemeClr val="accent1"/>
+          </a:fillRef>
+          <a:effectRef idx="0">
+            <a:schemeClr val="accent1"/>
+          </a:effectRef>
+          <a:fontRef idx="minor">
+            <a:schemeClr val="tx1"/>
+          </a:fontRef>
+        </p:style>
+      </p:cxnSp>
+      <p:cxnSp>
+        <p:nvCxnSpPr>
+          <p:cNvPr id="41" name="Connecteur droit 40">
+            <a:extLst>
+              <a:ext uri="{FF2B5EF4-FFF2-40B4-BE49-F238E27FC236}">
+                <a16:creationId xmlns:a16="http://schemas.microsoft.com/office/drawing/2014/main" id="{43955DFD-A584-4259-A672-EF594072475C}"/>
+              </a:ext>
+            </a:extLst>
+          </p:cNvPr>
+          <p:cNvCxnSpPr/>
+          <p:nvPr/>
+        </p:nvCxnSpPr>
+        <p:spPr>
+          <a:xfrm flipH="1" flipV="1">
+            <a:off x="5199785" y="740135"/>
+            <a:ext cx="240" cy="1222191"/>
+          </a:xfrm>
+          <a:prstGeom prst="line">
+            <a:avLst/>
+          </a:prstGeom>
+          <a:ln w="19050">
+            <a:solidFill>
+              <a:schemeClr val="tx1"/>
+            </a:solidFill>
+          </a:ln>
+        </p:spPr>
+        <p:style>
+          <a:lnRef idx="1">
+            <a:schemeClr val="accent1"/>
+          </a:lnRef>
+          <a:fillRef idx="0">
+            <a:schemeClr val="accent1"/>
+          </a:fillRef>
+          <a:effectRef idx="0">
+            <a:schemeClr val="accent1"/>
+          </a:effectRef>
+          <a:fontRef idx="minor">
+            <a:schemeClr val="tx1"/>
+          </a:fontRef>
+        </p:style>
+      </p:cxnSp>
+      <p:cxnSp>
+        <p:nvCxnSpPr>
+          <p:cNvPr id="42" name="Connecteur droit 41">
+            <a:extLst>
+              <a:ext uri="{FF2B5EF4-FFF2-40B4-BE49-F238E27FC236}">
+                <a16:creationId xmlns:a16="http://schemas.microsoft.com/office/drawing/2014/main" id="{ACD2C36A-226F-41E3-8810-CD86B136542F}"/>
+              </a:ext>
+            </a:extLst>
+          </p:cNvPr>
+          <p:cNvCxnSpPr/>
+          <p:nvPr/>
+        </p:nvCxnSpPr>
+        <p:spPr>
+          <a:xfrm>
+            <a:off x="4422591" y="740134"/>
+            <a:ext cx="777177" cy="0"/>
+          </a:xfrm>
+          <a:prstGeom prst="line">
+            <a:avLst/>
+          </a:prstGeom>
+          <a:ln w="19050">
+            <a:solidFill>
+              <a:schemeClr val="tx1"/>
+            </a:solidFill>
+          </a:ln>
+        </p:spPr>
+        <p:style>
+          <a:lnRef idx="1">
+            <a:schemeClr val="accent1"/>
+          </a:lnRef>
+          <a:fillRef idx="0">
+            <a:schemeClr val="accent1"/>
+          </a:fillRef>
+          <a:effectRef idx="0">
+            <a:schemeClr val="accent1"/>
+          </a:effectRef>
+          <a:fontRef idx="minor">
+            <a:schemeClr val="tx1"/>
+          </a:fontRef>
+        </p:style>
+      </p:cxnSp>
+      <p:cxnSp>
+        <p:nvCxnSpPr>
+          <p:cNvPr id="44" name="Connecteur droit 43">
+            <a:extLst>
+              <a:ext uri="{FF2B5EF4-FFF2-40B4-BE49-F238E27FC236}">
+                <a16:creationId xmlns:a16="http://schemas.microsoft.com/office/drawing/2014/main" id="{9F9024B3-CC6B-43BD-BF66-A24461D417C9}"/>
+              </a:ext>
+            </a:extLst>
+          </p:cNvPr>
+          <p:cNvCxnSpPr/>
+          <p:nvPr/>
+        </p:nvCxnSpPr>
+        <p:spPr>
+          <a:xfrm flipV="1">
+            <a:off x="2301135" y="740135"/>
+            <a:ext cx="0" cy="124735"/>
+          </a:xfrm>
+          <a:prstGeom prst="line">
+            <a:avLst/>
+          </a:prstGeom>
+          <a:ln w="19050">
+            <a:solidFill>
+              <a:schemeClr val="tx1"/>
+            </a:solidFill>
+          </a:ln>
+        </p:spPr>
+        <p:style>
+          <a:lnRef idx="1">
+            <a:schemeClr val="accent1"/>
+          </a:lnRef>
+          <a:fillRef idx="0">
+            <a:schemeClr val="accent1"/>
+          </a:fillRef>
+          <a:effectRef idx="0">
+            <a:schemeClr val="accent1"/>
+          </a:effectRef>
+          <a:fontRef idx="minor">
+            <a:schemeClr val="tx1"/>
+          </a:fontRef>
+        </p:style>
+      </p:cxnSp>
+      <p:cxnSp>
+        <p:nvCxnSpPr>
+          <p:cNvPr id="45" name="Connecteur droit 44">
+            <a:extLst>
+              <a:ext uri="{FF2B5EF4-FFF2-40B4-BE49-F238E27FC236}">
+                <a16:creationId xmlns:a16="http://schemas.microsoft.com/office/drawing/2014/main" id="{28420A28-9E6D-4B29-B008-E6C048C610DA}"/>
+              </a:ext>
+            </a:extLst>
+          </p:cNvPr>
+          <p:cNvCxnSpPr/>
+          <p:nvPr/>
+        </p:nvCxnSpPr>
+        <p:spPr>
+          <a:xfrm flipH="1" flipV="1">
+            <a:off x="2990993" y="740135"/>
+            <a:ext cx="213" cy="1222191"/>
+          </a:xfrm>
+          <a:prstGeom prst="line">
+            <a:avLst/>
+          </a:prstGeom>
+          <a:ln w="19050">
+            <a:solidFill>
+              <a:schemeClr val="tx1"/>
+            </a:solidFill>
+          </a:ln>
+        </p:spPr>
+        <p:style>
+          <a:lnRef idx="1">
+            <a:schemeClr val="accent1"/>
+          </a:lnRef>
+          <a:fillRef idx="0">
+            <a:schemeClr val="accent1"/>
+          </a:fillRef>
+          <a:effectRef idx="0">
+            <a:schemeClr val="accent1"/>
+          </a:effectRef>
+          <a:fontRef idx="minor">
+            <a:schemeClr val="tx1"/>
+          </a:fontRef>
+        </p:style>
+      </p:cxnSp>
+      <p:cxnSp>
+        <p:nvCxnSpPr>
+          <p:cNvPr id="46" name="Connecteur droit 45">
+            <a:extLst>
+              <a:ext uri="{FF2B5EF4-FFF2-40B4-BE49-F238E27FC236}">
+                <a16:creationId xmlns:a16="http://schemas.microsoft.com/office/drawing/2014/main" id="{224A8FC7-9EBE-498D-BCA9-1792F90182A3}"/>
+              </a:ext>
+            </a:extLst>
+          </p:cNvPr>
+          <p:cNvCxnSpPr/>
+          <p:nvPr/>
+        </p:nvCxnSpPr>
+        <p:spPr>
+          <a:xfrm>
+            <a:off x="2301119" y="740134"/>
+            <a:ext cx="689859" cy="0"/>
+          </a:xfrm>
+          <a:prstGeom prst="line">
+            <a:avLst/>
+          </a:prstGeom>
+          <a:ln w="19050">
+            <a:solidFill>
+              <a:schemeClr val="tx1"/>
+            </a:solidFill>
+          </a:ln>
+        </p:spPr>
+        <p:style>
+          <a:lnRef idx="1">
+            <a:schemeClr val="accent1"/>
+          </a:lnRef>
+          <a:fillRef idx="0">
+            <a:schemeClr val="accent1"/>
+          </a:fillRef>
+          <a:effectRef idx="0">
+            <a:schemeClr val="accent1"/>
+          </a:effectRef>
+          <a:fontRef idx="minor">
+            <a:schemeClr val="tx1"/>
+          </a:fontRef>
+        </p:style>
+      </p:cxnSp>
     </p:spTree>
     <p:extLst>
       <p:ext uri="{BB962C8B-B14F-4D97-AF65-F5344CB8AC3E}">
